--- a/Class Content/Day 1/JavaScript Lesson 1.pptx
+++ b/Class Content/Day 1/JavaScript Lesson 1.pptx
@@ -1,50 +1,51 @@
 
 <file path=ppt/presentation.xml><?xml version="1.0" encoding="utf-8"?>
-<p:presentation xmlns:a="http://schemas.openxmlformats.org/drawingml/2006/main" xmlns:r="http://schemas.openxmlformats.org/officeDocument/2006/relationships" xmlns:mc="http://schemas.openxmlformats.org/markup-compatibility/2006" xmlns:mv="urn:schemas-microsoft-com:mac:vml" xmlns:p="http://schemas.openxmlformats.org/presentationml/2006/main" xmlns:c="http://schemas.openxmlformats.org/drawingml/2006/chart" xmlns:dgm="http://schemas.openxmlformats.org/drawingml/2006/diagram" xmlns:o="urn:schemas-microsoft-com:office:office" xmlns:v="urn:schemas-microsoft-com:vml" xmlns:pvml="urn:schemas-microsoft-com:office:powerpoint" xmlns:com="http://schemas.openxmlformats.org/drawingml/2006/compatibility" xmlns:p14="http://schemas.microsoft.com/office/powerpoint/2010/main" xmlns:p15="http://schemas.microsoft.com/office/powerpoint/2012/main" autoCompressPictures="0" embedTrueTypeFonts="1" strictFirstAndLastChars="0" saveSubsetFonts="1">
+<p:presentation xmlns:a="http://schemas.openxmlformats.org/drawingml/2006/main" xmlns:r="http://schemas.openxmlformats.org/officeDocument/2006/relationships" xmlns:p="http://schemas.openxmlformats.org/presentationml/2006/main" strictFirstAndLastChars="0" embedTrueTypeFonts="1" saveSubsetFonts="1" autoCompressPictures="0">
   <p:sldMasterIdLst>
-    <p:sldMasterId id="2147483659" r:id="rId4"/>
+    <p:sldMasterId id="2147483659" r:id="rId1"/>
   </p:sldMasterIdLst>
   <p:notesMasterIdLst>
-    <p:notesMasterId r:id="rId5"/>
+    <p:notesMasterId r:id="rId26"/>
   </p:notesMasterIdLst>
   <p:sldIdLst>
-    <p:sldId id="256" r:id="rId6"/>
-    <p:sldId id="257" r:id="rId7"/>
-    <p:sldId id="258" r:id="rId8"/>
-    <p:sldId id="259" r:id="rId9"/>
-    <p:sldId id="260" r:id="rId10"/>
-    <p:sldId id="261" r:id="rId11"/>
-    <p:sldId id="262" r:id="rId12"/>
-    <p:sldId id="263" r:id="rId13"/>
-    <p:sldId id="264" r:id="rId14"/>
-    <p:sldId id="265" r:id="rId15"/>
-    <p:sldId id="266" r:id="rId16"/>
-    <p:sldId id="267" r:id="rId17"/>
-    <p:sldId id="268" r:id="rId18"/>
-    <p:sldId id="269" r:id="rId19"/>
-    <p:sldId id="270" r:id="rId20"/>
-    <p:sldId id="271" r:id="rId21"/>
-    <p:sldId id="272" r:id="rId22"/>
-    <p:sldId id="273" r:id="rId23"/>
-    <p:sldId id="274" r:id="rId24"/>
-    <p:sldId id="275" r:id="rId25"/>
-    <p:sldId id="276" r:id="rId26"/>
-    <p:sldId id="277" r:id="rId27"/>
-    <p:sldId id="278" r:id="rId28"/>
+    <p:sldId id="256" r:id="rId2"/>
+    <p:sldId id="257" r:id="rId3"/>
+    <p:sldId id="258" r:id="rId4"/>
+    <p:sldId id="259" r:id="rId5"/>
+    <p:sldId id="260" r:id="rId6"/>
+    <p:sldId id="261" r:id="rId7"/>
+    <p:sldId id="262" r:id="rId8"/>
+    <p:sldId id="263" r:id="rId9"/>
+    <p:sldId id="264" r:id="rId10"/>
+    <p:sldId id="265" r:id="rId11"/>
+    <p:sldId id="266" r:id="rId12"/>
+    <p:sldId id="267" r:id="rId13"/>
+    <p:sldId id="268" r:id="rId14"/>
+    <p:sldId id="269" r:id="rId15"/>
+    <p:sldId id="270" r:id="rId16"/>
+    <p:sldId id="271" r:id="rId17"/>
+    <p:sldId id="272" r:id="rId18"/>
+    <p:sldId id="273" r:id="rId19"/>
+    <p:sldId id="274" r:id="rId20"/>
+    <p:sldId id="275" r:id="rId21"/>
+    <p:sldId id="276" r:id="rId22"/>
+    <p:sldId id="277" r:id="rId23"/>
+    <p:sldId id="278" r:id="rId24"/>
+    <p:sldId id="280" r:id="rId25"/>
   </p:sldIdLst>
-  <p:sldSz cy="5143500" cx="9144000"/>
+  <p:sldSz cx="9144000" cy="5143500" type="screen16x9"/>
   <p:notesSz cx="6858000" cy="9144000"/>
   <p:embeddedFontLst>
     <p:embeddedFont>
-      <p:font typeface="Roboto"/>
-      <p:regular r:id="rId29"/>
-      <p:bold r:id="rId30"/>
-      <p:italic r:id="rId31"/>
-      <p:boldItalic r:id="rId32"/>
+      <p:font typeface="Roboto" panose="020B0604020202020204" charset="0"/>
+      <p:regular r:id="rId27"/>
+      <p:bold r:id="rId28"/>
+      <p:italic r:id="rId29"/>
+      <p:boldItalic r:id="rId30"/>
     </p:embeddedFont>
   </p:embeddedFontLst>
   <p:defaultTextStyle>
-    <a:defPPr lvl="0" marR="0" rtl="0" algn="l">
+    <a:defPPr marR="0" lvl="0" algn="l" rtl="0">
       <a:lnSpc>
         <a:spcPct val="100000"/>
       </a:lnSpc>
@@ -55,7 +56,7 @@
         <a:spcPts val="0"/>
       </a:spcAft>
     </a:defPPr>
-    <a:lvl1pPr lvl="0" marR="0" rtl="0" algn="l">
+    <a:lvl1pPr marR="0" lvl="0" algn="l" rtl="0">
       <a:lnSpc>
         <a:spcPct val="100000"/>
       </a:lnSpc>
@@ -69,7 +70,7 @@
         <a:srgbClr val="000000"/>
       </a:buClr>
       <a:buFont typeface="Arial"/>
-      <a:defRPr b="0" i="0" sz="1400" u="none" cap="none" strike="noStrike">
+      <a:defRPr sz="1400" b="0" i="0" u="none" strike="noStrike" cap="none">
         <a:solidFill>
           <a:srgbClr val="000000"/>
         </a:solidFill>
@@ -79,7 +80,7 @@
         <a:sym typeface="Arial"/>
       </a:defRPr>
     </a:lvl1pPr>
-    <a:lvl2pPr lvl="1" marR="0" rtl="0" algn="l">
+    <a:lvl2pPr marR="0" lvl="1" algn="l" rtl="0">
       <a:lnSpc>
         <a:spcPct val="100000"/>
       </a:lnSpc>
@@ -93,7 +94,7 @@
         <a:srgbClr val="000000"/>
       </a:buClr>
       <a:buFont typeface="Arial"/>
-      <a:defRPr b="0" i="0" sz="1400" u="none" cap="none" strike="noStrike">
+      <a:defRPr sz="1400" b="0" i="0" u="none" strike="noStrike" cap="none">
         <a:solidFill>
           <a:srgbClr val="000000"/>
         </a:solidFill>
@@ -103,7 +104,7 @@
         <a:sym typeface="Arial"/>
       </a:defRPr>
     </a:lvl2pPr>
-    <a:lvl3pPr lvl="2" marR="0" rtl="0" algn="l">
+    <a:lvl3pPr marR="0" lvl="2" algn="l" rtl="0">
       <a:lnSpc>
         <a:spcPct val="100000"/>
       </a:lnSpc>
@@ -117,7 +118,7 @@
         <a:srgbClr val="000000"/>
       </a:buClr>
       <a:buFont typeface="Arial"/>
-      <a:defRPr b="0" i="0" sz="1400" u="none" cap="none" strike="noStrike">
+      <a:defRPr sz="1400" b="0" i="0" u="none" strike="noStrike" cap="none">
         <a:solidFill>
           <a:srgbClr val="000000"/>
         </a:solidFill>
@@ -127,7 +128,7 @@
         <a:sym typeface="Arial"/>
       </a:defRPr>
     </a:lvl3pPr>
-    <a:lvl4pPr lvl="3" marR="0" rtl="0" algn="l">
+    <a:lvl4pPr marR="0" lvl="3" algn="l" rtl="0">
       <a:lnSpc>
         <a:spcPct val="100000"/>
       </a:lnSpc>
@@ -141,7 +142,7 @@
         <a:srgbClr val="000000"/>
       </a:buClr>
       <a:buFont typeface="Arial"/>
-      <a:defRPr b="0" i="0" sz="1400" u="none" cap="none" strike="noStrike">
+      <a:defRPr sz="1400" b="0" i="0" u="none" strike="noStrike" cap="none">
         <a:solidFill>
           <a:srgbClr val="000000"/>
         </a:solidFill>
@@ -151,7 +152,7 @@
         <a:sym typeface="Arial"/>
       </a:defRPr>
     </a:lvl4pPr>
-    <a:lvl5pPr lvl="4" marR="0" rtl="0" algn="l">
+    <a:lvl5pPr marR="0" lvl="4" algn="l" rtl="0">
       <a:lnSpc>
         <a:spcPct val="100000"/>
       </a:lnSpc>
@@ -165,7 +166,7 @@
         <a:srgbClr val="000000"/>
       </a:buClr>
       <a:buFont typeface="Arial"/>
-      <a:defRPr b="0" i="0" sz="1400" u="none" cap="none" strike="noStrike">
+      <a:defRPr sz="1400" b="0" i="0" u="none" strike="noStrike" cap="none">
         <a:solidFill>
           <a:srgbClr val="000000"/>
         </a:solidFill>
@@ -175,7 +176,7 @@
         <a:sym typeface="Arial"/>
       </a:defRPr>
     </a:lvl5pPr>
-    <a:lvl6pPr lvl="5" marR="0" rtl="0" algn="l">
+    <a:lvl6pPr marR="0" lvl="5" algn="l" rtl="0">
       <a:lnSpc>
         <a:spcPct val="100000"/>
       </a:lnSpc>
@@ -189,7 +190,7 @@
         <a:srgbClr val="000000"/>
       </a:buClr>
       <a:buFont typeface="Arial"/>
-      <a:defRPr b="0" i="0" sz="1400" u="none" cap="none" strike="noStrike">
+      <a:defRPr sz="1400" b="0" i="0" u="none" strike="noStrike" cap="none">
         <a:solidFill>
           <a:srgbClr val="000000"/>
         </a:solidFill>
@@ -199,7 +200,7 @@
         <a:sym typeface="Arial"/>
       </a:defRPr>
     </a:lvl6pPr>
-    <a:lvl7pPr lvl="6" marR="0" rtl="0" algn="l">
+    <a:lvl7pPr marR="0" lvl="6" algn="l" rtl="0">
       <a:lnSpc>
         <a:spcPct val="100000"/>
       </a:lnSpc>
@@ -213,7 +214,7 @@
         <a:srgbClr val="000000"/>
       </a:buClr>
       <a:buFont typeface="Arial"/>
-      <a:defRPr b="0" i="0" sz="1400" u="none" cap="none" strike="noStrike">
+      <a:defRPr sz="1400" b="0" i="0" u="none" strike="noStrike" cap="none">
         <a:solidFill>
           <a:srgbClr val="000000"/>
         </a:solidFill>
@@ -223,7 +224,7 @@
         <a:sym typeface="Arial"/>
       </a:defRPr>
     </a:lvl7pPr>
-    <a:lvl8pPr lvl="7" marR="0" rtl="0" algn="l">
+    <a:lvl8pPr marR="0" lvl="7" algn="l" rtl="0">
       <a:lnSpc>
         <a:spcPct val="100000"/>
       </a:lnSpc>
@@ -237,7 +238,7 @@
         <a:srgbClr val="000000"/>
       </a:buClr>
       <a:buFont typeface="Arial"/>
-      <a:defRPr b="0" i="0" sz="1400" u="none" cap="none" strike="noStrike">
+      <a:defRPr sz="1400" b="0" i="0" u="none" strike="noStrike" cap="none">
         <a:solidFill>
           <a:srgbClr val="000000"/>
         </a:solidFill>
@@ -247,7 +248,7 @@
         <a:sym typeface="Arial"/>
       </a:defRPr>
     </a:lvl8pPr>
-    <a:lvl9pPr lvl="8" marR="0" rtl="0" algn="l">
+    <a:lvl9pPr marR="0" lvl="8" algn="l" rtl="0">
       <a:lnSpc>
         <a:spcPct val="100000"/>
       </a:lnSpc>
@@ -261,7 +262,7 @@
         <a:srgbClr val="000000"/>
       </a:buClr>
       <a:buFont typeface="Arial"/>
-      <a:defRPr b="0" i="0" sz="1400" u="none" cap="none" strike="noStrike">
+      <a:defRPr sz="1400" b="0" i="0" u="none" strike="noStrike" cap="none">
         <a:solidFill>
           <a:srgbClr val="000000"/>
         </a:solidFill>
@@ -274,7 +275,7 @@
   </p:defaultTextStyle>
   <p:extLst>
     <p:ext uri="{EFAFB233-063F-42B5-8137-9DF3F51BA10A}">
-      <p15:sldGuideLst>
+      <p15:sldGuideLst xmlns:p15="http://schemas.microsoft.com/office/powerpoint/2012/main">
         <p15:guide id="1" orient="horz" pos="1620">
           <p15:clr>
             <a:srgbClr val="A4A3A4"/>
@@ -292,11 +293,16 @@
 </file>
 
 <file path=ppt/notesMasters/notesMaster1.xml><?xml version="1.0" encoding="utf-8"?>
-<p:notesMaster xmlns:a="http://schemas.openxmlformats.org/drawingml/2006/main" xmlns:r="http://schemas.openxmlformats.org/officeDocument/2006/relationships" xmlns:mc="http://schemas.openxmlformats.org/markup-compatibility/2006" xmlns:mv="urn:schemas-microsoft-com:mac:vml" xmlns:p="http://schemas.openxmlformats.org/presentationml/2006/main" xmlns:c="http://schemas.openxmlformats.org/drawingml/2006/chart" xmlns:dgm="http://schemas.openxmlformats.org/drawingml/2006/diagram" xmlns:o="urn:schemas-microsoft-com:office:office" xmlns:v="urn:schemas-microsoft-com:vml" xmlns:pvml="urn:schemas-microsoft-com:office:powerpoint" xmlns:com="http://schemas.openxmlformats.org/drawingml/2006/compatibility" xmlns:p14="http://schemas.microsoft.com/office/powerpoint/2010/main" xmlns:p15="http://schemas.microsoft.com/office/powerpoint/2012/main">
+<p:notesMaster xmlns:a="http://schemas.openxmlformats.org/drawingml/2006/main" xmlns:r="http://schemas.openxmlformats.org/officeDocument/2006/relationships" xmlns:p="http://schemas.openxmlformats.org/presentationml/2006/main">
   <p:cSld>
+    <p:bg>
+      <p:bgRef idx="1001">
+        <a:schemeClr val="bg1"/>
+      </p:bgRef>
+    </p:bg>
     <p:spTree>
       <p:nvGrpSpPr>
-        <p:cNvPr id="2" name="Shape 2"/>
+        <p:cNvPr id="1" name="Shape 2"/>
         <p:cNvGrpSpPr/>
         <p:nvPr/>
       </p:nvGrpSpPr>
@@ -311,9 +317,11 @@
       <p:sp>
         <p:nvSpPr>
           <p:cNvPr id="3" name="Google Shape;3;n"/>
-          <p:cNvSpPr/>
+          <p:cNvSpPr>
+            <a:spLocks noGrp="1" noRot="1" noChangeAspect="1"/>
+          </p:cNvSpPr>
           <p:nvPr>
-            <p:ph idx="2" type="sldImg"/>
+            <p:ph type="sldImg" idx="2"/>
           </p:nvPr>
         </p:nvSpPr>
         <p:spPr>
@@ -322,9 +330,13 @@
             <a:ext cx="6096075" cy="3429000"/>
           </a:xfrm>
           <a:custGeom>
-            <a:rect b="b" l="l" r="r" t="t"/>
+            <a:avLst/>
+            <a:gdLst/>
+            <a:ahLst/>
+            <a:cxnLst/>
+            <a:rect l="l" t="t" r="r" b="b"/>
             <a:pathLst>
-              <a:path extrusionOk="0" h="120000" w="120000">
+              <a:path w="120000" h="120000" extrusionOk="0">
                 <a:moveTo>
                   <a:pt x="0" y="0"/>
                 </a:moveTo>
@@ -342,23 +354,25 @@
             </a:pathLst>
           </a:custGeom>
           <a:noFill/>
-          <a:ln cap="flat" cmpd="sng" w="9525">
+          <a:ln w="9525" cap="flat" cmpd="sng">
             <a:solidFill>
               <a:srgbClr val="000000"/>
             </a:solidFill>
             <a:prstDash val="solid"/>
             <a:round/>
-            <a:headEnd len="sm" w="sm" type="none"/>
-            <a:tailEnd len="sm" w="sm" type="none"/>
+            <a:headEnd type="none" w="sm" len="sm"/>
+            <a:tailEnd type="none" w="sm" len="sm"/>
           </a:ln>
         </p:spPr>
       </p:sp>
       <p:sp>
         <p:nvSpPr>
           <p:cNvPr id="4" name="Google Shape;4;n"/>
-          <p:cNvSpPr txBox="1"/>
+          <p:cNvSpPr txBox="1">
+            <a:spLocks noGrp="1"/>
+          </p:cNvSpPr>
           <p:nvPr>
-            <p:ph idx="1" type="body"/>
+            <p:ph type="body" idx="1"/>
           </p:nvPr>
         </p:nvSpPr>
         <p:spPr>
@@ -375,11 +389,11 @@
           </a:ln>
         </p:spPr>
         <p:txBody>
-          <a:bodyPr anchorCtr="0" anchor="t" bIns="91425" lIns="91425" spcFirstLastPara="1" rIns="91425" wrap="square" tIns="91425">
+          <a:bodyPr spcFirstLastPara="1" wrap="square" lIns="91425" tIns="91425" rIns="91425" bIns="91425" anchor="t" anchorCtr="0">
             <a:noAutofit/>
           </a:bodyPr>
           <a:lstStyle>
-            <a:lvl1pPr indent="-298450" lvl="0" marL="457200">
+            <a:lvl1pPr marL="457200" lvl="0" indent="-298450">
               <a:spcBef>
                 <a:spcPts val="0"/>
               </a:spcBef>
@@ -390,7 +404,7 @@
               <a:buChar char="●"/>
               <a:defRPr sz="1100"/>
             </a:lvl1pPr>
-            <a:lvl2pPr indent="-298450" lvl="1" marL="914400">
+            <a:lvl2pPr marL="914400" lvl="1" indent="-298450">
               <a:spcBef>
                 <a:spcPts val="0"/>
               </a:spcBef>
@@ -401,7 +415,7 @@
               <a:buChar char="○"/>
               <a:defRPr sz="1100"/>
             </a:lvl2pPr>
-            <a:lvl3pPr indent="-298450" lvl="2" marL="1371600">
+            <a:lvl3pPr marL="1371600" lvl="2" indent="-298450">
               <a:spcBef>
                 <a:spcPts val="0"/>
               </a:spcBef>
@@ -412,7 +426,7 @@
               <a:buChar char="■"/>
               <a:defRPr sz="1100"/>
             </a:lvl3pPr>
-            <a:lvl4pPr indent="-298450" lvl="3" marL="1828800">
+            <a:lvl4pPr marL="1828800" lvl="3" indent="-298450">
               <a:spcBef>
                 <a:spcPts val="0"/>
               </a:spcBef>
@@ -423,7 +437,7 @@
               <a:buChar char="●"/>
               <a:defRPr sz="1100"/>
             </a:lvl4pPr>
-            <a:lvl5pPr indent="-298450" lvl="4" marL="2286000">
+            <a:lvl5pPr marL="2286000" lvl="4" indent="-298450">
               <a:spcBef>
                 <a:spcPts val="0"/>
               </a:spcBef>
@@ -434,7 +448,7 @@
               <a:buChar char="○"/>
               <a:defRPr sz="1100"/>
             </a:lvl5pPr>
-            <a:lvl6pPr indent="-298450" lvl="5" marL="2743200">
+            <a:lvl6pPr marL="2743200" lvl="5" indent="-298450">
               <a:spcBef>
                 <a:spcPts val="0"/>
               </a:spcBef>
@@ -445,7 +459,7 @@
               <a:buChar char="■"/>
               <a:defRPr sz="1100"/>
             </a:lvl6pPr>
-            <a:lvl7pPr indent="-298450" lvl="6" marL="3200400">
+            <a:lvl7pPr marL="3200400" lvl="6" indent="-298450">
               <a:spcBef>
                 <a:spcPts val="0"/>
               </a:spcBef>
@@ -456,7 +470,7 @@
               <a:buChar char="●"/>
               <a:defRPr sz="1100"/>
             </a:lvl7pPr>
-            <a:lvl8pPr indent="-298450" lvl="7" marL="3657600">
+            <a:lvl8pPr marL="3657600" lvl="7" indent="-298450">
               <a:spcBef>
                 <a:spcPts val="0"/>
               </a:spcBef>
@@ -467,7 +481,7 @@
               <a:buChar char="○"/>
               <a:defRPr sz="1100"/>
             </a:lvl8pPr>
-            <a:lvl9pPr indent="-298450" lvl="8" marL="4114800">
+            <a:lvl9pPr marL="4114800" lvl="8" indent="-298450">
               <a:spcBef>
                 <a:spcPts val="0"/>
               </a:spcBef>
@@ -479,14 +493,16 @@
               <a:defRPr sz="1100"/>
             </a:lvl9pPr>
           </a:lstStyle>
-          <a:p/>
+          <a:p>
+            <a:endParaRPr/>
+          </a:p>
         </p:txBody>
       </p:sp>
     </p:spTree>
   </p:cSld>
-  <p:clrMap accent1="accent1" accent2="accent2" accent3="accent3" accent4="accent4" accent5="accent5" accent6="accent6" bg1="lt1" bg2="dk2" tx1="dk1" tx2="lt2" folHlink="folHlink" hlink="hlink"/>
+  <p:clrMap bg1="lt1" tx1="dk1" bg2="dk2" tx2="lt2" accent1="accent1" accent2="accent2" accent3="accent3" accent4="accent4" accent5="accent5" accent6="accent6" hlink="hlink" folHlink="folHlink"/>
   <p:notesStyle>
-    <a:defPPr lvl="0" marR="0" rtl="0" algn="l">
+    <a:defPPr marR="0" lvl="0" algn="l" rtl="0">
       <a:lnSpc>
         <a:spcPct val="100000"/>
       </a:lnSpc>
@@ -497,7 +513,7 @@
         <a:spcPts val="0"/>
       </a:spcAft>
     </a:defPPr>
-    <a:lvl1pPr lvl="0" marR="0" rtl="0" algn="l">
+    <a:lvl1pPr marR="0" lvl="0" algn="l" rtl="0">
       <a:lnSpc>
         <a:spcPct val="100000"/>
       </a:lnSpc>
@@ -511,7 +527,7 @@
         <a:srgbClr val="000000"/>
       </a:buClr>
       <a:buFont typeface="Arial"/>
-      <a:defRPr b="0" i="0" sz="1400" u="none" cap="none" strike="noStrike">
+      <a:defRPr sz="1400" b="0" i="0" u="none" strike="noStrike" cap="none">
         <a:solidFill>
           <a:srgbClr val="000000"/>
         </a:solidFill>
@@ -521,7 +537,7 @@
         <a:sym typeface="Arial"/>
       </a:defRPr>
     </a:lvl1pPr>
-    <a:lvl2pPr lvl="1" marR="0" rtl="0" algn="l">
+    <a:lvl2pPr marR="0" lvl="1" algn="l" rtl="0">
       <a:lnSpc>
         <a:spcPct val="100000"/>
       </a:lnSpc>
@@ -535,7 +551,7 @@
         <a:srgbClr val="000000"/>
       </a:buClr>
       <a:buFont typeface="Arial"/>
-      <a:defRPr b="0" i="0" sz="1400" u="none" cap="none" strike="noStrike">
+      <a:defRPr sz="1400" b="0" i="0" u="none" strike="noStrike" cap="none">
         <a:solidFill>
           <a:srgbClr val="000000"/>
         </a:solidFill>
@@ -545,7 +561,7 @@
         <a:sym typeface="Arial"/>
       </a:defRPr>
     </a:lvl2pPr>
-    <a:lvl3pPr lvl="2" marR="0" rtl="0" algn="l">
+    <a:lvl3pPr marR="0" lvl="2" algn="l" rtl="0">
       <a:lnSpc>
         <a:spcPct val="100000"/>
       </a:lnSpc>
@@ -559,7 +575,7 @@
         <a:srgbClr val="000000"/>
       </a:buClr>
       <a:buFont typeface="Arial"/>
-      <a:defRPr b="0" i="0" sz="1400" u="none" cap="none" strike="noStrike">
+      <a:defRPr sz="1400" b="0" i="0" u="none" strike="noStrike" cap="none">
         <a:solidFill>
           <a:srgbClr val="000000"/>
         </a:solidFill>
@@ -569,7 +585,7 @@
         <a:sym typeface="Arial"/>
       </a:defRPr>
     </a:lvl3pPr>
-    <a:lvl4pPr lvl="3" marR="0" rtl="0" algn="l">
+    <a:lvl4pPr marR="0" lvl="3" algn="l" rtl="0">
       <a:lnSpc>
         <a:spcPct val="100000"/>
       </a:lnSpc>
@@ -583,7 +599,7 @@
         <a:srgbClr val="000000"/>
       </a:buClr>
       <a:buFont typeface="Arial"/>
-      <a:defRPr b="0" i="0" sz="1400" u="none" cap="none" strike="noStrike">
+      <a:defRPr sz="1400" b="0" i="0" u="none" strike="noStrike" cap="none">
         <a:solidFill>
           <a:srgbClr val="000000"/>
         </a:solidFill>
@@ -593,7 +609,7 @@
         <a:sym typeface="Arial"/>
       </a:defRPr>
     </a:lvl4pPr>
-    <a:lvl5pPr lvl="4" marR="0" rtl="0" algn="l">
+    <a:lvl5pPr marR="0" lvl="4" algn="l" rtl="0">
       <a:lnSpc>
         <a:spcPct val="100000"/>
       </a:lnSpc>
@@ -607,7 +623,7 @@
         <a:srgbClr val="000000"/>
       </a:buClr>
       <a:buFont typeface="Arial"/>
-      <a:defRPr b="0" i="0" sz="1400" u="none" cap="none" strike="noStrike">
+      <a:defRPr sz="1400" b="0" i="0" u="none" strike="noStrike" cap="none">
         <a:solidFill>
           <a:srgbClr val="000000"/>
         </a:solidFill>
@@ -617,7 +633,7 @@
         <a:sym typeface="Arial"/>
       </a:defRPr>
     </a:lvl5pPr>
-    <a:lvl6pPr lvl="5" marR="0" rtl="0" algn="l">
+    <a:lvl6pPr marR="0" lvl="5" algn="l" rtl="0">
       <a:lnSpc>
         <a:spcPct val="100000"/>
       </a:lnSpc>
@@ -631,7 +647,7 @@
         <a:srgbClr val="000000"/>
       </a:buClr>
       <a:buFont typeface="Arial"/>
-      <a:defRPr b="0" i="0" sz="1400" u="none" cap="none" strike="noStrike">
+      <a:defRPr sz="1400" b="0" i="0" u="none" strike="noStrike" cap="none">
         <a:solidFill>
           <a:srgbClr val="000000"/>
         </a:solidFill>
@@ -641,7 +657,7 @@
         <a:sym typeface="Arial"/>
       </a:defRPr>
     </a:lvl6pPr>
-    <a:lvl7pPr lvl="6" marR="0" rtl="0" algn="l">
+    <a:lvl7pPr marR="0" lvl="6" algn="l" rtl="0">
       <a:lnSpc>
         <a:spcPct val="100000"/>
       </a:lnSpc>
@@ -655,7 +671,7 @@
         <a:srgbClr val="000000"/>
       </a:buClr>
       <a:buFont typeface="Arial"/>
-      <a:defRPr b="0" i="0" sz="1400" u="none" cap="none" strike="noStrike">
+      <a:defRPr sz="1400" b="0" i="0" u="none" strike="noStrike" cap="none">
         <a:solidFill>
           <a:srgbClr val="000000"/>
         </a:solidFill>
@@ -665,7 +681,7 @@
         <a:sym typeface="Arial"/>
       </a:defRPr>
     </a:lvl7pPr>
-    <a:lvl8pPr lvl="7" marR="0" rtl="0" algn="l">
+    <a:lvl8pPr marR="0" lvl="7" algn="l" rtl="0">
       <a:lnSpc>
         <a:spcPct val="100000"/>
       </a:lnSpc>
@@ -679,7 +695,7 @@
         <a:srgbClr val="000000"/>
       </a:buClr>
       <a:buFont typeface="Arial"/>
-      <a:defRPr b="0" i="0" sz="1400" u="none" cap="none" strike="noStrike">
+      <a:defRPr sz="1400" b="0" i="0" u="none" strike="noStrike" cap="none">
         <a:solidFill>
           <a:srgbClr val="000000"/>
         </a:solidFill>
@@ -689,7 +705,7 @@
         <a:sym typeface="Arial"/>
       </a:defRPr>
     </a:lvl8pPr>
-    <a:lvl9pPr lvl="8" marR="0" rtl="0" algn="l">
+    <a:lvl9pPr marR="0" lvl="8" algn="l" rtl="0">
       <a:lnSpc>
         <a:spcPct val="100000"/>
       </a:lnSpc>
@@ -703,7 +719,7 @@
         <a:srgbClr val="000000"/>
       </a:buClr>
       <a:buFont typeface="Arial"/>
-      <a:defRPr b="0" i="0" sz="1400" u="none" cap="none" strike="noStrike">
+      <a:defRPr sz="1400" b="0" i="0" u="none" strike="noStrike" cap="none">
         <a:solidFill>
           <a:srgbClr val="000000"/>
         </a:solidFill>
@@ -718,11 +734,11 @@
 </file>
 
 <file path=ppt/notesSlides/notesSlide1.xml><?xml version="1.0" encoding="utf-8"?>
-<p:notes xmlns:a="http://schemas.openxmlformats.org/drawingml/2006/main" xmlns:r="http://schemas.openxmlformats.org/officeDocument/2006/relationships" xmlns:mc="http://schemas.openxmlformats.org/markup-compatibility/2006" xmlns:mv="urn:schemas-microsoft-com:mac:vml" xmlns:p="http://schemas.openxmlformats.org/presentationml/2006/main" xmlns:c="http://schemas.openxmlformats.org/drawingml/2006/chart" xmlns:dgm="http://schemas.openxmlformats.org/drawingml/2006/diagram" xmlns:o="urn:schemas-microsoft-com:office:office" xmlns:v="urn:schemas-microsoft-com:vml" xmlns:pvml="urn:schemas-microsoft-com:office:powerpoint" xmlns:com="http://schemas.openxmlformats.org/drawingml/2006/compatibility" xmlns:p14="http://schemas.microsoft.com/office/powerpoint/2010/main" xmlns:p15="http://schemas.microsoft.com/office/powerpoint/2012/main" showMasterPhAnim="0" showMasterSp="0">
+<p:notes xmlns:a="http://schemas.openxmlformats.org/drawingml/2006/main" xmlns:r="http://schemas.openxmlformats.org/officeDocument/2006/relationships" xmlns:p="http://schemas.openxmlformats.org/presentationml/2006/main" showMasterSp="0" showMasterPhAnim="0">
   <p:cSld>
     <p:spTree>
       <p:nvGrpSpPr>
-        <p:cNvPr id="63" name="Shape 63"/>
+        <p:cNvPr id="1" name="Shape 63"/>
         <p:cNvGrpSpPr/>
         <p:nvPr/>
       </p:nvGrpSpPr>
@@ -737,20 +753,26 @@
       <p:sp>
         <p:nvSpPr>
           <p:cNvPr id="64" name="Google Shape;64;p:notes"/>
-          <p:cNvSpPr/>
+          <p:cNvSpPr>
+            <a:spLocks noGrp="1" noRot="1" noChangeAspect="1"/>
+          </p:cNvSpPr>
           <p:nvPr>
-            <p:ph idx="2" type="sldImg"/>
+            <p:ph type="sldImg" idx="2"/>
           </p:nvPr>
         </p:nvSpPr>
         <p:spPr>
           <a:xfrm>
-            <a:off x="381300" y="685800"/>
-            <a:ext cx="6096075" cy="3429000"/>
+            <a:off x="381000" y="685800"/>
+            <a:ext cx="6096000" cy="3429000"/>
           </a:xfrm>
           <a:custGeom>
-            <a:rect b="b" l="l" r="r" t="t"/>
+            <a:avLst/>
+            <a:gdLst/>
+            <a:ahLst/>
+            <a:cxnLst/>
+            <a:rect l="l" t="t" r="r" b="b"/>
             <a:pathLst>
-              <a:path extrusionOk="0" h="120000" w="120000">
+              <a:path w="120000" h="120000" extrusionOk="0">
                 <a:moveTo>
                   <a:pt x="0" y="0"/>
                 </a:moveTo>
@@ -772,9 +794,11 @@
       <p:sp>
         <p:nvSpPr>
           <p:cNvPr id="65" name="Google Shape;65;p:notes"/>
-          <p:cNvSpPr txBox="1"/>
+          <p:cNvSpPr txBox="1">
+            <a:spLocks noGrp="1"/>
+          </p:cNvSpPr>
           <p:nvPr>
-            <p:ph idx="1" type="body"/>
+            <p:ph type="body" idx="1"/>
           </p:nvPr>
         </p:nvSpPr>
         <p:spPr>
@@ -787,23 +811,20 @@
           </a:prstGeom>
         </p:spPr>
         <p:txBody>
-          <a:bodyPr anchorCtr="0" anchor="t" bIns="91425" lIns="91425" spcFirstLastPara="1" rIns="91425" wrap="square" tIns="91425">
+          <a:bodyPr spcFirstLastPara="1" wrap="square" lIns="91425" tIns="91425" rIns="91425" bIns="91425" anchor="t" anchorCtr="0">
             <a:noAutofit/>
           </a:bodyPr>
           <a:lstStyle/>
           <a:p>
-            <a:pPr indent="0" lvl="0" marL="0" rtl="0" algn="l">
-              <a:spcBef>
-                <a:spcPts val="0"/>
-              </a:spcBef>
-              <a:spcAft>
-                <a:spcPts val="0"/>
-              </a:spcAft>
-              <a:buNone/>
-            </a:pPr>
-            <a:r>
-              <a:t/>
-            </a:r>
+            <a:pPr marL="0" lvl="0" indent="0" algn="l" rtl="0">
+              <a:spcBef>
+                <a:spcPts val="0"/>
+              </a:spcBef>
+              <a:spcAft>
+                <a:spcPts val="0"/>
+              </a:spcAft>
+              <a:buNone/>
+            </a:pPr>
             <a:endParaRPr/>
           </a:p>
         </p:txBody>
@@ -817,11 +838,11 @@
 </file>
 
 <file path=ppt/notesSlides/notesSlide10.xml><?xml version="1.0" encoding="utf-8"?>
-<p:notes xmlns:a="http://schemas.openxmlformats.org/drawingml/2006/main" xmlns:r="http://schemas.openxmlformats.org/officeDocument/2006/relationships" xmlns:mc="http://schemas.openxmlformats.org/markup-compatibility/2006" xmlns:mv="urn:schemas-microsoft-com:mac:vml" xmlns:p="http://schemas.openxmlformats.org/presentationml/2006/main" xmlns:c="http://schemas.openxmlformats.org/drawingml/2006/chart" xmlns:dgm="http://schemas.openxmlformats.org/drawingml/2006/diagram" xmlns:o="urn:schemas-microsoft-com:office:office" xmlns:v="urn:schemas-microsoft-com:vml" xmlns:pvml="urn:schemas-microsoft-com:office:powerpoint" xmlns:com="http://schemas.openxmlformats.org/drawingml/2006/compatibility" xmlns:p14="http://schemas.microsoft.com/office/powerpoint/2010/main" xmlns:p15="http://schemas.microsoft.com/office/powerpoint/2012/main" showMasterPhAnim="0" showMasterSp="0">
+<p:notes xmlns:a="http://schemas.openxmlformats.org/drawingml/2006/main" xmlns:r="http://schemas.openxmlformats.org/officeDocument/2006/relationships" xmlns:p="http://schemas.openxmlformats.org/presentationml/2006/main" showMasterSp="0" showMasterPhAnim="0">
   <p:cSld>
     <p:spTree>
       <p:nvGrpSpPr>
-        <p:cNvPr id="117" name="Shape 117"/>
+        <p:cNvPr id="1" name="Shape 117"/>
         <p:cNvGrpSpPr/>
         <p:nvPr/>
       </p:nvGrpSpPr>
@@ -836,9 +857,11 @@
       <p:sp>
         <p:nvSpPr>
           <p:cNvPr id="118" name="Google Shape;118;g7dc819795b_0_112:notes"/>
-          <p:cNvSpPr/>
+          <p:cNvSpPr>
+            <a:spLocks noGrp="1" noRot="1" noChangeAspect="1"/>
+          </p:cNvSpPr>
           <p:nvPr>
-            <p:ph idx="2" type="sldImg"/>
+            <p:ph type="sldImg" idx="2"/>
           </p:nvPr>
         </p:nvSpPr>
         <p:spPr>
@@ -847,9 +870,13 @@
             <a:ext cx="6096000" cy="3429000"/>
           </a:xfrm>
           <a:custGeom>
-            <a:rect b="b" l="l" r="r" t="t"/>
+            <a:avLst/>
+            <a:gdLst/>
+            <a:ahLst/>
+            <a:cxnLst/>
+            <a:rect l="l" t="t" r="r" b="b"/>
             <a:pathLst>
-              <a:path extrusionOk="0" h="120000" w="120000">
+              <a:path w="120000" h="120000" extrusionOk="0">
                 <a:moveTo>
                   <a:pt x="0" y="0"/>
                 </a:moveTo>
@@ -871,9 +898,11 @@
       <p:sp>
         <p:nvSpPr>
           <p:cNvPr id="119" name="Google Shape;119;g7dc819795b_0_112:notes"/>
-          <p:cNvSpPr txBox="1"/>
+          <p:cNvSpPr txBox="1">
+            <a:spLocks noGrp="1"/>
+          </p:cNvSpPr>
           <p:nvPr>
-            <p:ph idx="1" type="body"/>
+            <p:ph type="body" idx="1"/>
           </p:nvPr>
         </p:nvSpPr>
         <p:spPr>
@@ -886,23 +915,20 @@
           </a:prstGeom>
         </p:spPr>
         <p:txBody>
-          <a:bodyPr anchorCtr="0" anchor="t" bIns="91425" lIns="91425" spcFirstLastPara="1" rIns="91425" wrap="square" tIns="91425">
+          <a:bodyPr spcFirstLastPara="1" wrap="square" lIns="91425" tIns="91425" rIns="91425" bIns="91425" anchor="t" anchorCtr="0">
             <a:noAutofit/>
           </a:bodyPr>
           <a:lstStyle/>
           <a:p>
-            <a:pPr indent="0" lvl="0" marL="0" rtl="0" algn="l">
-              <a:spcBef>
-                <a:spcPts val="0"/>
-              </a:spcBef>
-              <a:spcAft>
-                <a:spcPts val="0"/>
-              </a:spcAft>
-              <a:buNone/>
-            </a:pPr>
-            <a:r>
-              <a:t/>
-            </a:r>
+            <a:pPr marL="0" lvl="0" indent="0" algn="l" rtl="0">
+              <a:spcBef>
+                <a:spcPts val="0"/>
+              </a:spcBef>
+              <a:spcAft>
+                <a:spcPts val="0"/>
+              </a:spcAft>
+              <a:buNone/>
+            </a:pPr>
             <a:endParaRPr/>
           </a:p>
         </p:txBody>
@@ -916,11 +942,11 @@
 </file>
 
 <file path=ppt/notesSlides/notesSlide11.xml><?xml version="1.0" encoding="utf-8"?>
-<p:notes xmlns:a="http://schemas.openxmlformats.org/drawingml/2006/main" xmlns:r="http://schemas.openxmlformats.org/officeDocument/2006/relationships" xmlns:mc="http://schemas.openxmlformats.org/markup-compatibility/2006" xmlns:mv="urn:schemas-microsoft-com:mac:vml" xmlns:p="http://schemas.openxmlformats.org/presentationml/2006/main" xmlns:c="http://schemas.openxmlformats.org/drawingml/2006/chart" xmlns:dgm="http://schemas.openxmlformats.org/drawingml/2006/diagram" xmlns:o="urn:schemas-microsoft-com:office:office" xmlns:v="urn:schemas-microsoft-com:vml" xmlns:pvml="urn:schemas-microsoft-com:office:powerpoint" xmlns:com="http://schemas.openxmlformats.org/drawingml/2006/compatibility" xmlns:p14="http://schemas.microsoft.com/office/powerpoint/2010/main" xmlns:p15="http://schemas.microsoft.com/office/powerpoint/2012/main" showMasterPhAnim="0" showMasterSp="0">
+<p:notes xmlns:a="http://schemas.openxmlformats.org/drawingml/2006/main" xmlns:r="http://schemas.openxmlformats.org/officeDocument/2006/relationships" xmlns:p="http://schemas.openxmlformats.org/presentationml/2006/main" showMasterSp="0" showMasterPhAnim="0">
   <p:cSld>
     <p:spTree>
       <p:nvGrpSpPr>
-        <p:cNvPr id="123" name="Shape 123"/>
+        <p:cNvPr id="1" name="Shape 123"/>
         <p:cNvGrpSpPr/>
         <p:nvPr/>
       </p:nvGrpSpPr>
@@ -935,9 +961,11 @@
       <p:sp>
         <p:nvSpPr>
           <p:cNvPr id="124" name="Google Shape;124;g7dc819795b_0_119:notes"/>
-          <p:cNvSpPr/>
+          <p:cNvSpPr>
+            <a:spLocks noGrp="1" noRot="1" noChangeAspect="1"/>
+          </p:cNvSpPr>
           <p:nvPr>
-            <p:ph idx="2" type="sldImg"/>
+            <p:ph type="sldImg" idx="2"/>
           </p:nvPr>
         </p:nvSpPr>
         <p:spPr>
@@ -946,9 +974,13 @@
             <a:ext cx="6096000" cy="3429000"/>
           </a:xfrm>
           <a:custGeom>
-            <a:rect b="b" l="l" r="r" t="t"/>
+            <a:avLst/>
+            <a:gdLst/>
+            <a:ahLst/>
+            <a:cxnLst/>
+            <a:rect l="l" t="t" r="r" b="b"/>
             <a:pathLst>
-              <a:path extrusionOk="0" h="120000" w="120000">
+              <a:path w="120000" h="120000" extrusionOk="0">
                 <a:moveTo>
                   <a:pt x="0" y="0"/>
                 </a:moveTo>
@@ -970,9 +1002,11 @@
       <p:sp>
         <p:nvSpPr>
           <p:cNvPr id="125" name="Google Shape;125;g7dc819795b_0_119:notes"/>
-          <p:cNvSpPr txBox="1"/>
+          <p:cNvSpPr txBox="1">
+            <a:spLocks noGrp="1"/>
+          </p:cNvSpPr>
           <p:nvPr>
-            <p:ph idx="1" type="body"/>
+            <p:ph type="body" idx="1"/>
           </p:nvPr>
         </p:nvSpPr>
         <p:spPr>
@@ -985,23 +1019,20 @@
           </a:prstGeom>
         </p:spPr>
         <p:txBody>
-          <a:bodyPr anchorCtr="0" anchor="t" bIns="91425" lIns="91425" spcFirstLastPara="1" rIns="91425" wrap="square" tIns="91425">
+          <a:bodyPr spcFirstLastPara="1" wrap="square" lIns="91425" tIns="91425" rIns="91425" bIns="91425" anchor="t" anchorCtr="0">
             <a:noAutofit/>
           </a:bodyPr>
           <a:lstStyle/>
           <a:p>
-            <a:pPr indent="0" lvl="0" marL="0" rtl="0" algn="l">
-              <a:spcBef>
-                <a:spcPts val="0"/>
-              </a:spcBef>
-              <a:spcAft>
-                <a:spcPts val="0"/>
-              </a:spcAft>
-              <a:buNone/>
-            </a:pPr>
-            <a:r>
-              <a:t/>
-            </a:r>
+            <a:pPr marL="0" lvl="0" indent="0" algn="l" rtl="0">
+              <a:spcBef>
+                <a:spcPts val="0"/>
+              </a:spcBef>
+              <a:spcAft>
+                <a:spcPts val="0"/>
+              </a:spcAft>
+              <a:buNone/>
+            </a:pPr>
             <a:endParaRPr/>
           </a:p>
         </p:txBody>
@@ -1015,11 +1046,11 @@
 </file>
 
 <file path=ppt/notesSlides/notesSlide12.xml><?xml version="1.0" encoding="utf-8"?>
-<p:notes xmlns:a="http://schemas.openxmlformats.org/drawingml/2006/main" xmlns:r="http://schemas.openxmlformats.org/officeDocument/2006/relationships" xmlns:mc="http://schemas.openxmlformats.org/markup-compatibility/2006" xmlns:mv="urn:schemas-microsoft-com:mac:vml" xmlns:p="http://schemas.openxmlformats.org/presentationml/2006/main" xmlns:c="http://schemas.openxmlformats.org/drawingml/2006/chart" xmlns:dgm="http://schemas.openxmlformats.org/drawingml/2006/diagram" xmlns:o="urn:schemas-microsoft-com:office:office" xmlns:v="urn:schemas-microsoft-com:vml" xmlns:pvml="urn:schemas-microsoft-com:office:powerpoint" xmlns:com="http://schemas.openxmlformats.org/drawingml/2006/compatibility" xmlns:p14="http://schemas.microsoft.com/office/powerpoint/2010/main" xmlns:p15="http://schemas.microsoft.com/office/powerpoint/2012/main" showMasterPhAnim="0" showMasterSp="0">
+<p:notes xmlns:a="http://schemas.openxmlformats.org/drawingml/2006/main" xmlns:r="http://schemas.openxmlformats.org/officeDocument/2006/relationships" xmlns:p="http://schemas.openxmlformats.org/presentationml/2006/main" showMasterSp="0" showMasterPhAnim="0">
   <p:cSld>
     <p:spTree>
       <p:nvGrpSpPr>
-        <p:cNvPr id="129" name="Shape 129"/>
+        <p:cNvPr id="1" name="Shape 129"/>
         <p:cNvGrpSpPr/>
         <p:nvPr/>
       </p:nvGrpSpPr>
@@ -1034,9 +1065,11 @@
       <p:sp>
         <p:nvSpPr>
           <p:cNvPr id="130" name="Google Shape;130;g7dc819795b_0_126:notes"/>
-          <p:cNvSpPr/>
+          <p:cNvSpPr>
+            <a:spLocks noGrp="1" noRot="1" noChangeAspect="1"/>
+          </p:cNvSpPr>
           <p:nvPr>
-            <p:ph idx="2" type="sldImg"/>
+            <p:ph type="sldImg" idx="2"/>
           </p:nvPr>
         </p:nvSpPr>
         <p:spPr>
@@ -1045,9 +1078,13 @@
             <a:ext cx="6096000" cy="3429000"/>
           </a:xfrm>
           <a:custGeom>
-            <a:rect b="b" l="l" r="r" t="t"/>
+            <a:avLst/>
+            <a:gdLst/>
+            <a:ahLst/>
+            <a:cxnLst/>
+            <a:rect l="l" t="t" r="r" b="b"/>
             <a:pathLst>
-              <a:path extrusionOk="0" h="120000" w="120000">
+              <a:path w="120000" h="120000" extrusionOk="0">
                 <a:moveTo>
                   <a:pt x="0" y="0"/>
                 </a:moveTo>
@@ -1069,9 +1106,11 @@
       <p:sp>
         <p:nvSpPr>
           <p:cNvPr id="131" name="Google Shape;131;g7dc819795b_0_126:notes"/>
-          <p:cNvSpPr txBox="1"/>
+          <p:cNvSpPr txBox="1">
+            <a:spLocks noGrp="1"/>
+          </p:cNvSpPr>
           <p:nvPr>
-            <p:ph idx="1" type="body"/>
+            <p:ph type="body" idx="1"/>
           </p:nvPr>
         </p:nvSpPr>
         <p:spPr>
@@ -1084,23 +1123,20 @@
           </a:prstGeom>
         </p:spPr>
         <p:txBody>
-          <a:bodyPr anchorCtr="0" anchor="t" bIns="91425" lIns="91425" spcFirstLastPara="1" rIns="91425" wrap="square" tIns="91425">
+          <a:bodyPr spcFirstLastPara="1" wrap="square" lIns="91425" tIns="91425" rIns="91425" bIns="91425" anchor="t" anchorCtr="0">
             <a:noAutofit/>
           </a:bodyPr>
           <a:lstStyle/>
           <a:p>
-            <a:pPr indent="0" lvl="0" marL="0" rtl="0" algn="l">
-              <a:spcBef>
-                <a:spcPts val="0"/>
-              </a:spcBef>
-              <a:spcAft>
-                <a:spcPts val="0"/>
-              </a:spcAft>
-              <a:buNone/>
-            </a:pPr>
-            <a:r>
-              <a:t/>
-            </a:r>
+            <a:pPr marL="0" lvl="0" indent="0" algn="l" rtl="0">
+              <a:spcBef>
+                <a:spcPts val="0"/>
+              </a:spcBef>
+              <a:spcAft>
+                <a:spcPts val="0"/>
+              </a:spcAft>
+              <a:buNone/>
+            </a:pPr>
             <a:endParaRPr/>
           </a:p>
         </p:txBody>
@@ -1114,11 +1150,11 @@
 </file>
 
 <file path=ppt/notesSlides/notesSlide13.xml><?xml version="1.0" encoding="utf-8"?>
-<p:notes xmlns:a="http://schemas.openxmlformats.org/drawingml/2006/main" xmlns:r="http://schemas.openxmlformats.org/officeDocument/2006/relationships" xmlns:mc="http://schemas.openxmlformats.org/markup-compatibility/2006" xmlns:mv="urn:schemas-microsoft-com:mac:vml" xmlns:p="http://schemas.openxmlformats.org/presentationml/2006/main" xmlns:c="http://schemas.openxmlformats.org/drawingml/2006/chart" xmlns:dgm="http://schemas.openxmlformats.org/drawingml/2006/diagram" xmlns:o="urn:schemas-microsoft-com:office:office" xmlns:v="urn:schemas-microsoft-com:vml" xmlns:pvml="urn:schemas-microsoft-com:office:powerpoint" xmlns:com="http://schemas.openxmlformats.org/drawingml/2006/compatibility" xmlns:p14="http://schemas.microsoft.com/office/powerpoint/2010/main" xmlns:p15="http://schemas.microsoft.com/office/powerpoint/2012/main" showMasterPhAnim="0" showMasterSp="0">
+<p:notes xmlns:a="http://schemas.openxmlformats.org/drawingml/2006/main" xmlns:r="http://schemas.openxmlformats.org/officeDocument/2006/relationships" xmlns:p="http://schemas.openxmlformats.org/presentationml/2006/main" showMasterSp="0" showMasterPhAnim="0">
   <p:cSld>
     <p:spTree>
       <p:nvGrpSpPr>
-        <p:cNvPr id="135" name="Shape 135"/>
+        <p:cNvPr id="1" name="Shape 135"/>
         <p:cNvGrpSpPr/>
         <p:nvPr/>
       </p:nvGrpSpPr>
@@ -1133,9 +1169,11 @@
       <p:sp>
         <p:nvSpPr>
           <p:cNvPr id="136" name="Google Shape;136;g7dc819795b_0_133:notes"/>
-          <p:cNvSpPr/>
+          <p:cNvSpPr>
+            <a:spLocks noGrp="1" noRot="1" noChangeAspect="1"/>
+          </p:cNvSpPr>
           <p:nvPr>
-            <p:ph idx="2" type="sldImg"/>
+            <p:ph type="sldImg" idx="2"/>
           </p:nvPr>
         </p:nvSpPr>
         <p:spPr>
@@ -1144,9 +1182,13 @@
             <a:ext cx="6096000" cy="3429000"/>
           </a:xfrm>
           <a:custGeom>
-            <a:rect b="b" l="l" r="r" t="t"/>
+            <a:avLst/>
+            <a:gdLst/>
+            <a:ahLst/>
+            <a:cxnLst/>
+            <a:rect l="l" t="t" r="r" b="b"/>
             <a:pathLst>
-              <a:path extrusionOk="0" h="120000" w="120000">
+              <a:path w="120000" h="120000" extrusionOk="0">
                 <a:moveTo>
                   <a:pt x="0" y="0"/>
                 </a:moveTo>
@@ -1168,9 +1210,11 @@
       <p:sp>
         <p:nvSpPr>
           <p:cNvPr id="137" name="Google Shape;137;g7dc819795b_0_133:notes"/>
-          <p:cNvSpPr txBox="1"/>
+          <p:cNvSpPr txBox="1">
+            <a:spLocks noGrp="1"/>
+          </p:cNvSpPr>
           <p:nvPr>
-            <p:ph idx="1" type="body"/>
+            <p:ph type="body" idx="1"/>
           </p:nvPr>
         </p:nvSpPr>
         <p:spPr>
@@ -1183,23 +1227,20 @@
           </a:prstGeom>
         </p:spPr>
         <p:txBody>
-          <a:bodyPr anchorCtr="0" anchor="t" bIns="91425" lIns="91425" spcFirstLastPara="1" rIns="91425" wrap="square" tIns="91425">
+          <a:bodyPr spcFirstLastPara="1" wrap="square" lIns="91425" tIns="91425" rIns="91425" bIns="91425" anchor="t" anchorCtr="0">
             <a:noAutofit/>
           </a:bodyPr>
           <a:lstStyle/>
           <a:p>
-            <a:pPr indent="0" lvl="0" marL="0" rtl="0" algn="l">
-              <a:spcBef>
-                <a:spcPts val="0"/>
-              </a:spcBef>
-              <a:spcAft>
-                <a:spcPts val="0"/>
-              </a:spcAft>
-              <a:buNone/>
-            </a:pPr>
-            <a:r>
-              <a:t/>
-            </a:r>
+            <a:pPr marL="0" lvl="0" indent="0" algn="l" rtl="0">
+              <a:spcBef>
+                <a:spcPts val="0"/>
+              </a:spcBef>
+              <a:spcAft>
+                <a:spcPts val="0"/>
+              </a:spcAft>
+              <a:buNone/>
+            </a:pPr>
             <a:endParaRPr/>
           </a:p>
         </p:txBody>
@@ -1213,11 +1254,11 @@
 </file>
 
 <file path=ppt/notesSlides/notesSlide14.xml><?xml version="1.0" encoding="utf-8"?>
-<p:notes xmlns:a="http://schemas.openxmlformats.org/drawingml/2006/main" xmlns:r="http://schemas.openxmlformats.org/officeDocument/2006/relationships" xmlns:mc="http://schemas.openxmlformats.org/markup-compatibility/2006" xmlns:mv="urn:schemas-microsoft-com:mac:vml" xmlns:p="http://schemas.openxmlformats.org/presentationml/2006/main" xmlns:c="http://schemas.openxmlformats.org/drawingml/2006/chart" xmlns:dgm="http://schemas.openxmlformats.org/drawingml/2006/diagram" xmlns:o="urn:schemas-microsoft-com:office:office" xmlns:v="urn:schemas-microsoft-com:vml" xmlns:pvml="urn:schemas-microsoft-com:office:powerpoint" xmlns:com="http://schemas.openxmlformats.org/drawingml/2006/compatibility" xmlns:p14="http://schemas.microsoft.com/office/powerpoint/2010/main" xmlns:p15="http://schemas.microsoft.com/office/powerpoint/2012/main" showMasterPhAnim="0" showMasterSp="0">
+<p:notes xmlns:a="http://schemas.openxmlformats.org/drawingml/2006/main" xmlns:r="http://schemas.openxmlformats.org/officeDocument/2006/relationships" xmlns:p="http://schemas.openxmlformats.org/presentationml/2006/main" showMasterSp="0" showMasterPhAnim="0">
   <p:cSld>
     <p:spTree>
       <p:nvGrpSpPr>
-        <p:cNvPr id="141" name="Shape 141"/>
+        <p:cNvPr id="1" name="Shape 141"/>
         <p:cNvGrpSpPr/>
         <p:nvPr/>
       </p:nvGrpSpPr>
@@ -1232,9 +1273,11 @@
       <p:sp>
         <p:nvSpPr>
           <p:cNvPr id="142" name="Google Shape;142;g7dc819795b_0_145:notes"/>
-          <p:cNvSpPr/>
+          <p:cNvSpPr>
+            <a:spLocks noGrp="1" noRot="1" noChangeAspect="1"/>
+          </p:cNvSpPr>
           <p:nvPr>
-            <p:ph idx="2" type="sldImg"/>
+            <p:ph type="sldImg" idx="2"/>
           </p:nvPr>
         </p:nvSpPr>
         <p:spPr>
@@ -1243,9 +1286,13 @@
             <a:ext cx="6096000" cy="3429000"/>
           </a:xfrm>
           <a:custGeom>
-            <a:rect b="b" l="l" r="r" t="t"/>
+            <a:avLst/>
+            <a:gdLst/>
+            <a:ahLst/>
+            <a:cxnLst/>
+            <a:rect l="l" t="t" r="r" b="b"/>
             <a:pathLst>
-              <a:path extrusionOk="0" h="120000" w="120000">
+              <a:path w="120000" h="120000" extrusionOk="0">
                 <a:moveTo>
                   <a:pt x="0" y="0"/>
                 </a:moveTo>
@@ -1267,9 +1314,11 @@
       <p:sp>
         <p:nvSpPr>
           <p:cNvPr id="143" name="Google Shape;143;g7dc819795b_0_145:notes"/>
-          <p:cNvSpPr txBox="1"/>
+          <p:cNvSpPr txBox="1">
+            <a:spLocks noGrp="1"/>
+          </p:cNvSpPr>
           <p:nvPr>
-            <p:ph idx="1" type="body"/>
+            <p:ph type="body" idx="1"/>
           </p:nvPr>
         </p:nvSpPr>
         <p:spPr>
@@ -1282,23 +1331,20 @@
           </a:prstGeom>
         </p:spPr>
         <p:txBody>
-          <a:bodyPr anchorCtr="0" anchor="t" bIns="91425" lIns="91425" spcFirstLastPara="1" rIns="91425" wrap="square" tIns="91425">
+          <a:bodyPr spcFirstLastPara="1" wrap="square" lIns="91425" tIns="91425" rIns="91425" bIns="91425" anchor="t" anchorCtr="0">
             <a:noAutofit/>
           </a:bodyPr>
           <a:lstStyle/>
           <a:p>
-            <a:pPr indent="0" lvl="0" marL="0" rtl="0" algn="l">
-              <a:spcBef>
-                <a:spcPts val="0"/>
-              </a:spcBef>
-              <a:spcAft>
-                <a:spcPts val="0"/>
-              </a:spcAft>
-              <a:buNone/>
-            </a:pPr>
-            <a:r>
-              <a:t/>
-            </a:r>
+            <a:pPr marL="0" lvl="0" indent="0" algn="l" rtl="0">
+              <a:spcBef>
+                <a:spcPts val="0"/>
+              </a:spcBef>
+              <a:spcAft>
+                <a:spcPts val="0"/>
+              </a:spcAft>
+              <a:buNone/>
+            </a:pPr>
             <a:endParaRPr/>
           </a:p>
         </p:txBody>
@@ -1312,11 +1358,11 @@
 </file>
 
 <file path=ppt/notesSlides/notesSlide15.xml><?xml version="1.0" encoding="utf-8"?>
-<p:notes xmlns:a="http://schemas.openxmlformats.org/drawingml/2006/main" xmlns:r="http://schemas.openxmlformats.org/officeDocument/2006/relationships" xmlns:mc="http://schemas.openxmlformats.org/markup-compatibility/2006" xmlns:mv="urn:schemas-microsoft-com:mac:vml" xmlns:p="http://schemas.openxmlformats.org/presentationml/2006/main" xmlns:c="http://schemas.openxmlformats.org/drawingml/2006/chart" xmlns:dgm="http://schemas.openxmlformats.org/drawingml/2006/diagram" xmlns:o="urn:schemas-microsoft-com:office:office" xmlns:v="urn:schemas-microsoft-com:vml" xmlns:pvml="urn:schemas-microsoft-com:office:powerpoint" xmlns:com="http://schemas.openxmlformats.org/drawingml/2006/compatibility" xmlns:p14="http://schemas.microsoft.com/office/powerpoint/2010/main" xmlns:p15="http://schemas.microsoft.com/office/powerpoint/2012/main" showMasterPhAnim="0" showMasterSp="0">
+<p:notes xmlns:a="http://schemas.openxmlformats.org/drawingml/2006/main" xmlns:r="http://schemas.openxmlformats.org/officeDocument/2006/relationships" xmlns:p="http://schemas.openxmlformats.org/presentationml/2006/main" showMasterSp="0" showMasterPhAnim="0">
   <p:cSld>
     <p:spTree>
       <p:nvGrpSpPr>
-        <p:cNvPr id="147" name="Shape 147"/>
+        <p:cNvPr id="1" name="Shape 147"/>
         <p:cNvGrpSpPr/>
         <p:nvPr/>
       </p:nvGrpSpPr>
@@ -1331,9 +1377,11 @@
       <p:sp>
         <p:nvSpPr>
           <p:cNvPr id="148" name="Google Shape;148;g7dc819795b_0_152:notes"/>
-          <p:cNvSpPr/>
+          <p:cNvSpPr>
+            <a:spLocks noGrp="1" noRot="1" noChangeAspect="1"/>
+          </p:cNvSpPr>
           <p:nvPr>
-            <p:ph idx="2" type="sldImg"/>
+            <p:ph type="sldImg" idx="2"/>
           </p:nvPr>
         </p:nvSpPr>
         <p:spPr>
@@ -1342,9 +1390,13 @@
             <a:ext cx="6096000" cy="3429000"/>
           </a:xfrm>
           <a:custGeom>
-            <a:rect b="b" l="l" r="r" t="t"/>
+            <a:avLst/>
+            <a:gdLst/>
+            <a:ahLst/>
+            <a:cxnLst/>
+            <a:rect l="l" t="t" r="r" b="b"/>
             <a:pathLst>
-              <a:path extrusionOk="0" h="120000" w="120000">
+              <a:path w="120000" h="120000" extrusionOk="0">
                 <a:moveTo>
                   <a:pt x="0" y="0"/>
                 </a:moveTo>
@@ -1366,9 +1418,11 @@
       <p:sp>
         <p:nvSpPr>
           <p:cNvPr id="149" name="Google Shape;149;g7dc819795b_0_152:notes"/>
-          <p:cNvSpPr txBox="1"/>
+          <p:cNvSpPr txBox="1">
+            <a:spLocks noGrp="1"/>
+          </p:cNvSpPr>
           <p:nvPr>
-            <p:ph idx="1" type="body"/>
+            <p:ph type="body" idx="1"/>
           </p:nvPr>
         </p:nvSpPr>
         <p:spPr>
@@ -1381,23 +1435,20 @@
           </a:prstGeom>
         </p:spPr>
         <p:txBody>
-          <a:bodyPr anchorCtr="0" anchor="t" bIns="91425" lIns="91425" spcFirstLastPara="1" rIns="91425" wrap="square" tIns="91425">
+          <a:bodyPr spcFirstLastPara="1" wrap="square" lIns="91425" tIns="91425" rIns="91425" bIns="91425" anchor="t" anchorCtr="0">
             <a:noAutofit/>
           </a:bodyPr>
           <a:lstStyle/>
           <a:p>
-            <a:pPr indent="0" lvl="0" marL="0" rtl="0" algn="l">
-              <a:spcBef>
-                <a:spcPts val="0"/>
-              </a:spcBef>
-              <a:spcAft>
-                <a:spcPts val="0"/>
-              </a:spcAft>
-              <a:buNone/>
-            </a:pPr>
-            <a:r>
-              <a:t/>
-            </a:r>
+            <a:pPr marL="0" lvl="0" indent="0" algn="l" rtl="0">
+              <a:spcBef>
+                <a:spcPts val="0"/>
+              </a:spcBef>
+              <a:spcAft>
+                <a:spcPts val="0"/>
+              </a:spcAft>
+              <a:buNone/>
+            </a:pPr>
             <a:endParaRPr/>
           </a:p>
         </p:txBody>
@@ -1411,11 +1462,11 @@
 </file>
 
 <file path=ppt/notesSlides/notesSlide16.xml><?xml version="1.0" encoding="utf-8"?>
-<p:notes xmlns:a="http://schemas.openxmlformats.org/drawingml/2006/main" xmlns:r="http://schemas.openxmlformats.org/officeDocument/2006/relationships" xmlns:mc="http://schemas.openxmlformats.org/markup-compatibility/2006" xmlns:mv="urn:schemas-microsoft-com:mac:vml" xmlns:p="http://schemas.openxmlformats.org/presentationml/2006/main" xmlns:c="http://schemas.openxmlformats.org/drawingml/2006/chart" xmlns:dgm="http://schemas.openxmlformats.org/drawingml/2006/diagram" xmlns:o="urn:schemas-microsoft-com:office:office" xmlns:v="urn:schemas-microsoft-com:vml" xmlns:pvml="urn:schemas-microsoft-com:office:powerpoint" xmlns:com="http://schemas.openxmlformats.org/drawingml/2006/compatibility" xmlns:p14="http://schemas.microsoft.com/office/powerpoint/2010/main" xmlns:p15="http://schemas.microsoft.com/office/powerpoint/2012/main" showMasterPhAnim="0" showMasterSp="0">
+<p:notes xmlns:a="http://schemas.openxmlformats.org/drawingml/2006/main" xmlns:r="http://schemas.openxmlformats.org/officeDocument/2006/relationships" xmlns:p="http://schemas.openxmlformats.org/presentationml/2006/main" showMasterSp="0" showMasterPhAnim="0">
   <p:cSld>
     <p:spTree>
       <p:nvGrpSpPr>
-        <p:cNvPr id="153" name="Shape 153"/>
+        <p:cNvPr id="1" name="Shape 153"/>
         <p:cNvGrpSpPr/>
         <p:nvPr/>
       </p:nvGrpSpPr>
@@ -1430,9 +1481,11 @@
       <p:sp>
         <p:nvSpPr>
           <p:cNvPr id="154" name="Google Shape;154;g7e4f7085d9_0_0:notes"/>
-          <p:cNvSpPr/>
+          <p:cNvSpPr>
+            <a:spLocks noGrp="1" noRot="1" noChangeAspect="1"/>
+          </p:cNvSpPr>
           <p:nvPr>
-            <p:ph idx="2" type="sldImg"/>
+            <p:ph type="sldImg" idx="2"/>
           </p:nvPr>
         </p:nvSpPr>
         <p:spPr>
@@ -1441,9 +1494,13 @@
             <a:ext cx="6096000" cy="3429000"/>
           </a:xfrm>
           <a:custGeom>
-            <a:rect b="b" l="l" r="r" t="t"/>
+            <a:avLst/>
+            <a:gdLst/>
+            <a:ahLst/>
+            <a:cxnLst/>
+            <a:rect l="l" t="t" r="r" b="b"/>
             <a:pathLst>
-              <a:path extrusionOk="0" h="120000" w="120000">
+              <a:path w="120000" h="120000" extrusionOk="0">
                 <a:moveTo>
                   <a:pt x="0" y="0"/>
                 </a:moveTo>
@@ -1465,9 +1522,11 @@
       <p:sp>
         <p:nvSpPr>
           <p:cNvPr id="155" name="Google Shape;155;g7e4f7085d9_0_0:notes"/>
-          <p:cNvSpPr txBox="1"/>
+          <p:cNvSpPr txBox="1">
+            <a:spLocks noGrp="1"/>
+          </p:cNvSpPr>
           <p:nvPr>
-            <p:ph idx="1" type="body"/>
+            <p:ph type="body" idx="1"/>
           </p:nvPr>
         </p:nvSpPr>
         <p:spPr>
@@ -1480,23 +1539,20 @@
           </a:prstGeom>
         </p:spPr>
         <p:txBody>
-          <a:bodyPr anchorCtr="0" anchor="t" bIns="91425" lIns="91425" spcFirstLastPara="1" rIns="91425" wrap="square" tIns="91425">
+          <a:bodyPr spcFirstLastPara="1" wrap="square" lIns="91425" tIns="91425" rIns="91425" bIns="91425" anchor="t" anchorCtr="0">
             <a:noAutofit/>
           </a:bodyPr>
           <a:lstStyle/>
           <a:p>
-            <a:pPr indent="0" lvl="0" marL="0" rtl="0" algn="l">
-              <a:spcBef>
-                <a:spcPts val="0"/>
-              </a:spcBef>
-              <a:spcAft>
-                <a:spcPts val="0"/>
-              </a:spcAft>
-              <a:buNone/>
-            </a:pPr>
-            <a:r>
-              <a:t/>
-            </a:r>
+            <a:pPr marL="0" lvl="0" indent="0" algn="l" rtl="0">
+              <a:spcBef>
+                <a:spcPts val="0"/>
+              </a:spcBef>
+              <a:spcAft>
+                <a:spcPts val="0"/>
+              </a:spcAft>
+              <a:buNone/>
+            </a:pPr>
             <a:endParaRPr/>
           </a:p>
         </p:txBody>
@@ -1510,11 +1566,11 @@
 </file>
 
 <file path=ppt/notesSlides/notesSlide17.xml><?xml version="1.0" encoding="utf-8"?>
-<p:notes xmlns:a="http://schemas.openxmlformats.org/drawingml/2006/main" xmlns:r="http://schemas.openxmlformats.org/officeDocument/2006/relationships" xmlns:mc="http://schemas.openxmlformats.org/markup-compatibility/2006" xmlns:mv="urn:schemas-microsoft-com:mac:vml" xmlns:p="http://schemas.openxmlformats.org/presentationml/2006/main" xmlns:c="http://schemas.openxmlformats.org/drawingml/2006/chart" xmlns:dgm="http://schemas.openxmlformats.org/drawingml/2006/diagram" xmlns:o="urn:schemas-microsoft-com:office:office" xmlns:v="urn:schemas-microsoft-com:vml" xmlns:pvml="urn:schemas-microsoft-com:office:powerpoint" xmlns:com="http://schemas.openxmlformats.org/drawingml/2006/compatibility" xmlns:p14="http://schemas.microsoft.com/office/powerpoint/2010/main" xmlns:p15="http://schemas.microsoft.com/office/powerpoint/2012/main" showMasterPhAnim="0" showMasterSp="0">
+<p:notes xmlns:a="http://schemas.openxmlformats.org/drawingml/2006/main" xmlns:r="http://schemas.openxmlformats.org/officeDocument/2006/relationships" xmlns:p="http://schemas.openxmlformats.org/presentationml/2006/main" showMasterSp="0" showMasterPhAnim="0">
   <p:cSld>
     <p:spTree>
       <p:nvGrpSpPr>
-        <p:cNvPr id="159" name="Shape 159"/>
+        <p:cNvPr id="1" name="Shape 159"/>
         <p:cNvGrpSpPr/>
         <p:nvPr/>
       </p:nvGrpSpPr>
@@ -1529,9 +1585,11 @@
       <p:sp>
         <p:nvSpPr>
           <p:cNvPr id="160" name="Google Shape;160;g7e4f7085d9_0_5:notes"/>
-          <p:cNvSpPr/>
+          <p:cNvSpPr>
+            <a:spLocks noGrp="1" noRot="1" noChangeAspect="1"/>
+          </p:cNvSpPr>
           <p:nvPr>
-            <p:ph idx="2" type="sldImg"/>
+            <p:ph type="sldImg" idx="2"/>
           </p:nvPr>
         </p:nvSpPr>
         <p:spPr>
@@ -1540,9 +1598,13 @@
             <a:ext cx="6096000" cy="3429000"/>
           </a:xfrm>
           <a:custGeom>
-            <a:rect b="b" l="l" r="r" t="t"/>
+            <a:avLst/>
+            <a:gdLst/>
+            <a:ahLst/>
+            <a:cxnLst/>
+            <a:rect l="l" t="t" r="r" b="b"/>
             <a:pathLst>
-              <a:path extrusionOk="0" h="120000" w="120000">
+              <a:path w="120000" h="120000" extrusionOk="0">
                 <a:moveTo>
                   <a:pt x="0" y="0"/>
                 </a:moveTo>
@@ -1564,9 +1626,11 @@
       <p:sp>
         <p:nvSpPr>
           <p:cNvPr id="161" name="Google Shape;161;g7e4f7085d9_0_5:notes"/>
-          <p:cNvSpPr txBox="1"/>
+          <p:cNvSpPr txBox="1">
+            <a:spLocks noGrp="1"/>
+          </p:cNvSpPr>
           <p:nvPr>
-            <p:ph idx="1" type="body"/>
+            <p:ph type="body" idx="1"/>
           </p:nvPr>
         </p:nvSpPr>
         <p:spPr>
@@ -1579,23 +1643,20 @@
           </a:prstGeom>
         </p:spPr>
         <p:txBody>
-          <a:bodyPr anchorCtr="0" anchor="t" bIns="91425" lIns="91425" spcFirstLastPara="1" rIns="91425" wrap="square" tIns="91425">
+          <a:bodyPr spcFirstLastPara="1" wrap="square" lIns="91425" tIns="91425" rIns="91425" bIns="91425" anchor="t" anchorCtr="0">
             <a:noAutofit/>
           </a:bodyPr>
           <a:lstStyle/>
           <a:p>
-            <a:pPr indent="0" lvl="0" marL="0" rtl="0" algn="l">
-              <a:spcBef>
-                <a:spcPts val="0"/>
-              </a:spcBef>
-              <a:spcAft>
-                <a:spcPts val="0"/>
-              </a:spcAft>
-              <a:buNone/>
-            </a:pPr>
-            <a:r>
-              <a:t/>
-            </a:r>
+            <a:pPr marL="0" lvl="0" indent="0" algn="l" rtl="0">
+              <a:spcBef>
+                <a:spcPts val="0"/>
+              </a:spcBef>
+              <a:spcAft>
+                <a:spcPts val="0"/>
+              </a:spcAft>
+              <a:buNone/>
+            </a:pPr>
             <a:endParaRPr/>
           </a:p>
         </p:txBody>
@@ -1609,11 +1670,11 @@
 </file>
 
 <file path=ppt/notesSlides/notesSlide18.xml><?xml version="1.0" encoding="utf-8"?>
-<p:notes xmlns:a="http://schemas.openxmlformats.org/drawingml/2006/main" xmlns:r="http://schemas.openxmlformats.org/officeDocument/2006/relationships" xmlns:mc="http://schemas.openxmlformats.org/markup-compatibility/2006" xmlns:mv="urn:schemas-microsoft-com:mac:vml" xmlns:p="http://schemas.openxmlformats.org/presentationml/2006/main" xmlns:c="http://schemas.openxmlformats.org/drawingml/2006/chart" xmlns:dgm="http://schemas.openxmlformats.org/drawingml/2006/diagram" xmlns:o="urn:schemas-microsoft-com:office:office" xmlns:v="urn:schemas-microsoft-com:vml" xmlns:pvml="urn:schemas-microsoft-com:office:powerpoint" xmlns:com="http://schemas.openxmlformats.org/drawingml/2006/compatibility" xmlns:p14="http://schemas.microsoft.com/office/powerpoint/2010/main" xmlns:p15="http://schemas.microsoft.com/office/powerpoint/2012/main" showMasterPhAnim="0" showMasterSp="0">
+<p:notes xmlns:a="http://schemas.openxmlformats.org/drawingml/2006/main" xmlns:r="http://schemas.openxmlformats.org/officeDocument/2006/relationships" xmlns:p="http://schemas.openxmlformats.org/presentationml/2006/main" showMasterSp="0" showMasterPhAnim="0">
   <p:cSld>
     <p:spTree>
       <p:nvGrpSpPr>
-        <p:cNvPr id="165" name="Shape 165"/>
+        <p:cNvPr id="1" name="Shape 165"/>
         <p:cNvGrpSpPr/>
         <p:nvPr/>
       </p:nvGrpSpPr>
@@ -1628,9 +1689,11 @@
       <p:sp>
         <p:nvSpPr>
           <p:cNvPr id="166" name="Google Shape;166;g7e4f7085d9_0_12:notes"/>
-          <p:cNvSpPr/>
+          <p:cNvSpPr>
+            <a:spLocks noGrp="1" noRot="1" noChangeAspect="1"/>
+          </p:cNvSpPr>
           <p:nvPr>
-            <p:ph idx="2" type="sldImg"/>
+            <p:ph type="sldImg" idx="2"/>
           </p:nvPr>
         </p:nvSpPr>
         <p:spPr>
@@ -1639,9 +1702,13 @@
             <a:ext cx="6096000" cy="3429000"/>
           </a:xfrm>
           <a:custGeom>
-            <a:rect b="b" l="l" r="r" t="t"/>
+            <a:avLst/>
+            <a:gdLst/>
+            <a:ahLst/>
+            <a:cxnLst/>
+            <a:rect l="l" t="t" r="r" b="b"/>
             <a:pathLst>
-              <a:path extrusionOk="0" h="120000" w="120000">
+              <a:path w="120000" h="120000" extrusionOk="0">
                 <a:moveTo>
                   <a:pt x="0" y="0"/>
                 </a:moveTo>
@@ -1663,9 +1730,11 @@
       <p:sp>
         <p:nvSpPr>
           <p:cNvPr id="167" name="Google Shape;167;g7e4f7085d9_0_12:notes"/>
-          <p:cNvSpPr txBox="1"/>
+          <p:cNvSpPr txBox="1">
+            <a:spLocks noGrp="1"/>
+          </p:cNvSpPr>
           <p:nvPr>
-            <p:ph idx="1" type="body"/>
+            <p:ph type="body" idx="1"/>
           </p:nvPr>
         </p:nvSpPr>
         <p:spPr>
@@ -1678,23 +1747,20 @@
           </a:prstGeom>
         </p:spPr>
         <p:txBody>
-          <a:bodyPr anchorCtr="0" anchor="t" bIns="91425" lIns="91425" spcFirstLastPara="1" rIns="91425" wrap="square" tIns="91425">
+          <a:bodyPr spcFirstLastPara="1" wrap="square" lIns="91425" tIns="91425" rIns="91425" bIns="91425" anchor="t" anchorCtr="0">
             <a:noAutofit/>
           </a:bodyPr>
           <a:lstStyle/>
           <a:p>
-            <a:pPr indent="0" lvl="0" marL="0" rtl="0" algn="l">
-              <a:spcBef>
-                <a:spcPts val="0"/>
-              </a:spcBef>
-              <a:spcAft>
-                <a:spcPts val="0"/>
-              </a:spcAft>
-              <a:buNone/>
-            </a:pPr>
-            <a:r>
-              <a:t/>
-            </a:r>
+            <a:pPr marL="0" lvl="0" indent="0" algn="l" rtl="0">
+              <a:spcBef>
+                <a:spcPts val="0"/>
+              </a:spcBef>
+              <a:spcAft>
+                <a:spcPts val="0"/>
+              </a:spcAft>
+              <a:buNone/>
+            </a:pPr>
             <a:endParaRPr/>
           </a:p>
         </p:txBody>
@@ -1708,11 +1774,11 @@
 </file>
 
 <file path=ppt/notesSlides/notesSlide19.xml><?xml version="1.0" encoding="utf-8"?>
-<p:notes xmlns:a="http://schemas.openxmlformats.org/drawingml/2006/main" xmlns:r="http://schemas.openxmlformats.org/officeDocument/2006/relationships" xmlns:mc="http://schemas.openxmlformats.org/markup-compatibility/2006" xmlns:mv="urn:schemas-microsoft-com:mac:vml" xmlns:p="http://schemas.openxmlformats.org/presentationml/2006/main" xmlns:c="http://schemas.openxmlformats.org/drawingml/2006/chart" xmlns:dgm="http://schemas.openxmlformats.org/drawingml/2006/diagram" xmlns:o="urn:schemas-microsoft-com:office:office" xmlns:v="urn:schemas-microsoft-com:vml" xmlns:pvml="urn:schemas-microsoft-com:office:powerpoint" xmlns:com="http://schemas.openxmlformats.org/drawingml/2006/compatibility" xmlns:p14="http://schemas.microsoft.com/office/powerpoint/2010/main" xmlns:p15="http://schemas.microsoft.com/office/powerpoint/2012/main" showMasterPhAnim="0" showMasterSp="0">
+<p:notes xmlns:a="http://schemas.openxmlformats.org/drawingml/2006/main" xmlns:r="http://schemas.openxmlformats.org/officeDocument/2006/relationships" xmlns:p="http://schemas.openxmlformats.org/presentationml/2006/main" showMasterSp="0" showMasterPhAnim="0">
   <p:cSld>
     <p:spTree>
       <p:nvGrpSpPr>
-        <p:cNvPr id="171" name="Shape 171"/>
+        <p:cNvPr id="1" name="Shape 171"/>
         <p:cNvGrpSpPr/>
         <p:nvPr/>
       </p:nvGrpSpPr>
@@ -1727,9 +1793,11 @@
       <p:sp>
         <p:nvSpPr>
           <p:cNvPr id="172" name="Google Shape;172;g7e4f7085d9_0_17:notes"/>
-          <p:cNvSpPr/>
+          <p:cNvSpPr>
+            <a:spLocks noGrp="1" noRot="1" noChangeAspect="1"/>
+          </p:cNvSpPr>
           <p:nvPr>
-            <p:ph idx="2" type="sldImg"/>
+            <p:ph type="sldImg" idx="2"/>
           </p:nvPr>
         </p:nvSpPr>
         <p:spPr>
@@ -1738,9 +1806,13 @@
             <a:ext cx="6096000" cy="3429000"/>
           </a:xfrm>
           <a:custGeom>
-            <a:rect b="b" l="l" r="r" t="t"/>
+            <a:avLst/>
+            <a:gdLst/>
+            <a:ahLst/>
+            <a:cxnLst/>
+            <a:rect l="l" t="t" r="r" b="b"/>
             <a:pathLst>
-              <a:path extrusionOk="0" h="120000" w="120000">
+              <a:path w="120000" h="120000" extrusionOk="0">
                 <a:moveTo>
                   <a:pt x="0" y="0"/>
                 </a:moveTo>
@@ -1762,9 +1834,11 @@
       <p:sp>
         <p:nvSpPr>
           <p:cNvPr id="173" name="Google Shape;173;g7e4f7085d9_0_17:notes"/>
-          <p:cNvSpPr txBox="1"/>
+          <p:cNvSpPr txBox="1">
+            <a:spLocks noGrp="1"/>
+          </p:cNvSpPr>
           <p:nvPr>
-            <p:ph idx="1" type="body"/>
+            <p:ph type="body" idx="1"/>
           </p:nvPr>
         </p:nvSpPr>
         <p:spPr>
@@ -1777,23 +1851,20 @@
           </a:prstGeom>
         </p:spPr>
         <p:txBody>
-          <a:bodyPr anchorCtr="0" anchor="t" bIns="91425" lIns="91425" spcFirstLastPara="1" rIns="91425" wrap="square" tIns="91425">
+          <a:bodyPr spcFirstLastPara="1" wrap="square" lIns="91425" tIns="91425" rIns="91425" bIns="91425" anchor="t" anchorCtr="0">
             <a:noAutofit/>
           </a:bodyPr>
           <a:lstStyle/>
           <a:p>
-            <a:pPr indent="0" lvl="0" marL="0" rtl="0" algn="l">
-              <a:spcBef>
-                <a:spcPts val="0"/>
-              </a:spcBef>
-              <a:spcAft>
-                <a:spcPts val="0"/>
-              </a:spcAft>
-              <a:buNone/>
-            </a:pPr>
-            <a:r>
-              <a:t/>
-            </a:r>
+            <a:pPr marL="0" lvl="0" indent="0" algn="l" rtl="0">
+              <a:spcBef>
+                <a:spcPts val="0"/>
+              </a:spcBef>
+              <a:spcAft>
+                <a:spcPts val="0"/>
+              </a:spcAft>
+              <a:buNone/>
+            </a:pPr>
             <a:endParaRPr/>
           </a:p>
         </p:txBody>
@@ -1807,11 +1878,11 @@
 </file>
 
 <file path=ppt/notesSlides/notesSlide2.xml><?xml version="1.0" encoding="utf-8"?>
-<p:notes xmlns:a="http://schemas.openxmlformats.org/drawingml/2006/main" xmlns:r="http://schemas.openxmlformats.org/officeDocument/2006/relationships" xmlns:mc="http://schemas.openxmlformats.org/markup-compatibility/2006" xmlns:mv="urn:schemas-microsoft-com:mac:vml" xmlns:p="http://schemas.openxmlformats.org/presentationml/2006/main" xmlns:c="http://schemas.openxmlformats.org/drawingml/2006/chart" xmlns:dgm="http://schemas.openxmlformats.org/drawingml/2006/diagram" xmlns:o="urn:schemas-microsoft-com:office:office" xmlns:v="urn:schemas-microsoft-com:vml" xmlns:pvml="urn:schemas-microsoft-com:office:powerpoint" xmlns:com="http://schemas.openxmlformats.org/drawingml/2006/compatibility" xmlns:p14="http://schemas.microsoft.com/office/powerpoint/2010/main" xmlns:p15="http://schemas.microsoft.com/office/powerpoint/2012/main" showMasterPhAnim="0" showMasterSp="0">
+<p:notes xmlns:a="http://schemas.openxmlformats.org/drawingml/2006/main" xmlns:r="http://schemas.openxmlformats.org/officeDocument/2006/relationships" xmlns:p="http://schemas.openxmlformats.org/presentationml/2006/main" showMasterSp="0" showMasterPhAnim="0">
   <p:cSld>
     <p:spTree>
       <p:nvGrpSpPr>
-        <p:cNvPr id="69" name="Shape 69"/>
+        <p:cNvPr id="1" name="Shape 69"/>
         <p:cNvGrpSpPr/>
         <p:nvPr/>
       </p:nvGrpSpPr>
@@ -1826,9 +1897,11 @@
       <p:sp>
         <p:nvSpPr>
           <p:cNvPr id="70" name="Google Shape;70;g7d7ddc0829_0_58:notes"/>
-          <p:cNvSpPr/>
+          <p:cNvSpPr>
+            <a:spLocks noGrp="1" noRot="1" noChangeAspect="1"/>
+          </p:cNvSpPr>
           <p:nvPr>
-            <p:ph idx="2" type="sldImg"/>
+            <p:ph type="sldImg" idx="2"/>
           </p:nvPr>
         </p:nvSpPr>
         <p:spPr>
@@ -1837,9 +1910,13 @@
             <a:ext cx="6096000" cy="3429000"/>
           </a:xfrm>
           <a:custGeom>
-            <a:rect b="b" l="l" r="r" t="t"/>
+            <a:avLst/>
+            <a:gdLst/>
+            <a:ahLst/>
+            <a:cxnLst/>
+            <a:rect l="l" t="t" r="r" b="b"/>
             <a:pathLst>
-              <a:path extrusionOk="0" h="120000" w="120000">
+              <a:path w="120000" h="120000" extrusionOk="0">
                 <a:moveTo>
                   <a:pt x="0" y="0"/>
                 </a:moveTo>
@@ -1861,9 +1938,11 @@
       <p:sp>
         <p:nvSpPr>
           <p:cNvPr id="71" name="Google Shape;71;g7d7ddc0829_0_58:notes"/>
-          <p:cNvSpPr txBox="1"/>
+          <p:cNvSpPr txBox="1">
+            <a:spLocks noGrp="1"/>
+          </p:cNvSpPr>
           <p:nvPr>
-            <p:ph idx="1" type="body"/>
+            <p:ph type="body" idx="1"/>
           </p:nvPr>
         </p:nvSpPr>
         <p:spPr>
@@ -1876,23 +1955,20 @@
           </a:prstGeom>
         </p:spPr>
         <p:txBody>
-          <a:bodyPr anchorCtr="0" anchor="t" bIns="91425" lIns="91425" spcFirstLastPara="1" rIns="91425" wrap="square" tIns="91425">
+          <a:bodyPr spcFirstLastPara="1" wrap="square" lIns="91425" tIns="91425" rIns="91425" bIns="91425" anchor="t" anchorCtr="0">
             <a:noAutofit/>
           </a:bodyPr>
           <a:lstStyle/>
           <a:p>
-            <a:pPr indent="0" lvl="0" marL="0" rtl="0" algn="l">
-              <a:spcBef>
-                <a:spcPts val="0"/>
-              </a:spcBef>
-              <a:spcAft>
-                <a:spcPts val="0"/>
-              </a:spcAft>
-              <a:buNone/>
-            </a:pPr>
-            <a:r>
-              <a:t/>
-            </a:r>
+            <a:pPr marL="0" lvl="0" indent="0" algn="l" rtl="0">
+              <a:spcBef>
+                <a:spcPts val="0"/>
+              </a:spcBef>
+              <a:spcAft>
+                <a:spcPts val="0"/>
+              </a:spcAft>
+              <a:buNone/>
+            </a:pPr>
             <a:endParaRPr/>
           </a:p>
         </p:txBody>
@@ -1906,11 +1982,11 @@
 </file>
 
 <file path=ppt/notesSlides/notesSlide20.xml><?xml version="1.0" encoding="utf-8"?>
-<p:notes xmlns:a="http://schemas.openxmlformats.org/drawingml/2006/main" xmlns:r="http://schemas.openxmlformats.org/officeDocument/2006/relationships" xmlns:mc="http://schemas.openxmlformats.org/markup-compatibility/2006" xmlns:mv="urn:schemas-microsoft-com:mac:vml" xmlns:p="http://schemas.openxmlformats.org/presentationml/2006/main" xmlns:c="http://schemas.openxmlformats.org/drawingml/2006/chart" xmlns:dgm="http://schemas.openxmlformats.org/drawingml/2006/diagram" xmlns:o="urn:schemas-microsoft-com:office:office" xmlns:v="urn:schemas-microsoft-com:vml" xmlns:pvml="urn:schemas-microsoft-com:office:powerpoint" xmlns:com="http://schemas.openxmlformats.org/drawingml/2006/compatibility" xmlns:p14="http://schemas.microsoft.com/office/powerpoint/2010/main" xmlns:p15="http://schemas.microsoft.com/office/powerpoint/2012/main" showMasterPhAnim="0" showMasterSp="0">
+<p:notes xmlns:a="http://schemas.openxmlformats.org/drawingml/2006/main" xmlns:r="http://schemas.openxmlformats.org/officeDocument/2006/relationships" xmlns:p="http://schemas.openxmlformats.org/presentationml/2006/main" showMasterSp="0" showMasterPhAnim="0">
   <p:cSld>
     <p:spTree>
       <p:nvGrpSpPr>
-        <p:cNvPr id="177" name="Shape 177"/>
+        <p:cNvPr id="1" name="Shape 177"/>
         <p:cNvGrpSpPr/>
         <p:nvPr/>
       </p:nvGrpSpPr>
@@ -1925,9 +2001,11 @@
       <p:sp>
         <p:nvSpPr>
           <p:cNvPr id="178" name="Google Shape;178;g7e4f7085d9_0_27:notes"/>
-          <p:cNvSpPr/>
+          <p:cNvSpPr>
+            <a:spLocks noGrp="1" noRot="1" noChangeAspect="1"/>
+          </p:cNvSpPr>
           <p:nvPr>
-            <p:ph idx="2" type="sldImg"/>
+            <p:ph type="sldImg" idx="2"/>
           </p:nvPr>
         </p:nvSpPr>
         <p:spPr>
@@ -1936,9 +2014,13 @@
             <a:ext cx="6096000" cy="3429000"/>
           </a:xfrm>
           <a:custGeom>
-            <a:rect b="b" l="l" r="r" t="t"/>
+            <a:avLst/>
+            <a:gdLst/>
+            <a:ahLst/>
+            <a:cxnLst/>
+            <a:rect l="l" t="t" r="r" b="b"/>
             <a:pathLst>
-              <a:path extrusionOk="0" h="120000" w="120000">
+              <a:path w="120000" h="120000" extrusionOk="0">
                 <a:moveTo>
                   <a:pt x="0" y="0"/>
                 </a:moveTo>
@@ -1960,9 +2042,11 @@
       <p:sp>
         <p:nvSpPr>
           <p:cNvPr id="179" name="Google Shape;179;g7e4f7085d9_0_27:notes"/>
-          <p:cNvSpPr txBox="1"/>
+          <p:cNvSpPr txBox="1">
+            <a:spLocks noGrp="1"/>
+          </p:cNvSpPr>
           <p:nvPr>
-            <p:ph idx="1" type="body"/>
+            <p:ph type="body" idx="1"/>
           </p:nvPr>
         </p:nvSpPr>
         <p:spPr>
@@ -1975,23 +2059,20 @@
           </a:prstGeom>
         </p:spPr>
         <p:txBody>
-          <a:bodyPr anchorCtr="0" anchor="t" bIns="91425" lIns="91425" spcFirstLastPara="1" rIns="91425" wrap="square" tIns="91425">
+          <a:bodyPr spcFirstLastPara="1" wrap="square" lIns="91425" tIns="91425" rIns="91425" bIns="91425" anchor="t" anchorCtr="0">
             <a:noAutofit/>
           </a:bodyPr>
           <a:lstStyle/>
           <a:p>
-            <a:pPr indent="0" lvl="0" marL="0" rtl="0" algn="l">
-              <a:spcBef>
-                <a:spcPts val="0"/>
-              </a:spcBef>
-              <a:spcAft>
-                <a:spcPts val="0"/>
-              </a:spcAft>
-              <a:buNone/>
-            </a:pPr>
-            <a:r>
-              <a:t/>
-            </a:r>
+            <a:pPr marL="0" lvl="0" indent="0" algn="l" rtl="0">
+              <a:spcBef>
+                <a:spcPts val="0"/>
+              </a:spcBef>
+              <a:spcAft>
+                <a:spcPts val="0"/>
+              </a:spcAft>
+              <a:buNone/>
+            </a:pPr>
             <a:endParaRPr/>
           </a:p>
         </p:txBody>
@@ -2005,11 +2086,11 @@
 </file>
 
 <file path=ppt/notesSlides/notesSlide21.xml><?xml version="1.0" encoding="utf-8"?>
-<p:notes xmlns:a="http://schemas.openxmlformats.org/drawingml/2006/main" xmlns:r="http://schemas.openxmlformats.org/officeDocument/2006/relationships" xmlns:mc="http://schemas.openxmlformats.org/markup-compatibility/2006" xmlns:mv="urn:schemas-microsoft-com:mac:vml" xmlns:p="http://schemas.openxmlformats.org/presentationml/2006/main" xmlns:c="http://schemas.openxmlformats.org/drawingml/2006/chart" xmlns:dgm="http://schemas.openxmlformats.org/drawingml/2006/diagram" xmlns:o="urn:schemas-microsoft-com:office:office" xmlns:v="urn:schemas-microsoft-com:vml" xmlns:pvml="urn:schemas-microsoft-com:office:powerpoint" xmlns:com="http://schemas.openxmlformats.org/drawingml/2006/compatibility" xmlns:p14="http://schemas.microsoft.com/office/powerpoint/2010/main" xmlns:p15="http://schemas.microsoft.com/office/powerpoint/2012/main" showMasterPhAnim="0" showMasterSp="0">
+<p:notes xmlns:a="http://schemas.openxmlformats.org/drawingml/2006/main" xmlns:r="http://schemas.openxmlformats.org/officeDocument/2006/relationships" xmlns:p="http://schemas.openxmlformats.org/presentationml/2006/main" showMasterSp="0" showMasterPhAnim="0">
   <p:cSld>
     <p:spTree>
       <p:nvGrpSpPr>
-        <p:cNvPr id="183" name="Shape 183"/>
+        <p:cNvPr id="1" name="Shape 183"/>
         <p:cNvGrpSpPr/>
         <p:nvPr/>
       </p:nvGrpSpPr>
@@ -2024,9 +2105,11 @@
       <p:sp>
         <p:nvSpPr>
           <p:cNvPr id="184" name="Google Shape;184;g7e4f7085d9_0_35:notes"/>
-          <p:cNvSpPr/>
+          <p:cNvSpPr>
+            <a:spLocks noGrp="1" noRot="1" noChangeAspect="1"/>
+          </p:cNvSpPr>
           <p:nvPr>
-            <p:ph idx="2" type="sldImg"/>
+            <p:ph type="sldImg" idx="2"/>
           </p:nvPr>
         </p:nvSpPr>
         <p:spPr>
@@ -2035,9 +2118,13 @@
             <a:ext cx="6096000" cy="3429000"/>
           </a:xfrm>
           <a:custGeom>
-            <a:rect b="b" l="l" r="r" t="t"/>
+            <a:avLst/>
+            <a:gdLst/>
+            <a:ahLst/>
+            <a:cxnLst/>
+            <a:rect l="l" t="t" r="r" b="b"/>
             <a:pathLst>
-              <a:path extrusionOk="0" h="120000" w="120000">
+              <a:path w="120000" h="120000" extrusionOk="0">
                 <a:moveTo>
                   <a:pt x="0" y="0"/>
                 </a:moveTo>
@@ -2059,9 +2146,11 @@
       <p:sp>
         <p:nvSpPr>
           <p:cNvPr id="185" name="Google Shape;185;g7e4f7085d9_0_35:notes"/>
-          <p:cNvSpPr txBox="1"/>
+          <p:cNvSpPr txBox="1">
+            <a:spLocks noGrp="1"/>
+          </p:cNvSpPr>
           <p:nvPr>
-            <p:ph idx="1" type="body"/>
+            <p:ph type="body" idx="1"/>
           </p:nvPr>
         </p:nvSpPr>
         <p:spPr>
@@ -2074,23 +2163,20 @@
           </a:prstGeom>
         </p:spPr>
         <p:txBody>
-          <a:bodyPr anchorCtr="0" anchor="t" bIns="91425" lIns="91425" spcFirstLastPara="1" rIns="91425" wrap="square" tIns="91425">
+          <a:bodyPr spcFirstLastPara="1" wrap="square" lIns="91425" tIns="91425" rIns="91425" bIns="91425" anchor="t" anchorCtr="0">
             <a:noAutofit/>
           </a:bodyPr>
           <a:lstStyle/>
           <a:p>
-            <a:pPr indent="0" lvl="0" marL="0" rtl="0" algn="l">
-              <a:spcBef>
-                <a:spcPts val="0"/>
-              </a:spcBef>
-              <a:spcAft>
-                <a:spcPts val="0"/>
-              </a:spcAft>
-              <a:buNone/>
-            </a:pPr>
-            <a:r>
-              <a:t/>
-            </a:r>
+            <a:pPr marL="0" lvl="0" indent="0" algn="l" rtl="0">
+              <a:spcBef>
+                <a:spcPts val="0"/>
+              </a:spcBef>
+              <a:spcAft>
+                <a:spcPts val="0"/>
+              </a:spcAft>
+              <a:buNone/>
+            </a:pPr>
             <a:endParaRPr/>
           </a:p>
         </p:txBody>
@@ -2104,11 +2190,11 @@
 </file>
 
 <file path=ppt/notesSlides/notesSlide22.xml><?xml version="1.0" encoding="utf-8"?>
-<p:notes xmlns:a="http://schemas.openxmlformats.org/drawingml/2006/main" xmlns:r="http://schemas.openxmlformats.org/officeDocument/2006/relationships" xmlns:mc="http://schemas.openxmlformats.org/markup-compatibility/2006" xmlns:mv="urn:schemas-microsoft-com:mac:vml" xmlns:p="http://schemas.openxmlformats.org/presentationml/2006/main" xmlns:c="http://schemas.openxmlformats.org/drawingml/2006/chart" xmlns:dgm="http://schemas.openxmlformats.org/drawingml/2006/diagram" xmlns:o="urn:schemas-microsoft-com:office:office" xmlns:v="urn:schemas-microsoft-com:vml" xmlns:pvml="urn:schemas-microsoft-com:office:powerpoint" xmlns:com="http://schemas.openxmlformats.org/drawingml/2006/compatibility" xmlns:p14="http://schemas.microsoft.com/office/powerpoint/2010/main" xmlns:p15="http://schemas.microsoft.com/office/powerpoint/2012/main" showMasterPhAnim="0" showMasterSp="0">
+<p:notes xmlns:a="http://schemas.openxmlformats.org/drawingml/2006/main" xmlns:r="http://schemas.openxmlformats.org/officeDocument/2006/relationships" xmlns:p="http://schemas.openxmlformats.org/presentationml/2006/main" showMasterSp="0" showMasterPhAnim="0">
   <p:cSld>
     <p:spTree>
       <p:nvGrpSpPr>
-        <p:cNvPr id="189" name="Shape 189"/>
+        <p:cNvPr id="1" name="Shape 189"/>
         <p:cNvGrpSpPr/>
         <p:nvPr/>
       </p:nvGrpSpPr>
@@ -2123,9 +2209,11 @@
       <p:sp>
         <p:nvSpPr>
           <p:cNvPr id="190" name="Google Shape;190;g7e4f7085d9_0_43:notes"/>
-          <p:cNvSpPr/>
+          <p:cNvSpPr>
+            <a:spLocks noGrp="1" noRot="1" noChangeAspect="1"/>
+          </p:cNvSpPr>
           <p:nvPr>
-            <p:ph idx="2" type="sldImg"/>
+            <p:ph type="sldImg" idx="2"/>
           </p:nvPr>
         </p:nvSpPr>
         <p:spPr>
@@ -2134,9 +2222,13 @@
             <a:ext cx="6096000" cy="3429000"/>
           </a:xfrm>
           <a:custGeom>
-            <a:rect b="b" l="l" r="r" t="t"/>
+            <a:avLst/>
+            <a:gdLst/>
+            <a:ahLst/>
+            <a:cxnLst/>
+            <a:rect l="l" t="t" r="r" b="b"/>
             <a:pathLst>
-              <a:path extrusionOk="0" h="120000" w="120000">
+              <a:path w="120000" h="120000" extrusionOk="0">
                 <a:moveTo>
                   <a:pt x="0" y="0"/>
                 </a:moveTo>
@@ -2158,9 +2250,11 @@
       <p:sp>
         <p:nvSpPr>
           <p:cNvPr id="191" name="Google Shape;191;g7e4f7085d9_0_43:notes"/>
-          <p:cNvSpPr txBox="1"/>
+          <p:cNvSpPr txBox="1">
+            <a:spLocks noGrp="1"/>
+          </p:cNvSpPr>
           <p:nvPr>
-            <p:ph idx="1" type="body"/>
+            <p:ph type="body" idx="1"/>
           </p:nvPr>
         </p:nvSpPr>
         <p:spPr>
@@ -2173,23 +2267,20 @@
           </a:prstGeom>
         </p:spPr>
         <p:txBody>
-          <a:bodyPr anchorCtr="0" anchor="t" bIns="91425" lIns="91425" spcFirstLastPara="1" rIns="91425" wrap="square" tIns="91425">
+          <a:bodyPr spcFirstLastPara="1" wrap="square" lIns="91425" tIns="91425" rIns="91425" bIns="91425" anchor="t" anchorCtr="0">
             <a:noAutofit/>
           </a:bodyPr>
           <a:lstStyle/>
           <a:p>
-            <a:pPr indent="0" lvl="0" marL="0" rtl="0" algn="l">
-              <a:spcBef>
-                <a:spcPts val="0"/>
-              </a:spcBef>
-              <a:spcAft>
-                <a:spcPts val="0"/>
-              </a:spcAft>
-              <a:buNone/>
-            </a:pPr>
-            <a:r>
-              <a:t/>
-            </a:r>
+            <a:pPr marL="0" lvl="0" indent="0" algn="l" rtl="0">
+              <a:spcBef>
+                <a:spcPts val="0"/>
+              </a:spcBef>
+              <a:spcAft>
+                <a:spcPts val="0"/>
+              </a:spcAft>
+              <a:buNone/>
+            </a:pPr>
             <a:endParaRPr/>
           </a:p>
         </p:txBody>
@@ -2203,11 +2294,11 @@
 </file>
 
 <file path=ppt/notesSlides/notesSlide23.xml><?xml version="1.0" encoding="utf-8"?>
-<p:notes xmlns:a="http://schemas.openxmlformats.org/drawingml/2006/main" xmlns:r="http://schemas.openxmlformats.org/officeDocument/2006/relationships" xmlns:mc="http://schemas.openxmlformats.org/markup-compatibility/2006" xmlns:mv="urn:schemas-microsoft-com:mac:vml" xmlns:p="http://schemas.openxmlformats.org/presentationml/2006/main" xmlns:c="http://schemas.openxmlformats.org/drawingml/2006/chart" xmlns:dgm="http://schemas.openxmlformats.org/drawingml/2006/diagram" xmlns:o="urn:schemas-microsoft-com:office:office" xmlns:v="urn:schemas-microsoft-com:vml" xmlns:pvml="urn:schemas-microsoft-com:office:powerpoint" xmlns:com="http://schemas.openxmlformats.org/drawingml/2006/compatibility" xmlns:p14="http://schemas.microsoft.com/office/powerpoint/2010/main" xmlns:p15="http://schemas.microsoft.com/office/powerpoint/2012/main" showMasterPhAnim="0" showMasterSp="0">
+<p:notes xmlns:a="http://schemas.openxmlformats.org/drawingml/2006/main" xmlns:r="http://schemas.openxmlformats.org/officeDocument/2006/relationships" xmlns:p="http://schemas.openxmlformats.org/presentationml/2006/main" showMasterSp="0" showMasterPhAnim="0">
   <p:cSld>
     <p:spTree>
       <p:nvGrpSpPr>
-        <p:cNvPr id="195" name="Shape 195"/>
+        <p:cNvPr id="1" name="Shape 195"/>
         <p:cNvGrpSpPr/>
         <p:nvPr/>
       </p:nvGrpSpPr>
@@ -2222,9 +2313,11 @@
       <p:sp>
         <p:nvSpPr>
           <p:cNvPr id="196" name="Google Shape;196;g7e4f7085d9_0_50:notes"/>
-          <p:cNvSpPr/>
+          <p:cNvSpPr>
+            <a:spLocks noGrp="1" noRot="1" noChangeAspect="1"/>
+          </p:cNvSpPr>
           <p:nvPr>
-            <p:ph idx="2" type="sldImg"/>
+            <p:ph type="sldImg" idx="2"/>
           </p:nvPr>
         </p:nvSpPr>
         <p:spPr>
@@ -2233,9 +2326,13 @@
             <a:ext cx="6096000" cy="3429000"/>
           </a:xfrm>
           <a:custGeom>
-            <a:rect b="b" l="l" r="r" t="t"/>
+            <a:avLst/>
+            <a:gdLst/>
+            <a:ahLst/>
+            <a:cxnLst/>
+            <a:rect l="l" t="t" r="r" b="b"/>
             <a:pathLst>
-              <a:path extrusionOk="0" h="120000" w="120000">
+              <a:path w="120000" h="120000" extrusionOk="0">
                 <a:moveTo>
                   <a:pt x="0" y="0"/>
                 </a:moveTo>
@@ -2257,9 +2354,11 @@
       <p:sp>
         <p:nvSpPr>
           <p:cNvPr id="197" name="Google Shape;197;g7e4f7085d9_0_50:notes"/>
-          <p:cNvSpPr txBox="1"/>
+          <p:cNvSpPr txBox="1">
+            <a:spLocks noGrp="1"/>
+          </p:cNvSpPr>
           <p:nvPr>
-            <p:ph idx="1" type="body"/>
+            <p:ph type="body" idx="1"/>
           </p:nvPr>
         </p:nvSpPr>
         <p:spPr>
@@ -2272,23 +2371,20 @@
           </a:prstGeom>
         </p:spPr>
         <p:txBody>
-          <a:bodyPr anchorCtr="0" anchor="t" bIns="91425" lIns="91425" spcFirstLastPara="1" rIns="91425" wrap="square" tIns="91425">
+          <a:bodyPr spcFirstLastPara="1" wrap="square" lIns="91425" tIns="91425" rIns="91425" bIns="91425" anchor="t" anchorCtr="0">
             <a:noAutofit/>
           </a:bodyPr>
           <a:lstStyle/>
           <a:p>
-            <a:pPr indent="0" lvl="0" marL="0" rtl="0" algn="l">
-              <a:spcBef>
-                <a:spcPts val="0"/>
-              </a:spcBef>
-              <a:spcAft>
-                <a:spcPts val="0"/>
-              </a:spcAft>
-              <a:buNone/>
-            </a:pPr>
-            <a:r>
-              <a:t/>
-            </a:r>
+            <a:pPr marL="0" lvl="0" indent="0" algn="l" rtl="0">
+              <a:spcBef>
+                <a:spcPts val="0"/>
+              </a:spcBef>
+              <a:spcAft>
+                <a:spcPts val="0"/>
+              </a:spcAft>
+              <a:buNone/>
+            </a:pPr>
             <a:endParaRPr/>
           </a:p>
         </p:txBody>
@@ -2301,12 +2397,121 @@
 </p:notes>
 </file>
 
-<file path=ppt/notesSlides/notesSlide3.xml><?xml version="1.0" encoding="utf-8"?>
-<p:notes xmlns:a="http://schemas.openxmlformats.org/drawingml/2006/main" xmlns:r="http://schemas.openxmlformats.org/officeDocument/2006/relationships" xmlns:mc="http://schemas.openxmlformats.org/markup-compatibility/2006" xmlns:mv="urn:schemas-microsoft-com:mac:vml" xmlns:p="http://schemas.openxmlformats.org/presentationml/2006/main" xmlns:c="http://schemas.openxmlformats.org/drawingml/2006/chart" xmlns:dgm="http://schemas.openxmlformats.org/drawingml/2006/diagram" xmlns:o="urn:schemas-microsoft-com:office:office" xmlns:v="urn:schemas-microsoft-com:vml" xmlns:pvml="urn:schemas-microsoft-com:office:powerpoint" xmlns:com="http://schemas.openxmlformats.org/drawingml/2006/compatibility" xmlns:p14="http://schemas.microsoft.com/office/powerpoint/2010/main" xmlns:p15="http://schemas.microsoft.com/office/powerpoint/2012/main" showMasterPhAnim="0" showMasterSp="0">
+<file path=ppt/notesSlides/notesSlide24.xml><?xml version="1.0" encoding="utf-8"?>
+<p:notes xmlns:a="http://schemas.openxmlformats.org/drawingml/2006/main" xmlns:r="http://schemas.openxmlformats.org/officeDocument/2006/relationships" xmlns:p="http://schemas.openxmlformats.org/presentationml/2006/main" showMasterSp="0" showMasterPhAnim="0">
   <p:cSld>
     <p:spTree>
       <p:nvGrpSpPr>
-        <p:cNvPr id="75" name="Shape 75"/>
+        <p:cNvPr id="1" name="Shape 189"/>
+        <p:cNvGrpSpPr/>
+        <p:nvPr/>
+      </p:nvGrpSpPr>
+      <p:grpSpPr>
+        <a:xfrm>
+          <a:off x="0" y="0"/>
+          <a:ext cx="0" cy="0"/>
+          <a:chOff x="0" y="0"/>
+          <a:chExt cx="0" cy="0"/>
+        </a:xfrm>
+      </p:grpSpPr>
+      <p:sp>
+        <p:nvSpPr>
+          <p:cNvPr id="190" name="Google Shape;190;g7e4f7085d9_0_43:notes"/>
+          <p:cNvSpPr>
+            <a:spLocks noGrp="1" noRot="1" noChangeAspect="1"/>
+          </p:cNvSpPr>
+          <p:nvPr>
+            <p:ph type="sldImg" idx="2"/>
+          </p:nvPr>
+        </p:nvSpPr>
+        <p:spPr>
+          <a:xfrm>
+            <a:off x="381000" y="685800"/>
+            <a:ext cx="6096000" cy="3429000"/>
+          </a:xfrm>
+          <a:custGeom>
+            <a:avLst/>
+            <a:gdLst/>
+            <a:ahLst/>
+            <a:cxnLst/>
+            <a:rect l="l" t="t" r="r" b="b"/>
+            <a:pathLst>
+              <a:path w="120000" h="120000" extrusionOk="0">
+                <a:moveTo>
+                  <a:pt x="0" y="0"/>
+                </a:moveTo>
+                <a:lnTo>
+                  <a:pt x="120000" y="0"/>
+                </a:lnTo>
+                <a:lnTo>
+                  <a:pt x="120000" y="120000"/>
+                </a:lnTo>
+                <a:lnTo>
+                  <a:pt x="0" y="120000"/>
+                </a:lnTo>
+                <a:close/>
+              </a:path>
+            </a:pathLst>
+          </a:custGeom>
+        </p:spPr>
+      </p:sp>
+      <p:sp>
+        <p:nvSpPr>
+          <p:cNvPr id="191" name="Google Shape;191;g7e4f7085d9_0_43:notes"/>
+          <p:cNvSpPr txBox="1">
+            <a:spLocks noGrp="1"/>
+          </p:cNvSpPr>
+          <p:nvPr>
+            <p:ph type="body" idx="1"/>
+          </p:nvPr>
+        </p:nvSpPr>
+        <p:spPr>
+          <a:xfrm>
+            <a:off x="685800" y="4343400"/>
+            <a:ext cx="5486400" cy="4114800"/>
+          </a:xfrm>
+          <a:prstGeom prst="rect">
+            <a:avLst/>
+          </a:prstGeom>
+        </p:spPr>
+        <p:txBody>
+          <a:bodyPr spcFirstLastPara="1" wrap="square" lIns="91425" tIns="91425" rIns="91425" bIns="91425" anchor="t" anchorCtr="0">
+            <a:noAutofit/>
+          </a:bodyPr>
+          <a:lstStyle/>
+          <a:p>
+            <a:pPr marL="0" lvl="0" indent="0" algn="l" rtl="0">
+              <a:spcBef>
+                <a:spcPts val="0"/>
+              </a:spcBef>
+              <a:spcAft>
+                <a:spcPts val="0"/>
+              </a:spcAft>
+              <a:buNone/>
+            </a:pPr>
+            <a:endParaRPr/>
+          </a:p>
+        </p:txBody>
+      </p:sp>
+    </p:spTree>
+    <p:extLst>
+      <p:ext uri="{BB962C8B-B14F-4D97-AF65-F5344CB8AC3E}">
+        <p14:creationId xmlns:p14="http://schemas.microsoft.com/office/powerpoint/2010/main" val="2813765610"/>
+      </p:ext>
+    </p:extLst>
+  </p:cSld>
+  <p:clrMapOvr>
+    <a:masterClrMapping/>
+  </p:clrMapOvr>
+</p:notes>
+</file>
+
+<file path=ppt/notesSlides/notesSlide3.xml><?xml version="1.0" encoding="utf-8"?>
+<p:notes xmlns:a="http://schemas.openxmlformats.org/drawingml/2006/main" xmlns:r="http://schemas.openxmlformats.org/officeDocument/2006/relationships" xmlns:p="http://schemas.openxmlformats.org/presentationml/2006/main" showMasterSp="0" showMasterPhAnim="0">
+  <p:cSld>
+    <p:spTree>
+      <p:nvGrpSpPr>
+        <p:cNvPr id="1" name="Shape 75"/>
         <p:cNvGrpSpPr/>
         <p:nvPr/>
       </p:nvGrpSpPr>
@@ -2321,9 +2526,11 @@
       <p:sp>
         <p:nvSpPr>
           <p:cNvPr id="76" name="Google Shape;76;g7d7ddc0829_0_63:notes"/>
-          <p:cNvSpPr/>
+          <p:cNvSpPr>
+            <a:spLocks noGrp="1" noRot="1" noChangeAspect="1"/>
+          </p:cNvSpPr>
           <p:nvPr>
-            <p:ph idx="2" type="sldImg"/>
+            <p:ph type="sldImg" idx="2"/>
           </p:nvPr>
         </p:nvSpPr>
         <p:spPr>
@@ -2332,9 +2539,13 @@
             <a:ext cx="6096000" cy="3429000"/>
           </a:xfrm>
           <a:custGeom>
-            <a:rect b="b" l="l" r="r" t="t"/>
+            <a:avLst/>
+            <a:gdLst/>
+            <a:ahLst/>
+            <a:cxnLst/>
+            <a:rect l="l" t="t" r="r" b="b"/>
             <a:pathLst>
-              <a:path extrusionOk="0" h="120000" w="120000">
+              <a:path w="120000" h="120000" extrusionOk="0">
                 <a:moveTo>
                   <a:pt x="0" y="0"/>
                 </a:moveTo>
@@ -2356,9 +2567,11 @@
       <p:sp>
         <p:nvSpPr>
           <p:cNvPr id="77" name="Google Shape;77;g7d7ddc0829_0_63:notes"/>
-          <p:cNvSpPr txBox="1"/>
+          <p:cNvSpPr txBox="1">
+            <a:spLocks noGrp="1"/>
+          </p:cNvSpPr>
           <p:nvPr>
-            <p:ph idx="1" type="body"/>
+            <p:ph type="body" idx="1"/>
           </p:nvPr>
         </p:nvSpPr>
         <p:spPr>
@@ -2371,23 +2584,20 @@
           </a:prstGeom>
         </p:spPr>
         <p:txBody>
-          <a:bodyPr anchorCtr="0" anchor="t" bIns="91425" lIns="91425" spcFirstLastPara="1" rIns="91425" wrap="square" tIns="91425">
+          <a:bodyPr spcFirstLastPara="1" wrap="square" lIns="91425" tIns="91425" rIns="91425" bIns="91425" anchor="t" anchorCtr="0">
             <a:noAutofit/>
           </a:bodyPr>
           <a:lstStyle/>
           <a:p>
-            <a:pPr indent="0" lvl="0" marL="0" rtl="0" algn="l">
-              <a:spcBef>
-                <a:spcPts val="0"/>
-              </a:spcBef>
-              <a:spcAft>
-                <a:spcPts val="0"/>
-              </a:spcAft>
-              <a:buNone/>
-            </a:pPr>
-            <a:r>
-              <a:t/>
-            </a:r>
+            <a:pPr marL="0" lvl="0" indent="0" algn="l" rtl="0">
+              <a:spcBef>
+                <a:spcPts val="0"/>
+              </a:spcBef>
+              <a:spcAft>
+                <a:spcPts val="0"/>
+              </a:spcAft>
+              <a:buNone/>
+            </a:pPr>
             <a:endParaRPr/>
           </a:p>
         </p:txBody>
@@ -2401,11 +2611,11 @@
 </file>
 
 <file path=ppt/notesSlides/notesSlide4.xml><?xml version="1.0" encoding="utf-8"?>
-<p:notes xmlns:a="http://schemas.openxmlformats.org/drawingml/2006/main" xmlns:r="http://schemas.openxmlformats.org/officeDocument/2006/relationships" xmlns:mc="http://schemas.openxmlformats.org/markup-compatibility/2006" xmlns:mv="urn:schemas-microsoft-com:mac:vml" xmlns:p="http://schemas.openxmlformats.org/presentationml/2006/main" xmlns:c="http://schemas.openxmlformats.org/drawingml/2006/chart" xmlns:dgm="http://schemas.openxmlformats.org/drawingml/2006/diagram" xmlns:o="urn:schemas-microsoft-com:office:office" xmlns:v="urn:schemas-microsoft-com:vml" xmlns:pvml="urn:schemas-microsoft-com:office:powerpoint" xmlns:com="http://schemas.openxmlformats.org/drawingml/2006/compatibility" xmlns:p14="http://schemas.microsoft.com/office/powerpoint/2010/main" xmlns:p15="http://schemas.microsoft.com/office/powerpoint/2012/main" showMasterPhAnim="0" showMasterSp="0">
+<p:notes xmlns:a="http://schemas.openxmlformats.org/drawingml/2006/main" xmlns:r="http://schemas.openxmlformats.org/officeDocument/2006/relationships" xmlns:p="http://schemas.openxmlformats.org/presentationml/2006/main" showMasterSp="0" showMasterPhAnim="0">
   <p:cSld>
     <p:spTree>
       <p:nvGrpSpPr>
-        <p:cNvPr id="81" name="Shape 81"/>
+        <p:cNvPr id="1" name="Shape 81"/>
         <p:cNvGrpSpPr/>
         <p:nvPr/>
       </p:nvGrpSpPr>
@@ -2420,20 +2630,26 @@
       <p:sp>
         <p:nvSpPr>
           <p:cNvPr id="82" name="Google Shape;82;g7dc819795b_0_0:notes"/>
-          <p:cNvSpPr/>
+          <p:cNvSpPr>
+            <a:spLocks noGrp="1" noRot="1" noChangeAspect="1"/>
+          </p:cNvSpPr>
           <p:nvPr>
-            <p:ph idx="2" type="sldImg"/>
+            <p:ph type="sldImg" idx="2"/>
           </p:nvPr>
         </p:nvSpPr>
         <p:spPr>
           <a:xfrm>
-            <a:off x="381300" y="685800"/>
+            <a:off x="381000" y="685800"/>
             <a:ext cx="6096000" cy="3429000"/>
           </a:xfrm>
           <a:custGeom>
-            <a:rect b="b" l="l" r="r" t="t"/>
+            <a:avLst/>
+            <a:gdLst/>
+            <a:ahLst/>
+            <a:cxnLst/>
+            <a:rect l="l" t="t" r="r" b="b"/>
             <a:pathLst>
-              <a:path extrusionOk="0" h="120000" w="120000">
+              <a:path w="120000" h="120000" extrusionOk="0">
                 <a:moveTo>
                   <a:pt x="0" y="0"/>
                 </a:moveTo>
@@ -2455,9 +2671,11 @@
       <p:sp>
         <p:nvSpPr>
           <p:cNvPr id="83" name="Google Shape;83;g7dc819795b_0_0:notes"/>
-          <p:cNvSpPr txBox="1"/>
+          <p:cNvSpPr txBox="1">
+            <a:spLocks noGrp="1"/>
+          </p:cNvSpPr>
           <p:nvPr>
-            <p:ph idx="1" type="body"/>
+            <p:ph type="body" idx="1"/>
           </p:nvPr>
         </p:nvSpPr>
         <p:spPr>
@@ -2470,23 +2688,20 @@
           </a:prstGeom>
         </p:spPr>
         <p:txBody>
-          <a:bodyPr anchorCtr="0" anchor="t" bIns="91425" lIns="91425" spcFirstLastPara="1" rIns="91425" wrap="square" tIns="91425">
+          <a:bodyPr spcFirstLastPara="1" wrap="square" lIns="91425" tIns="91425" rIns="91425" bIns="91425" anchor="t" anchorCtr="0">
             <a:noAutofit/>
           </a:bodyPr>
           <a:lstStyle/>
           <a:p>
-            <a:pPr indent="0" lvl="0" marL="0" rtl="0" algn="l">
-              <a:spcBef>
-                <a:spcPts val="0"/>
-              </a:spcBef>
-              <a:spcAft>
-                <a:spcPts val="0"/>
-              </a:spcAft>
-              <a:buNone/>
-            </a:pPr>
-            <a:r>
-              <a:t/>
-            </a:r>
+            <a:pPr marL="0" lvl="0" indent="0" algn="l" rtl="0">
+              <a:spcBef>
+                <a:spcPts val="0"/>
+              </a:spcBef>
+              <a:spcAft>
+                <a:spcPts val="0"/>
+              </a:spcAft>
+              <a:buNone/>
+            </a:pPr>
             <a:endParaRPr/>
           </a:p>
         </p:txBody>
@@ -2500,11 +2715,11 @@
 </file>
 
 <file path=ppt/notesSlides/notesSlide5.xml><?xml version="1.0" encoding="utf-8"?>
-<p:notes xmlns:a="http://schemas.openxmlformats.org/drawingml/2006/main" xmlns:r="http://schemas.openxmlformats.org/officeDocument/2006/relationships" xmlns:mc="http://schemas.openxmlformats.org/markup-compatibility/2006" xmlns:mv="urn:schemas-microsoft-com:mac:vml" xmlns:p="http://schemas.openxmlformats.org/presentationml/2006/main" xmlns:c="http://schemas.openxmlformats.org/drawingml/2006/chart" xmlns:dgm="http://schemas.openxmlformats.org/drawingml/2006/diagram" xmlns:o="urn:schemas-microsoft-com:office:office" xmlns:v="urn:schemas-microsoft-com:vml" xmlns:pvml="urn:schemas-microsoft-com:office:powerpoint" xmlns:com="http://schemas.openxmlformats.org/drawingml/2006/compatibility" xmlns:p14="http://schemas.microsoft.com/office/powerpoint/2010/main" xmlns:p15="http://schemas.microsoft.com/office/powerpoint/2012/main" showMasterPhAnim="0" showMasterSp="0">
+<p:notes xmlns:a="http://schemas.openxmlformats.org/drawingml/2006/main" xmlns:r="http://schemas.openxmlformats.org/officeDocument/2006/relationships" xmlns:p="http://schemas.openxmlformats.org/presentationml/2006/main" showMasterSp="0" showMasterPhAnim="0">
   <p:cSld>
     <p:spTree>
       <p:nvGrpSpPr>
-        <p:cNvPr id="87" name="Shape 87"/>
+        <p:cNvPr id="1" name="Shape 87"/>
         <p:cNvGrpSpPr/>
         <p:nvPr/>
       </p:nvGrpSpPr>
@@ -2519,9 +2734,11 @@
       <p:sp>
         <p:nvSpPr>
           <p:cNvPr id="88" name="Google Shape;88;g7dc819795b_0_7:notes"/>
-          <p:cNvSpPr/>
+          <p:cNvSpPr>
+            <a:spLocks noGrp="1" noRot="1" noChangeAspect="1"/>
+          </p:cNvSpPr>
           <p:nvPr>
-            <p:ph idx="2" type="sldImg"/>
+            <p:ph type="sldImg" idx="2"/>
           </p:nvPr>
         </p:nvSpPr>
         <p:spPr>
@@ -2530,9 +2747,13 @@
             <a:ext cx="6096000" cy="3429000"/>
           </a:xfrm>
           <a:custGeom>
-            <a:rect b="b" l="l" r="r" t="t"/>
+            <a:avLst/>
+            <a:gdLst/>
+            <a:ahLst/>
+            <a:cxnLst/>
+            <a:rect l="l" t="t" r="r" b="b"/>
             <a:pathLst>
-              <a:path extrusionOk="0" h="120000" w="120000">
+              <a:path w="120000" h="120000" extrusionOk="0">
                 <a:moveTo>
                   <a:pt x="0" y="0"/>
                 </a:moveTo>
@@ -2554,9 +2775,11 @@
       <p:sp>
         <p:nvSpPr>
           <p:cNvPr id="89" name="Google Shape;89;g7dc819795b_0_7:notes"/>
-          <p:cNvSpPr txBox="1"/>
+          <p:cNvSpPr txBox="1">
+            <a:spLocks noGrp="1"/>
+          </p:cNvSpPr>
           <p:nvPr>
-            <p:ph idx="1" type="body"/>
+            <p:ph type="body" idx="1"/>
           </p:nvPr>
         </p:nvSpPr>
         <p:spPr>
@@ -2569,23 +2792,20 @@
           </a:prstGeom>
         </p:spPr>
         <p:txBody>
-          <a:bodyPr anchorCtr="0" anchor="t" bIns="91425" lIns="91425" spcFirstLastPara="1" rIns="91425" wrap="square" tIns="91425">
+          <a:bodyPr spcFirstLastPara="1" wrap="square" lIns="91425" tIns="91425" rIns="91425" bIns="91425" anchor="t" anchorCtr="0">
             <a:noAutofit/>
           </a:bodyPr>
           <a:lstStyle/>
           <a:p>
-            <a:pPr indent="0" lvl="0" marL="0" rtl="0" algn="l">
-              <a:spcBef>
-                <a:spcPts val="0"/>
-              </a:spcBef>
-              <a:spcAft>
-                <a:spcPts val="0"/>
-              </a:spcAft>
-              <a:buNone/>
-            </a:pPr>
-            <a:r>
-              <a:t/>
-            </a:r>
+            <a:pPr marL="0" lvl="0" indent="0" algn="l" rtl="0">
+              <a:spcBef>
+                <a:spcPts val="0"/>
+              </a:spcBef>
+              <a:spcAft>
+                <a:spcPts val="0"/>
+              </a:spcAft>
+              <a:buNone/>
+            </a:pPr>
             <a:endParaRPr/>
           </a:p>
         </p:txBody>
@@ -2599,11 +2819,11 @@
 </file>
 
 <file path=ppt/notesSlides/notesSlide6.xml><?xml version="1.0" encoding="utf-8"?>
-<p:notes xmlns:a="http://schemas.openxmlformats.org/drawingml/2006/main" xmlns:r="http://schemas.openxmlformats.org/officeDocument/2006/relationships" xmlns:mc="http://schemas.openxmlformats.org/markup-compatibility/2006" xmlns:mv="urn:schemas-microsoft-com:mac:vml" xmlns:p="http://schemas.openxmlformats.org/presentationml/2006/main" xmlns:c="http://schemas.openxmlformats.org/drawingml/2006/chart" xmlns:dgm="http://schemas.openxmlformats.org/drawingml/2006/diagram" xmlns:o="urn:schemas-microsoft-com:office:office" xmlns:v="urn:schemas-microsoft-com:vml" xmlns:pvml="urn:schemas-microsoft-com:office:powerpoint" xmlns:com="http://schemas.openxmlformats.org/drawingml/2006/compatibility" xmlns:p14="http://schemas.microsoft.com/office/powerpoint/2010/main" xmlns:p15="http://schemas.microsoft.com/office/powerpoint/2012/main" showMasterPhAnim="0" showMasterSp="0">
+<p:notes xmlns:a="http://schemas.openxmlformats.org/drawingml/2006/main" xmlns:r="http://schemas.openxmlformats.org/officeDocument/2006/relationships" xmlns:p="http://schemas.openxmlformats.org/presentationml/2006/main" showMasterSp="0" showMasterPhAnim="0">
   <p:cSld>
     <p:spTree>
       <p:nvGrpSpPr>
-        <p:cNvPr id="93" name="Shape 93"/>
+        <p:cNvPr id="1" name="Shape 93"/>
         <p:cNvGrpSpPr/>
         <p:nvPr/>
       </p:nvGrpSpPr>
@@ -2618,9 +2838,11 @@
       <p:sp>
         <p:nvSpPr>
           <p:cNvPr id="94" name="Google Shape;94;g7dc819795b_0_14:notes"/>
-          <p:cNvSpPr/>
+          <p:cNvSpPr>
+            <a:spLocks noGrp="1" noRot="1" noChangeAspect="1"/>
+          </p:cNvSpPr>
           <p:nvPr>
-            <p:ph idx="2" type="sldImg"/>
+            <p:ph type="sldImg" idx="2"/>
           </p:nvPr>
         </p:nvSpPr>
         <p:spPr>
@@ -2629,9 +2851,13 @@
             <a:ext cx="6096000" cy="3429000"/>
           </a:xfrm>
           <a:custGeom>
-            <a:rect b="b" l="l" r="r" t="t"/>
+            <a:avLst/>
+            <a:gdLst/>
+            <a:ahLst/>
+            <a:cxnLst/>
+            <a:rect l="l" t="t" r="r" b="b"/>
             <a:pathLst>
-              <a:path extrusionOk="0" h="120000" w="120000">
+              <a:path w="120000" h="120000" extrusionOk="0">
                 <a:moveTo>
                   <a:pt x="0" y="0"/>
                 </a:moveTo>
@@ -2653,9 +2879,11 @@
       <p:sp>
         <p:nvSpPr>
           <p:cNvPr id="95" name="Google Shape;95;g7dc819795b_0_14:notes"/>
-          <p:cNvSpPr txBox="1"/>
+          <p:cNvSpPr txBox="1">
+            <a:spLocks noGrp="1"/>
+          </p:cNvSpPr>
           <p:nvPr>
-            <p:ph idx="1" type="body"/>
+            <p:ph type="body" idx="1"/>
           </p:nvPr>
         </p:nvSpPr>
         <p:spPr>
@@ -2668,23 +2896,20 @@
           </a:prstGeom>
         </p:spPr>
         <p:txBody>
-          <a:bodyPr anchorCtr="0" anchor="t" bIns="91425" lIns="91425" spcFirstLastPara="1" rIns="91425" wrap="square" tIns="91425">
+          <a:bodyPr spcFirstLastPara="1" wrap="square" lIns="91425" tIns="91425" rIns="91425" bIns="91425" anchor="t" anchorCtr="0">
             <a:noAutofit/>
           </a:bodyPr>
           <a:lstStyle/>
           <a:p>
-            <a:pPr indent="0" lvl="0" marL="0" rtl="0" algn="l">
-              <a:spcBef>
-                <a:spcPts val="0"/>
-              </a:spcBef>
-              <a:spcAft>
-                <a:spcPts val="0"/>
-              </a:spcAft>
-              <a:buNone/>
-            </a:pPr>
-            <a:r>
-              <a:t/>
-            </a:r>
+            <a:pPr marL="0" lvl="0" indent="0" algn="l" rtl="0">
+              <a:spcBef>
+                <a:spcPts val="0"/>
+              </a:spcBef>
+              <a:spcAft>
+                <a:spcPts val="0"/>
+              </a:spcAft>
+              <a:buNone/>
+            </a:pPr>
             <a:endParaRPr/>
           </a:p>
         </p:txBody>
@@ -2698,11 +2923,11 @@
 </file>
 
 <file path=ppt/notesSlides/notesSlide7.xml><?xml version="1.0" encoding="utf-8"?>
-<p:notes xmlns:a="http://schemas.openxmlformats.org/drawingml/2006/main" xmlns:r="http://schemas.openxmlformats.org/officeDocument/2006/relationships" xmlns:mc="http://schemas.openxmlformats.org/markup-compatibility/2006" xmlns:mv="urn:schemas-microsoft-com:mac:vml" xmlns:p="http://schemas.openxmlformats.org/presentationml/2006/main" xmlns:c="http://schemas.openxmlformats.org/drawingml/2006/chart" xmlns:dgm="http://schemas.openxmlformats.org/drawingml/2006/diagram" xmlns:o="urn:schemas-microsoft-com:office:office" xmlns:v="urn:schemas-microsoft-com:vml" xmlns:pvml="urn:schemas-microsoft-com:office:powerpoint" xmlns:com="http://schemas.openxmlformats.org/drawingml/2006/compatibility" xmlns:p14="http://schemas.microsoft.com/office/powerpoint/2010/main" xmlns:p15="http://schemas.microsoft.com/office/powerpoint/2012/main" showMasterPhAnim="0" showMasterSp="0">
+<p:notes xmlns:a="http://schemas.openxmlformats.org/drawingml/2006/main" xmlns:r="http://schemas.openxmlformats.org/officeDocument/2006/relationships" xmlns:p="http://schemas.openxmlformats.org/presentationml/2006/main" showMasterSp="0" showMasterPhAnim="0">
   <p:cSld>
     <p:spTree>
       <p:nvGrpSpPr>
-        <p:cNvPr id="99" name="Shape 99"/>
+        <p:cNvPr id="1" name="Shape 99"/>
         <p:cNvGrpSpPr/>
         <p:nvPr/>
       </p:nvGrpSpPr>
@@ -2717,9 +2942,11 @@
       <p:sp>
         <p:nvSpPr>
           <p:cNvPr id="100" name="Google Shape;100;g7dc819795b_0_91:notes"/>
-          <p:cNvSpPr/>
+          <p:cNvSpPr>
+            <a:spLocks noGrp="1" noRot="1" noChangeAspect="1"/>
+          </p:cNvSpPr>
           <p:nvPr>
-            <p:ph idx="2" type="sldImg"/>
+            <p:ph type="sldImg" idx="2"/>
           </p:nvPr>
         </p:nvSpPr>
         <p:spPr>
@@ -2728,9 +2955,13 @@
             <a:ext cx="6096000" cy="3429000"/>
           </a:xfrm>
           <a:custGeom>
-            <a:rect b="b" l="l" r="r" t="t"/>
+            <a:avLst/>
+            <a:gdLst/>
+            <a:ahLst/>
+            <a:cxnLst/>
+            <a:rect l="l" t="t" r="r" b="b"/>
             <a:pathLst>
-              <a:path extrusionOk="0" h="120000" w="120000">
+              <a:path w="120000" h="120000" extrusionOk="0">
                 <a:moveTo>
                   <a:pt x="0" y="0"/>
                 </a:moveTo>
@@ -2752,9 +2983,11 @@
       <p:sp>
         <p:nvSpPr>
           <p:cNvPr id="101" name="Google Shape;101;g7dc819795b_0_91:notes"/>
-          <p:cNvSpPr txBox="1"/>
+          <p:cNvSpPr txBox="1">
+            <a:spLocks noGrp="1"/>
+          </p:cNvSpPr>
           <p:nvPr>
-            <p:ph idx="1" type="body"/>
+            <p:ph type="body" idx="1"/>
           </p:nvPr>
         </p:nvSpPr>
         <p:spPr>
@@ -2767,23 +3000,20 @@
           </a:prstGeom>
         </p:spPr>
         <p:txBody>
-          <a:bodyPr anchorCtr="0" anchor="t" bIns="91425" lIns="91425" spcFirstLastPara="1" rIns="91425" wrap="square" tIns="91425">
+          <a:bodyPr spcFirstLastPara="1" wrap="square" lIns="91425" tIns="91425" rIns="91425" bIns="91425" anchor="t" anchorCtr="0">
             <a:noAutofit/>
           </a:bodyPr>
           <a:lstStyle/>
           <a:p>
-            <a:pPr indent="0" lvl="0" marL="0" rtl="0" algn="l">
-              <a:spcBef>
-                <a:spcPts val="0"/>
-              </a:spcBef>
-              <a:spcAft>
-                <a:spcPts val="0"/>
-              </a:spcAft>
-              <a:buNone/>
-            </a:pPr>
-            <a:r>
-              <a:t/>
-            </a:r>
+            <a:pPr marL="0" lvl="0" indent="0" algn="l" rtl="0">
+              <a:spcBef>
+                <a:spcPts val="0"/>
+              </a:spcBef>
+              <a:spcAft>
+                <a:spcPts val="0"/>
+              </a:spcAft>
+              <a:buNone/>
+            </a:pPr>
             <a:endParaRPr/>
           </a:p>
         </p:txBody>
@@ -2797,11 +3027,11 @@
 </file>
 
 <file path=ppt/notesSlides/notesSlide8.xml><?xml version="1.0" encoding="utf-8"?>
-<p:notes xmlns:a="http://schemas.openxmlformats.org/drawingml/2006/main" xmlns:r="http://schemas.openxmlformats.org/officeDocument/2006/relationships" xmlns:mc="http://schemas.openxmlformats.org/markup-compatibility/2006" xmlns:mv="urn:schemas-microsoft-com:mac:vml" xmlns:p="http://schemas.openxmlformats.org/presentationml/2006/main" xmlns:c="http://schemas.openxmlformats.org/drawingml/2006/chart" xmlns:dgm="http://schemas.openxmlformats.org/drawingml/2006/diagram" xmlns:o="urn:schemas-microsoft-com:office:office" xmlns:v="urn:schemas-microsoft-com:vml" xmlns:pvml="urn:schemas-microsoft-com:office:powerpoint" xmlns:com="http://schemas.openxmlformats.org/drawingml/2006/compatibility" xmlns:p14="http://schemas.microsoft.com/office/powerpoint/2010/main" xmlns:p15="http://schemas.microsoft.com/office/powerpoint/2012/main" showMasterPhAnim="0" showMasterSp="0">
+<p:notes xmlns:a="http://schemas.openxmlformats.org/drawingml/2006/main" xmlns:r="http://schemas.openxmlformats.org/officeDocument/2006/relationships" xmlns:p="http://schemas.openxmlformats.org/presentationml/2006/main" showMasterSp="0" showMasterPhAnim="0">
   <p:cSld>
     <p:spTree>
       <p:nvGrpSpPr>
-        <p:cNvPr id="105" name="Shape 105"/>
+        <p:cNvPr id="1" name="Shape 105"/>
         <p:cNvGrpSpPr/>
         <p:nvPr/>
       </p:nvGrpSpPr>
@@ -2816,9 +3046,11 @@
       <p:sp>
         <p:nvSpPr>
           <p:cNvPr id="106" name="Google Shape;106;g7dc819795b_0_98:notes"/>
-          <p:cNvSpPr/>
+          <p:cNvSpPr>
+            <a:spLocks noGrp="1" noRot="1" noChangeAspect="1"/>
+          </p:cNvSpPr>
           <p:nvPr>
-            <p:ph idx="2" type="sldImg"/>
+            <p:ph type="sldImg" idx="2"/>
           </p:nvPr>
         </p:nvSpPr>
         <p:spPr>
@@ -2827,9 +3059,13 @@
             <a:ext cx="6096000" cy="3429000"/>
           </a:xfrm>
           <a:custGeom>
-            <a:rect b="b" l="l" r="r" t="t"/>
+            <a:avLst/>
+            <a:gdLst/>
+            <a:ahLst/>
+            <a:cxnLst/>
+            <a:rect l="l" t="t" r="r" b="b"/>
             <a:pathLst>
-              <a:path extrusionOk="0" h="120000" w="120000">
+              <a:path w="120000" h="120000" extrusionOk="0">
                 <a:moveTo>
                   <a:pt x="0" y="0"/>
                 </a:moveTo>
@@ -2851,9 +3087,11 @@
       <p:sp>
         <p:nvSpPr>
           <p:cNvPr id="107" name="Google Shape;107;g7dc819795b_0_98:notes"/>
-          <p:cNvSpPr txBox="1"/>
+          <p:cNvSpPr txBox="1">
+            <a:spLocks noGrp="1"/>
+          </p:cNvSpPr>
           <p:nvPr>
-            <p:ph idx="1" type="body"/>
+            <p:ph type="body" idx="1"/>
           </p:nvPr>
         </p:nvSpPr>
         <p:spPr>
@@ -2866,23 +3104,20 @@
           </a:prstGeom>
         </p:spPr>
         <p:txBody>
-          <a:bodyPr anchorCtr="0" anchor="t" bIns="91425" lIns="91425" spcFirstLastPara="1" rIns="91425" wrap="square" tIns="91425">
+          <a:bodyPr spcFirstLastPara="1" wrap="square" lIns="91425" tIns="91425" rIns="91425" bIns="91425" anchor="t" anchorCtr="0">
             <a:noAutofit/>
           </a:bodyPr>
           <a:lstStyle/>
           <a:p>
-            <a:pPr indent="0" lvl="0" marL="0" rtl="0" algn="l">
-              <a:spcBef>
-                <a:spcPts val="0"/>
-              </a:spcBef>
-              <a:spcAft>
-                <a:spcPts val="0"/>
-              </a:spcAft>
-              <a:buNone/>
-            </a:pPr>
-            <a:r>
-              <a:t/>
-            </a:r>
+            <a:pPr marL="0" lvl="0" indent="0" algn="l" rtl="0">
+              <a:spcBef>
+                <a:spcPts val="0"/>
+              </a:spcBef>
+              <a:spcAft>
+                <a:spcPts val="0"/>
+              </a:spcAft>
+              <a:buNone/>
+            </a:pPr>
             <a:endParaRPr/>
           </a:p>
         </p:txBody>
@@ -2896,11 +3131,11 @@
 </file>
 
 <file path=ppt/notesSlides/notesSlide9.xml><?xml version="1.0" encoding="utf-8"?>
-<p:notes xmlns:a="http://schemas.openxmlformats.org/drawingml/2006/main" xmlns:r="http://schemas.openxmlformats.org/officeDocument/2006/relationships" xmlns:mc="http://schemas.openxmlformats.org/markup-compatibility/2006" xmlns:mv="urn:schemas-microsoft-com:mac:vml" xmlns:p="http://schemas.openxmlformats.org/presentationml/2006/main" xmlns:c="http://schemas.openxmlformats.org/drawingml/2006/chart" xmlns:dgm="http://schemas.openxmlformats.org/drawingml/2006/diagram" xmlns:o="urn:schemas-microsoft-com:office:office" xmlns:v="urn:schemas-microsoft-com:vml" xmlns:pvml="urn:schemas-microsoft-com:office:powerpoint" xmlns:com="http://schemas.openxmlformats.org/drawingml/2006/compatibility" xmlns:p14="http://schemas.microsoft.com/office/powerpoint/2010/main" xmlns:p15="http://schemas.microsoft.com/office/powerpoint/2012/main" showMasterPhAnim="0" showMasterSp="0">
+<p:notes xmlns:a="http://schemas.openxmlformats.org/drawingml/2006/main" xmlns:r="http://schemas.openxmlformats.org/officeDocument/2006/relationships" xmlns:p="http://schemas.openxmlformats.org/presentationml/2006/main" showMasterSp="0" showMasterPhAnim="0">
   <p:cSld>
     <p:spTree>
       <p:nvGrpSpPr>
-        <p:cNvPr id="111" name="Shape 111"/>
+        <p:cNvPr id="1" name="Shape 111"/>
         <p:cNvGrpSpPr/>
         <p:nvPr/>
       </p:nvGrpSpPr>
@@ -2915,9 +3150,11 @@
       <p:sp>
         <p:nvSpPr>
           <p:cNvPr id="112" name="Google Shape;112;g7dc819795b_0_105:notes"/>
-          <p:cNvSpPr/>
+          <p:cNvSpPr>
+            <a:spLocks noGrp="1" noRot="1" noChangeAspect="1"/>
+          </p:cNvSpPr>
           <p:nvPr>
-            <p:ph idx="2" type="sldImg"/>
+            <p:ph type="sldImg" idx="2"/>
           </p:nvPr>
         </p:nvSpPr>
         <p:spPr>
@@ -2926,9 +3163,13 @@
             <a:ext cx="6096000" cy="3429000"/>
           </a:xfrm>
           <a:custGeom>
-            <a:rect b="b" l="l" r="r" t="t"/>
+            <a:avLst/>
+            <a:gdLst/>
+            <a:ahLst/>
+            <a:cxnLst/>
+            <a:rect l="l" t="t" r="r" b="b"/>
             <a:pathLst>
-              <a:path extrusionOk="0" h="120000" w="120000">
+              <a:path w="120000" h="120000" extrusionOk="0">
                 <a:moveTo>
                   <a:pt x="0" y="0"/>
                 </a:moveTo>
@@ -2950,9 +3191,11 @@
       <p:sp>
         <p:nvSpPr>
           <p:cNvPr id="113" name="Google Shape;113;g7dc819795b_0_105:notes"/>
-          <p:cNvSpPr txBox="1"/>
+          <p:cNvSpPr txBox="1">
+            <a:spLocks noGrp="1"/>
+          </p:cNvSpPr>
           <p:nvPr>
-            <p:ph idx="1" type="body"/>
+            <p:ph type="body" idx="1"/>
           </p:nvPr>
         </p:nvSpPr>
         <p:spPr>
@@ -2965,23 +3208,20 @@
           </a:prstGeom>
         </p:spPr>
         <p:txBody>
-          <a:bodyPr anchorCtr="0" anchor="t" bIns="91425" lIns="91425" spcFirstLastPara="1" rIns="91425" wrap="square" tIns="91425">
+          <a:bodyPr spcFirstLastPara="1" wrap="square" lIns="91425" tIns="91425" rIns="91425" bIns="91425" anchor="t" anchorCtr="0">
             <a:noAutofit/>
           </a:bodyPr>
           <a:lstStyle/>
           <a:p>
-            <a:pPr indent="0" lvl="0" marL="0" rtl="0" algn="l">
-              <a:spcBef>
-                <a:spcPts val="0"/>
-              </a:spcBef>
-              <a:spcAft>
-                <a:spcPts val="0"/>
-              </a:spcAft>
-              <a:buNone/>
-            </a:pPr>
-            <a:r>
-              <a:t/>
-            </a:r>
+            <a:pPr marL="0" lvl="0" indent="0" algn="l" rtl="0">
+              <a:spcBef>
+                <a:spcPts val="0"/>
+              </a:spcBef>
+              <a:spcAft>
+                <a:spcPts val="0"/>
+              </a:spcAft>
+              <a:buNone/>
+            </a:pPr>
             <a:endParaRPr/>
           </a:p>
         </p:txBody>
@@ -2995,11 +3235,11 @@
 </file>
 
 <file path=ppt/slideLayouts/slideLayout1.xml><?xml version="1.0" encoding="utf-8"?>
-<p:sldLayout xmlns:a="http://schemas.openxmlformats.org/drawingml/2006/main" xmlns:r="http://schemas.openxmlformats.org/officeDocument/2006/relationships" xmlns:mc="http://schemas.openxmlformats.org/markup-compatibility/2006" xmlns:mv="urn:schemas-microsoft-com:mac:vml" xmlns:p="http://schemas.openxmlformats.org/presentationml/2006/main" xmlns:c="http://schemas.openxmlformats.org/drawingml/2006/chart" xmlns:dgm="http://schemas.openxmlformats.org/drawingml/2006/diagram" xmlns:o="urn:schemas-microsoft-com:office:office" xmlns:v="urn:schemas-microsoft-com:vml" xmlns:pvml="urn:schemas-microsoft-com:office:powerpoint" xmlns:com="http://schemas.openxmlformats.org/drawingml/2006/compatibility" xmlns:p14="http://schemas.microsoft.com/office/powerpoint/2010/main" xmlns:p15="http://schemas.microsoft.com/office/powerpoint/2012/main" matchingName="Title slide" type="title">
+<p:sldLayout xmlns:a="http://schemas.openxmlformats.org/drawingml/2006/main" xmlns:r="http://schemas.openxmlformats.org/officeDocument/2006/relationships" xmlns:p="http://schemas.openxmlformats.org/presentationml/2006/main" matchingName="Title slide" type="title">
   <p:cSld name="TITLE">
     <p:spTree>
       <p:nvGrpSpPr>
-        <p:cNvPr id="9" name="Shape 9"/>
+        <p:cNvPr id="1" name="Shape 9"/>
         <p:cNvGrpSpPr/>
         <p:nvPr/>
       </p:nvGrpSpPr>
@@ -3033,23 +3273,20 @@
           </a:ln>
         </p:spPr>
         <p:txBody>
-          <a:bodyPr anchorCtr="0" anchor="ctr" bIns="91425" lIns="91425" spcFirstLastPara="1" rIns="91425" wrap="square" tIns="91425">
+          <a:bodyPr spcFirstLastPara="1" wrap="square" lIns="91425" tIns="91425" rIns="91425" bIns="91425" anchor="ctr" anchorCtr="0">
             <a:noAutofit/>
           </a:bodyPr>
           <a:lstStyle/>
           <a:p>
-            <a:pPr indent="0" lvl="0" marL="0" rtl="0" algn="l">
-              <a:spcBef>
-                <a:spcPts val="0"/>
-              </a:spcBef>
-              <a:spcAft>
-                <a:spcPts val="0"/>
-              </a:spcAft>
-              <a:buNone/>
-            </a:pPr>
-            <a:r>
-              <a:t/>
-            </a:r>
+            <a:pPr marL="0" lvl="0" indent="0" algn="l" rtl="0">
+              <a:spcBef>
+                <a:spcPts val="0"/>
+              </a:spcBef>
+              <a:spcAft>
+                <a:spcPts val="0"/>
+              </a:spcAft>
+              <a:buNone/>
+            </a:pPr>
             <a:endParaRPr/>
           </a:p>
         </p:txBody>
@@ -3067,7 +3304,7 @@
           </a:xfrm>
           <a:prstGeom prst="round1Rect">
             <a:avLst>
-              <a:gd fmla="val 16667" name="adj"/>
+              <a:gd name="adj" fmla="val 16667"/>
             </a:avLst>
           </a:prstGeom>
           <a:solidFill>
@@ -3080,23 +3317,20 @@
           </a:ln>
         </p:spPr>
         <p:txBody>
-          <a:bodyPr anchorCtr="0" anchor="ctr" bIns="91425" lIns="91425" spcFirstLastPara="1" rIns="91425" wrap="square" tIns="91425">
+          <a:bodyPr spcFirstLastPara="1" wrap="square" lIns="91425" tIns="91425" rIns="91425" bIns="91425" anchor="ctr" anchorCtr="0">
             <a:noAutofit/>
           </a:bodyPr>
           <a:lstStyle/>
           <a:p>
-            <a:pPr indent="0" lvl="0" marL="0" rtl="0" algn="l">
-              <a:spcBef>
-                <a:spcPts val="0"/>
-              </a:spcBef>
-              <a:spcAft>
-                <a:spcPts val="0"/>
-              </a:spcAft>
-              <a:buNone/>
-            </a:pPr>
-            <a:r>
-              <a:t/>
-            </a:r>
+            <a:pPr marL="0" lvl="0" indent="0" algn="l" rtl="0">
+              <a:spcBef>
+                <a:spcPts val="0"/>
+              </a:spcBef>
+              <a:spcAft>
+                <a:spcPts val="0"/>
+              </a:spcAft>
+              <a:buNone/>
+            </a:pPr>
             <a:endParaRPr/>
           </a:p>
         </p:txBody>
@@ -3104,7 +3338,9 @@
       <p:sp>
         <p:nvSpPr>
           <p:cNvPr id="12" name="Google Shape;12;p2"/>
-          <p:cNvSpPr txBox="1"/>
+          <p:cNvSpPr txBox="1">
+            <a:spLocks noGrp="1"/>
+          </p:cNvSpPr>
           <p:nvPr>
             <p:ph type="ctrTitle"/>
           </p:nvPr>
@@ -3119,7 +3355,7 @@
           </a:prstGeom>
         </p:spPr>
         <p:txBody>
-          <a:bodyPr anchorCtr="0" anchor="b" bIns="91425" lIns="91425" spcFirstLastPara="1" rIns="91425" wrap="square" tIns="91425">
+          <a:bodyPr spcFirstLastPara="1" wrap="square" lIns="91425" tIns="91425" rIns="91425" bIns="91425" anchor="b" anchorCtr="0">
             <a:noAutofit/>
           </a:bodyPr>
           <a:lstStyle>
@@ -3223,15 +3459,19 @@
               <a:defRPr sz="4800"/>
             </a:lvl9pPr>
           </a:lstStyle>
-          <a:p/>
+          <a:p>
+            <a:endParaRPr/>
+          </a:p>
         </p:txBody>
       </p:sp>
       <p:sp>
         <p:nvSpPr>
           <p:cNvPr id="13" name="Google Shape;13;p2"/>
-          <p:cNvSpPr txBox="1"/>
+          <p:cNvSpPr txBox="1">
+            <a:spLocks noGrp="1"/>
+          </p:cNvSpPr>
           <p:nvPr>
-            <p:ph idx="1" type="subTitle"/>
+            <p:ph type="subTitle" idx="1"/>
           </p:nvPr>
         </p:nvSpPr>
         <p:spPr>
@@ -3244,7 +3484,7 @@
           </a:prstGeom>
         </p:spPr>
         <p:txBody>
-          <a:bodyPr anchorCtr="0" anchor="t" bIns="91425" lIns="91425" spcFirstLastPara="1" rIns="91425" wrap="square" tIns="91425">
+          <a:bodyPr spcFirstLastPara="1" wrap="square" lIns="91425" tIns="91425" rIns="91425" bIns="91425" anchor="t" anchorCtr="0">
             <a:noAutofit/>
           </a:bodyPr>
           <a:lstStyle>
@@ -3438,15 +3678,19 @@
               </a:defRPr>
             </a:lvl9pPr>
           </a:lstStyle>
-          <a:p/>
+          <a:p>
+            <a:endParaRPr/>
+          </a:p>
         </p:txBody>
       </p:sp>
       <p:sp>
         <p:nvSpPr>
           <p:cNvPr id="14" name="Google Shape;14;p2"/>
-          <p:cNvSpPr txBox="1"/>
+          <p:cNvSpPr txBox="1">
+            <a:spLocks noGrp="1"/>
+          </p:cNvSpPr>
           <p:nvPr>
-            <p:ph idx="12" type="sldNum"/>
+            <p:ph type="sldNum" idx="12"/>
           </p:nvPr>
         </p:nvSpPr>
         <p:spPr>
@@ -3459,7 +3703,7 @@
           </a:prstGeom>
         </p:spPr>
         <p:txBody>
-          <a:bodyPr anchorCtr="0" anchor="ctr" bIns="91425" lIns="91425" spcFirstLastPara="1" rIns="91425" wrap="square" tIns="91425">
+          <a:bodyPr spcFirstLastPara="1" wrap="square" lIns="91425" tIns="91425" rIns="91425" bIns="91425" anchor="ctr" anchorCtr="0">
             <a:noAutofit/>
           </a:bodyPr>
           <a:lstStyle>
@@ -3501,7 +3745,7 @@
             </a:lvl9pPr>
           </a:lstStyle>
           <a:p>
-            <a:pPr indent="0" lvl="0" marL="0" rtl="0" algn="r">
+            <a:pPr marL="0" lvl="0" indent="0" algn="r" rtl="0">
               <a:spcBef>
                 <a:spcPts val="0"/>
               </a:spcBef>
@@ -3527,18 +3771,19 @@
 </file>
 
 <file path=ppt/slideLayouts/slideLayout10.xml><?xml version="1.0" encoding="utf-8"?>
-<p:sldLayout xmlns:a="http://schemas.openxmlformats.org/drawingml/2006/main" xmlns:r="http://schemas.openxmlformats.org/officeDocument/2006/relationships" xmlns:mc="http://schemas.openxmlformats.org/markup-compatibility/2006" xmlns:mv="urn:schemas-microsoft-com:mac:vml" xmlns:p="http://schemas.openxmlformats.org/presentationml/2006/main" xmlns:c="http://schemas.openxmlformats.org/drawingml/2006/chart" xmlns:dgm="http://schemas.openxmlformats.org/drawingml/2006/diagram" xmlns:o="urn:schemas-microsoft-com:office:office" xmlns:v="urn:schemas-microsoft-com:vml" xmlns:pvml="urn:schemas-microsoft-com:office:powerpoint" xmlns:com="http://schemas.openxmlformats.org/drawingml/2006/compatibility" xmlns:p14="http://schemas.microsoft.com/office/powerpoint/2010/main" xmlns:p15="http://schemas.microsoft.com/office/powerpoint/2012/main" matchingName="Big number">
+<p:sldLayout xmlns:a="http://schemas.openxmlformats.org/drawingml/2006/main" xmlns:r="http://schemas.openxmlformats.org/officeDocument/2006/relationships" xmlns:p="http://schemas.openxmlformats.org/presentationml/2006/main" matchingName="Big number">
   <p:cSld name="BIG_NUMBER">
     <p:bg>
       <p:bgPr>
         <a:solidFill>
           <a:schemeClr val="accent4"/>
         </a:solidFill>
+        <a:effectLst/>
       </p:bgPr>
     </p:bg>
     <p:spTree>
       <p:nvGrpSpPr>
-        <p:cNvPr id="57" name="Shape 57"/>
+        <p:cNvPr id="1" name="Shape 57"/>
         <p:cNvGrpSpPr/>
         <p:nvPr/>
       </p:nvGrpSpPr>
@@ -3553,9 +3798,11 @@
       <p:sp>
         <p:nvSpPr>
           <p:cNvPr id="58" name="Google Shape;58;p11"/>
-          <p:cNvSpPr txBox="1"/>
+          <p:cNvSpPr txBox="1">
+            <a:spLocks noGrp="1"/>
+          </p:cNvSpPr>
           <p:nvPr>
-            <p:ph hasCustomPrompt="1" type="title"/>
+            <p:ph type="title" hasCustomPrompt="1"/>
           </p:nvPr>
         </p:nvSpPr>
         <p:spPr>
@@ -3568,7 +3815,7 @@
           </a:prstGeom>
         </p:spPr>
         <p:txBody>
-          <a:bodyPr anchorCtr="0" anchor="b" bIns="91425" lIns="91425" spcFirstLastPara="1" rIns="91425" wrap="square" tIns="91425">
+          <a:bodyPr spcFirstLastPara="1" wrap="square" lIns="91425" tIns="91425" rIns="91425" bIns="91425" anchor="b" anchorCtr="0">
             <a:noAutofit/>
           </a:bodyPr>
           <a:lstStyle>
@@ -3745,9 +3992,11 @@
       <p:sp>
         <p:nvSpPr>
           <p:cNvPr id="59" name="Google Shape;59;p11"/>
-          <p:cNvSpPr txBox="1"/>
+          <p:cNvSpPr txBox="1">
+            <a:spLocks noGrp="1"/>
+          </p:cNvSpPr>
           <p:nvPr>
-            <p:ph idx="1" type="body"/>
+            <p:ph type="body" idx="1"/>
           </p:nvPr>
         </p:nvSpPr>
         <p:spPr>
@@ -3760,11 +4009,11 @@
           </a:prstGeom>
         </p:spPr>
         <p:txBody>
-          <a:bodyPr anchorCtr="0" anchor="t" bIns="91425" lIns="91425" spcFirstLastPara="1" rIns="91425" wrap="square" tIns="91425">
+          <a:bodyPr spcFirstLastPara="1" wrap="square" lIns="91425" tIns="91425" rIns="91425" bIns="91425" anchor="t" anchorCtr="0">
             <a:noAutofit/>
           </a:bodyPr>
           <a:lstStyle>
-            <a:lvl1pPr indent="-342900" lvl="0" marL="457200" algn="ctr">
+            <a:lvl1pPr marL="457200" lvl="0" indent="-342900" algn="ctr">
               <a:spcBef>
                 <a:spcPts val="0"/>
               </a:spcBef>
@@ -3775,7 +4024,7 @@
               <a:buChar char="●"/>
               <a:defRPr/>
             </a:lvl1pPr>
-            <a:lvl2pPr indent="-317500" lvl="1" marL="914400" algn="ctr">
+            <a:lvl2pPr marL="914400" lvl="1" indent="-317500" algn="ctr">
               <a:spcBef>
                 <a:spcPts val="1600"/>
               </a:spcBef>
@@ -3786,7 +4035,7 @@
               <a:buChar char="○"/>
               <a:defRPr/>
             </a:lvl2pPr>
-            <a:lvl3pPr indent="-317500" lvl="2" marL="1371600" algn="ctr">
+            <a:lvl3pPr marL="1371600" lvl="2" indent="-317500" algn="ctr">
               <a:spcBef>
                 <a:spcPts val="1600"/>
               </a:spcBef>
@@ -3797,7 +4046,7 @@
               <a:buChar char="■"/>
               <a:defRPr/>
             </a:lvl3pPr>
-            <a:lvl4pPr indent="-317500" lvl="3" marL="1828800" algn="ctr">
+            <a:lvl4pPr marL="1828800" lvl="3" indent="-317500" algn="ctr">
               <a:spcBef>
                 <a:spcPts val="1600"/>
               </a:spcBef>
@@ -3808,7 +4057,7 @@
               <a:buChar char="●"/>
               <a:defRPr/>
             </a:lvl4pPr>
-            <a:lvl5pPr indent="-317500" lvl="4" marL="2286000" algn="ctr">
+            <a:lvl5pPr marL="2286000" lvl="4" indent="-317500" algn="ctr">
               <a:spcBef>
                 <a:spcPts val="1600"/>
               </a:spcBef>
@@ -3819,7 +4068,7 @@
               <a:buChar char="○"/>
               <a:defRPr/>
             </a:lvl5pPr>
-            <a:lvl6pPr indent="-317500" lvl="5" marL="2743200" algn="ctr">
+            <a:lvl6pPr marL="2743200" lvl="5" indent="-317500" algn="ctr">
               <a:spcBef>
                 <a:spcPts val="1600"/>
               </a:spcBef>
@@ -3830,7 +4079,7 @@
               <a:buChar char="■"/>
               <a:defRPr/>
             </a:lvl6pPr>
-            <a:lvl7pPr indent="-317500" lvl="6" marL="3200400" algn="ctr">
+            <a:lvl7pPr marL="3200400" lvl="6" indent="-317500" algn="ctr">
               <a:spcBef>
                 <a:spcPts val="1600"/>
               </a:spcBef>
@@ -3841,7 +4090,7 @@
               <a:buChar char="●"/>
               <a:defRPr/>
             </a:lvl7pPr>
-            <a:lvl8pPr indent="-317500" lvl="7" marL="3657600" algn="ctr">
+            <a:lvl8pPr marL="3657600" lvl="7" indent="-317500" algn="ctr">
               <a:spcBef>
                 <a:spcPts val="1600"/>
               </a:spcBef>
@@ -3852,7 +4101,7 @@
               <a:buChar char="○"/>
               <a:defRPr/>
             </a:lvl8pPr>
-            <a:lvl9pPr indent="-317500" lvl="8" marL="4114800" algn="ctr">
+            <a:lvl9pPr marL="4114800" lvl="8" indent="-317500" algn="ctr">
               <a:spcBef>
                 <a:spcPts val="1600"/>
               </a:spcBef>
@@ -3864,15 +4113,19 @@
               <a:defRPr/>
             </a:lvl9pPr>
           </a:lstStyle>
-          <a:p/>
+          <a:p>
+            <a:endParaRPr/>
+          </a:p>
         </p:txBody>
       </p:sp>
       <p:sp>
         <p:nvSpPr>
           <p:cNvPr id="60" name="Google Shape;60;p11"/>
-          <p:cNvSpPr txBox="1"/>
+          <p:cNvSpPr txBox="1">
+            <a:spLocks noGrp="1"/>
+          </p:cNvSpPr>
           <p:nvPr>
-            <p:ph idx="12" type="sldNum"/>
+            <p:ph type="sldNum" idx="12"/>
           </p:nvPr>
         </p:nvSpPr>
         <p:spPr>
@@ -3885,7 +4138,7 @@
           </a:prstGeom>
         </p:spPr>
         <p:txBody>
-          <a:bodyPr anchorCtr="0" anchor="ctr" bIns="91425" lIns="91425" spcFirstLastPara="1" rIns="91425" wrap="square" tIns="91425">
+          <a:bodyPr spcFirstLastPara="1" wrap="square" lIns="91425" tIns="91425" rIns="91425" bIns="91425" anchor="ctr" anchorCtr="0">
             <a:noAutofit/>
           </a:bodyPr>
           <a:lstStyle>
@@ -3927,7 +4180,7 @@
             </a:lvl9pPr>
           </a:lstStyle>
           <a:p>
-            <a:pPr indent="0" lvl="0" marL="0" rtl="0" algn="r">
+            <a:pPr marL="0" lvl="0" indent="0" algn="r" rtl="0">
               <a:spcBef>
                 <a:spcPts val="0"/>
               </a:spcBef>
@@ -3953,18 +4206,19 @@
 </file>
 
 <file path=ppt/slideLayouts/slideLayout11.xml><?xml version="1.0" encoding="utf-8"?>
-<p:sldLayout xmlns:a="http://schemas.openxmlformats.org/drawingml/2006/main" xmlns:r="http://schemas.openxmlformats.org/officeDocument/2006/relationships" xmlns:mc="http://schemas.openxmlformats.org/markup-compatibility/2006" xmlns:mv="urn:schemas-microsoft-com:mac:vml" xmlns:p="http://schemas.openxmlformats.org/presentationml/2006/main" xmlns:c="http://schemas.openxmlformats.org/drawingml/2006/chart" xmlns:dgm="http://schemas.openxmlformats.org/drawingml/2006/diagram" xmlns:o="urn:schemas-microsoft-com:office:office" xmlns:v="urn:schemas-microsoft-com:vml" xmlns:pvml="urn:schemas-microsoft-com:office:powerpoint" xmlns:com="http://schemas.openxmlformats.org/drawingml/2006/compatibility" xmlns:p14="http://schemas.microsoft.com/office/powerpoint/2010/main" xmlns:p15="http://schemas.microsoft.com/office/powerpoint/2012/main" matchingName="Blank" type="blank">
+<p:sldLayout xmlns:a="http://schemas.openxmlformats.org/drawingml/2006/main" xmlns:r="http://schemas.openxmlformats.org/officeDocument/2006/relationships" xmlns:p="http://schemas.openxmlformats.org/presentationml/2006/main" matchingName="Blank" type="blank">
   <p:cSld name="BLANK">
     <p:bg>
       <p:bgPr>
         <a:solidFill>
           <a:schemeClr val="accent4"/>
         </a:solidFill>
+        <a:effectLst/>
       </p:bgPr>
     </p:bg>
     <p:spTree>
       <p:nvGrpSpPr>
-        <p:cNvPr id="61" name="Shape 61"/>
+        <p:cNvPr id="1" name="Shape 61"/>
         <p:cNvGrpSpPr/>
         <p:nvPr/>
       </p:nvGrpSpPr>
@@ -3979,9 +4233,11 @@
       <p:sp>
         <p:nvSpPr>
           <p:cNvPr id="62" name="Google Shape;62;p12"/>
-          <p:cNvSpPr txBox="1"/>
+          <p:cNvSpPr txBox="1">
+            <a:spLocks noGrp="1"/>
+          </p:cNvSpPr>
           <p:nvPr>
-            <p:ph idx="12" type="sldNum"/>
+            <p:ph type="sldNum" idx="12"/>
           </p:nvPr>
         </p:nvSpPr>
         <p:spPr>
@@ -3994,7 +4250,7 @@
           </a:prstGeom>
         </p:spPr>
         <p:txBody>
-          <a:bodyPr anchorCtr="0" anchor="ctr" bIns="91425" lIns="91425" spcFirstLastPara="1" rIns="91425" wrap="square" tIns="91425">
+          <a:bodyPr spcFirstLastPara="1" wrap="square" lIns="91425" tIns="91425" rIns="91425" bIns="91425" anchor="ctr" anchorCtr="0">
             <a:noAutofit/>
           </a:bodyPr>
           <a:lstStyle>
@@ -4036,7 +4292,7 @@
             </a:lvl9pPr>
           </a:lstStyle>
           <a:p>
-            <a:pPr indent="0" lvl="0" marL="0" rtl="0" algn="r">
+            <a:pPr marL="0" lvl="0" indent="0" algn="r" rtl="0">
               <a:spcBef>
                 <a:spcPts val="0"/>
               </a:spcBef>
@@ -4062,11 +4318,11 @@
 </file>
 
 <file path=ppt/slideLayouts/slideLayout2.xml><?xml version="1.0" encoding="utf-8"?>
-<p:sldLayout xmlns:a="http://schemas.openxmlformats.org/drawingml/2006/main" xmlns:r="http://schemas.openxmlformats.org/officeDocument/2006/relationships" xmlns:mc="http://schemas.openxmlformats.org/markup-compatibility/2006" xmlns:mv="urn:schemas-microsoft-com:mac:vml" xmlns:p="http://schemas.openxmlformats.org/presentationml/2006/main" xmlns:c="http://schemas.openxmlformats.org/drawingml/2006/chart" xmlns:dgm="http://schemas.openxmlformats.org/drawingml/2006/diagram" xmlns:o="urn:schemas-microsoft-com:office:office" xmlns:v="urn:schemas-microsoft-com:vml" xmlns:pvml="urn:schemas-microsoft-com:office:powerpoint" xmlns:com="http://schemas.openxmlformats.org/drawingml/2006/compatibility" xmlns:p14="http://schemas.microsoft.com/office/powerpoint/2010/main" xmlns:p15="http://schemas.microsoft.com/office/powerpoint/2012/main" matchingName="Section header" type="secHead">
+<p:sldLayout xmlns:a="http://schemas.openxmlformats.org/drawingml/2006/main" xmlns:r="http://schemas.openxmlformats.org/officeDocument/2006/relationships" xmlns:p="http://schemas.openxmlformats.org/presentationml/2006/main" matchingName="Section header" type="secHead">
   <p:cSld name="SECTION_HEADER">
     <p:spTree>
       <p:nvGrpSpPr>
-        <p:cNvPr id="15" name="Shape 15"/>
+        <p:cNvPr id="1" name="Shape 15"/>
         <p:cNvGrpSpPr/>
         <p:nvPr/>
       </p:nvGrpSpPr>
@@ -4081,7 +4337,9 @@
       <p:sp>
         <p:nvSpPr>
           <p:cNvPr id="16" name="Google Shape;16;p3"/>
-          <p:cNvSpPr txBox="1"/>
+          <p:cNvSpPr txBox="1">
+            <a:spLocks noGrp="1"/>
+          </p:cNvSpPr>
           <p:nvPr>
             <p:ph type="title"/>
           </p:nvPr>
@@ -4096,7 +4354,7 @@
           </a:prstGeom>
         </p:spPr>
         <p:txBody>
-          <a:bodyPr anchorCtr="0" anchor="ctr" bIns="91425" lIns="91425" spcFirstLastPara="1" rIns="91425" wrap="square" tIns="91425">
+          <a:bodyPr spcFirstLastPara="1" wrap="square" lIns="91425" tIns="91425" rIns="91425" bIns="91425" anchor="ctr" anchorCtr="0">
             <a:noAutofit/>
           </a:bodyPr>
           <a:lstStyle>
@@ -4200,15 +4458,19 @@
               <a:defRPr sz="4200"/>
             </a:lvl9pPr>
           </a:lstStyle>
-          <a:p/>
+          <a:p>
+            <a:endParaRPr/>
+          </a:p>
         </p:txBody>
       </p:sp>
       <p:sp>
         <p:nvSpPr>
           <p:cNvPr id="17" name="Google Shape;17;p3"/>
-          <p:cNvSpPr txBox="1"/>
+          <p:cNvSpPr txBox="1">
+            <a:spLocks noGrp="1"/>
+          </p:cNvSpPr>
           <p:nvPr>
-            <p:ph idx="12" type="sldNum"/>
+            <p:ph type="sldNum" idx="12"/>
           </p:nvPr>
         </p:nvSpPr>
         <p:spPr>
@@ -4221,7 +4483,7 @@
           </a:prstGeom>
         </p:spPr>
         <p:txBody>
-          <a:bodyPr anchorCtr="0" anchor="ctr" bIns="91425" lIns="91425" spcFirstLastPara="1" rIns="91425" wrap="square" tIns="91425">
+          <a:bodyPr spcFirstLastPara="1" wrap="square" lIns="91425" tIns="91425" rIns="91425" bIns="91425" anchor="ctr" anchorCtr="0">
             <a:noAutofit/>
           </a:bodyPr>
           <a:lstStyle>
@@ -4299,7 +4561,7 @@
             </a:lvl9pPr>
           </a:lstStyle>
           <a:p>
-            <a:pPr indent="0" lvl="0" marL="0" rtl="0" algn="r">
+            <a:pPr marL="0" lvl="0" indent="0" algn="r" rtl="0">
               <a:spcBef>
                 <a:spcPts val="0"/>
               </a:spcBef>
@@ -4325,11 +4587,11 @@
 </file>
 
 <file path=ppt/slideLayouts/slideLayout3.xml><?xml version="1.0" encoding="utf-8"?>
-<p:sldLayout xmlns:a="http://schemas.openxmlformats.org/drawingml/2006/main" xmlns:r="http://schemas.openxmlformats.org/officeDocument/2006/relationships" xmlns:mc="http://schemas.openxmlformats.org/markup-compatibility/2006" xmlns:mv="urn:schemas-microsoft-com:mac:vml" xmlns:p="http://schemas.openxmlformats.org/presentationml/2006/main" xmlns:c="http://schemas.openxmlformats.org/drawingml/2006/chart" xmlns:dgm="http://schemas.openxmlformats.org/drawingml/2006/diagram" xmlns:o="urn:schemas-microsoft-com:office:office" xmlns:v="urn:schemas-microsoft-com:vml" xmlns:pvml="urn:schemas-microsoft-com:office:powerpoint" xmlns:com="http://schemas.openxmlformats.org/drawingml/2006/compatibility" xmlns:p14="http://schemas.microsoft.com/office/powerpoint/2010/main" xmlns:p15="http://schemas.microsoft.com/office/powerpoint/2012/main" matchingName="Title and body" type="tx">
+<p:sldLayout xmlns:a="http://schemas.openxmlformats.org/drawingml/2006/main" xmlns:r="http://schemas.openxmlformats.org/officeDocument/2006/relationships" xmlns:p="http://schemas.openxmlformats.org/presentationml/2006/main" matchingName="Title and body" type="tx">
   <p:cSld name="TITLE_AND_BODY">
     <p:spTree>
       <p:nvGrpSpPr>
-        <p:cNvPr id="18" name="Shape 18"/>
+        <p:cNvPr id="1" name="Shape 18"/>
         <p:cNvGrpSpPr/>
         <p:nvPr/>
       </p:nvGrpSpPr>
@@ -4348,7 +4610,7 @@
           <p:nvPr/>
         </p:nvSpPr>
         <p:spPr>
-          <a:xfrm flipH="1" rot="10800000">
+          <a:xfrm rot="10800000" flipH="1">
             <a:off x="0" y="1686000"/>
             <a:ext cx="9144000" cy="3457500"/>
           </a:xfrm>
@@ -4363,23 +4625,20 @@
           </a:ln>
         </p:spPr>
         <p:txBody>
-          <a:bodyPr anchorCtr="0" anchor="ctr" bIns="91425" lIns="91425" spcFirstLastPara="1" rIns="91425" wrap="square" tIns="91425">
+          <a:bodyPr spcFirstLastPara="1" wrap="square" lIns="91425" tIns="91425" rIns="91425" bIns="91425" anchor="ctr" anchorCtr="0">
             <a:noAutofit/>
           </a:bodyPr>
           <a:lstStyle/>
           <a:p>
-            <a:pPr indent="0" lvl="0" marL="0" rtl="0" algn="l">
-              <a:spcBef>
-                <a:spcPts val="0"/>
-              </a:spcBef>
-              <a:spcAft>
-                <a:spcPts val="0"/>
-              </a:spcAft>
-              <a:buNone/>
-            </a:pPr>
-            <a:r>
-              <a:t/>
-            </a:r>
+            <a:pPr marL="0" lvl="0" indent="0" algn="l" rtl="0">
+              <a:spcBef>
+                <a:spcPts val="0"/>
+              </a:spcBef>
+              <a:spcAft>
+                <a:spcPts val="0"/>
+              </a:spcAft>
+              <a:buNone/>
+            </a:pPr>
             <a:endParaRPr/>
           </a:p>
         </p:txBody>
@@ -4420,23 +4679,20 @@
           </a:ln>
         </p:spPr>
         <p:txBody>
-          <a:bodyPr anchorCtr="0" anchor="ctr" bIns="91425" lIns="91425" spcFirstLastPara="1" rIns="91425" wrap="square" tIns="91425">
+          <a:bodyPr spcFirstLastPara="1" wrap="square" lIns="91425" tIns="91425" rIns="91425" bIns="91425" anchor="ctr" anchorCtr="0">
             <a:noAutofit/>
           </a:bodyPr>
           <a:lstStyle/>
           <a:p>
-            <a:pPr indent="0" lvl="0" marL="0" rtl="0" algn="l">
-              <a:spcBef>
-                <a:spcPts val="0"/>
-              </a:spcBef>
-              <a:spcAft>
-                <a:spcPts val="0"/>
-              </a:spcAft>
-              <a:buNone/>
-            </a:pPr>
-            <a:r>
-              <a:t/>
-            </a:r>
+            <a:pPr marL="0" lvl="0" indent="0" algn="l" rtl="0">
+              <a:spcBef>
+                <a:spcPts val="0"/>
+              </a:spcBef>
+              <a:spcAft>
+                <a:spcPts val="0"/>
+              </a:spcAft>
+              <a:buNone/>
+            </a:pPr>
             <a:endParaRPr/>
           </a:p>
         </p:txBody>
@@ -4444,7 +4700,9 @@
       <p:sp>
         <p:nvSpPr>
           <p:cNvPr id="21" name="Google Shape;21;p4"/>
-          <p:cNvSpPr txBox="1"/>
+          <p:cNvSpPr txBox="1">
+            <a:spLocks noGrp="1"/>
+          </p:cNvSpPr>
           <p:nvPr>
             <p:ph type="title"/>
           </p:nvPr>
@@ -4459,7 +4717,7 @@
           </a:prstGeom>
         </p:spPr>
         <p:txBody>
-          <a:bodyPr anchorCtr="0" anchor="b" bIns="91425" lIns="91425" spcFirstLastPara="1" rIns="91425" wrap="square" tIns="91425">
+          <a:bodyPr spcFirstLastPara="1" wrap="square" lIns="91425" tIns="91425" rIns="91425" bIns="91425" anchor="b" anchorCtr="0">
             <a:noAutofit/>
           </a:bodyPr>
           <a:lstStyle>
@@ -4563,15 +4821,19 @@
               <a:defRPr/>
             </a:lvl9pPr>
           </a:lstStyle>
-          <a:p/>
+          <a:p>
+            <a:endParaRPr/>
+          </a:p>
         </p:txBody>
       </p:sp>
       <p:sp>
         <p:nvSpPr>
           <p:cNvPr id="22" name="Google Shape;22;p4"/>
-          <p:cNvSpPr txBox="1"/>
+          <p:cNvSpPr txBox="1">
+            <a:spLocks noGrp="1"/>
+          </p:cNvSpPr>
           <p:nvPr>
-            <p:ph idx="1" type="body"/>
+            <p:ph type="body" idx="1"/>
           </p:nvPr>
         </p:nvSpPr>
         <p:spPr>
@@ -4584,11 +4846,11 @@
           </a:prstGeom>
         </p:spPr>
         <p:txBody>
-          <a:bodyPr anchorCtr="0" anchor="t" bIns="91425" lIns="91425" spcFirstLastPara="1" rIns="91425" wrap="square" tIns="91425">
+          <a:bodyPr spcFirstLastPara="1" wrap="square" lIns="91425" tIns="91425" rIns="91425" bIns="91425" anchor="t" anchorCtr="0">
             <a:noAutofit/>
           </a:bodyPr>
           <a:lstStyle>
-            <a:lvl1pPr indent="-342900" lvl="0" marL="457200">
+            <a:lvl1pPr marL="457200" lvl="0" indent="-342900">
               <a:spcBef>
                 <a:spcPts val="0"/>
               </a:spcBef>
@@ -4599,7 +4861,7 @@
               <a:buChar char="●"/>
               <a:defRPr/>
             </a:lvl1pPr>
-            <a:lvl2pPr indent="-317500" lvl="1" marL="914400">
+            <a:lvl2pPr marL="914400" lvl="1" indent="-317500">
               <a:spcBef>
                 <a:spcPts val="1600"/>
               </a:spcBef>
@@ -4610,7 +4872,7 @@
               <a:buChar char="○"/>
               <a:defRPr/>
             </a:lvl2pPr>
-            <a:lvl3pPr indent="-317500" lvl="2" marL="1371600">
+            <a:lvl3pPr marL="1371600" lvl="2" indent="-317500">
               <a:spcBef>
                 <a:spcPts val="1600"/>
               </a:spcBef>
@@ -4621,7 +4883,7 @@
               <a:buChar char="■"/>
               <a:defRPr/>
             </a:lvl3pPr>
-            <a:lvl4pPr indent="-317500" lvl="3" marL="1828800">
+            <a:lvl4pPr marL="1828800" lvl="3" indent="-317500">
               <a:spcBef>
                 <a:spcPts val="1600"/>
               </a:spcBef>
@@ -4632,7 +4894,7 @@
               <a:buChar char="●"/>
               <a:defRPr/>
             </a:lvl4pPr>
-            <a:lvl5pPr indent="-317500" lvl="4" marL="2286000">
+            <a:lvl5pPr marL="2286000" lvl="4" indent="-317500">
               <a:spcBef>
                 <a:spcPts val="1600"/>
               </a:spcBef>
@@ -4643,7 +4905,7 @@
               <a:buChar char="○"/>
               <a:defRPr/>
             </a:lvl5pPr>
-            <a:lvl6pPr indent="-317500" lvl="5" marL="2743200">
+            <a:lvl6pPr marL="2743200" lvl="5" indent="-317500">
               <a:spcBef>
                 <a:spcPts val="1600"/>
               </a:spcBef>
@@ -4654,7 +4916,7 @@
               <a:buChar char="■"/>
               <a:defRPr/>
             </a:lvl6pPr>
-            <a:lvl7pPr indent="-317500" lvl="6" marL="3200400">
+            <a:lvl7pPr marL="3200400" lvl="6" indent="-317500">
               <a:spcBef>
                 <a:spcPts val="1600"/>
               </a:spcBef>
@@ -4665,7 +4927,7 @@
               <a:buChar char="●"/>
               <a:defRPr/>
             </a:lvl7pPr>
-            <a:lvl8pPr indent="-317500" lvl="7" marL="3657600">
+            <a:lvl8pPr marL="3657600" lvl="7" indent="-317500">
               <a:spcBef>
                 <a:spcPts val="1600"/>
               </a:spcBef>
@@ -4676,7 +4938,7 @@
               <a:buChar char="○"/>
               <a:defRPr/>
             </a:lvl8pPr>
-            <a:lvl9pPr indent="-317500" lvl="8" marL="4114800">
+            <a:lvl9pPr marL="4114800" lvl="8" indent="-317500">
               <a:spcBef>
                 <a:spcPts val="1600"/>
               </a:spcBef>
@@ -4688,15 +4950,19 @@
               <a:defRPr/>
             </a:lvl9pPr>
           </a:lstStyle>
-          <a:p/>
+          <a:p>
+            <a:endParaRPr/>
+          </a:p>
         </p:txBody>
       </p:sp>
       <p:sp>
         <p:nvSpPr>
           <p:cNvPr id="23" name="Google Shape;23;p4"/>
-          <p:cNvSpPr txBox="1"/>
+          <p:cNvSpPr txBox="1">
+            <a:spLocks noGrp="1"/>
+          </p:cNvSpPr>
           <p:nvPr>
-            <p:ph idx="12" type="sldNum"/>
+            <p:ph type="sldNum" idx="12"/>
           </p:nvPr>
         </p:nvSpPr>
         <p:spPr>
@@ -4709,7 +4975,7 @@
           </a:prstGeom>
         </p:spPr>
         <p:txBody>
-          <a:bodyPr anchorCtr="0" anchor="ctr" bIns="91425" lIns="91425" spcFirstLastPara="1" rIns="91425" wrap="square" tIns="91425">
+          <a:bodyPr spcFirstLastPara="1" wrap="square" lIns="91425" tIns="91425" rIns="91425" bIns="91425" anchor="ctr" anchorCtr="0">
             <a:noAutofit/>
           </a:bodyPr>
           <a:lstStyle>
@@ -4751,7 +5017,7 @@
             </a:lvl9pPr>
           </a:lstStyle>
           <a:p>
-            <a:pPr indent="0" lvl="0" marL="0" rtl="0" algn="r">
+            <a:pPr marL="0" lvl="0" indent="0" algn="r" rtl="0">
               <a:spcBef>
                 <a:spcPts val="0"/>
               </a:spcBef>
@@ -4777,11 +5043,11 @@
 </file>
 
 <file path=ppt/slideLayouts/slideLayout4.xml><?xml version="1.0" encoding="utf-8"?>
-<p:sldLayout xmlns:a="http://schemas.openxmlformats.org/drawingml/2006/main" xmlns:r="http://schemas.openxmlformats.org/officeDocument/2006/relationships" xmlns:mc="http://schemas.openxmlformats.org/markup-compatibility/2006" xmlns:mv="urn:schemas-microsoft-com:mac:vml" xmlns:p="http://schemas.openxmlformats.org/presentationml/2006/main" xmlns:c="http://schemas.openxmlformats.org/drawingml/2006/chart" xmlns:dgm="http://schemas.openxmlformats.org/drawingml/2006/diagram" xmlns:o="urn:schemas-microsoft-com:office:office" xmlns:v="urn:schemas-microsoft-com:vml" xmlns:pvml="urn:schemas-microsoft-com:office:powerpoint" xmlns:com="http://schemas.openxmlformats.org/drawingml/2006/compatibility" xmlns:p14="http://schemas.microsoft.com/office/powerpoint/2010/main" xmlns:p15="http://schemas.microsoft.com/office/powerpoint/2012/main" matchingName="Title and two columns" type="twoColTx">
+<p:sldLayout xmlns:a="http://schemas.openxmlformats.org/drawingml/2006/main" xmlns:r="http://schemas.openxmlformats.org/officeDocument/2006/relationships" xmlns:p="http://schemas.openxmlformats.org/presentationml/2006/main" matchingName="Title and two columns" type="twoColTx">
   <p:cSld name="TITLE_AND_TWO_COLUMNS">
     <p:spTree>
       <p:nvGrpSpPr>
-        <p:cNvPr id="24" name="Shape 24"/>
+        <p:cNvPr id="1" name="Shape 24"/>
         <p:cNvGrpSpPr/>
         <p:nvPr/>
       </p:nvGrpSpPr>
@@ -4800,7 +5066,7 @@
           <p:nvPr/>
         </p:nvSpPr>
         <p:spPr>
-          <a:xfrm flipH="1" rot="10800000">
+          <a:xfrm rot="10800000" flipH="1">
             <a:off x="0" y="1686000"/>
             <a:ext cx="9144000" cy="3457500"/>
           </a:xfrm>
@@ -4815,23 +5081,20 @@
           </a:ln>
         </p:spPr>
         <p:txBody>
-          <a:bodyPr anchorCtr="0" anchor="ctr" bIns="91425" lIns="91425" spcFirstLastPara="1" rIns="91425" wrap="square" tIns="91425">
+          <a:bodyPr spcFirstLastPara="1" wrap="square" lIns="91425" tIns="91425" rIns="91425" bIns="91425" anchor="ctr" anchorCtr="0">
             <a:noAutofit/>
           </a:bodyPr>
           <a:lstStyle/>
           <a:p>
-            <a:pPr indent="0" lvl="0" marL="0" rtl="0" algn="l">
-              <a:spcBef>
-                <a:spcPts val="0"/>
-              </a:spcBef>
-              <a:spcAft>
-                <a:spcPts val="0"/>
-              </a:spcAft>
-              <a:buNone/>
-            </a:pPr>
-            <a:r>
-              <a:t/>
-            </a:r>
+            <a:pPr marL="0" lvl="0" indent="0" algn="l" rtl="0">
+              <a:spcBef>
+                <a:spcPts val="0"/>
+              </a:spcBef>
+              <a:spcAft>
+                <a:spcPts val="0"/>
+              </a:spcAft>
+              <a:buNone/>
+            </a:pPr>
             <a:endParaRPr/>
           </a:p>
         </p:txBody>
@@ -4872,23 +5135,20 @@
           </a:ln>
         </p:spPr>
         <p:txBody>
-          <a:bodyPr anchorCtr="0" anchor="ctr" bIns="91425" lIns="91425" spcFirstLastPara="1" rIns="91425" wrap="square" tIns="91425">
+          <a:bodyPr spcFirstLastPara="1" wrap="square" lIns="91425" tIns="91425" rIns="91425" bIns="91425" anchor="ctr" anchorCtr="0">
             <a:noAutofit/>
           </a:bodyPr>
           <a:lstStyle/>
           <a:p>
-            <a:pPr indent="0" lvl="0" marL="0" rtl="0" algn="l">
-              <a:spcBef>
-                <a:spcPts val="0"/>
-              </a:spcBef>
-              <a:spcAft>
-                <a:spcPts val="0"/>
-              </a:spcAft>
-              <a:buNone/>
-            </a:pPr>
-            <a:r>
-              <a:t/>
-            </a:r>
+            <a:pPr marL="0" lvl="0" indent="0" algn="l" rtl="0">
+              <a:spcBef>
+                <a:spcPts val="0"/>
+              </a:spcBef>
+              <a:spcAft>
+                <a:spcPts val="0"/>
+              </a:spcAft>
+              <a:buNone/>
+            </a:pPr>
             <a:endParaRPr/>
           </a:p>
         </p:txBody>
@@ -4896,7 +5156,9 @@
       <p:sp>
         <p:nvSpPr>
           <p:cNvPr id="27" name="Google Shape;27;p5"/>
-          <p:cNvSpPr txBox="1"/>
+          <p:cNvSpPr txBox="1">
+            <a:spLocks noGrp="1"/>
+          </p:cNvSpPr>
           <p:nvPr>
             <p:ph type="title"/>
           </p:nvPr>
@@ -4911,7 +5173,7 @@
           </a:prstGeom>
         </p:spPr>
         <p:txBody>
-          <a:bodyPr anchorCtr="0" anchor="b" bIns="91425" lIns="91425" spcFirstLastPara="1" rIns="91425" wrap="square" tIns="91425">
+          <a:bodyPr spcFirstLastPara="1" wrap="square" lIns="91425" tIns="91425" rIns="91425" bIns="91425" anchor="b" anchorCtr="0">
             <a:noAutofit/>
           </a:bodyPr>
           <a:lstStyle>
@@ -5015,15 +5277,19 @@
               <a:defRPr/>
             </a:lvl9pPr>
           </a:lstStyle>
-          <a:p/>
+          <a:p>
+            <a:endParaRPr/>
+          </a:p>
         </p:txBody>
       </p:sp>
       <p:sp>
         <p:nvSpPr>
           <p:cNvPr id="28" name="Google Shape;28;p5"/>
-          <p:cNvSpPr txBox="1"/>
+          <p:cNvSpPr txBox="1">
+            <a:spLocks noGrp="1"/>
+          </p:cNvSpPr>
           <p:nvPr>
-            <p:ph idx="1" type="body"/>
+            <p:ph type="body" idx="1"/>
           </p:nvPr>
         </p:nvSpPr>
         <p:spPr>
@@ -5036,11 +5302,11 @@
           </a:prstGeom>
         </p:spPr>
         <p:txBody>
-          <a:bodyPr anchorCtr="0" anchor="t" bIns="91425" lIns="91425" spcFirstLastPara="1" rIns="91425" wrap="square" tIns="91425">
+          <a:bodyPr spcFirstLastPara="1" wrap="square" lIns="91425" tIns="91425" rIns="91425" bIns="91425" anchor="t" anchorCtr="0">
             <a:noAutofit/>
           </a:bodyPr>
           <a:lstStyle>
-            <a:lvl1pPr indent="-317500" lvl="0" marL="457200">
+            <a:lvl1pPr marL="457200" lvl="0" indent="-317500">
               <a:spcBef>
                 <a:spcPts val="0"/>
               </a:spcBef>
@@ -5051,7 +5317,7 @@
               <a:buChar char="●"/>
               <a:defRPr sz="1400"/>
             </a:lvl1pPr>
-            <a:lvl2pPr indent="-304800" lvl="1" marL="914400">
+            <a:lvl2pPr marL="914400" lvl="1" indent="-304800">
               <a:spcBef>
                 <a:spcPts val="1600"/>
               </a:spcBef>
@@ -5062,7 +5328,7 @@
               <a:buChar char="○"/>
               <a:defRPr sz="1200"/>
             </a:lvl2pPr>
-            <a:lvl3pPr indent="-304800" lvl="2" marL="1371600">
+            <a:lvl3pPr marL="1371600" lvl="2" indent="-304800">
               <a:spcBef>
                 <a:spcPts val="1600"/>
               </a:spcBef>
@@ -5073,7 +5339,7 @@
               <a:buChar char="■"/>
               <a:defRPr sz="1200"/>
             </a:lvl3pPr>
-            <a:lvl4pPr indent="-304800" lvl="3" marL="1828800">
+            <a:lvl4pPr marL="1828800" lvl="3" indent="-304800">
               <a:spcBef>
                 <a:spcPts val="1600"/>
               </a:spcBef>
@@ -5084,7 +5350,7 @@
               <a:buChar char="●"/>
               <a:defRPr sz="1200"/>
             </a:lvl4pPr>
-            <a:lvl5pPr indent="-304800" lvl="4" marL="2286000">
+            <a:lvl5pPr marL="2286000" lvl="4" indent="-304800">
               <a:spcBef>
                 <a:spcPts val="1600"/>
               </a:spcBef>
@@ -5095,7 +5361,7 @@
               <a:buChar char="○"/>
               <a:defRPr sz="1200"/>
             </a:lvl5pPr>
-            <a:lvl6pPr indent="-304800" lvl="5" marL="2743200">
+            <a:lvl6pPr marL="2743200" lvl="5" indent="-304800">
               <a:spcBef>
                 <a:spcPts val="1600"/>
               </a:spcBef>
@@ -5106,7 +5372,7 @@
               <a:buChar char="■"/>
               <a:defRPr sz="1200"/>
             </a:lvl6pPr>
-            <a:lvl7pPr indent="-304800" lvl="6" marL="3200400">
+            <a:lvl7pPr marL="3200400" lvl="6" indent="-304800">
               <a:spcBef>
                 <a:spcPts val="1600"/>
               </a:spcBef>
@@ -5117,7 +5383,7 @@
               <a:buChar char="●"/>
               <a:defRPr sz="1200"/>
             </a:lvl7pPr>
-            <a:lvl8pPr indent="-304800" lvl="7" marL="3657600">
+            <a:lvl8pPr marL="3657600" lvl="7" indent="-304800">
               <a:spcBef>
                 <a:spcPts val="1600"/>
               </a:spcBef>
@@ -5128,7 +5394,7 @@
               <a:buChar char="○"/>
               <a:defRPr sz="1200"/>
             </a:lvl8pPr>
-            <a:lvl9pPr indent="-304800" lvl="8" marL="4114800">
+            <a:lvl9pPr marL="4114800" lvl="8" indent="-304800">
               <a:spcBef>
                 <a:spcPts val="1600"/>
               </a:spcBef>
@@ -5140,15 +5406,19 @@
               <a:defRPr sz="1200"/>
             </a:lvl9pPr>
           </a:lstStyle>
-          <a:p/>
+          <a:p>
+            <a:endParaRPr/>
+          </a:p>
         </p:txBody>
       </p:sp>
       <p:sp>
         <p:nvSpPr>
           <p:cNvPr id="29" name="Google Shape;29;p5"/>
-          <p:cNvSpPr txBox="1"/>
+          <p:cNvSpPr txBox="1">
+            <a:spLocks noGrp="1"/>
+          </p:cNvSpPr>
           <p:nvPr>
-            <p:ph idx="2" type="body"/>
+            <p:ph type="body" idx="2"/>
           </p:nvPr>
         </p:nvSpPr>
         <p:spPr>
@@ -5161,11 +5431,11 @@
           </a:prstGeom>
         </p:spPr>
         <p:txBody>
-          <a:bodyPr anchorCtr="0" anchor="t" bIns="91425" lIns="91425" spcFirstLastPara="1" rIns="91425" wrap="square" tIns="91425">
+          <a:bodyPr spcFirstLastPara="1" wrap="square" lIns="91425" tIns="91425" rIns="91425" bIns="91425" anchor="t" anchorCtr="0">
             <a:noAutofit/>
           </a:bodyPr>
           <a:lstStyle>
-            <a:lvl1pPr indent="-317500" lvl="0" marL="457200">
+            <a:lvl1pPr marL="457200" lvl="0" indent="-317500">
               <a:spcBef>
                 <a:spcPts val="0"/>
               </a:spcBef>
@@ -5176,7 +5446,7 @@
               <a:buChar char="●"/>
               <a:defRPr sz="1400"/>
             </a:lvl1pPr>
-            <a:lvl2pPr indent="-304800" lvl="1" marL="914400">
+            <a:lvl2pPr marL="914400" lvl="1" indent="-304800">
               <a:spcBef>
                 <a:spcPts val="1600"/>
               </a:spcBef>
@@ -5187,7 +5457,7 @@
               <a:buChar char="○"/>
               <a:defRPr sz="1200"/>
             </a:lvl2pPr>
-            <a:lvl3pPr indent="-304800" lvl="2" marL="1371600">
+            <a:lvl3pPr marL="1371600" lvl="2" indent="-304800">
               <a:spcBef>
                 <a:spcPts val="1600"/>
               </a:spcBef>
@@ -5198,7 +5468,7 @@
               <a:buChar char="■"/>
               <a:defRPr sz="1200"/>
             </a:lvl3pPr>
-            <a:lvl4pPr indent="-304800" lvl="3" marL="1828800">
+            <a:lvl4pPr marL="1828800" lvl="3" indent="-304800">
               <a:spcBef>
                 <a:spcPts val="1600"/>
               </a:spcBef>
@@ -5209,7 +5479,7 @@
               <a:buChar char="●"/>
               <a:defRPr sz="1200"/>
             </a:lvl4pPr>
-            <a:lvl5pPr indent="-304800" lvl="4" marL="2286000">
+            <a:lvl5pPr marL="2286000" lvl="4" indent="-304800">
               <a:spcBef>
                 <a:spcPts val="1600"/>
               </a:spcBef>
@@ -5220,7 +5490,7 @@
               <a:buChar char="○"/>
               <a:defRPr sz="1200"/>
             </a:lvl5pPr>
-            <a:lvl6pPr indent="-304800" lvl="5" marL="2743200">
+            <a:lvl6pPr marL="2743200" lvl="5" indent="-304800">
               <a:spcBef>
                 <a:spcPts val="1600"/>
               </a:spcBef>
@@ -5231,7 +5501,7 @@
               <a:buChar char="■"/>
               <a:defRPr sz="1200"/>
             </a:lvl6pPr>
-            <a:lvl7pPr indent="-304800" lvl="6" marL="3200400">
+            <a:lvl7pPr marL="3200400" lvl="6" indent="-304800">
               <a:spcBef>
                 <a:spcPts val="1600"/>
               </a:spcBef>
@@ -5242,7 +5512,7 @@
               <a:buChar char="●"/>
               <a:defRPr sz="1200"/>
             </a:lvl7pPr>
-            <a:lvl8pPr indent="-304800" lvl="7" marL="3657600">
+            <a:lvl8pPr marL="3657600" lvl="7" indent="-304800">
               <a:spcBef>
                 <a:spcPts val="1600"/>
               </a:spcBef>
@@ -5253,7 +5523,7 @@
               <a:buChar char="○"/>
               <a:defRPr sz="1200"/>
             </a:lvl8pPr>
-            <a:lvl9pPr indent="-304800" lvl="8" marL="4114800">
+            <a:lvl9pPr marL="4114800" lvl="8" indent="-304800">
               <a:spcBef>
                 <a:spcPts val="1600"/>
               </a:spcBef>
@@ -5265,15 +5535,19 @@
               <a:defRPr sz="1200"/>
             </a:lvl9pPr>
           </a:lstStyle>
-          <a:p/>
+          <a:p>
+            <a:endParaRPr/>
+          </a:p>
         </p:txBody>
       </p:sp>
       <p:sp>
         <p:nvSpPr>
           <p:cNvPr id="30" name="Google Shape;30;p5"/>
-          <p:cNvSpPr txBox="1"/>
+          <p:cNvSpPr txBox="1">
+            <a:spLocks noGrp="1"/>
+          </p:cNvSpPr>
           <p:nvPr>
-            <p:ph idx="12" type="sldNum"/>
+            <p:ph type="sldNum" idx="12"/>
           </p:nvPr>
         </p:nvSpPr>
         <p:spPr>
@@ -5286,7 +5560,7 @@
           </a:prstGeom>
         </p:spPr>
         <p:txBody>
-          <a:bodyPr anchorCtr="0" anchor="ctr" bIns="91425" lIns="91425" spcFirstLastPara="1" rIns="91425" wrap="square" tIns="91425">
+          <a:bodyPr spcFirstLastPara="1" wrap="square" lIns="91425" tIns="91425" rIns="91425" bIns="91425" anchor="ctr" anchorCtr="0">
             <a:noAutofit/>
           </a:bodyPr>
           <a:lstStyle>
@@ -5328,7 +5602,7 @@
             </a:lvl9pPr>
           </a:lstStyle>
           <a:p>
-            <a:pPr indent="0" lvl="0" marL="0" rtl="0" algn="r">
+            <a:pPr marL="0" lvl="0" indent="0" algn="r" rtl="0">
               <a:spcBef>
                 <a:spcPts val="0"/>
               </a:spcBef>
@@ -5354,11 +5628,11 @@
 </file>
 
 <file path=ppt/slideLayouts/slideLayout5.xml><?xml version="1.0" encoding="utf-8"?>
-<p:sldLayout xmlns:a="http://schemas.openxmlformats.org/drawingml/2006/main" xmlns:r="http://schemas.openxmlformats.org/officeDocument/2006/relationships" xmlns:mc="http://schemas.openxmlformats.org/markup-compatibility/2006" xmlns:mv="urn:schemas-microsoft-com:mac:vml" xmlns:p="http://schemas.openxmlformats.org/presentationml/2006/main" xmlns:c="http://schemas.openxmlformats.org/drawingml/2006/chart" xmlns:dgm="http://schemas.openxmlformats.org/drawingml/2006/diagram" xmlns:o="urn:schemas-microsoft-com:office:office" xmlns:v="urn:schemas-microsoft-com:vml" xmlns:pvml="urn:schemas-microsoft-com:office:powerpoint" xmlns:com="http://schemas.openxmlformats.org/drawingml/2006/compatibility" xmlns:p14="http://schemas.microsoft.com/office/powerpoint/2010/main" xmlns:p15="http://schemas.microsoft.com/office/powerpoint/2012/main" matchingName="Title only" type="titleOnly">
+<p:sldLayout xmlns:a="http://schemas.openxmlformats.org/drawingml/2006/main" xmlns:r="http://schemas.openxmlformats.org/officeDocument/2006/relationships" xmlns:p="http://schemas.openxmlformats.org/presentationml/2006/main" matchingName="Title only" type="titleOnly">
   <p:cSld name="TITLE_ONLY">
     <p:spTree>
       <p:nvGrpSpPr>
-        <p:cNvPr id="31" name="Shape 31"/>
+        <p:cNvPr id="1" name="Shape 31"/>
         <p:cNvGrpSpPr/>
         <p:nvPr/>
       </p:nvGrpSpPr>
@@ -5377,7 +5651,7 @@
           <p:nvPr/>
         </p:nvSpPr>
         <p:spPr>
-          <a:xfrm flipH="1" rot="10800000">
+          <a:xfrm rot="10800000" flipH="1">
             <a:off x="0" y="656400"/>
             <a:ext cx="9144000" cy="4487100"/>
           </a:xfrm>
@@ -5392,23 +5666,20 @@
           </a:ln>
         </p:spPr>
         <p:txBody>
-          <a:bodyPr anchorCtr="0" anchor="ctr" bIns="91425" lIns="91425" spcFirstLastPara="1" rIns="91425" wrap="square" tIns="91425">
+          <a:bodyPr spcFirstLastPara="1" wrap="square" lIns="91425" tIns="91425" rIns="91425" bIns="91425" anchor="ctr" anchorCtr="0">
             <a:noAutofit/>
           </a:bodyPr>
           <a:lstStyle/>
           <a:p>
-            <a:pPr indent="0" lvl="0" marL="0" rtl="0" algn="l">
-              <a:spcBef>
-                <a:spcPts val="0"/>
-              </a:spcBef>
-              <a:spcAft>
-                <a:spcPts val="0"/>
-              </a:spcAft>
-              <a:buNone/>
-            </a:pPr>
-            <a:r>
-              <a:t/>
-            </a:r>
+            <a:pPr marL="0" lvl="0" indent="0" algn="l" rtl="0">
+              <a:spcBef>
+                <a:spcPts val="0"/>
+              </a:spcBef>
+              <a:spcAft>
+                <a:spcPts val="0"/>
+              </a:spcAft>
+              <a:buNone/>
+            </a:pPr>
             <a:endParaRPr/>
           </a:p>
         </p:txBody>
@@ -5449,23 +5720,20 @@
           </a:ln>
         </p:spPr>
         <p:txBody>
-          <a:bodyPr anchorCtr="0" anchor="ctr" bIns="91425" lIns="91425" spcFirstLastPara="1" rIns="91425" wrap="square" tIns="91425">
+          <a:bodyPr spcFirstLastPara="1" wrap="square" lIns="91425" tIns="91425" rIns="91425" bIns="91425" anchor="ctr" anchorCtr="0">
             <a:noAutofit/>
           </a:bodyPr>
           <a:lstStyle/>
           <a:p>
-            <a:pPr indent="0" lvl="0" marL="0" rtl="0" algn="l">
-              <a:spcBef>
-                <a:spcPts val="0"/>
-              </a:spcBef>
-              <a:spcAft>
-                <a:spcPts val="0"/>
-              </a:spcAft>
-              <a:buNone/>
-            </a:pPr>
-            <a:r>
-              <a:t/>
-            </a:r>
+            <a:pPr marL="0" lvl="0" indent="0" algn="l" rtl="0">
+              <a:spcBef>
+                <a:spcPts val="0"/>
+              </a:spcBef>
+              <a:spcAft>
+                <a:spcPts val="0"/>
+              </a:spcAft>
+              <a:buNone/>
+            </a:pPr>
             <a:endParaRPr/>
           </a:p>
         </p:txBody>
@@ -5473,7 +5741,9 @@
       <p:sp>
         <p:nvSpPr>
           <p:cNvPr id="34" name="Google Shape;34;p6"/>
-          <p:cNvSpPr txBox="1"/>
+          <p:cNvSpPr txBox="1">
+            <a:spLocks noGrp="1"/>
+          </p:cNvSpPr>
           <p:nvPr>
             <p:ph type="title"/>
           </p:nvPr>
@@ -5488,7 +5758,7 @@
           </a:prstGeom>
         </p:spPr>
         <p:txBody>
-          <a:bodyPr anchorCtr="0" anchor="ctr" bIns="91425" lIns="91425" spcFirstLastPara="1" rIns="91425" wrap="square" tIns="91425">
+          <a:bodyPr spcFirstLastPara="1" wrap="square" lIns="91425" tIns="91425" rIns="91425" bIns="91425" anchor="ctr" anchorCtr="0">
             <a:noAutofit/>
           </a:bodyPr>
           <a:lstStyle>
@@ -5592,15 +5862,19 @@
               <a:defRPr sz="1800"/>
             </a:lvl9pPr>
           </a:lstStyle>
-          <a:p/>
+          <a:p>
+            <a:endParaRPr/>
+          </a:p>
         </p:txBody>
       </p:sp>
       <p:sp>
         <p:nvSpPr>
           <p:cNvPr id="35" name="Google Shape;35;p6"/>
-          <p:cNvSpPr txBox="1"/>
+          <p:cNvSpPr txBox="1">
+            <a:spLocks noGrp="1"/>
+          </p:cNvSpPr>
           <p:nvPr>
-            <p:ph idx="12" type="sldNum"/>
+            <p:ph type="sldNum" idx="12"/>
           </p:nvPr>
         </p:nvSpPr>
         <p:spPr>
@@ -5613,7 +5887,7 @@
           </a:prstGeom>
         </p:spPr>
         <p:txBody>
-          <a:bodyPr anchorCtr="0" anchor="ctr" bIns="91425" lIns="91425" spcFirstLastPara="1" rIns="91425" wrap="square" tIns="91425">
+          <a:bodyPr spcFirstLastPara="1" wrap="square" lIns="91425" tIns="91425" rIns="91425" bIns="91425" anchor="ctr" anchorCtr="0">
             <a:noAutofit/>
           </a:bodyPr>
           <a:lstStyle>
@@ -5655,7 +5929,7 @@
             </a:lvl9pPr>
           </a:lstStyle>
           <a:p>
-            <a:pPr indent="0" lvl="0" marL="0" rtl="0" algn="r">
+            <a:pPr marL="0" lvl="0" indent="0" algn="r" rtl="0">
               <a:spcBef>
                 <a:spcPts val="0"/>
               </a:spcBef>
@@ -5681,11 +5955,11 @@
 </file>
 
 <file path=ppt/slideLayouts/slideLayout6.xml><?xml version="1.0" encoding="utf-8"?>
-<p:sldLayout xmlns:a="http://schemas.openxmlformats.org/drawingml/2006/main" xmlns:r="http://schemas.openxmlformats.org/officeDocument/2006/relationships" xmlns:mc="http://schemas.openxmlformats.org/markup-compatibility/2006" xmlns:mv="urn:schemas-microsoft-com:mac:vml" xmlns:p="http://schemas.openxmlformats.org/presentationml/2006/main" xmlns:c="http://schemas.openxmlformats.org/drawingml/2006/chart" xmlns:dgm="http://schemas.openxmlformats.org/drawingml/2006/diagram" xmlns:o="urn:schemas-microsoft-com:office:office" xmlns:v="urn:schemas-microsoft-com:vml" xmlns:pvml="urn:schemas-microsoft-com:office:powerpoint" xmlns:com="http://schemas.openxmlformats.org/drawingml/2006/compatibility" xmlns:p14="http://schemas.microsoft.com/office/powerpoint/2010/main" xmlns:p15="http://schemas.microsoft.com/office/powerpoint/2012/main" matchingName="One column text">
+<p:sldLayout xmlns:a="http://schemas.openxmlformats.org/drawingml/2006/main" xmlns:r="http://schemas.openxmlformats.org/officeDocument/2006/relationships" xmlns:p="http://schemas.openxmlformats.org/presentationml/2006/main" matchingName="One column text">
   <p:cSld name="ONE_COLUMN_TEXT">
     <p:spTree>
       <p:nvGrpSpPr>
-        <p:cNvPr id="36" name="Shape 36"/>
+        <p:cNvPr id="1" name="Shape 36"/>
         <p:cNvGrpSpPr/>
         <p:nvPr/>
       </p:nvGrpSpPr>
@@ -5704,7 +5978,7 @@
           <p:nvPr/>
         </p:nvSpPr>
         <p:spPr>
-          <a:xfrm flipH="1" rot="10800000">
+          <a:xfrm rot="10800000" flipH="1">
             <a:off x="3276600" y="25"/>
             <a:ext cx="5867400" cy="5143500"/>
           </a:xfrm>
@@ -5719,23 +5993,20 @@
           </a:ln>
         </p:spPr>
         <p:txBody>
-          <a:bodyPr anchorCtr="0" anchor="ctr" bIns="91425" lIns="91425" spcFirstLastPara="1" rIns="91425" wrap="square" tIns="91425">
+          <a:bodyPr spcFirstLastPara="1" wrap="square" lIns="91425" tIns="91425" rIns="91425" bIns="91425" anchor="ctr" anchorCtr="0">
             <a:noAutofit/>
           </a:bodyPr>
           <a:lstStyle/>
           <a:p>
-            <a:pPr indent="0" lvl="0" marL="0" rtl="0" algn="l">
-              <a:spcBef>
-                <a:spcPts val="0"/>
-              </a:spcBef>
-              <a:spcAft>
-                <a:spcPts val="0"/>
-              </a:spcAft>
-              <a:buNone/>
-            </a:pPr>
-            <a:r>
-              <a:t/>
-            </a:r>
+            <a:pPr marL="0" lvl="0" indent="0" algn="l" rtl="0">
+              <a:spcBef>
+                <a:spcPts val="0"/>
+              </a:spcBef>
+              <a:spcAft>
+                <a:spcPts val="0"/>
+              </a:spcAft>
+              <a:buNone/>
+            </a:pPr>
             <a:endParaRPr/>
           </a:p>
         </p:txBody>
@@ -5776,23 +6047,20 @@
           </a:ln>
         </p:spPr>
         <p:txBody>
-          <a:bodyPr anchorCtr="0" anchor="ctr" bIns="91425" lIns="91425" spcFirstLastPara="1" rIns="91425" wrap="square" tIns="91425">
+          <a:bodyPr spcFirstLastPara="1" wrap="square" lIns="91425" tIns="91425" rIns="91425" bIns="91425" anchor="ctr" anchorCtr="0">
             <a:noAutofit/>
           </a:bodyPr>
           <a:lstStyle/>
           <a:p>
-            <a:pPr indent="0" lvl="0" marL="0" rtl="0" algn="l">
-              <a:spcBef>
-                <a:spcPts val="0"/>
-              </a:spcBef>
-              <a:spcAft>
-                <a:spcPts val="0"/>
-              </a:spcAft>
-              <a:buNone/>
-            </a:pPr>
-            <a:r>
-              <a:t/>
-            </a:r>
+            <a:pPr marL="0" lvl="0" indent="0" algn="l" rtl="0">
+              <a:spcBef>
+                <a:spcPts val="0"/>
+              </a:spcBef>
+              <a:spcAft>
+                <a:spcPts val="0"/>
+              </a:spcAft>
+              <a:buNone/>
+            </a:pPr>
             <a:endParaRPr/>
           </a:p>
         </p:txBody>
@@ -5800,7 +6068,9 @@
       <p:sp>
         <p:nvSpPr>
           <p:cNvPr id="39" name="Google Shape;39;p7"/>
-          <p:cNvSpPr txBox="1"/>
+          <p:cNvSpPr txBox="1">
+            <a:spLocks noGrp="1"/>
+          </p:cNvSpPr>
           <p:nvPr>
             <p:ph type="title"/>
           </p:nvPr>
@@ -5815,7 +6085,7 @@
           </a:prstGeom>
         </p:spPr>
         <p:txBody>
-          <a:bodyPr anchorCtr="0" anchor="b" bIns="91425" lIns="91425" spcFirstLastPara="1" rIns="91425" wrap="square" tIns="91425">
+          <a:bodyPr spcFirstLastPara="1" wrap="square" lIns="91425" tIns="91425" rIns="91425" bIns="91425" anchor="b" anchorCtr="0">
             <a:noAutofit/>
           </a:bodyPr>
           <a:lstStyle>
@@ -5919,15 +6189,19 @@
               <a:defRPr sz="2400"/>
             </a:lvl9pPr>
           </a:lstStyle>
-          <a:p/>
+          <a:p>
+            <a:endParaRPr/>
+          </a:p>
         </p:txBody>
       </p:sp>
       <p:sp>
         <p:nvSpPr>
           <p:cNvPr id="40" name="Google Shape;40;p7"/>
-          <p:cNvSpPr txBox="1"/>
+          <p:cNvSpPr txBox="1">
+            <a:spLocks noGrp="1"/>
+          </p:cNvSpPr>
           <p:nvPr>
-            <p:ph idx="1" type="body"/>
+            <p:ph type="body" idx="1"/>
           </p:nvPr>
         </p:nvSpPr>
         <p:spPr>
@@ -5940,11 +6214,11 @@
           </a:prstGeom>
         </p:spPr>
         <p:txBody>
-          <a:bodyPr anchorCtr="0" anchor="t" bIns="91425" lIns="91425" spcFirstLastPara="1" rIns="91425" wrap="square" tIns="91425">
+          <a:bodyPr spcFirstLastPara="1" wrap="square" lIns="91425" tIns="91425" rIns="91425" bIns="91425" anchor="t" anchorCtr="0">
             <a:noAutofit/>
           </a:bodyPr>
           <a:lstStyle>
-            <a:lvl1pPr indent="-304800" lvl="0" marL="457200">
+            <a:lvl1pPr marL="457200" lvl="0" indent="-304800">
               <a:spcBef>
                 <a:spcPts val="0"/>
               </a:spcBef>
@@ -5962,7 +6236,7 @@
                 </a:solidFill>
               </a:defRPr>
             </a:lvl1pPr>
-            <a:lvl2pPr indent="-304800" lvl="1" marL="914400">
+            <a:lvl2pPr marL="914400" lvl="1" indent="-304800">
               <a:spcBef>
                 <a:spcPts val="1600"/>
               </a:spcBef>
@@ -5980,7 +6254,7 @@
                 </a:solidFill>
               </a:defRPr>
             </a:lvl2pPr>
-            <a:lvl3pPr indent="-304800" lvl="2" marL="1371600">
+            <a:lvl3pPr marL="1371600" lvl="2" indent="-304800">
               <a:spcBef>
                 <a:spcPts val="1600"/>
               </a:spcBef>
@@ -5998,7 +6272,7 @@
                 </a:solidFill>
               </a:defRPr>
             </a:lvl3pPr>
-            <a:lvl4pPr indent="-304800" lvl="3" marL="1828800">
+            <a:lvl4pPr marL="1828800" lvl="3" indent="-304800">
               <a:spcBef>
                 <a:spcPts val="1600"/>
               </a:spcBef>
@@ -6016,7 +6290,7 @@
                 </a:solidFill>
               </a:defRPr>
             </a:lvl4pPr>
-            <a:lvl5pPr indent="-304800" lvl="4" marL="2286000">
+            <a:lvl5pPr marL="2286000" lvl="4" indent="-304800">
               <a:spcBef>
                 <a:spcPts val="1600"/>
               </a:spcBef>
@@ -6034,7 +6308,7 @@
                 </a:solidFill>
               </a:defRPr>
             </a:lvl5pPr>
-            <a:lvl6pPr indent="-304800" lvl="5" marL="2743200">
+            <a:lvl6pPr marL="2743200" lvl="5" indent="-304800">
               <a:spcBef>
                 <a:spcPts val="1600"/>
               </a:spcBef>
@@ -6052,7 +6326,7 @@
                 </a:solidFill>
               </a:defRPr>
             </a:lvl6pPr>
-            <a:lvl7pPr indent="-304800" lvl="6" marL="3200400">
+            <a:lvl7pPr marL="3200400" lvl="6" indent="-304800">
               <a:spcBef>
                 <a:spcPts val="1600"/>
               </a:spcBef>
@@ -6070,7 +6344,7 @@
                 </a:solidFill>
               </a:defRPr>
             </a:lvl7pPr>
-            <a:lvl8pPr indent="-304800" lvl="7" marL="3657600">
+            <a:lvl8pPr marL="3657600" lvl="7" indent="-304800">
               <a:spcBef>
                 <a:spcPts val="1600"/>
               </a:spcBef>
@@ -6088,7 +6362,7 @@
                 </a:solidFill>
               </a:defRPr>
             </a:lvl8pPr>
-            <a:lvl9pPr indent="-304800" lvl="8" marL="4114800">
+            <a:lvl9pPr marL="4114800" lvl="8" indent="-304800">
               <a:spcBef>
                 <a:spcPts val="1600"/>
               </a:spcBef>
@@ -6107,15 +6381,19 @@
               </a:defRPr>
             </a:lvl9pPr>
           </a:lstStyle>
-          <a:p/>
+          <a:p>
+            <a:endParaRPr/>
+          </a:p>
         </p:txBody>
       </p:sp>
       <p:sp>
         <p:nvSpPr>
           <p:cNvPr id="41" name="Google Shape;41;p7"/>
-          <p:cNvSpPr txBox="1"/>
+          <p:cNvSpPr txBox="1">
+            <a:spLocks noGrp="1"/>
+          </p:cNvSpPr>
           <p:nvPr>
-            <p:ph idx="12" type="sldNum"/>
+            <p:ph type="sldNum" idx="12"/>
           </p:nvPr>
         </p:nvSpPr>
         <p:spPr>
@@ -6128,7 +6406,7 @@
           </a:prstGeom>
         </p:spPr>
         <p:txBody>
-          <a:bodyPr anchorCtr="0" anchor="ctr" bIns="91425" lIns="91425" spcFirstLastPara="1" rIns="91425" wrap="square" tIns="91425">
+          <a:bodyPr spcFirstLastPara="1" wrap="square" lIns="91425" tIns="91425" rIns="91425" bIns="91425" anchor="ctr" anchorCtr="0">
             <a:noAutofit/>
           </a:bodyPr>
           <a:lstStyle>
@@ -6170,7 +6448,7 @@
             </a:lvl9pPr>
           </a:lstStyle>
           <a:p>
-            <a:pPr indent="0" lvl="0" marL="0" rtl="0" algn="r">
+            <a:pPr marL="0" lvl="0" indent="0" algn="r" rtl="0">
               <a:spcBef>
                 <a:spcPts val="0"/>
               </a:spcBef>
@@ -6196,11 +6474,11 @@
 </file>
 
 <file path=ppt/slideLayouts/slideLayout7.xml><?xml version="1.0" encoding="utf-8"?>
-<p:sldLayout xmlns:a="http://schemas.openxmlformats.org/drawingml/2006/main" xmlns:r="http://schemas.openxmlformats.org/officeDocument/2006/relationships" xmlns:mc="http://schemas.openxmlformats.org/markup-compatibility/2006" xmlns:mv="urn:schemas-microsoft-com:mac:vml" xmlns:p="http://schemas.openxmlformats.org/presentationml/2006/main" xmlns:c="http://schemas.openxmlformats.org/drawingml/2006/chart" xmlns:dgm="http://schemas.openxmlformats.org/drawingml/2006/diagram" xmlns:o="urn:schemas-microsoft-com:office:office" xmlns:v="urn:schemas-microsoft-com:vml" xmlns:pvml="urn:schemas-microsoft-com:office:powerpoint" xmlns:com="http://schemas.openxmlformats.org/drawingml/2006/compatibility" xmlns:p14="http://schemas.microsoft.com/office/powerpoint/2010/main" xmlns:p15="http://schemas.microsoft.com/office/powerpoint/2012/main" matchingName="Main point">
+<p:sldLayout xmlns:a="http://schemas.openxmlformats.org/drawingml/2006/main" xmlns:r="http://schemas.openxmlformats.org/officeDocument/2006/relationships" xmlns:p="http://schemas.openxmlformats.org/presentationml/2006/main" matchingName="Main point">
   <p:cSld name="MAIN_POINT">
     <p:spTree>
       <p:nvGrpSpPr>
-        <p:cNvPr id="42" name="Shape 42"/>
+        <p:cNvPr id="1" name="Shape 42"/>
         <p:cNvGrpSpPr/>
         <p:nvPr/>
       </p:nvGrpSpPr>
@@ -6215,7 +6493,9 @@
       <p:sp>
         <p:nvSpPr>
           <p:cNvPr id="43" name="Google Shape;43;p8"/>
-          <p:cNvSpPr txBox="1"/>
+          <p:cNvSpPr txBox="1">
+            <a:spLocks noGrp="1"/>
+          </p:cNvSpPr>
           <p:nvPr>
             <p:ph type="title"/>
           </p:nvPr>
@@ -6230,7 +6510,7 @@
           </a:prstGeom>
         </p:spPr>
         <p:txBody>
-          <a:bodyPr anchorCtr="0" anchor="ctr" bIns="91425" lIns="91425" spcFirstLastPara="1" rIns="91425" wrap="square" tIns="91425">
+          <a:bodyPr spcFirstLastPara="1" wrap="square" lIns="91425" tIns="91425" rIns="91425" bIns="91425" anchor="ctr" anchorCtr="0">
             <a:noAutofit/>
           </a:bodyPr>
           <a:lstStyle>
@@ -6334,15 +6614,19 @@
               <a:defRPr sz="6000"/>
             </a:lvl9pPr>
           </a:lstStyle>
-          <a:p/>
+          <a:p>
+            <a:endParaRPr/>
+          </a:p>
         </p:txBody>
       </p:sp>
       <p:sp>
         <p:nvSpPr>
           <p:cNvPr id="44" name="Google Shape;44;p8"/>
-          <p:cNvSpPr txBox="1"/>
+          <p:cNvSpPr txBox="1">
+            <a:spLocks noGrp="1"/>
+          </p:cNvSpPr>
           <p:nvPr>
-            <p:ph idx="12" type="sldNum"/>
+            <p:ph type="sldNum" idx="12"/>
           </p:nvPr>
         </p:nvSpPr>
         <p:spPr>
@@ -6355,7 +6639,7 @@
           </a:prstGeom>
         </p:spPr>
         <p:txBody>
-          <a:bodyPr anchorCtr="0" anchor="ctr" bIns="91425" lIns="91425" spcFirstLastPara="1" rIns="91425" wrap="square" tIns="91425">
+          <a:bodyPr spcFirstLastPara="1" wrap="square" lIns="91425" tIns="91425" rIns="91425" bIns="91425" anchor="ctr" anchorCtr="0">
             <a:noAutofit/>
           </a:bodyPr>
           <a:lstStyle>
@@ -6433,7 +6717,7 @@
             </a:lvl9pPr>
           </a:lstStyle>
           <a:p>
-            <a:pPr indent="0" lvl="0" marL="0" rtl="0" algn="r">
+            <a:pPr marL="0" lvl="0" indent="0" algn="r" rtl="0">
               <a:spcBef>
                 <a:spcPts val="0"/>
               </a:spcBef>
@@ -6459,11 +6743,11 @@
 </file>
 
 <file path=ppt/slideLayouts/slideLayout8.xml><?xml version="1.0" encoding="utf-8"?>
-<p:sldLayout xmlns:a="http://schemas.openxmlformats.org/drawingml/2006/main" xmlns:r="http://schemas.openxmlformats.org/officeDocument/2006/relationships" xmlns:mc="http://schemas.openxmlformats.org/markup-compatibility/2006" xmlns:mv="urn:schemas-microsoft-com:mac:vml" xmlns:p="http://schemas.openxmlformats.org/presentationml/2006/main" xmlns:c="http://schemas.openxmlformats.org/drawingml/2006/chart" xmlns:dgm="http://schemas.openxmlformats.org/drawingml/2006/diagram" xmlns:o="urn:schemas-microsoft-com:office:office" xmlns:v="urn:schemas-microsoft-com:vml" xmlns:pvml="urn:schemas-microsoft-com:office:powerpoint" xmlns:com="http://schemas.openxmlformats.org/drawingml/2006/compatibility" xmlns:p14="http://schemas.microsoft.com/office/powerpoint/2010/main" xmlns:p15="http://schemas.microsoft.com/office/powerpoint/2012/main" matchingName="Section title and description">
+<p:sldLayout xmlns:a="http://schemas.openxmlformats.org/drawingml/2006/main" xmlns:r="http://schemas.openxmlformats.org/officeDocument/2006/relationships" xmlns:p="http://schemas.openxmlformats.org/presentationml/2006/main" matchingName="Section title and description">
   <p:cSld name="SECTION_TITLE_AND_DESCRIPTION">
     <p:spTree>
       <p:nvGrpSpPr>
-        <p:cNvPr id="45" name="Shape 45"/>
+        <p:cNvPr id="1" name="Shape 45"/>
         <p:cNvGrpSpPr/>
         <p:nvPr/>
       </p:nvGrpSpPr>
@@ -6497,23 +6781,20 @@
           </a:ln>
         </p:spPr>
         <p:txBody>
-          <a:bodyPr anchorCtr="0" anchor="ctr" bIns="91425" lIns="91425" spcFirstLastPara="1" rIns="91425" wrap="square" tIns="91425">
+          <a:bodyPr spcFirstLastPara="1" wrap="square" lIns="91425" tIns="91425" rIns="91425" bIns="91425" anchor="ctr" anchorCtr="0">
             <a:noAutofit/>
           </a:bodyPr>
           <a:lstStyle/>
           <a:p>
-            <a:pPr indent="0" lvl="0" marL="0" rtl="0" algn="l">
-              <a:spcBef>
-                <a:spcPts val="0"/>
-              </a:spcBef>
-              <a:spcAft>
-                <a:spcPts val="0"/>
-              </a:spcAft>
-              <a:buNone/>
-            </a:pPr>
-            <a:r>
-              <a:t/>
-            </a:r>
+            <a:pPr marL="0" lvl="0" indent="0" algn="l" rtl="0">
+              <a:spcBef>
+                <a:spcPts val="0"/>
+              </a:spcBef>
+              <a:spcAft>
+                <a:spcPts val="0"/>
+              </a:spcAft>
+              <a:buNone/>
+            </a:pPr>
             <a:endParaRPr/>
           </a:p>
         </p:txBody>
@@ -6554,23 +6835,20 @@
           </a:ln>
         </p:spPr>
         <p:txBody>
-          <a:bodyPr anchorCtr="0" anchor="ctr" bIns="91425" lIns="91425" spcFirstLastPara="1" rIns="91425" wrap="square" tIns="91425">
+          <a:bodyPr spcFirstLastPara="1" wrap="square" lIns="91425" tIns="91425" rIns="91425" bIns="91425" anchor="ctr" anchorCtr="0">
             <a:noAutofit/>
           </a:bodyPr>
           <a:lstStyle/>
           <a:p>
-            <a:pPr indent="0" lvl="0" marL="0" rtl="0" algn="l">
-              <a:spcBef>
-                <a:spcPts val="0"/>
-              </a:spcBef>
-              <a:spcAft>
-                <a:spcPts val="0"/>
-              </a:spcAft>
-              <a:buNone/>
-            </a:pPr>
-            <a:r>
-              <a:t/>
-            </a:r>
+            <a:pPr marL="0" lvl="0" indent="0" algn="l" rtl="0">
+              <a:spcBef>
+                <a:spcPts val="0"/>
+              </a:spcBef>
+              <a:spcAft>
+                <a:spcPts val="0"/>
+              </a:spcAft>
+              <a:buNone/>
+            </a:pPr>
             <a:endParaRPr/>
           </a:p>
         </p:txBody>
@@ -6578,7 +6856,9 @@
       <p:sp>
         <p:nvSpPr>
           <p:cNvPr id="48" name="Google Shape;48;p9"/>
-          <p:cNvSpPr txBox="1"/>
+          <p:cNvSpPr txBox="1">
+            <a:spLocks noGrp="1"/>
+          </p:cNvSpPr>
           <p:nvPr>
             <p:ph type="title"/>
           </p:nvPr>
@@ -6593,7 +6873,7 @@
           </a:prstGeom>
         </p:spPr>
         <p:txBody>
-          <a:bodyPr anchorCtr="0" anchor="b" bIns="91425" lIns="91425" spcFirstLastPara="1" rIns="91425" wrap="square" tIns="91425">
+          <a:bodyPr spcFirstLastPara="1" wrap="square" lIns="91425" tIns="91425" rIns="91425" bIns="91425" anchor="b" anchorCtr="0">
             <a:noAutofit/>
           </a:bodyPr>
           <a:lstStyle>
@@ -6760,15 +7040,19 @@
               </a:defRPr>
             </a:lvl9pPr>
           </a:lstStyle>
-          <a:p/>
+          <a:p>
+            <a:endParaRPr/>
+          </a:p>
         </p:txBody>
       </p:sp>
       <p:sp>
         <p:nvSpPr>
           <p:cNvPr id="49" name="Google Shape;49;p9"/>
-          <p:cNvSpPr txBox="1"/>
+          <p:cNvSpPr txBox="1">
+            <a:spLocks noGrp="1"/>
+          </p:cNvSpPr>
           <p:nvPr>
-            <p:ph idx="1" type="subTitle"/>
+            <p:ph type="subTitle" idx="1"/>
           </p:nvPr>
         </p:nvSpPr>
         <p:spPr>
@@ -6781,7 +7065,7 @@
           </a:prstGeom>
         </p:spPr>
         <p:txBody>
-          <a:bodyPr anchorCtr="0" anchor="t" bIns="91425" lIns="91425" spcFirstLastPara="1" rIns="91425" wrap="square" tIns="91425">
+          <a:bodyPr spcFirstLastPara="1" wrap="square" lIns="91425" tIns="91425" rIns="91425" bIns="91425" anchor="t" anchorCtr="0">
             <a:noAutofit/>
           </a:bodyPr>
           <a:lstStyle>
@@ -6912,15 +7196,19 @@
               <a:defRPr sz="2100"/>
             </a:lvl9pPr>
           </a:lstStyle>
-          <a:p/>
+          <a:p>
+            <a:endParaRPr/>
+          </a:p>
         </p:txBody>
       </p:sp>
       <p:sp>
         <p:nvSpPr>
           <p:cNvPr id="50" name="Google Shape;50;p9"/>
-          <p:cNvSpPr txBox="1"/>
+          <p:cNvSpPr txBox="1">
+            <a:spLocks noGrp="1"/>
+          </p:cNvSpPr>
           <p:nvPr>
-            <p:ph idx="2" type="body"/>
+            <p:ph type="body" idx="2"/>
           </p:nvPr>
         </p:nvSpPr>
         <p:spPr>
@@ -6933,11 +7221,11 @@
           </a:prstGeom>
         </p:spPr>
         <p:txBody>
-          <a:bodyPr anchorCtr="0" anchor="ctr" bIns="91425" lIns="91425" spcFirstLastPara="1" rIns="91425" wrap="square" tIns="91425">
+          <a:bodyPr spcFirstLastPara="1" wrap="square" lIns="91425" tIns="91425" rIns="91425" bIns="91425" anchor="ctr" anchorCtr="0">
             <a:noAutofit/>
           </a:bodyPr>
           <a:lstStyle>
-            <a:lvl1pPr indent="-342900" lvl="0" marL="457200">
+            <a:lvl1pPr marL="457200" lvl="0" indent="-342900">
               <a:spcBef>
                 <a:spcPts val="0"/>
               </a:spcBef>
@@ -6955,7 +7243,7 @@
                 </a:solidFill>
               </a:defRPr>
             </a:lvl1pPr>
-            <a:lvl2pPr indent="-317500" lvl="1" marL="914400">
+            <a:lvl2pPr marL="914400" lvl="1" indent="-317500">
               <a:spcBef>
                 <a:spcPts val="1600"/>
               </a:spcBef>
@@ -6973,7 +7261,7 @@
                 </a:solidFill>
               </a:defRPr>
             </a:lvl2pPr>
-            <a:lvl3pPr indent="-317500" lvl="2" marL="1371600">
+            <a:lvl3pPr marL="1371600" lvl="2" indent="-317500">
               <a:spcBef>
                 <a:spcPts val="1600"/>
               </a:spcBef>
@@ -6991,7 +7279,7 @@
                 </a:solidFill>
               </a:defRPr>
             </a:lvl3pPr>
-            <a:lvl4pPr indent="-317500" lvl="3" marL="1828800">
+            <a:lvl4pPr marL="1828800" lvl="3" indent="-317500">
               <a:spcBef>
                 <a:spcPts val="1600"/>
               </a:spcBef>
@@ -7009,7 +7297,7 @@
                 </a:solidFill>
               </a:defRPr>
             </a:lvl4pPr>
-            <a:lvl5pPr indent="-317500" lvl="4" marL="2286000">
+            <a:lvl5pPr marL="2286000" lvl="4" indent="-317500">
               <a:spcBef>
                 <a:spcPts val="1600"/>
               </a:spcBef>
@@ -7027,7 +7315,7 @@
                 </a:solidFill>
               </a:defRPr>
             </a:lvl5pPr>
-            <a:lvl6pPr indent="-317500" lvl="5" marL="2743200">
+            <a:lvl6pPr marL="2743200" lvl="5" indent="-317500">
               <a:spcBef>
                 <a:spcPts val="1600"/>
               </a:spcBef>
@@ -7045,7 +7333,7 @@
                 </a:solidFill>
               </a:defRPr>
             </a:lvl6pPr>
-            <a:lvl7pPr indent="-317500" lvl="6" marL="3200400">
+            <a:lvl7pPr marL="3200400" lvl="6" indent="-317500">
               <a:spcBef>
                 <a:spcPts val="1600"/>
               </a:spcBef>
@@ -7063,7 +7351,7 @@
                 </a:solidFill>
               </a:defRPr>
             </a:lvl7pPr>
-            <a:lvl8pPr indent="-317500" lvl="7" marL="3657600">
+            <a:lvl8pPr marL="3657600" lvl="7" indent="-317500">
               <a:spcBef>
                 <a:spcPts val="1600"/>
               </a:spcBef>
@@ -7081,7 +7369,7 @@
                 </a:solidFill>
               </a:defRPr>
             </a:lvl8pPr>
-            <a:lvl9pPr indent="-317500" lvl="8" marL="4114800">
+            <a:lvl9pPr marL="4114800" lvl="8" indent="-317500">
               <a:spcBef>
                 <a:spcPts val="1600"/>
               </a:spcBef>
@@ -7100,15 +7388,19 @@
               </a:defRPr>
             </a:lvl9pPr>
           </a:lstStyle>
-          <a:p/>
+          <a:p>
+            <a:endParaRPr/>
+          </a:p>
         </p:txBody>
       </p:sp>
       <p:sp>
         <p:nvSpPr>
           <p:cNvPr id="51" name="Google Shape;51;p9"/>
-          <p:cNvSpPr txBox="1"/>
+          <p:cNvSpPr txBox="1">
+            <a:spLocks noGrp="1"/>
+          </p:cNvSpPr>
           <p:nvPr>
-            <p:ph idx="12" type="sldNum"/>
+            <p:ph type="sldNum" idx="12"/>
           </p:nvPr>
         </p:nvSpPr>
         <p:spPr>
@@ -7121,7 +7413,7 @@
           </a:prstGeom>
         </p:spPr>
         <p:txBody>
-          <a:bodyPr anchorCtr="0" anchor="ctr" bIns="91425" lIns="91425" spcFirstLastPara="1" rIns="91425" wrap="square" tIns="91425">
+          <a:bodyPr spcFirstLastPara="1" wrap="square" lIns="91425" tIns="91425" rIns="91425" bIns="91425" anchor="ctr" anchorCtr="0">
             <a:noAutofit/>
           </a:bodyPr>
           <a:lstStyle>
@@ -7199,7 +7491,7 @@
             </a:lvl9pPr>
           </a:lstStyle>
           <a:p>
-            <a:pPr indent="0" lvl="0" marL="0" rtl="0" algn="r">
+            <a:pPr marL="0" lvl="0" indent="0" algn="r" rtl="0">
               <a:spcBef>
                 <a:spcPts val="0"/>
               </a:spcBef>
@@ -7225,11 +7517,11 @@
 </file>
 
 <file path=ppt/slideLayouts/slideLayout9.xml><?xml version="1.0" encoding="utf-8"?>
-<p:sldLayout xmlns:a="http://schemas.openxmlformats.org/drawingml/2006/main" xmlns:r="http://schemas.openxmlformats.org/officeDocument/2006/relationships" xmlns:mc="http://schemas.openxmlformats.org/markup-compatibility/2006" xmlns:mv="urn:schemas-microsoft-com:mac:vml" xmlns:p="http://schemas.openxmlformats.org/presentationml/2006/main" xmlns:c="http://schemas.openxmlformats.org/drawingml/2006/chart" xmlns:dgm="http://schemas.openxmlformats.org/drawingml/2006/diagram" xmlns:o="urn:schemas-microsoft-com:office:office" xmlns:v="urn:schemas-microsoft-com:vml" xmlns:pvml="urn:schemas-microsoft-com:office:powerpoint" xmlns:com="http://schemas.openxmlformats.org/drawingml/2006/compatibility" xmlns:p14="http://schemas.microsoft.com/office/powerpoint/2010/main" xmlns:p15="http://schemas.microsoft.com/office/powerpoint/2012/main" matchingName="Caption">
+<p:sldLayout xmlns:a="http://schemas.openxmlformats.org/drawingml/2006/main" xmlns:r="http://schemas.openxmlformats.org/officeDocument/2006/relationships" xmlns:p="http://schemas.openxmlformats.org/presentationml/2006/main" matchingName="Caption">
   <p:cSld name="CAPTION_ONLY">
     <p:spTree>
       <p:nvGrpSpPr>
-        <p:cNvPr id="52" name="Shape 52"/>
+        <p:cNvPr id="1" name="Shape 52"/>
         <p:cNvGrpSpPr/>
         <p:nvPr/>
       </p:nvGrpSpPr>
@@ -7248,7 +7540,7 @@
           <p:nvPr/>
         </p:nvSpPr>
         <p:spPr>
-          <a:xfrm flipH="1" rot="10800000">
+          <a:xfrm rot="10800000" flipH="1">
             <a:off x="0" y="0"/>
             <a:ext cx="9144000" cy="4695900"/>
           </a:xfrm>
@@ -7263,23 +7555,20 @@
           </a:ln>
         </p:spPr>
         <p:txBody>
-          <a:bodyPr anchorCtr="0" anchor="ctr" bIns="91425" lIns="91425" spcFirstLastPara="1" rIns="91425" wrap="square" tIns="91425">
+          <a:bodyPr spcFirstLastPara="1" wrap="square" lIns="91425" tIns="91425" rIns="91425" bIns="91425" anchor="ctr" anchorCtr="0">
             <a:noAutofit/>
           </a:bodyPr>
           <a:lstStyle/>
           <a:p>
-            <a:pPr indent="0" lvl="0" marL="0" rtl="0" algn="l">
-              <a:spcBef>
-                <a:spcPts val="0"/>
-              </a:spcBef>
-              <a:spcAft>
-                <a:spcPts val="0"/>
-              </a:spcAft>
-              <a:buNone/>
-            </a:pPr>
-            <a:r>
-              <a:t/>
-            </a:r>
+            <a:pPr marL="0" lvl="0" indent="0" algn="l" rtl="0">
+              <a:spcBef>
+                <a:spcPts val="0"/>
+              </a:spcBef>
+              <a:spcAft>
+                <a:spcPts val="0"/>
+              </a:spcAft>
+              <a:buNone/>
+            </a:pPr>
             <a:endParaRPr/>
           </a:p>
         </p:txBody>
@@ -7291,7 +7580,7 @@
           <p:nvPr/>
         </p:nvSpPr>
         <p:spPr>
-          <a:xfrm flipH="1" rot="10800000">
+          <a:xfrm rot="10800000" flipH="1">
             <a:off x="0" y="4622725"/>
             <a:ext cx="9144000" cy="74100"/>
           </a:xfrm>
@@ -7320,23 +7609,20 @@
           </a:ln>
         </p:spPr>
         <p:txBody>
-          <a:bodyPr anchorCtr="0" anchor="ctr" bIns="91425" lIns="91425" spcFirstLastPara="1" rIns="91425" wrap="square" tIns="91425">
+          <a:bodyPr spcFirstLastPara="1" wrap="square" lIns="91425" tIns="91425" rIns="91425" bIns="91425" anchor="ctr" anchorCtr="0">
             <a:noAutofit/>
           </a:bodyPr>
           <a:lstStyle/>
           <a:p>
-            <a:pPr indent="0" lvl="0" marL="0" rtl="0" algn="l">
-              <a:spcBef>
-                <a:spcPts val="0"/>
-              </a:spcBef>
-              <a:spcAft>
-                <a:spcPts val="0"/>
-              </a:spcAft>
-              <a:buNone/>
-            </a:pPr>
-            <a:r>
-              <a:t/>
-            </a:r>
+            <a:pPr marL="0" lvl="0" indent="0" algn="l" rtl="0">
+              <a:spcBef>
+                <a:spcPts val="0"/>
+              </a:spcBef>
+              <a:spcAft>
+                <a:spcPts val="0"/>
+              </a:spcAft>
+              <a:buNone/>
+            </a:pPr>
             <a:endParaRPr/>
           </a:p>
         </p:txBody>
@@ -7344,9 +7630,11 @@
       <p:sp>
         <p:nvSpPr>
           <p:cNvPr id="55" name="Google Shape;55;p10"/>
-          <p:cNvSpPr txBox="1"/>
+          <p:cNvSpPr txBox="1">
+            <a:spLocks noGrp="1"/>
+          </p:cNvSpPr>
           <p:nvPr>
-            <p:ph idx="1" type="body"/>
+            <p:ph type="body" idx="1"/>
           </p:nvPr>
         </p:nvSpPr>
         <p:spPr>
@@ -7359,11 +7647,11 @@
           </a:prstGeom>
         </p:spPr>
         <p:txBody>
-          <a:bodyPr anchorCtr="0" anchor="ctr" bIns="91425" lIns="91425" spcFirstLastPara="1" rIns="91425" wrap="square" tIns="91425">
+          <a:bodyPr spcFirstLastPara="1" wrap="square" lIns="91425" tIns="91425" rIns="91425" bIns="91425" anchor="ctr" anchorCtr="0">
             <a:noAutofit/>
           </a:bodyPr>
           <a:lstStyle>
-            <a:lvl1pPr indent="-228600" lvl="0" marL="457200">
+            <a:lvl1pPr marL="457200" lvl="0" indent="-228600">
               <a:lnSpc>
                 <a:spcPct val="100000"/>
               </a:lnSpc>
@@ -7385,15 +7673,19 @@
               </a:defRPr>
             </a:lvl1pPr>
           </a:lstStyle>
-          <a:p/>
+          <a:p>
+            <a:endParaRPr/>
+          </a:p>
         </p:txBody>
       </p:sp>
       <p:sp>
         <p:nvSpPr>
           <p:cNvPr id="56" name="Google Shape;56;p10"/>
-          <p:cNvSpPr txBox="1"/>
+          <p:cNvSpPr txBox="1">
+            <a:spLocks noGrp="1"/>
+          </p:cNvSpPr>
           <p:nvPr>
-            <p:ph idx="12" type="sldNum"/>
+            <p:ph type="sldNum" idx="12"/>
           </p:nvPr>
         </p:nvSpPr>
         <p:spPr>
@@ -7406,7 +7698,7 @@
           </a:prstGeom>
         </p:spPr>
         <p:txBody>
-          <a:bodyPr anchorCtr="0" anchor="ctr" bIns="91425" lIns="91425" spcFirstLastPara="1" rIns="91425" wrap="square" tIns="91425">
+          <a:bodyPr spcFirstLastPara="1" wrap="square" lIns="91425" tIns="91425" rIns="91425" bIns="91425" anchor="ctr" anchorCtr="0">
             <a:noAutofit/>
           </a:bodyPr>
           <a:lstStyle>
@@ -7484,7 +7776,7 @@
             </a:lvl9pPr>
           </a:lstStyle>
           <a:p>
-            <a:pPr indent="0" lvl="0" marL="0" rtl="0" algn="r">
+            <a:pPr marL="0" lvl="0" indent="0" algn="r" rtl="0">
               <a:spcBef>
                 <a:spcPts val="0"/>
               </a:spcBef>
@@ -7510,18 +7802,19 @@
 </file>
 
 <file path=ppt/slideMasters/slideMaster1.xml><?xml version="1.0" encoding="utf-8"?>
-<p:sldMaster xmlns:a="http://schemas.openxmlformats.org/drawingml/2006/main" xmlns:r="http://schemas.openxmlformats.org/officeDocument/2006/relationships" xmlns:mc="http://schemas.openxmlformats.org/markup-compatibility/2006" xmlns:mv="urn:schemas-microsoft-com:mac:vml" xmlns:p="http://schemas.openxmlformats.org/presentationml/2006/main" xmlns:c="http://schemas.openxmlformats.org/drawingml/2006/chart" xmlns:dgm="http://schemas.openxmlformats.org/drawingml/2006/diagram" xmlns:o="urn:schemas-microsoft-com:office:office" xmlns:v="urn:schemas-microsoft-com:vml" xmlns:pvml="urn:schemas-microsoft-com:office:powerpoint" xmlns:com="http://schemas.openxmlformats.org/drawingml/2006/compatibility" xmlns:p14="http://schemas.microsoft.com/office/powerpoint/2010/main" xmlns:p15="http://schemas.microsoft.com/office/powerpoint/2012/main">
+<p:sldMaster xmlns:a="http://schemas.openxmlformats.org/drawingml/2006/main" xmlns:r="http://schemas.openxmlformats.org/officeDocument/2006/relationships" xmlns:p="http://schemas.openxmlformats.org/presentationml/2006/main">
   <p:cSld name="material">
     <p:bg>
       <p:bgPr>
         <a:solidFill>
           <a:schemeClr val="dk1"/>
         </a:solidFill>
+        <a:effectLst/>
       </p:bgPr>
     </p:bg>
     <p:spTree>
       <p:nvGrpSpPr>
-        <p:cNvPr id="5" name="Shape 5"/>
+        <p:cNvPr id="1" name="Shape 5"/>
         <p:cNvGrpSpPr/>
         <p:nvPr/>
       </p:nvGrpSpPr>
@@ -7536,7 +7829,9 @@
       <p:sp>
         <p:nvSpPr>
           <p:cNvPr id="6" name="Google Shape;6;p1"/>
-          <p:cNvSpPr txBox="1"/>
+          <p:cNvSpPr txBox="1">
+            <a:spLocks noGrp="1"/>
+          </p:cNvSpPr>
           <p:nvPr>
             <p:ph type="title"/>
           </p:nvPr>
@@ -7555,7 +7850,7 @@
           </a:ln>
         </p:spPr>
         <p:txBody>
-          <a:bodyPr anchorCtr="0" anchor="b" bIns="91425" lIns="91425" spcFirstLastPara="1" rIns="91425" wrap="square" tIns="91425">
+          <a:bodyPr spcFirstLastPara="1" wrap="square" lIns="91425" tIns="91425" rIns="91425" bIns="91425" anchor="b" anchorCtr="0">
             <a:noAutofit/>
           </a:bodyPr>
           <a:lstStyle>
@@ -7767,15 +8062,19 @@
               </a:defRPr>
             </a:lvl9pPr>
           </a:lstStyle>
-          <a:p/>
+          <a:p>
+            <a:endParaRPr/>
+          </a:p>
         </p:txBody>
       </p:sp>
       <p:sp>
         <p:nvSpPr>
           <p:cNvPr id="7" name="Google Shape;7;p1"/>
-          <p:cNvSpPr txBox="1"/>
+          <p:cNvSpPr txBox="1">
+            <a:spLocks noGrp="1"/>
+          </p:cNvSpPr>
           <p:nvPr>
-            <p:ph idx="1" type="body"/>
+            <p:ph type="body" idx="1"/>
           </p:nvPr>
         </p:nvSpPr>
         <p:spPr>
@@ -7792,11 +8091,11 @@
           </a:ln>
         </p:spPr>
         <p:txBody>
-          <a:bodyPr anchorCtr="0" anchor="t" bIns="91425" lIns="91425" spcFirstLastPara="1" rIns="91425" wrap="square" tIns="91425">
+          <a:bodyPr spcFirstLastPara="1" wrap="square" lIns="91425" tIns="91425" rIns="91425" bIns="91425" anchor="t" anchorCtr="0">
             <a:noAutofit/>
           </a:bodyPr>
           <a:lstStyle>
-            <a:lvl1pPr indent="-342900" lvl="0" marL="457200">
+            <a:lvl1pPr marL="457200" lvl="0" indent="-342900">
               <a:lnSpc>
                 <a:spcPct val="115000"/>
               </a:lnSpc>
@@ -7822,7 +8121,7 @@
                 <a:sym typeface="Roboto"/>
               </a:defRPr>
             </a:lvl1pPr>
-            <a:lvl2pPr indent="-317500" lvl="1" marL="914400">
+            <a:lvl2pPr marL="914400" lvl="1" indent="-317500">
               <a:lnSpc>
                 <a:spcPct val="115000"/>
               </a:lnSpc>
@@ -7848,7 +8147,7 @@
                 <a:sym typeface="Roboto"/>
               </a:defRPr>
             </a:lvl2pPr>
-            <a:lvl3pPr indent="-317500" lvl="2" marL="1371600">
+            <a:lvl3pPr marL="1371600" lvl="2" indent="-317500">
               <a:lnSpc>
                 <a:spcPct val="115000"/>
               </a:lnSpc>
@@ -7874,7 +8173,7 @@
                 <a:sym typeface="Roboto"/>
               </a:defRPr>
             </a:lvl3pPr>
-            <a:lvl4pPr indent="-317500" lvl="3" marL="1828800">
+            <a:lvl4pPr marL="1828800" lvl="3" indent="-317500">
               <a:lnSpc>
                 <a:spcPct val="115000"/>
               </a:lnSpc>
@@ -7900,7 +8199,7 @@
                 <a:sym typeface="Roboto"/>
               </a:defRPr>
             </a:lvl4pPr>
-            <a:lvl5pPr indent="-317500" lvl="4" marL="2286000">
+            <a:lvl5pPr marL="2286000" lvl="4" indent="-317500">
               <a:lnSpc>
                 <a:spcPct val="115000"/>
               </a:lnSpc>
@@ -7926,7 +8225,7 @@
                 <a:sym typeface="Roboto"/>
               </a:defRPr>
             </a:lvl5pPr>
-            <a:lvl6pPr indent="-317500" lvl="5" marL="2743200">
+            <a:lvl6pPr marL="2743200" lvl="5" indent="-317500">
               <a:lnSpc>
                 <a:spcPct val="115000"/>
               </a:lnSpc>
@@ -7952,7 +8251,7 @@
                 <a:sym typeface="Roboto"/>
               </a:defRPr>
             </a:lvl6pPr>
-            <a:lvl7pPr indent="-317500" lvl="6" marL="3200400">
+            <a:lvl7pPr marL="3200400" lvl="6" indent="-317500">
               <a:lnSpc>
                 <a:spcPct val="115000"/>
               </a:lnSpc>
@@ -7978,7 +8277,7 @@
                 <a:sym typeface="Roboto"/>
               </a:defRPr>
             </a:lvl7pPr>
-            <a:lvl8pPr indent="-317500" lvl="7" marL="3657600">
+            <a:lvl8pPr marL="3657600" lvl="7" indent="-317500">
               <a:lnSpc>
                 <a:spcPct val="115000"/>
               </a:lnSpc>
@@ -8004,7 +8303,7 @@
                 <a:sym typeface="Roboto"/>
               </a:defRPr>
             </a:lvl8pPr>
-            <a:lvl9pPr indent="-317500" lvl="8" marL="4114800">
+            <a:lvl9pPr marL="4114800" lvl="8" indent="-317500">
               <a:lnSpc>
                 <a:spcPct val="115000"/>
               </a:lnSpc>
@@ -8031,15 +8330,19 @@
               </a:defRPr>
             </a:lvl9pPr>
           </a:lstStyle>
-          <a:p/>
+          <a:p>
+            <a:endParaRPr/>
+          </a:p>
         </p:txBody>
       </p:sp>
       <p:sp>
         <p:nvSpPr>
           <p:cNvPr id="8" name="Google Shape;8;p1"/>
-          <p:cNvSpPr txBox="1"/>
+          <p:cNvSpPr txBox="1">
+            <a:spLocks noGrp="1"/>
+          </p:cNvSpPr>
           <p:nvPr>
-            <p:ph idx="12" type="sldNum"/>
+            <p:ph type="sldNum" idx="12"/>
           </p:nvPr>
         </p:nvSpPr>
         <p:spPr>
@@ -8056,7 +8359,7 @@
           </a:ln>
         </p:spPr>
         <p:txBody>
-          <a:bodyPr anchorCtr="0" anchor="ctr" bIns="91425" lIns="91425" spcFirstLastPara="1" rIns="91425" wrap="square" tIns="91425">
+          <a:bodyPr spcFirstLastPara="1" wrap="square" lIns="91425" tIns="91425" rIns="91425" bIns="91425" anchor="ctr" anchorCtr="0">
             <a:noAutofit/>
           </a:bodyPr>
           <a:lstStyle>
@@ -8170,7 +8473,7 @@
             </a:lvl9pPr>
           </a:lstStyle>
           <a:p>
-            <a:pPr indent="0" lvl="0" marL="0" rtl="0" algn="r">
+            <a:pPr marL="0" lvl="0" indent="0" algn="r" rtl="0">
               <a:spcBef>
                 <a:spcPts val="0"/>
               </a:spcBef>
@@ -8189,7 +8492,7 @@
       </p:sp>
     </p:spTree>
   </p:cSld>
-  <p:clrMap accent1="accent1" accent2="accent2" accent3="accent3" accent4="accent4" accent5="accent5" accent6="accent6" bg1="lt1" bg2="dk2" tx1="dk1" tx2="lt2" folHlink="folHlink" hlink="hlink"/>
+  <p:clrMap bg1="lt1" tx1="dk1" bg2="dk2" tx2="lt2" accent1="accent1" accent2="accent2" accent3="accent3" accent4="accent4" accent5="accent5" accent6="accent6" hlink="hlink" folHlink="folHlink"/>
   <p:sldLayoutIdLst>
     <p:sldLayoutId id="2147483648" r:id="rId1"/>
     <p:sldLayoutId id="2147483649" r:id="rId2"/>
@@ -8203,10 +8506,10 @@
     <p:sldLayoutId id="2147483657" r:id="rId10"/>
     <p:sldLayoutId id="2147483658" r:id="rId11"/>
   </p:sldLayoutIdLst>
-  <p:hf dt="0" ftr="0" hdr="0" sldNum="0"/>
+  <p:hf sldNum="0" hdr="0" ftr="0" dt="0"/>
   <p:txStyles>
     <p:titleStyle>
-      <a:defPPr lvl="0" marR="0" rtl="0" algn="l">
+      <a:defPPr marR="0" lvl="0" algn="l" rtl="0">
         <a:lnSpc>
           <a:spcPct val="100000"/>
         </a:lnSpc>
@@ -8217,7 +8520,7 @@
           <a:spcPts val="0"/>
         </a:spcAft>
       </a:defPPr>
-      <a:lvl1pPr lvl="0" marR="0" rtl="0" algn="l">
+      <a:lvl1pPr marR="0" lvl="0" algn="l" rtl="0">
         <a:lnSpc>
           <a:spcPct val="100000"/>
         </a:lnSpc>
@@ -8231,7 +8534,7 @@
           <a:srgbClr val="000000"/>
         </a:buClr>
         <a:buFont typeface="Arial"/>
-        <a:defRPr b="0" i="0" sz="1400" u="none" cap="none" strike="noStrike">
+        <a:defRPr sz="1400" b="0" i="0" u="none" strike="noStrike" cap="none">
           <a:solidFill>
             <a:srgbClr val="000000"/>
           </a:solidFill>
@@ -8241,7 +8544,7 @@
           <a:sym typeface="Arial"/>
         </a:defRPr>
       </a:lvl1pPr>
-      <a:lvl2pPr lvl="1" marR="0" rtl="0" algn="l">
+      <a:lvl2pPr marR="0" lvl="1" algn="l" rtl="0">
         <a:lnSpc>
           <a:spcPct val="100000"/>
         </a:lnSpc>
@@ -8255,7 +8558,7 @@
           <a:srgbClr val="000000"/>
         </a:buClr>
         <a:buFont typeface="Arial"/>
-        <a:defRPr b="0" i="0" sz="1400" u="none" cap="none" strike="noStrike">
+        <a:defRPr sz="1400" b="0" i="0" u="none" strike="noStrike" cap="none">
           <a:solidFill>
             <a:srgbClr val="000000"/>
           </a:solidFill>
@@ -8265,7 +8568,7 @@
           <a:sym typeface="Arial"/>
         </a:defRPr>
       </a:lvl2pPr>
-      <a:lvl3pPr lvl="2" marR="0" rtl="0" algn="l">
+      <a:lvl3pPr marR="0" lvl="2" algn="l" rtl="0">
         <a:lnSpc>
           <a:spcPct val="100000"/>
         </a:lnSpc>
@@ -8279,7 +8582,7 @@
           <a:srgbClr val="000000"/>
         </a:buClr>
         <a:buFont typeface="Arial"/>
-        <a:defRPr b="0" i="0" sz="1400" u="none" cap="none" strike="noStrike">
+        <a:defRPr sz="1400" b="0" i="0" u="none" strike="noStrike" cap="none">
           <a:solidFill>
             <a:srgbClr val="000000"/>
           </a:solidFill>
@@ -8289,7 +8592,7 @@
           <a:sym typeface="Arial"/>
         </a:defRPr>
       </a:lvl3pPr>
-      <a:lvl4pPr lvl="3" marR="0" rtl="0" algn="l">
+      <a:lvl4pPr marR="0" lvl="3" algn="l" rtl="0">
         <a:lnSpc>
           <a:spcPct val="100000"/>
         </a:lnSpc>
@@ -8303,7 +8606,7 @@
           <a:srgbClr val="000000"/>
         </a:buClr>
         <a:buFont typeface="Arial"/>
-        <a:defRPr b="0" i="0" sz="1400" u="none" cap="none" strike="noStrike">
+        <a:defRPr sz="1400" b="0" i="0" u="none" strike="noStrike" cap="none">
           <a:solidFill>
             <a:srgbClr val="000000"/>
           </a:solidFill>
@@ -8313,7 +8616,7 @@
           <a:sym typeface="Arial"/>
         </a:defRPr>
       </a:lvl4pPr>
-      <a:lvl5pPr lvl="4" marR="0" rtl="0" algn="l">
+      <a:lvl5pPr marR="0" lvl="4" algn="l" rtl="0">
         <a:lnSpc>
           <a:spcPct val="100000"/>
         </a:lnSpc>
@@ -8327,7 +8630,7 @@
           <a:srgbClr val="000000"/>
         </a:buClr>
         <a:buFont typeface="Arial"/>
-        <a:defRPr b="0" i="0" sz="1400" u="none" cap="none" strike="noStrike">
+        <a:defRPr sz="1400" b="0" i="0" u="none" strike="noStrike" cap="none">
           <a:solidFill>
             <a:srgbClr val="000000"/>
           </a:solidFill>
@@ -8337,7 +8640,7 @@
           <a:sym typeface="Arial"/>
         </a:defRPr>
       </a:lvl5pPr>
-      <a:lvl6pPr lvl="5" marR="0" rtl="0" algn="l">
+      <a:lvl6pPr marR="0" lvl="5" algn="l" rtl="0">
         <a:lnSpc>
           <a:spcPct val="100000"/>
         </a:lnSpc>
@@ -8351,7 +8654,7 @@
           <a:srgbClr val="000000"/>
         </a:buClr>
         <a:buFont typeface="Arial"/>
-        <a:defRPr b="0" i="0" sz="1400" u="none" cap="none" strike="noStrike">
+        <a:defRPr sz="1400" b="0" i="0" u="none" strike="noStrike" cap="none">
           <a:solidFill>
             <a:srgbClr val="000000"/>
           </a:solidFill>
@@ -8361,7 +8664,7 @@
           <a:sym typeface="Arial"/>
         </a:defRPr>
       </a:lvl6pPr>
-      <a:lvl7pPr lvl="6" marR="0" rtl="0" algn="l">
+      <a:lvl7pPr marR="0" lvl="6" algn="l" rtl="0">
         <a:lnSpc>
           <a:spcPct val="100000"/>
         </a:lnSpc>
@@ -8375,7 +8678,7 @@
           <a:srgbClr val="000000"/>
         </a:buClr>
         <a:buFont typeface="Arial"/>
-        <a:defRPr b="0" i="0" sz="1400" u="none" cap="none" strike="noStrike">
+        <a:defRPr sz="1400" b="0" i="0" u="none" strike="noStrike" cap="none">
           <a:solidFill>
             <a:srgbClr val="000000"/>
           </a:solidFill>
@@ -8385,7 +8688,7 @@
           <a:sym typeface="Arial"/>
         </a:defRPr>
       </a:lvl7pPr>
-      <a:lvl8pPr lvl="7" marR="0" rtl="0" algn="l">
+      <a:lvl8pPr marR="0" lvl="7" algn="l" rtl="0">
         <a:lnSpc>
           <a:spcPct val="100000"/>
         </a:lnSpc>
@@ -8399,7 +8702,7 @@
           <a:srgbClr val="000000"/>
         </a:buClr>
         <a:buFont typeface="Arial"/>
-        <a:defRPr b="0" i="0" sz="1400" u="none" cap="none" strike="noStrike">
+        <a:defRPr sz="1400" b="0" i="0" u="none" strike="noStrike" cap="none">
           <a:solidFill>
             <a:srgbClr val="000000"/>
           </a:solidFill>
@@ -8409,7 +8712,7 @@
           <a:sym typeface="Arial"/>
         </a:defRPr>
       </a:lvl8pPr>
-      <a:lvl9pPr lvl="8" marR="0" rtl="0" algn="l">
+      <a:lvl9pPr marR="0" lvl="8" algn="l" rtl="0">
         <a:lnSpc>
           <a:spcPct val="100000"/>
         </a:lnSpc>
@@ -8423,7 +8726,7 @@
           <a:srgbClr val="000000"/>
         </a:buClr>
         <a:buFont typeface="Arial"/>
-        <a:defRPr b="0" i="0" sz="1400" u="none" cap="none" strike="noStrike">
+        <a:defRPr sz="1400" b="0" i="0" u="none" strike="noStrike" cap="none">
           <a:solidFill>
             <a:srgbClr val="000000"/>
           </a:solidFill>
@@ -8435,7 +8738,7 @@
       </a:lvl9pPr>
     </p:titleStyle>
     <p:bodyStyle>
-      <a:defPPr lvl="0" marR="0" rtl="0" algn="l">
+      <a:defPPr marR="0" lvl="0" algn="l" rtl="0">
         <a:lnSpc>
           <a:spcPct val="100000"/>
         </a:lnSpc>
@@ -8446,7 +8749,7 @@
           <a:spcPts val="0"/>
         </a:spcAft>
       </a:defPPr>
-      <a:lvl1pPr lvl="0" marR="0" rtl="0" algn="l">
+      <a:lvl1pPr marR="0" lvl="0" algn="l" rtl="0">
         <a:lnSpc>
           <a:spcPct val="100000"/>
         </a:lnSpc>
@@ -8460,7 +8763,7 @@
           <a:srgbClr val="000000"/>
         </a:buClr>
         <a:buFont typeface="Arial"/>
-        <a:defRPr b="0" i="0" sz="1400" u="none" cap="none" strike="noStrike">
+        <a:defRPr sz="1400" b="0" i="0" u="none" strike="noStrike" cap="none">
           <a:solidFill>
             <a:srgbClr val="000000"/>
           </a:solidFill>
@@ -8470,7 +8773,7 @@
           <a:sym typeface="Arial"/>
         </a:defRPr>
       </a:lvl1pPr>
-      <a:lvl2pPr lvl="1" marR="0" rtl="0" algn="l">
+      <a:lvl2pPr marR="0" lvl="1" algn="l" rtl="0">
         <a:lnSpc>
           <a:spcPct val="100000"/>
         </a:lnSpc>
@@ -8484,7 +8787,7 @@
           <a:srgbClr val="000000"/>
         </a:buClr>
         <a:buFont typeface="Arial"/>
-        <a:defRPr b="0" i="0" sz="1400" u="none" cap="none" strike="noStrike">
+        <a:defRPr sz="1400" b="0" i="0" u="none" strike="noStrike" cap="none">
           <a:solidFill>
             <a:srgbClr val="000000"/>
           </a:solidFill>
@@ -8494,7 +8797,7 @@
           <a:sym typeface="Arial"/>
         </a:defRPr>
       </a:lvl2pPr>
-      <a:lvl3pPr lvl="2" marR="0" rtl="0" algn="l">
+      <a:lvl3pPr marR="0" lvl="2" algn="l" rtl="0">
         <a:lnSpc>
           <a:spcPct val="100000"/>
         </a:lnSpc>
@@ -8508,7 +8811,7 @@
           <a:srgbClr val="000000"/>
         </a:buClr>
         <a:buFont typeface="Arial"/>
-        <a:defRPr b="0" i="0" sz="1400" u="none" cap="none" strike="noStrike">
+        <a:defRPr sz="1400" b="0" i="0" u="none" strike="noStrike" cap="none">
           <a:solidFill>
             <a:srgbClr val="000000"/>
           </a:solidFill>
@@ -8518,7 +8821,7 @@
           <a:sym typeface="Arial"/>
         </a:defRPr>
       </a:lvl3pPr>
-      <a:lvl4pPr lvl="3" marR="0" rtl="0" algn="l">
+      <a:lvl4pPr marR="0" lvl="3" algn="l" rtl="0">
         <a:lnSpc>
           <a:spcPct val="100000"/>
         </a:lnSpc>
@@ -8532,7 +8835,7 @@
           <a:srgbClr val="000000"/>
         </a:buClr>
         <a:buFont typeface="Arial"/>
-        <a:defRPr b="0" i="0" sz="1400" u="none" cap="none" strike="noStrike">
+        <a:defRPr sz="1400" b="0" i="0" u="none" strike="noStrike" cap="none">
           <a:solidFill>
             <a:srgbClr val="000000"/>
           </a:solidFill>
@@ -8542,7 +8845,7 @@
           <a:sym typeface="Arial"/>
         </a:defRPr>
       </a:lvl4pPr>
-      <a:lvl5pPr lvl="4" marR="0" rtl="0" algn="l">
+      <a:lvl5pPr marR="0" lvl="4" algn="l" rtl="0">
         <a:lnSpc>
           <a:spcPct val="100000"/>
         </a:lnSpc>
@@ -8556,7 +8859,7 @@
           <a:srgbClr val="000000"/>
         </a:buClr>
         <a:buFont typeface="Arial"/>
-        <a:defRPr b="0" i="0" sz="1400" u="none" cap="none" strike="noStrike">
+        <a:defRPr sz="1400" b="0" i="0" u="none" strike="noStrike" cap="none">
           <a:solidFill>
             <a:srgbClr val="000000"/>
           </a:solidFill>
@@ -8566,7 +8869,7 @@
           <a:sym typeface="Arial"/>
         </a:defRPr>
       </a:lvl5pPr>
-      <a:lvl6pPr lvl="5" marR="0" rtl="0" algn="l">
+      <a:lvl6pPr marR="0" lvl="5" algn="l" rtl="0">
         <a:lnSpc>
           <a:spcPct val="100000"/>
         </a:lnSpc>
@@ -8580,7 +8883,7 @@
           <a:srgbClr val="000000"/>
         </a:buClr>
         <a:buFont typeface="Arial"/>
-        <a:defRPr b="0" i="0" sz="1400" u="none" cap="none" strike="noStrike">
+        <a:defRPr sz="1400" b="0" i="0" u="none" strike="noStrike" cap="none">
           <a:solidFill>
             <a:srgbClr val="000000"/>
           </a:solidFill>
@@ -8590,7 +8893,7 @@
           <a:sym typeface="Arial"/>
         </a:defRPr>
       </a:lvl6pPr>
-      <a:lvl7pPr lvl="6" marR="0" rtl="0" algn="l">
+      <a:lvl7pPr marR="0" lvl="6" algn="l" rtl="0">
         <a:lnSpc>
           <a:spcPct val="100000"/>
         </a:lnSpc>
@@ -8604,7 +8907,7 @@
           <a:srgbClr val="000000"/>
         </a:buClr>
         <a:buFont typeface="Arial"/>
-        <a:defRPr b="0" i="0" sz="1400" u="none" cap="none" strike="noStrike">
+        <a:defRPr sz="1400" b="0" i="0" u="none" strike="noStrike" cap="none">
           <a:solidFill>
             <a:srgbClr val="000000"/>
           </a:solidFill>
@@ -8614,7 +8917,7 @@
           <a:sym typeface="Arial"/>
         </a:defRPr>
       </a:lvl7pPr>
-      <a:lvl8pPr lvl="7" marR="0" rtl="0" algn="l">
+      <a:lvl8pPr marR="0" lvl="7" algn="l" rtl="0">
         <a:lnSpc>
           <a:spcPct val="100000"/>
         </a:lnSpc>
@@ -8628,7 +8931,7 @@
           <a:srgbClr val="000000"/>
         </a:buClr>
         <a:buFont typeface="Arial"/>
-        <a:defRPr b="0" i="0" sz="1400" u="none" cap="none" strike="noStrike">
+        <a:defRPr sz="1400" b="0" i="0" u="none" strike="noStrike" cap="none">
           <a:solidFill>
             <a:srgbClr val="000000"/>
           </a:solidFill>
@@ -8638,7 +8941,7 @@
           <a:sym typeface="Arial"/>
         </a:defRPr>
       </a:lvl8pPr>
-      <a:lvl9pPr lvl="8" marR="0" rtl="0" algn="l">
+      <a:lvl9pPr marR="0" lvl="8" algn="l" rtl="0">
         <a:lnSpc>
           <a:spcPct val="100000"/>
         </a:lnSpc>
@@ -8652,7 +8955,7 @@
           <a:srgbClr val="000000"/>
         </a:buClr>
         <a:buFont typeface="Arial"/>
-        <a:defRPr b="0" i="0" sz="1400" u="none" cap="none" strike="noStrike">
+        <a:defRPr sz="1400" b="0" i="0" u="none" strike="noStrike" cap="none">
           <a:solidFill>
             <a:srgbClr val="000000"/>
           </a:solidFill>
@@ -8664,7 +8967,7 @@
       </a:lvl9pPr>
     </p:bodyStyle>
     <p:otherStyle>
-      <a:defPPr lvl="0" marR="0" rtl="0" algn="l">
+      <a:defPPr marR="0" lvl="0" algn="l" rtl="0">
         <a:lnSpc>
           <a:spcPct val="100000"/>
         </a:lnSpc>
@@ -8675,7 +8978,7 @@
           <a:spcPts val="0"/>
         </a:spcAft>
       </a:defPPr>
-      <a:lvl1pPr lvl="0" marR="0" rtl="0" algn="l">
+      <a:lvl1pPr marR="0" lvl="0" algn="l" rtl="0">
         <a:lnSpc>
           <a:spcPct val="100000"/>
         </a:lnSpc>
@@ -8689,7 +8992,7 @@
           <a:srgbClr val="000000"/>
         </a:buClr>
         <a:buFont typeface="Arial"/>
-        <a:defRPr b="0" i="0" sz="1400" u="none" cap="none" strike="noStrike">
+        <a:defRPr sz="1400" b="0" i="0" u="none" strike="noStrike" cap="none">
           <a:solidFill>
             <a:srgbClr val="000000"/>
           </a:solidFill>
@@ -8699,7 +9002,7 @@
           <a:sym typeface="Arial"/>
         </a:defRPr>
       </a:lvl1pPr>
-      <a:lvl2pPr lvl="1" marR="0" rtl="0" algn="l">
+      <a:lvl2pPr marR="0" lvl="1" algn="l" rtl="0">
         <a:lnSpc>
           <a:spcPct val="100000"/>
         </a:lnSpc>
@@ -8713,7 +9016,7 @@
           <a:srgbClr val="000000"/>
         </a:buClr>
         <a:buFont typeface="Arial"/>
-        <a:defRPr b="0" i="0" sz="1400" u="none" cap="none" strike="noStrike">
+        <a:defRPr sz="1400" b="0" i="0" u="none" strike="noStrike" cap="none">
           <a:solidFill>
             <a:srgbClr val="000000"/>
           </a:solidFill>
@@ -8723,7 +9026,7 @@
           <a:sym typeface="Arial"/>
         </a:defRPr>
       </a:lvl2pPr>
-      <a:lvl3pPr lvl="2" marR="0" rtl="0" algn="l">
+      <a:lvl3pPr marR="0" lvl="2" algn="l" rtl="0">
         <a:lnSpc>
           <a:spcPct val="100000"/>
         </a:lnSpc>
@@ -8737,7 +9040,7 @@
           <a:srgbClr val="000000"/>
         </a:buClr>
         <a:buFont typeface="Arial"/>
-        <a:defRPr b="0" i="0" sz="1400" u="none" cap="none" strike="noStrike">
+        <a:defRPr sz="1400" b="0" i="0" u="none" strike="noStrike" cap="none">
           <a:solidFill>
             <a:srgbClr val="000000"/>
           </a:solidFill>
@@ -8747,7 +9050,7 @@
           <a:sym typeface="Arial"/>
         </a:defRPr>
       </a:lvl3pPr>
-      <a:lvl4pPr lvl="3" marR="0" rtl="0" algn="l">
+      <a:lvl4pPr marR="0" lvl="3" algn="l" rtl="0">
         <a:lnSpc>
           <a:spcPct val="100000"/>
         </a:lnSpc>
@@ -8761,7 +9064,7 @@
           <a:srgbClr val="000000"/>
         </a:buClr>
         <a:buFont typeface="Arial"/>
-        <a:defRPr b="0" i="0" sz="1400" u="none" cap="none" strike="noStrike">
+        <a:defRPr sz="1400" b="0" i="0" u="none" strike="noStrike" cap="none">
           <a:solidFill>
             <a:srgbClr val="000000"/>
           </a:solidFill>
@@ -8771,7 +9074,7 @@
           <a:sym typeface="Arial"/>
         </a:defRPr>
       </a:lvl4pPr>
-      <a:lvl5pPr lvl="4" marR="0" rtl="0" algn="l">
+      <a:lvl5pPr marR="0" lvl="4" algn="l" rtl="0">
         <a:lnSpc>
           <a:spcPct val="100000"/>
         </a:lnSpc>
@@ -8785,7 +9088,7 @@
           <a:srgbClr val="000000"/>
         </a:buClr>
         <a:buFont typeface="Arial"/>
-        <a:defRPr b="0" i="0" sz="1400" u="none" cap="none" strike="noStrike">
+        <a:defRPr sz="1400" b="0" i="0" u="none" strike="noStrike" cap="none">
           <a:solidFill>
             <a:srgbClr val="000000"/>
           </a:solidFill>
@@ -8795,7 +9098,7 @@
           <a:sym typeface="Arial"/>
         </a:defRPr>
       </a:lvl5pPr>
-      <a:lvl6pPr lvl="5" marR="0" rtl="0" algn="l">
+      <a:lvl6pPr marR="0" lvl="5" algn="l" rtl="0">
         <a:lnSpc>
           <a:spcPct val="100000"/>
         </a:lnSpc>
@@ -8809,7 +9112,7 @@
           <a:srgbClr val="000000"/>
         </a:buClr>
         <a:buFont typeface="Arial"/>
-        <a:defRPr b="0" i="0" sz="1400" u="none" cap="none" strike="noStrike">
+        <a:defRPr sz="1400" b="0" i="0" u="none" strike="noStrike" cap="none">
           <a:solidFill>
             <a:srgbClr val="000000"/>
           </a:solidFill>
@@ -8819,7 +9122,7 @@
           <a:sym typeface="Arial"/>
         </a:defRPr>
       </a:lvl6pPr>
-      <a:lvl7pPr lvl="6" marR="0" rtl="0" algn="l">
+      <a:lvl7pPr marR="0" lvl="6" algn="l" rtl="0">
         <a:lnSpc>
           <a:spcPct val="100000"/>
         </a:lnSpc>
@@ -8833,7 +9136,7 @@
           <a:srgbClr val="000000"/>
         </a:buClr>
         <a:buFont typeface="Arial"/>
-        <a:defRPr b="0" i="0" sz="1400" u="none" cap="none" strike="noStrike">
+        <a:defRPr sz="1400" b="0" i="0" u="none" strike="noStrike" cap="none">
           <a:solidFill>
             <a:srgbClr val="000000"/>
           </a:solidFill>
@@ -8843,7 +9146,7 @@
           <a:sym typeface="Arial"/>
         </a:defRPr>
       </a:lvl7pPr>
-      <a:lvl8pPr lvl="7" marR="0" rtl="0" algn="l">
+      <a:lvl8pPr marR="0" lvl="7" algn="l" rtl="0">
         <a:lnSpc>
           <a:spcPct val="100000"/>
         </a:lnSpc>
@@ -8857,7 +9160,7 @@
           <a:srgbClr val="000000"/>
         </a:buClr>
         <a:buFont typeface="Arial"/>
-        <a:defRPr b="0" i="0" sz="1400" u="none" cap="none" strike="noStrike">
+        <a:defRPr sz="1400" b="0" i="0" u="none" strike="noStrike" cap="none">
           <a:solidFill>
             <a:srgbClr val="000000"/>
           </a:solidFill>
@@ -8867,7 +9170,7 @@
           <a:sym typeface="Arial"/>
         </a:defRPr>
       </a:lvl8pPr>
-      <a:lvl9pPr lvl="8" marR="0" rtl="0" algn="l">
+      <a:lvl9pPr marR="0" lvl="8" algn="l" rtl="0">
         <a:lnSpc>
           <a:spcPct val="100000"/>
         </a:lnSpc>
@@ -8881,7 +9184,7 @@
           <a:srgbClr val="000000"/>
         </a:buClr>
         <a:buFont typeface="Arial"/>
-        <a:defRPr b="0" i="0" sz="1400" u="none" cap="none" strike="noStrike">
+        <a:defRPr sz="1400" b="0" i="0" u="none" strike="noStrike" cap="none">
           <a:solidFill>
             <a:srgbClr val="000000"/>
           </a:solidFill>
@@ -8897,11 +9200,11 @@
 </file>
 
 <file path=ppt/slides/slide1.xml><?xml version="1.0" encoding="utf-8"?>
-<p:sld xmlns:a="http://schemas.openxmlformats.org/drawingml/2006/main" xmlns:r="http://schemas.openxmlformats.org/officeDocument/2006/relationships" xmlns:mc="http://schemas.openxmlformats.org/markup-compatibility/2006" xmlns:mv="urn:schemas-microsoft-com:mac:vml" xmlns:p="http://schemas.openxmlformats.org/presentationml/2006/main" xmlns:c="http://schemas.openxmlformats.org/drawingml/2006/chart" xmlns:dgm="http://schemas.openxmlformats.org/drawingml/2006/diagram" xmlns:o="urn:schemas-microsoft-com:office:office" xmlns:v="urn:schemas-microsoft-com:vml" xmlns:pvml="urn:schemas-microsoft-com:office:powerpoint" xmlns:com="http://schemas.openxmlformats.org/drawingml/2006/compatibility" xmlns:p14="http://schemas.microsoft.com/office/powerpoint/2010/main" xmlns:p15="http://schemas.microsoft.com/office/powerpoint/2012/main">
+<p:sld xmlns:a="http://schemas.openxmlformats.org/drawingml/2006/main" xmlns:r="http://schemas.openxmlformats.org/officeDocument/2006/relationships" xmlns:p="http://schemas.openxmlformats.org/presentationml/2006/main">
   <p:cSld>
     <p:spTree>
       <p:nvGrpSpPr>
-        <p:cNvPr id="66" name="Shape 66"/>
+        <p:cNvPr id="1" name="Shape 66"/>
         <p:cNvGrpSpPr/>
         <p:nvPr/>
       </p:nvGrpSpPr>
@@ -8916,7 +9219,9 @@
       <p:sp>
         <p:nvSpPr>
           <p:cNvPr id="67" name="Google Shape;67;p13"/>
-          <p:cNvSpPr txBox="1"/>
+          <p:cNvSpPr txBox="1">
+            <a:spLocks noGrp="1"/>
+          </p:cNvSpPr>
           <p:nvPr>
             <p:ph type="ctrTitle"/>
           </p:nvPr>
@@ -8931,12 +9236,12 @@
           </a:prstGeom>
         </p:spPr>
         <p:txBody>
-          <a:bodyPr anchorCtr="0" anchor="b" bIns="91425" lIns="91425" spcFirstLastPara="1" rIns="91425" wrap="square" tIns="91425">
+          <a:bodyPr spcFirstLastPara="1" wrap="square" lIns="91425" tIns="91425" rIns="91425" bIns="91425" anchor="b" anchorCtr="0">
             <a:noAutofit/>
           </a:bodyPr>
           <a:lstStyle/>
           <a:p>
-            <a:pPr indent="0" lvl="0" marL="0" rtl="0" algn="l">
+            <a:pPr marL="0" lvl="0" indent="0" algn="l" rtl="0">
               <a:spcBef>
                 <a:spcPts val="0"/>
               </a:spcBef>
@@ -8956,9 +9261,11 @@
       <p:sp>
         <p:nvSpPr>
           <p:cNvPr id="68" name="Google Shape;68;p13"/>
-          <p:cNvSpPr txBox="1"/>
+          <p:cNvSpPr txBox="1">
+            <a:spLocks noGrp="1"/>
+          </p:cNvSpPr>
           <p:nvPr>
-            <p:ph idx="1" type="subTitle"/>
+            <p:ph type="subTitle" idx="1"/>
           </p:nvPr>
         </p:nvSpPr>
         <p:spPr>
@@ -8971,12 +9278,12 @@
           </a:prstGeom>
         </p:spPr>
         <p:txBody>
-          <a:bodyPr anchorCtr="0" anchor="t" bIns="91425" lIns="91425" spcFirstLastPara="1" rIns="91425" wrap="square" tIns="91425">
+          <a:bodyPr spcFirstLastPara="1" wrap="square" lIns="91425" tIns="91425" rIns="91425" bIns="91425" anchor="t" anchorCtr="0">
             <a:noAutofit/>
           </a:bodyPr>
           <a:lstStyle/>
           <a:p>
-            <a:pPr indent="0" lvl="0" marL="0" rtl="0" algn="l">
+            <a:pPr marL="0" lvl="0" indent="0" algn="l" rtl="0">
               <a:spcBef>
                 <a:spcPts val="0"/>
               </a:spcBef>
@@ -8993,6 +9300,365 @@
           </a:p>
         </p:txBody>
       </p:sp>
+      <p:grpSp>
+        <p:nvGrpSpPr>
+          <p:cNvPr id="4" name="Group 3">
+            <a:extLst>
+              <a:ext uri="{FF2B5EF4-FFF2-40B4-BE49-F238E27FC236}">
+                <a16:creationId xmlns:a16="http://schemas.microsoft.com/office/drawing/2014/main" id="{2F30981D-17A1-4E0F-91A1-3602640972D2}"/>
+              </a:ext>
+            </a:extLst>
+          </p:cNvPr>
+          <p:cNvGrpSpPr/>
+          <p:nvPr/>
+        </p:nvGrpSpPr>
+        <p:grpSpPr>
+          <a:xfrm>
+            <a:off x="6968109" y="322454"/>
+            <a:ext cx="2109142" cy="1262606"/>
+            <a:chOff x="6761205" y="335802"/>
+            <a:chExt cx="2109142" cy="1262606"/>
+          </a:xfrm>
+        </p:grpSpPr>
+        <p:pic>
+          <p:nvPicPr>
+            <p:cNvPr id="5" name="Picture 4">
+              <a:extLst>
+                <a:ext uri="{FF2B5EF4-FFF2-40B4-BE49-F238E27FC236}">
+                  <a16:creationId xmlns:a16="http://schemas.microsoft.com/office/drawing/2014/main" id="{726EFCC5-6B69-478A-8B88-03D9A49B1A9A}"/>
+                </a:ext>
+              </a:extLst>
+            </p:cNvPr>
+            <p:cNvPicPr>
+              <a:picLocks noChangeAspect="1"/>
+            </p:cNvPicPr>
+            <p:nvPr/>
+          </p:nvPicPr>
+          <p:blipFill>
+            <a:blip r:embed="rId3"/>
+            <a:stretch>
+              <a:fillRect/>
+            </a:stretch>
+          </p:blipFill>
+          <p:spPr>
+            <a:xfrm>
+              <a:off x="6874673" y="335802"/>
+              <a:ext cx="460550" cy="410376"/>
+            </a:xfrm>
+            <a:prstGeom prst="rect">
+              <a:avLst/>
+            </a:prstGeom>
+          </p:spPr>
+        </p:pic>
+        <p:sp>
+          <p:nvSpPr>
+            <p:cNvPr id="6" name="Google Shape;68;p13">
+              <a:extLst>
+                <a:ext uri="{FF2B5EF4-FFF2-40B4-BE49-F238E27FC236}">
+                  <a16:creationId xmlns:a16="http://schemas.microsoft.com/office/drawing/2014/main" id="{38FE907E-30C0-469E-9F42-FF31A1FAA0AB}"/>
+                </a:ext>
+              </a:extLst>
+            </p:cNvPr>
+            <p:cNvSpPr txBox="1">
+              <a:spLocks/>
+            </p:cNvSpPr>
+            <p:nvPr/>
+          </p:nvSpPr>
+          <p:spPr>
+            <a:xfrm>
+              <a:off x="6761205" y="733770"/>
+              <a:ext cx="2109142" cy="864638"/>
+            </a:xfrm>
+            <a:prstGeom prst="rect">
+              <a:avLst/>
+            </a:prstGeom>
+            <a:noFill/>
+            <a:ln>
+              <a:noFill/>
+            </a:ln>
+          </p:spPr>
+          <p:txBody>
+            <a:bodyPr spcFirstLastPara="1" wrap="square" lIns="91425" tIns="91425" rIns="91425" bIns="91425" anchor="t" anchorCtr="0">
+              <a:noAutofit/>
+            </a:bodyPr>
+            <a:lstStyle>
+              <a:defPPr marR="0" lvl="0" algn="l" rtl="0">
+                <a:lnSpc>
+                  <a:spcPct val="100000"/>
+                </a:lnSpc>
+                <a:spcBef>
+                  <a:spcPts val="0"/>
+                </a:spcBef>
+                <a:spcAft>
+                  <a:spcPts val="0"/>
+                </a:spcAft>
+              </a:defPPr>
+              <a:lvl1pPr marL="457200" marR="0" lvl="0" indent="-342900" algn="l" rtl="0">
+                <a:lnSpc>
+                  <a:spcPct val="100000"/>
+                </a:lnSpc>
+                <a:spcBef>
+                  <a:spcPts val="0"/>
+                </a:spcBef>
+                <a:spcAft>
+                  <a:spcPts val="0"/>
+                </a:spcAft>
+                <a:buClr>
+                  <a:schemeClr val="lt1"/>
+                </a:buClr>
+                <a:buSzPts val="1800"/>
+                <a:buFont typeface="Roboto"/>
+                <a:buNone/>
+                <a:defRPr sz="1800" b="0" i="0" u="none" strike="noStrike" cap="none">
+                  <a:solidFill>
+                    <a:schemeClr val="lt1"/>
+                  </a:solidFill>
+                  <a:latin typeface="Roboto"/>
+                  <a:ea typeface="Roboto"/>
+                  <a:cs typeface="Roboto"/>
+                  <a:sym typeface="Roboto"/>
+                </a:defRPr>
+              </a:lvl1pPr>
+              <a:lvl2pPr marL="914400" marR="0" lvl="1" indent="-317500" algn="l" rtl="0">
+                <a:lnSpc>
+                  <a:spcPct val="100000"/>
+                </a:lnSpc>
+                <a:spcBef>
+                  <a:spcPts val="0"/>
+                </a:spcBef>
+                <a:spcAft>
+                  <a:spcPts val="0"/>
+                </a:spcAft>
+                <a:buClr>
+                  <a:schemeClr val="lt1"/>
+                </a:buClr>
+                <a:buSzPts val="1800"/>
+                <a:buFont typeface="Roboto"/>
+                <a:buNone/>
+                <a:defRPr sz="1800" b="0" i="0" u="none" strike="noStrike" cap="none">
+                  <a:solidFill>
+                    <a:schemeClr val="lt1"/>
+                  </a:solidFill>
+                  <a:latin typeface="Roboto"/>
+                  <a:ea typeface="Roboto"/>
+                  <a:cs typeface="Roboto"/>
+                  <a:sym typeface="Roboto"/>
+                </a:defRPr>
+              </a:lvl2pPr>
+              <a:lvl3pPr marL="1371600" marR="0" lvl="2" indent="-317500" algn="l" rtl="0">
+                <a:lnSpc>
+                  <a:spcPct val="100000"/>
+                </a:lnSpc>
+                <a:spcBef>
+                  <a:spcPts val="0"/>
+                </a:spcBef>
+                <a:spcAft>
+                  <a:spcPts val="0"/>
+                </a:spcAft>
+                <a:buClr>
+                  <a:schemeClr val="lt1"/>
+                </a:buClr>
+                <a:buSzPts val="1800"/>
+                <a:buFont typeface="Roboto"/>
+                <a:buNone/>
+                <a:defRPr sz="1800" b="0" i="0" u="none" strike="noStrike" cap="none">
+                  <a:solidFill>
+                    <a:schemeClr val="lt1"/>
+                  </a:solidFill>
+                  <a:latin typeface="Roboto"/>
+                  <a:ea typeface="Roboto"/>
+                  <a:cs typeface="Roboto"/>
+                  <a:sym typeface="Roboto"/>
+                </a:defRPr>
+              </a:lvl3pPr>
+              <a:lvl4pPr marL="1828800" marR="0" lvl="3" indent="-317500" algn="l" rtl="0">
+                <a:lnSpc>
+                  <a:spcPct val="100000"/>
+                </a:lnSpc>
+                <a:spcBef>
+                  <a:spcPts val="0"/>
+                </a:spcBef>
+                <a:spcAft>
+                  <a:spcPts val="0"/>
+                </a:spcAft>
+                <a:buClr>
+                  <a:schemeClr val="lt1"/>
+                </a:buClr>
+                <a:buSzPts val="1800"/>
+                <a:buFont typeface="Roboto"/>
+                <a:buNone/>
+                <a:defRPr sz="1800" b="0" i="0" u="none" strike="noStrike" cap="none">
+                  <a:solidFill>
+                    <a:schemeClr val="lt1"/>
+                  </a:solidFill>
+                  <a:latin typeface="Roboto"/>
+                  <a:ea typeface="Roboto"/>
+                  <a:cs typeface="Roboto"/>
+                  <a:sym typeface="Roboto"/>
+                </a:defRPr>
+              </a:lvl4pPr>
+              <a:lvl5pPr marL="2286000" marR="0" lvl="4" indent="-317500" algn="l" rtl="0">
+                <a:lnSpc>
+                  <a:spcPct val="100000"/>
+                </a:lnSpc>
+                <a:spcBef>
+                  <a:spcPts val="0"/>
+                </a:spcBef>
+                <a:spcAft>
+                  <a:spcPts val="0"/>
+                </a:spcAft>
+                <a:buClr>
+                  <a:schemeClr val="lt1"/>
+                </a:buClr>
+                <a:buSzPts val="1800"/>
+                <a:buFont typeface="Roboto"/>
+                <a:buNone/>
+                <a:defRPr sz="1800" b="0" i="0" u="none" strike="noStrike" cap="none">
+                  <a:solidFill>
+                    <a:schemeClr val="lt1"/>
+                  </a:solidFill>
+                  <a:latin typeface="Roboto"/>
+                  <a:ea typeface="Roboto"/>
+                  <a:cs typeface="Roboto"/>
+                  <a:sym typeface="Roboto"/>
+                </a:defRPr>
+              </a:lvl5pPr>
+              <a:lvl6pPr marL="2743200" marR="0" lvl="5" indent="-317500" algn="l" rtl="0">
+                <a:lnSpc>
+                  <a:spcPct val="100000"/>
+                </a:lnSpc>
+                <a:spcBef>
+                  <a:spcPts val="0"/>
+                </a:spcBef>
+                <a:spcAft>
+                  <a:spcPts val="0"/>
+                </a:spcAft>
+                <a:buClr>
+                  <a:schemeClr val="lt1"/>
+                </a:buClr>
+                <a:buSzPts val="1800"/>
+                <a:buFont typeface="Roboto"/>
+                <a:buNone/>
+                <a:defRPr sz="1800" b="0" i="0" u="none" strike="noStrike" cap="none">
+                  <a:solidFill>
+                    <a:schemeClr val="lt1"/>
+                  </a:solidFill>
+                  <a:latin typeface="Roboto"/>
+                  <a:ea typeface="Roboto"/>
+                  <a:cs typeface="Roboto"/>
+                  <a:sym typeface="Roboto"/>
+                </a:defRPr>
+              </a:lvl6pPr>
+              <a:lvl7pPr marL="3200400" marR="0" lvl="6" indent="-317500" algn="l" rtl="0">
+                <a:lnSpc>
+                  <a:spcPct val="100000"/>
+                </a:lnSpc>
+                <a:spcBef>
+                  <a:spcPts val="0"/>
+                </a:spcBef>
+                <a:spcAft>
+                  <a:spcPts val="0"/>
+                </a:spcAft>
+                <a:buClr>
+                  <a:schemeClr val="lt1"/>
+                </a:buClr>
+                <a:buSzPts val="1800"/>
+                <a:buFont typeface="Roboto"/>
+                <a:buNone/>
+                <a:defRPr sz="1800" b="0" i="0" u="none" strike="noStrike" cap="none">
+                  <a:solidFill>
+                    <a:schemeClr val="lt1"/>
+                  </a:solidFill>
+                  <a:latin typeface="Roboto"/>
+                  <a:ea typeface="Roboto"/>
+                  <a:cs typeface="Roboto"/>
+                  <a:sym typeface="Roboto"/>
+                </a:defRPr>
+              </a:lvl7pPr>
+              <a:lvl8pPr marL="3657600" marR="0" lvl="7" indent="-317500" algn="l" rtl="0">
+                <a:lnSpc>
+                  <a:spcPct val="100000"/>
+                </a:lnSpc>
+                <a:spcBef>
+                  <a:spcPts val="0"/>
+                </a:spcBef>
+                <a:spcAft>
+                  <a:spcPts val="0"/>
+                </a:spcAft>
+                <a:buClr>
+                  <a:schemeClr val="lt1"/>
+                </a:buClr>
+                <a:buSzPts val="1800"/>
+                <a:buFont typeface="Roboto"/>
+                <a:buNone/>
+                <a:defRPr sz="1800" b="0" i="0" u="none" strike="noStrike" cap="none">
+                  <a:solidFill>
+                    <a:schemeClr val="lt1"/>
+                  </a:solidFill>
+                  <a:latin typeface="Roboto"/>
+                  <a:ea typeface="Roboto"/>
+                  <a:cs typeface="Roboto"/>
+                  <a:sym typeface="Roboto"/>
+                </a:defRPr>
+              </a:lvl8pPr>
+              <a:lvl9pPr marL="4114800" marR="0" lvl="8" indent="-317500" algn="l" rtl="0">
+                <a:lnSpc>
+                  <a:spcPct val="100000"/>
+                </a:lnSpc>
+                <a:spcBef>
+                  <a:spcPts val="0"/>
+                </a:spcBef>
+                <a:spcAft>
+                  <a:spcPts val="0"/>
+                </a:spcAft>
+                <a:buClr>
+                  <a:schemeClr val="lt1"/>
+                </a:buClr>
+                <a:buSzPts val="1800"/>
+                <a:buFont typeface="Roboto"/>
+                <a:buNone/>
+                <a:defRPr sz="1800" b="0" i="0" u="none" strike="noStrike" cap="none">
+                  <a:solidFill>
+                    <a:schemeClr val="lt1"/>
+                  </a:solidFill>
+                  <a:latin typeface="Roboto"/>
+                  <a:ea typeface="Roboto"/>
+                  <a:cs typeface="Roboto"/>
+                  <a:sym typeface="Roboto"/>
+                </a:defRPr>
+              </a:lvl9pPr>
+            </a:lstStyle>
+            <a:p>
+              <a:pPr marL="0" indent="0"/>
+              <a:r>
+                <a:rPr lang="en-US" sz="1000" dirty="0"/>
+                <a:t>Shohel Rana</a:t>
+              </a:r>
+            </a:p>
+            <a:p>
+              <a:pPr marL="0" indent="0"/>
+              <a:r>
+                <a:rPr lang="en-US" sz="1000" dirty="0"/>
+                <a:t>Lead frontend engineer</a:t>
+              </a:r>
+            </a:p>
+            <a:p>
+              <a:pPr marL="0" indent="0"/>
+              <a:r>
+                <a:rPr lang="en-US" sz="1000" dirty="0"/>
+                <a:t>Dhaka, Bangladesh</a:t>
+              </a:r>
+            </a:p>
+            <a:p>
+              <a:pPr marL="0" indent="0"/>
+              <a:r>
+                <a:rPr lang="en-US" sz="1000" dirty="0"/>
+                <a:t>Email: iamshohelrana@gmail.com</a:t>
+              </a:r>
+            </a:p>
+          </p:txBody>
+        </p:sp>
+      </p:grpSp>
     </p:spTree>
   </p:cSld>
   <p:clrMapOvr>
@@ -9002,11 +9668,11 @@
 </file>
 
 <file path=ppt/slides/slide10.xml><?xml version="1.0" encoding="utf-8"?>
-<p:sld xmlns:a="http://schemas.openxmlformats.org/drawingml/2006/main" xmlns:r="http://schemas.openxmlformats.org/officeDocument/2006/relationships" xmlns:mc="http://schemas.openxmlformats.org/markup-compatibility/2006" xmlns:mv="urn:schemas-microsoft-com:mac:vml" xmlns:p="http://schemas.openxmlformats.org/presentationml/2006/main" xmlns:c="http://schemas.openxmlformats.org/drawingml/2006/chart" xmlns:dgm="http://schemas.openxmlformats.org/drawingml/2006/diagram" xmlns:o="urn:schemas-microsoft-com:office:office" xmlns:v="urn:schemas-microsoft-com:vml" xmlns:pvml="urn:schemas-microsoft-com:office:powerpoint" xmlns:com="http://schemas.openxmlformats.org/drawingml/2006/compatibility" xmlns:p14="http://schemas.microsoft.com/office/powerpoint/2010/main" xmlns:p15="http://schemas.microsoft.com/office/powerpoint/2012/main">
+<p:sld xmlns:a="http://schemas.openxmlformats.org/drawingml/2006/main" xmlns:r="http://schemas.openxmlformats.org/officeDocument/2006/relationships" xmlns:p="http://schemas.openxmlformats.org/presentationml/2006/main">
   <p:cSld>
     <p:spTree>
       <p:nvGrpSpPr>
-        <p:cNvPr id="120" name="Shape 120"/>
+        <p:cNvPr id="1" name="Shape 120"/>
         <p:cNvGrpSpPr/>
         <p:nvPr/>
       </p:nvGrpSpPr>
@@ -9021,7 +9687,9 @@
       <p:sp>
         <p:nvSpPr>
           <p:cNvPr id="121" name="Google Shape;121;p22"/>
-          <p:cNvSpPr txBox="1"/>
+          <p:cNvSpPr txBox="1">
+            <a:spLocks noGrp="1"/>
+          </p:cNvSpPr>
           <p:nvPr>
             <p:ph type="title"/>
           </p:nvPr>
@@ -9036,12 +9704,12 @@
           </a:prstGeom>
         </p:spPr>
         <p:txBody>
-          <a:bodyPr anchorCtr="0" anchor="b" bIns="91425" lIns="91425" spcFirstLastPara="1" rIns="91425" wrap="square" tIns="91425">
+          <a:bodyPr spcFirstLastPara="1" wrap="square" lIns="91425" tIns="91425" rIns="91425" bIns="91425" anchor="b" anchorCtr="0">
             <a:noAutofit/>
           </a:bodyPr>
           <a:lstStyle/>
           <a:p>
-            <a:pPr indent="0" lvl="0" marL="0" rtl="0" algn="l">
+            <a:pPr marL="0" lvl="0" indent="0" algn="l" rtl="0">
               <a:spcBef>
                 <a:spcPts val="0"/>
               </a:spcBef>
@@ -9061,9 +9729,11 @@
       <p:sp>
         <p:nvSpPr>
           <p:cNvPr id="122" name="Google Shape;122;p22"/>
-          <p:cNvSpPr txBox="1"/>
+          <p:cNvSpPr txBox="1">
+            <a:spLocks noGrp="1"/>
+          </p:cNvSpPr>
           <p:nvPr>
-            <p:ph idx="1" type="body"/>
+            <p:ph type="body" idx="1"/>
           </p:nvPr>
         </p:nvSpPr>
         <p:spPr>
@@ -9076,12 +9746,12 @@
           </a:prstGeom>
         </p:spPr>
         <p:txBody>
-          <a:bodyPr anchorCtr="0" anchor="t" bIns="91425" lIns="91425" spcFirstLastPara="1" rIns="91425" wrap="square" tIns="91425">
+          <a:bodyPr spcFirstLastPara="1" wrap="square" lIns="91425" tIns="91425" rIns="91425" bIns="91425" anchor="t" anchorCtr="0">
             <a:noAutofit/>
           </a:bodyPr>
           <a:lstStyle/>
           <a:p>
-            <a:pPr indent="0" lvl="0" marL="457200" rtl="0" algn="l">
+            <a:pPr marL="457200" lvl="0" indent="0" algn="l" rtl="0">
               <a:spcBef>
                 <a:spcPts val="0"/>
               </a:spcBef>
@@ -9097,7 +9767,7 @@
             <a:endParaRPr/>
           </a:p>
           <a:p>
-            <a:pPr indent="0" lvl="0" marL="457200" rtl="0" algn="l">
+            <a:pPr marL="457200" lvl="0" indent="0" algn="l" rtl="0">
               <a:spcBef>
                 <a:spcPts val="1600"/>
               </a:spcBef>
@@ -9113,7 +9783,7 @@
             <a:endParaRPr/>
           </a:p>
           <a:p>
-            <a:pPr indent="0" lvl="0" marL="457200" rtl="0" algn="l">
+            <a:pPr marL="457200" lvl="0" indent="0" algn="l" rtl="0">
               <a:spcBef>
                 <a:spcPts val="1600"/>
               </a:spcBef>
@@ -9122,9 +9792,6 @@
               </a:spcAft>
               <a:buNone/>
             </a:pPr>
-            <a:r>
-              <a:t/>
-            </a:r>
             <a:endParaRPr/>
           </a:p>
         </p:txBody>
@@ -9138,11 +9805,11 @@
 </file>
 
 <file path=ppt/slides/slide11.xml><?xml version="1.0" encoding="utf-8"?>
-<p:sld xmlns:a="http://schemas.openxmlformats.org/drawingml/2006/main" xmlns:r="http://schemas.openxmlformats.org/officeDocument/2006/relationships" xmlns:mc="http://schemas.openxmlformats.org/markup-compatibility/2006" xmlns:mv="urn:schemas-microsoft-com:mac:vml" xmlns:p="http://schemas.openxmlformats.org/presentationml/2006/main" xmlns:c="http://schemas.openxmlformats.org/drawingml/2006/chart" xmlns:dgm="http://schemas.openxmlformats.org/drawingml/2006/diagram" xmlns:o="urn:schemas-microsoft-com:office:office" xmlns:v="urn:schemas-microsoft-com:vml" xmlns:pvml="urn:schemas-microsoft-com:office:powerpoint" xmlns:com="http://schemas.openxmlformats.org/drawingml/2006/compatibility" xmlns:p14="http://schemas.microsoft.com/office/powerpoint/2010/main" xmlns:p15="http://schemas.microsoft.com/office/powerpoint/2012/main">
+<p:sld xmlns:a="http://schemas.openxmlformats.org/drawingml/2006/main" xmlns:r="http://schemas.openxmlformats.org/officeDocument/2006/relationships" xmlns:p="http://schemas.openxmlformats.org/presentationml/2006/main">
   <p:cSld>
     <p:spTree>
       <p:nvGrpSpPr>
-        <p:cNvPr id="126" name="Shape 126"/>
+        <p:cNvPr id="1" name="Shape 126"/>
         <p:cNvGrpSpPr/>
         <p:nvPr/>
       </p:nvGrpSpPr>
@@ -9157,7 +9824,9 @@
       <p:sp>
         <p:nvSpPr>
           <p:cNvPr id="127" name="Google Shape;127;p23"/>
-          <p:cNvSpPr txBox="1"/>
+          <p:cNvSpPr txBox="1">
+            <a:spLocks noGrp="1"/>
+          </p:cNvSpPr>
           <p:nvPr>
             <p:ph type="title"/>
           </p:nvPr>
@@ -9172,12 +9841,12 @@
           </a:prstGeom>
         </p:spPr>
         <p:txBody>
-          <a:bodyPr anchorCtr="0" anchor="b" bIns="91425" lIns="91425" spcFirstLastPara="1" rIns="91425" wrap="square" tIns="91425">
+          <a:bodyPr spcFirstLastPara="1" wrap="square" lIns="91425" tIns="91425" rIns="91425" bIns="91425" anchor="b" anchorCtr="0">
             <a:noAutofit/>
           </a:bodyPr>
           <a:lstStyle/>
           <a:p>
-            <a:pPr indent="0" lvl="0" marL="0" rtl="0" algn="l">
+            <a:pPr marL="0" lvl="0" indent="0" algn="l" rtl="0">
               <a:spcBef>
                 <a:spcPts val="0"/>
               </a:spcBef>
@@ -9197,9 +9866,11 @@
       <p:sp>
         <p:nvSpPr>
           <p:cNvPr id="128" name="Google Shape;128;p23"/>
-          <p:cNvSpPr txBox="1"/>
+          <p:cNvSpPr txBox="1">
+            <a:spLocks noGrp="1"/>
+          </p:cNvSpPr>
           <p:nvPr>
-            <p:ph idx="1" type="body"/>
+            <p:ph type="body" idx="1"/>
           </p:nvPr>
         </p:nvSpPr>
         <p:spPr>
@@ -9212,12 +9883,12 @@
           </a:prstGeom>
         </p:spPr>
         <p:txBody>
-          <a:bodyPr anchorCtr="0" anchor="t" bIns="91425" lIns="91425" spcFirstLastPara="1" rIns="91425" wrap="square" tIns="91425">
+          <a:bodyPr spcFirstLastPara="1" wrap="square" lIns="91425" tIns="91425" rIns="91425" bIns="91425" anchor="t" anchorCtr="0">
             <a:noAutofit/>
           </a:bodyPr>
           <a:lstStyle/>
           <a:p>
-            <a:pPr indent="0" lvl="0" marL="457200" rtl="0" algn="l">
+            <a:pPr marL="457200" lvl="0" indent="0" algn="l" rtl="0">
               <a:spcBef>
                 <a:spcPts val="0"/>
               </a:spcBef>
@@ -9233,7 +9904,7 @@
             <a:endParaRPr/>
           </a:p>
           <a:p>
-            <a:pPr indent="0" lvl="0" marL="457200" rtl="0" algn="l">
+            <a:pPr marL="457200" lvl="0" indent="0" algn="l" rtl="0">
               <a:spcBef>
                 <a:spcPts val="1600"/>
               </a:spcBef>
@@ -9249,7 +9920,7 @@
             <a:endParaRPr/>
           </a:p>
           <a:p>
-            <a:pPr indent="0" lvl="0" marL="457200" rtl="0" algn="l">
+            <a:pPr marL="457200" lvl="0" indent="0" algn="l" rtl="0">
               <a:spcBef>
                 <a:spcPts val="1600"/>
               </a:spcBef>
@@ -9265,7 +9936,7 @@
             <a:endParaRPr/>
           </a:p>
           <a:p>
-            <a:pPr indent="0" lvl="0" marL="457200" rtl="0" algn="l">
+            <a:pPr marL="457200" lvl="0" indent="0" algn="l" rtl="0">
               <a:spcBef>
                 <a:spcPts val="0"/>
               </a:spcBef>
@@ -9281,7 +9952,7 @@
             <a:endParaRPr/>
           </a:p>
           <a:p>
-            <a:pPr indent="0" lvl="0" marL="457200" rtl="0" algn="l">
+            <a:pPr marL="457200" lvl="0" indent="0" algn="l" rtl="0">
               <a:spcBef>
                 <a:spcPts val="0"/>
               </a:spcBef>
@@ -9297,7 +9968,7 @@
             <a:endParaRPr/>
           </a:p>
           <a:p>
-            <a:pPr indent="0" lvl="0" marL="457200" rtl="0" algn="l">
+            <a:pPr marL="457200" lvl="0" indent="0" algn="l" rtl="0">
               <a:spcBef>
                 <a:spcPts val="0"/>
               </a:spcBef>
@@ -9313,7 +9984,7 @@
             <a:endParaRPr/>
           </a:p>
           <a:p>
-            <a:pPr indent="0" lvl="0" marL="457200" rtl="0" algn="l">
+            <a:pPr marL="457200" lvl="0" indent="0" algn="l" rtl="0">
               <a:spcBef>
                 <a:spcPts val="0"/>
               </a:spcBef>
@@ -9329,7 +10000,7 @@
             <a:endParaRPr/>
           </a:p>
           <a:p>
-            <a:pPr indent="0" lvl="0" marL="457200" rtl="0" algn="l">
+            <a:pPr marL="457200" lvl="0" indent="0" algn="l" rtl="0">
               <a:spcBef>
                 <a:spcPts val="0"/>
               </a:spcBef>
@@ -9345,7 +10016,7 @@
             <a:endParaRPr/>
           </a:p>
           <a:p>
-            <a:pPr indent="0" lvl="0" marL="457200" rtl="0" algn="l">
+            <a:pPr marL="457200" lvl="0" indent="0" algn="l" rtl="0">
               <a:spcBef>
                 <a:spcPts val="0"/>
               </a:spcBef>
@@ -9354,9 +10025,6 @@
               </a:spcAft>
               <a:buNone/>
             </a:pPr>
-            <a:r>
-              <a:t/>
-            </a:r>
             <a:endParaRPr/>
           </a:p>
         </p:txBody>
@@ -9370,11 +10038,11 @@
 </file>
 
 <file path=ppt/slides/slide12.xml><?xml version="1.0" encoding="utf-8"?>
-<p:sld xmlns:a="http://schemas.openxmlformats.org/drawingml/2006/main" xmlns:r="http://schemas.openxmlformats.org/officeDocument/2006/relationships" xmlns:mc="http://schemas.openxmlformats.org/markup-compatibility/2006" xmlns:mv="urn:schemas-microsoft-com:mac:vml" xmlns:p="http://schemas.openxmlformats.org/presentationml/2006/main" xmlns:c="http://schemas.openxmlformats.org/drawingml/2006/chart" xmlns:dgm="http://schemas.openxmlformats.org/drawingml/2006/diagram" xmlns:o="urn:schemas-microsoft-com:office:office" xmlns:v="urn:schemas-microsoft-com:vml" xmlns:pvml="urn:schemas-microsoft-com:office:powerpoint" xmlns:com="http://schemas.openxmlformats.org/drawingml/2006/compatibility" xmlns:p14="http://schemas.microsoft.com/office/powerpoint/2010/main" xmlns:p15="http://schemas.microsoft.com/office/powerpoint/2012/main">
+<p:sld xmlns:a="http://schemas.openxmlformats.org/drawingml/2006/main" xmlns:r="http://schemas.openxmlformats.org/officeDocument/2006/relationships" xmlns:p="http://schemas.openxmlformats.org/presentationml/2006/main">
   <p:cSld>
     <p:spTree>
       <p:nvGrpSpPr>
-        <p:cNvPr id="132" name="Shape 132"/>
+        <p:cNvPr id="1" name="Shape 132"/>
         <p:cNvGrpSpPr/>
         <p:nvPr/>
       </p:nvGrpSpPr>
@@ -9389,7 +10057,9 @@
       <p:sp>
         <p:nvSpPr>
           <p:cNvPr id="133" name="Google Shape;133;p24"/>
-          <p:cNvSpPr txBox="1"/>
+          <p:cNvSpPr txBox="1">
+            <a:spLocks noGrp="1"/>
+          </p:cNvSpPr>
           <p:nvPr>
             <p:ph type="title"/>
           </p:nvPr>
@@ -9404,12 +10074,12 @@
           </a:prstGeom>
         </p:spPr>
         <p:txBody>
-          <a:bodyPr anchorCtr="0" anchor="b" bIns="91425" lIns="91425" spcFirstLastPara="1" rIns="91425" wrap="square" tIns="91425">
+          <a:bodyPr spcFirstLastPara="1" wrap="square" lIns="91425" tIns="91425" rIns="91425" bIns="91425" anchor="b" anchorCtr="0">
             <a:noAutofit/>
           </a:bodyPr>
           <a:lstStyle/>
           <a:p>
-            <a:pPr indent="0" lvl="0" marL="0" rtl="0" algn="l">
+            <a:pPr marL="0" lvl="0" indent="0" algn="l" rtl="0">
               <a:spcBef>
                 <a:spcPts val="0"/>
               </a:spcBef>
@@ -9429,9 +10099,11 @@
       <p:sp>
         <p:nvSpPr>
           <p:cNvPr id="134" name="Google Shape;134;p24"/>
-          <p:cNvSpPr txBox="1"/>
+          <p:cNvSpPr txBox="1">
+            <a:spLocks noGrp="1"/>
+          </p:cNvSpPr>
           <p:nvPr>
-            <p:ph idx="1" type="body"/>
+            <p:ph type="body" idx="1"/>
           </p:nvPr>
         </p:nvSpPr>
         <p:spPr>
@@ -9444,12 +10116,12 @@
           </a:prstGeom>
         </p:spPr>
         <p:txBody>
-          <a:bodyPr anchorCtr="0" anchor="t" bIns="91425" lIns="91425" spcFirstLastPara="1" rIns="91425" wrap="square" tIns="91425">
+          <a:bodyPr spcFirstLastPara="1" wrap="square" lIns="91425" tIns="91425" rIns="91425" bIns="91425" anchor="t" anchorCtr="0">
             <a:noAutofit/>
           </a:bodyPr>
           <a:lstStyle/>
           <a:p>
-            <a:pPr indent="0" lvl="0" marL="457200" rtl="0" algn="l">
+            <a:pPr marL="457200" lvl="0" indent="0" algn="l" rtl="0">
               <a:spcBef>
                 <a:spcPts val="0"/>
               </a:spcBef>
@@ -9465,7 +10137,7 @@
             <a:endParaRPr/>
           </a:p>
           <a:p>
-            <a:pPr indent="0" lvl="0" marL="457200" rtl="0" algn="l">
+            <a:pPr marL="457200" lvl="0" indent="0" algn="l" rtl="0">
               <a:spcBef>
                 <a:spcPts val="1600"/>
               </a:spcBef>
@@ -9481,7 +10153,7 @@
             <a:endParaRPr/>
           </a:p>
           <a:p>
-            <a:pPr indent="0" lvl="0" marL="457200" rtl="0" algn="l">
+            <a:pPr marL="457200" lvl="0" indent="0" algn="l" rtl="0">
               <a:spcBef>
                 <a:spcPts val="1600"/>
               </a:spcBef>
@@ -9497,7 +10169,7 @@
             <a:endParaRPr/>
           </a:p>
           <a:p>
-            <a:pPr indent="0" lvl="0" marL="457200" rtl="0" algn="l">
+            <a:pPr marL="457200" lvl="0" indent="0" algn="l" rtl="0">
               <a:spcBef>
                 <a:spcPts val="1600"/>
               </a:spcBef>
@@ -9513,7 +10185,7 @@
             <a:endParaRPr/>
           </a:p>
           <a:p>
-            <a:pPr indent="0" lvl="0" marL="457200" rtl="0" algn="l">
+            <a:pPr marL="457200" lvl="0" indent="0" algn="l" rtl="0">
               <a:spcBef>
                 <a:spcPts val="1600"/>
               </a:spcBef>
@@ -9529,7 +10201,7 @@
             <a:endParaRPr/>
           </a:p>
           <a:p>
-            <a:pPr indent="0" lvl="0" marL="457200" rtl="0" algn="l">
+            <a:pPr marL="457200" lvl="0" indent="0" algn="l" rtl="0">
               <a:spcBef>
                 <a:spcPts val="1600"/>
               </a:spcBef>
@@ -9538,9 +10210,6 @@
               </a:spcAft>
               <a:buNone/>
             </a:pPr>
-            <a:r>
-              <a:t/>
-            </a:r>
             <a:endParaRPr/>
           </a:p>
         </p:txBody>
@@ -9554,11 +10223,11 @@
 </file>
 
 <file path=ppt/slides/slide13.xml><?xml version="1.0" encoding="utf-8"?>
-<p:sld xmlns:a="http://schemas.openxmlformats.org/drawingml/2006/main" xmlns:r="http://schemas.openxmlformats.org/officeDocument/2006/relationships" xmlns:mc="http://schemas.openxmlformats.org/markup-compatibility/2006" xmlns:mv="urn:schemas-microsoft-com:mac:vml" xmlns:p="http://schemas.openxmlformats.org/presentationml/2006/main" xmlns:c="http://schemas.openxmlformats.org/drawingml/2006/chart" xmlns:dgm="http://schemas.openxmlformats.org/drawingml/2006/diagram" xmlns:o="urn:schemas-microsoft-com:office:office" xmlns:v="urn:schemas-microsoft-com:vml" xmlns:pvml="urn:schemas-microsoft-com:office:powerpoint" xmlns:com="http://schemas.openxmlformats.org/drawingml/2006/compatibility" xmlns:p14="http://schemas.microsoft.com/office/powerpoint/2010/main" xmlns:p15="http://schemas.microsoft.com/office/powerpoint/2012/main">
+<p:sld xmlns:a="http://schemas.openxmlformats.org/drawingml/2006/main" xmlns:r="http://schemas.openxmlformats.org/officeDocument/2006/relationships" xmlns:p="http://schemas.openxmlformats.org/presentationml/2006/main">
   <p:cSld>
     <p:spTree>
       <p:nvGrpSpPr>
-        <p:cNvPr id="138" name="Shape 138"/>
+        <p:cNvPr id="1" name="Shape 138"/>
         <p:cNvGrpSpPr/>
         <p:nvPr/>
       </p:nvGrpSpPr>
@@ -9573,7 +10242,9 @@
       <p:sp>
         <p:nvSpPr>
           <p:cNvPr id="139" name="Google Shape;139;p25"/>
-          <p:cNvSpPr txBox="1"/>
+          <p:cNvSpPr txBox="1">
+            <a:spLocks noGrp="1"/>
+          </p:cNvSpPr>
           <p:nvPr>
             <p:ph type="title"/>
           </p:nvPr>
@@ -9588,12 +10259,12 @@
           </a:prstGeom>
         </p:spPr>
         <p:txBody>
-          <a:bodyPr anchorCtr="0" anchor="b" bIns="91425" lIns="91425" spcFirstLastPara="1" rIns="91425" wrap="square" tIns="91425">
+          <a:bodyPr spcFirstLastPara="1" wrap="square" lIns="91425" tIns="91425" rIns="91425" bIns="91425" anchor="b" anchorCtr="0">
             <a:noAutofit/>
           </a:bodyPr>
           <a:lstStyle/>
           <a:p>
-            <a:pPr indent="0" lvl="0" marL="0" rtl="0" algn="l">
+            <a:pPr marL="0" lvl="0" indent="0" algn="l" rtl="0">
               <a:spcBef>
                 <a:spcPts val="0"/>
               </a:spcBef>
@@ -9613,9 +10284,11 @@
       <p:sp>
         <p:nvSpPr>
           <p:cNvPr id="140" name="Google Shape;140;p25"/>
-          <p:cNvSpPr txBox="1"/>
+          <p:cNvSpPr txBox="1">
+            <a:spLocks noGrp="1"/>
+          </p:cNvSpPr>
           <p:nvPr>
-            <p:ph idx="1" type="body"/>
+            <p:ph type="body" idx="1"/>
           </p:nvPr>
         </p:nvSpPr>
         <p:spPr>
@@ -9628,12 +10301,12 @@
           </a:prstGeom>
         </p:spPr>
         <p:txBody>
-          <a:bodyPr anchorCtr="0" anchor="t" bIns="91425" lIns="91425" spcFirstLastPara="1" rIns="91425" wrap="square" tIns="91425">
+          <a:bodyPr spcFirstLastPara="1" wrap="square" lIns="91425" tIns="91425" rIns="91425" bIns="91425" anchor="t" anchorCtr="0">
             <a:noAutofit/>
           </a:bodyPr>
           <a:lstStyle/>
           <a:p>
-            <a:pPr indent="0" lvl="0" marL="457200" rtl="0" algn="l">
+            <a:pPr marL="457200" lvl="0" indent="0" algn="l" rtl="0">
               <a:spcBef>
                 <a:spcPts val="0"/>
               </a:spcBef>
@@ -9649,7 +10322,7 @@
             <a:endParaRPr/>
           </a:p>
           <a:p>
-            <a:pPr indent="0" lvl="0" marL="457200" rtl="0" algn="l">
+            <a:pPr marL="457200" lvl="0" indent="0" algn="l" rtl="0">
               <a:spcBef>
                 <a:spcPts val="0"/>
               </a:spcBef>
@@ -9665,7 +10338,7 @@
             <a:endParaRPr/>
           </a:p>
           <a:p>
-            <a:pPr indent="0" lvl="0" marL="457200" rtl="0" algn="l">
+            <a:pPr marL="457200" lvl="0" indent="0" algn="l" rtl="0">
               <a:spcBef>
                 <a:spcPts val="0"/>
               </a:spcBef>
@@ -9681,22 +10354,19 @@
             <a:endParaRPr/>
           </a:p>
           <a:p>
-            <a:pPr indent="0" lvl="0" marL="457200" rtl="0" algn="l">
-              <a:spcBef>
-                <a:spcPts val="0"/>
-              </a:spcBef>
-              <a:spcAft>
-                <a:spcPts val="0"/>
-              </a:spcAft>
-              <a:buNone/>
-            </a:pPr>
-            <a:r>
-              <a:t/>
-            </a:r>
-            <a:endParaRPr/>
-          </a:p>
-          <a:p>
-            <a:pPr indent="0" lvl="0" marL="457200" rtl="0" algn="l">
+            <a:pPr marL="457200" lvl="0" indent="0" algn="l" rtl="0">
+              <a:spcBef>
+                <a:spcPts val="0"/>
+              </a:spcBef>
+              <a:spcAft>
+                <a:spcPts val="0"/>
+              </a:spcAft>
+              <a:buNone/>
+            </a:pPr>
+            <a:endParaRPr/>
+          </a:p>
+          <a:p>
+            <a:pPr marL="457200" lvl="0" indent="0" algn="l" rtl="0">
               <a:spcBef>
                 <a:spcPts val="0"/>
               </a:spcBef>
@@ -9712,7 +10382,7 @@
             <a:endParaRPr/>
           </a:p>
           <a:p>
-            <a:pPr indent="0" lvl="0" marL="457200" rtl="0" algn="l">
+            <a:pPr marL="457200" lvl="0" indent="0" algn="l" rtl="0">
               <a:spcBef>
                 <a:spcPts val="0"/>
               </a:spcBef>
@@ -9728,7 +10398,7 @@
             <a:endParaRPr/>
           </a:p>
           <a:p>
-            <a:pPr indent="0" lvl="0" marL="457200" rtl="0" algn="l">
+            <a:pPr marL="457200" lvl="0" indent="0" algn="l" rtl="0">
               <a:spcBef>
                 <a:spcPts val="0"/>
               </a:spcBef>
@@ -9744,18 +10414,15 @@
             <a:endParaRPr/>
           </a:p>
           <a:p>
-            <a:pPr indent="0" lvl="0" marL="457200" rtl="0" algn="l">
-              <a:spcBef>
-                <a:spcPts val="0"/>
-              </a:spcBef>
-              <a:spcAft>
-                <a:spcPts val="0"/>
-              </a:spcAft>
-              <a:buNone/>
-            </a:pPr>
-            <a:r>
-              <a:t/>
-            </a:r>
+            <a:pPr marL="457200" lvl="0" indent="0" algn="l" rtl="0">
+              <a:spcBef>
+                <a:spcPts val="0"/>
+              </a:spcBef>
+              <a:spcAft>
+                <a:spcPts val="0"/>
+              </a:spcAft>
+              <a:buNone/>
+            </a:pPr>
             <a:endParaRPr/>
           </a:p>
         </p:txBody>
@@ -9769,11 +10436,11 @@
 </file>
 
 <file path=ppt/slides/slide14.xml><?xml version="1.0" encoding="utf-8"?>
-<p:sld xmlns:a="http://schemas.openxmlformats.org/drawingml/2006/main" xmlns:r="http://schemas.openxmlformats.org/officeDocument/2006/relationships" xmlns:mc="http://schemas.openxmlformats.org/markup-compatibility/2006" xmlns:mv="urn:schemas-microsoft-com:mac:vml" xmlns:p="http://schemas.openxmlformats.org/presentationml/2006/main" xmlns:c="http://schemas.openxmlformats.org/drawingml/2006/chart" xmlns:dgm="http://schemas.openxmlformats.org/drawingml/2006/diagram" xmlns:o="urn:schemas-microsoft-com:office:office" xmlns:v="urn:schemas-microsoft-com:vml" xmlns:pvml="urn:schemas-microsoft-com:office:powerpoint" xmlns:com="http://schemas.openxmlformats.org/drawingml/2006/compatibility" xmlns:p14="http://schemas.microsoft.com/office/powerpoint/2010/main" xmlns:p15="http://schemas.microsoft.com/office/powerpoint/2012/main">
+<p:sld xmlns:a="http://schemas.openxmlformats.org/drawingml/2006/main" xmlns:r="http://schemas.openxmlformats.org/officeDocument/2006/relationships" xmlns:p="http://schemas.openxmlformats.org/presentationml/2006/main">
   <p:cSld>
     <p:spTree>
       <p:nvGrpSpPr>
-        <p:cNvPr id="144" name="Shape 144"/>
+        <p:cNvPr id="1" name="Shape 144"/>
         <p:cNvGrpSpPr/>
         <p:nvPr/>
       </p:nvGrpSpPr>
@@ -9788,7 +10455,9 @@
       <p:sp>
         <p:nvSpPr>
           <p:cNvPr id="145" name="Google Shape;145;p26"/>
-          <p:cNvSpPr txBox="1"/>
+          <p:cNvSpPr txBox="1">
+            <a:spLocks noGrp="1"/>
+          </p:cNvSpPr>
           <p:nvPr>
             <p:ph type="title"/>
           </p:nvPr>
@@ -9803,12 +10472,12 @@
           </a:prstGeom>
         </p:spPr>
         <p:txBody>
-          <a:bodyPr anchorCtr="0" anchor="ctr" bIns="91425" lIns="91425" spcFirstLastPara="1" rIns="91425" wrap="square" tIns="91425">
+          <a:bodyPr spcFirstLastPara="1" wrap="square" lIns="91425" tIns="91425" rIns="91425" bIns="91425" anchor="ctr" anchorCtr="0">
             <a:noAutofit/>
           </a:bodyPr>
           <a:lstStyle/>
           <a:p>
-            <a:pPr indent="0" lvl="0" marL="0" rtl="0" algn="l">
+            <a:pPr marL="0" lvl="0" indent="0" algn="l" rtl="0">
               <a:spcBef>
                 <a:spcPts val="0"/>
               </a:spcBef>
@@ -9845,12 +10514,12 @@
           </a:ln>
         </p:spPr>
         <p:txBody>
-          <a:bodyPr anchorCtr="0" anchor="t" bIns="91425" lIns="91425" spcFirstLastPara="1" rIns="91425" wrap="square" tIns="91425">
+          <a:bodyPr spcFirstLastPara="1" wrap="square" lIns="91425" tIns="91425" rIns="91425" bIns="91425" anchor="t" anchorCtr="0">
             <a:noAutofit/>
           </a:bodyPr>
           <a:lstStyle/>
           <a:p>
-            <a:pPr indent="0" lvl="0" marL="0" rtl="0" algn="l">
+            <a:pPr marL="0" lvl="0" indent="0" algn="l" rtl="0">
               <a:spcBef>
                 <a:spcPts val="0"/>
               </a:spcBef>
@@ -9882,7 +10551,7 @@
             </a:endParaRPr>
           </a:p>
           <a:p>
-            <a:pPr indent="0" lvl="0" marL="0" rtl="0" algn="l">
+            <a:pPr marL="0" lvl="0" indent="0" algn="l" rtl="0">
               <a:spcBef>
                 <a:spcPts val="0"/>
               </a:spcBef>
@@ -9914,7 +10583,7 @@
             </a:endParaRPr>
           </a:p>
           <a:p>
-            <a:pPr indent="0" lvl="0" marL="0" rtl="0" algn="l">
+            <a:pPr marL="0" lvl="0" indent="0" algn="l" rtl="0">
               <a:spcBef>
                 <a:spcPts val="0"/>
               </a:spcBef>
@@ -9946,7 +10615,7 @@
             </a:endParaRPr>
           </a:p>
           <a:p>
-            <a:pPr indent="0" lvl="0" marL="0" rtl="0" algn="l">
+            <a:pPr marL="0" lvl="0" indent="0" algn="l" rtl="0">
               <a:spcBef>
                 <a:spcPts val="0"/>
               </a:spcBef>
@@ -9978,7 +10647,7 @@
             </a:endParaRPr>
           </a:p>
           <a:p>
-            <a:pPr indent="0" lvl="0" marL="0" rtl="0" algn="l">
+            <a:pPr marL="0" lvl="0" indent="0" algn="l" rtl="0">
               <a:spcBef>
                 <a:spcPts val="0"/>
               </a:spcBef>
@@ -10010,7 +10679,7 @@
             </a:endParaRPr>
           </a:p>
           <a:p>
-            <a:pPr indent="0" lvl="0" marL="0" rtl="0" algn="l">
+            <a:pPr marL="0" lvl="0" indent="0" algn="l" rtl="0">
               <a:spcBef>
                 <a:spcPts val="0"/>
               </a:spcBef>
@@ -10042,7 +10711,7 @@
             </a:endParaRPr>
           </a:p>
           <a:p>
-            <a:pPr indent="0" lvl="0" marL="0" rtl="0" algn="l">
+            <a:pPr marL="0" lvl="0" indent="0" algn="l" rtl="0">
               <a:spcBef>
                 <a:spcPts val="0"/>
               </a:spcBef>
@@ -10074,7 +10743,7 @@
             </a:endParaRPr>
           </a:p>
           <a:p>
-            <a:pPr indent="0" lvl="0" marL="0" rtl="0" algn="l">
+            <a:pPr marL="0" lvl="0" indent="0" algn="l" rtl="0">
               <a:spcBef>
                 <a:spcPts val="0"/>
               </a:spcBef>
@@ -10106,7 +10775,7 @@
             </a:endParaRPr>
           </a:p>
           <a:p>
-            <a:pPr indent="0" lvl="0" marL="0" rtl="0" algn="l">
+            <a:pPr marL="0" lvl="0" indent="0" algn="l" rtl="0">
               <a:spcBef>
                 <a:spcPts val="0"/>
               </a:spcBef>
@@ -10138,7 +10807,7 @@
             </a:endParaRPr>
           </a:p>
           <a:p>
-            <a:pPr indent="0" lvl="0" marL="0" rtl="0" algn="l">
+            <a:pPr marL="0" lvl="0" indent="0" algn="l" rtl="0">
               <a:spcBef>
                 <a:spcPts val="0"/>
               </a:spcBef>
@@ -10170,7 +10839,7 @@
             </a:endParaRPr>
           </a:p>
           <a:p>
-            <a:pPr indent="0" lvl="0" marL="0" rtl="0" algn="l">
+            <a:pPr marL="0" lvl="0" indent="0" algn="l" rtl="0">
               <a:spcBef>
                 <a:spcPts val="0"/>
               </a:spcBef>
@@ -10202,7 +10871,7 @@
             </a:endParaRPr>
           </a:p>
           <a:p>
-            <a:pPr indent="0" lvl="0" marL="0" rtl="0" algn="l">
+            <a:pPr marL="0" lvl="0" indent="0" algn="l" rtl="0">
               <a:spcBef>
                 <a:spcPts val="0"/>
               </a:spcBef>
@@ -10234,7 +10903,7 @@
             </a:endParaRPr>
           </a:p>
           <a:p>
-            <a:pPr indent="0" lvl="0" marL="0" rtl="0" algn="l">
+            <a:pPr marL="0" lvl="0" indent="0" algn="l" rtl="0">
               <a:spcBef>
                 <a:spcPts val="0"/>
               </a:spcBef>
@@ -10266,7 +10935,7 @@
             </a:endParaRPr>
           </a:p>
           <a:p>
-            <a:pPr indent="0" lvl="0" marL="0" rtl="0" algn="l">
+            <a:pPr marL="0" lvl="0" indent="0" algn="l" rtl="0">
               <a:spcBef>
                 <a:spcPts val="0"/>
               </a:spcBef>
@@ -10298,7 +10967,7 @@
             </a:endParaRPr>
           </a:p>
           <a:p>
-            <a:pPr indent="0" lvl="0" marL="0" rtl="0" algn="l">
+            <a:pPr marL="0" lvl="0" indent="0" algn="l" rtl="0">
               <a:spcBef>
                 <a:spcPts val="0"/>
               </a:spcBef>
@@ -10330,7 +10999,7 @@
             </a:endParaRPr>
           </a:p>
           <a:p>
-            <a:pPr indent="0" lvl="0" marL="0" rtl="0" algn="l">
+            <a:pPr marL="0" lvl="0" indent="0" algn="l" rtl="0">
               <a:spcBef>
                 <a:spcPts val="0"/>
               </a:spcBef>
@@ -10356,18 +11025,15 @@
             </a:endParaRPr>
           </a:p>
           <a:p>
-            <a:pPr indent="0" lvl="0" marL="0" rtl="0" algn="l">
-              <a:spcBef>
-                <a:spcPts val="0"/>
-              </a:spcBef>
-              <a:spcAft>
-                <a:spcPts val="0"/>
-              </a:spcAft>
-              <a:buNone/>
-            </a:pPr>
-            <a:r>
-              <a:t/>
-            </a:r>
+            <a:pPr marL="0" lvl="0" indent="0" algn="l" rtl="0">
+              <a:spcBef>
+                <a:spcPts val="0"/>
+              </a:spcBef>
+              <a:spcAft>
+                <a:spcPts val="0"/>
+              </a:spcAft>
+              <a:buNone/>
+            </a:pPr>
             <a:endParaRPr sz="1800">
               <a:latin typeface="Roboto"/>
               <a:ea typeface="Roboto"/>
@@ -10386,11 +11052,11 @@
 </file>
 
 <file path=ppt/slides/slide15.xml><?xml version="1.0" encoding="utf-8"?>
-<p:sld xmlns:a="http://schemas.openxmlformats.org/drawingml/2006/main" xmlns:r="http://schemas.openxmlformats.org/officeDocument/2006/relationships" xmlns:mc="http://schemas.openxmlformats.org/markup-compatibility/2006" xmlns:mv="urn:schemas-microsoft-com:mac:vml" xmlns:p="http://schemas.openxmlformats.org/presentationml/2006/main" xmlns:c="http://schemas.openxmlformats.org/drawingml/2006/chart" xmlns:dgm="http://schemas.openxmlformats.org/drawingml/2006/diagram" xmlns:o="urn:schemas-microsoft-com:office:office" xmlns:v="urn:schemas-microsoft-com:vml" xmlns:pvml="urn:schemas-microsoft-com:office:powerpoint" xmlns:com="http://schemas.openxmlformats.org/drawingml/2006/compatibility" xmlns:p14="http://schemas.microsoft.com/office/powerpoint/2010/main" xmlns:p15="http://schemas.microsoft.com/office/powerpoint/2012/main">
+<p:sld xmlns:a="http://schemas.openxmlformats.org/drawingml/2006/main" xmlns:r="http://schemas.openxmlformats.org/officeDocument/2006/relationships" xmlns:p="http://schemas.openxmlformats.org/presentationml/2006/main">
   <p:cSld>
     <p:spTree>
       <p:nvGrpSpPr>
-        <p:cNvPr id="150" name="Shape 150"/>
+        <p:cNvPr id="1" name="Shape 150"/>
         <p:cNvGrpSpPr/>
         <p:nvPr/>
       </p:nvGrpSpPr>
@@ -10405,7 +11071,9 @@
       <p:sp>
         <p:nvSpPr>
           <p:cNvPr id="151" name="Google Shape;151;p27"/>
-          <p:cNvSpPr txBox="1"/>
+          <p:cNvSpPr txBox="1">
+            <a:spLocks noGrp="1"/>
+          </p:cNvSpPr>
           <p:nvPr>
             <p:ph type="title"/>
           </p:nvPr>
@@ -10420,12 +11088,12 @@
           </a:prstGeom>
         </p:spPr>
         <p:txBody>
-          <a:bodyPr anchorCtr="0" anchor="ctr" bIns="91425" lIns="91425" spcFirstLastPara="1" rIns="91425" wrap="square" tIns="91425">
+          <a:bodyPr spcFirstLastPara="1" wrap="square" lIns="91425" tIns="91425" rIns="91425" bIns="91425" anchor="ctr" anchorCtr="0">
             <a:noAutofit/>
           </a:bodyPr>
           <a:lstStyle/>
           <a:p>
-            <a:pPr indent="0" lvl="0" marL="0" rtl="0" algn="l">
+            <a:pPr marL="0" lvl="0" indent="0" algn="l" rtl="0">
               <a:spcBef>
                 <a:spcPts val="0"/>
               </a:spcBef>
@@ -10462,12 +11130,12 @@
           </a:ln>
         </p:spPr>
         <p:txBody>
-          <a:bodyPr anchorCtr="0" anchor="t" bIns="91425" lIns="91425" spcFirstLastPara="1" rIns="91425" wrap="square" tIns="91425">
+          <a:bodyPr spcFirstLastPara="1" wrap="square" lIns="91425" tIns="91425" rIns="91425" bIns="91425" anchor="t" anchorCtr="0">
             <a:noAutofit/>
           </a:bodyPr>
           <a:lstStyle/>
           <a:p>
-            <a:pPr indent="0" lvl="0" marL="0" rtl="0" algn="l">
+            <a:pPr marL="0" lvl="0" indent="0" algn="l" rtl="0">
               <a:spcBef>
                 <a:spcPts val="0"/>
               </a:spcBef>
@@ -10499,7 +11167,7 @@
             </a:endParaRPr>
           </a:p>
           <a:p>
-            <a:pPr indent="0" lvl="0" marL="0" rtl="0" algn="l">
+            <a:pPr marL="0" lvl="0" indent="0" algn="l" rtl="0">
               <a:spcBef>
                 <a:spcPts val="0"/>
               </a:spcBef>
@@ -10531,7 +11199,7 @@
             </a:endParaRPr>
           </a:p>
           <a:p>
-            <a:pPr indent="0" lvl="0" marL="0" rtl="0" algn="l">
+            <a:pPr marL="0" lvl="0" indent="0" algn="l" rtl="0">
               <a:spcBef>
                 <a:spcPts val="0"/>
               </a:spcBef>
@@ -10563,7 +11231,7 @@
             </a:endParaRPr>
           </a:p>
           <a:p>
-            <a:pPr indent="0" lvl="0" marL="0" rtl="0" algn="l">
+            <a:pPr marL="0" lvl="0" indent="0" algn="l" rtl="0">
               <a:spcBef>
                 <a:spcPts val="0"/>
               </a:spcBef>
@@ -10595,7 +11263,7 @@
             </a:endParaRPr>
           </a:p>
           <a:p>
-            <a:pPr indent="0" lvl="0" marL="0" rtl="0" algn="l">
+            <a:pPr marL="0" lvl="0" indent="0" algn="l" rtl="0">
               <a:spcBef>
                 <a:spcPts val="0"/>
               </a:spcBef>
@@ -10627,7 +11295,7 @@
             </a:endParaRPr>
           </a:p>
           <a:p>
-            <a:pPr indent="0" lvl="0" marL="0" rtl="0" algn="l">
+            <a:pPr marL="0" lvl="0" indent="0" algn="l" rtl="0">
               <a:spcBef>
                 <a:spcPts val="0"/>
               </a:spcBef>
@@ -10659,7 +11327,7 @@
             </a:endParaRPr>
           </a:p>
           <a:p>
-            <a:pPr indent="0" lvl="0" marL="0" rtl="0" algn="l">
+            <a:pPr marL="0" lvl="0" indent="0" algn="l" rtl="0">
               <a:spcBef>
                 <a:spcPts val="0"/>
               </a:spcBef>
@@ -10691,7 +11359,7 @@
             </a:endParaRPr>
           </a:p>
           <a:p>
-            <a:pPr indent="0" lvl="0" marL="0" rtl="0" algn="l">
+            <a:pPr marL="0" lvl="0" indent="0" algn="l" rtl="0">
               <a:spcBef>
                 <a:spcPts val="0"/>
               </a:spcBef>
@@ -10723,7 +11391,7 @@
             </a:endParaRPr>
           </a:p>
           <a:p>
-            <a:pPr indent="0" lvl="0" marL="0" rtl="0" algn="l">
+            <a:pPr marL="0" lvl="0" indent="0" algn="l" rtl="0">
               <a:spcBef>
                 <a:spcPts val="0"/>
               </a:spcBef>
@@ -10755,7 +11423,7 @@
             </a:endParaRPr>
           </a:p>
           <a:p>
-            <a:pPr indent="0" lvl="0" marL="0" rtl="0" algn="l">
+            <a:pPr marL="0" lvl="0" indent="0" algn="l" rtl="0">
               <a:spcBef>
                 <a:spcPts val="0"/>
               </a:spcBef>
@@ -10787,7 +11455,7 @@
             </a:endParaRPr>
           </a:p>
           <a:p>
-            <a:pPr indent="0" lvl="0" marL="0" rtl="0" algn="l">
+            <a:pPr marL="0" lvl="0" indent="0" algn="l" rtl="0">
               <a:spcBef>
                 <a:spcPts val="0"/>
               </a:spcBef>
@@ -10819,7 +11487,7 @@
             </a:endParaRPr>
           </a:p>
           <a:p>
-            <a:pPr indent="0" lvl="0" marL="0" rtl="0" algn="l">
+            <a:pPr marL="0" lvl="0" indent="0" algn="l" rtl="0">
               <a:spcBef>
                 <a:spcPts val="0"/>
               </a:spcBef>
@@ -10851,7 +11519,7 @@
             </a:endParaRPr>
           </a:p>
           <a:p>
-            <a:pPr indent="0" lvl="0" marL="0" rtl="0" algn="l">
+            <a:pPr marL="0" lvl="0" indent="0" algn="l" rtl="0">
               <a:spcBef>
                 <a:spcPts val="0"/>
               </a:spcBef>
@@ -10883,7 +11551,7 @@
             </a:endParaRPr>
           </a:p>
           <a:p>
-            <a:pPr indent="0" lvl="0" marL="0" rtl="0" algn="l">
+            <a:pPr marL="0" lvl="0" indent="0" algn="l" rtl="0">
               <a:spcBef>
                 <a:spcPts val="0"/>
               </a:spcBef>
@@ -10915,7 +11583,7 @@
             </a:endParaRPr>
           </a:p>
           <a:p>
-            <a:pPr indent="0" lvl="0" marL="0" rtl="0" algn="l">
+            <a:pPr marL="0" lvl="0" indent="0" algn="l" rtl="0">
               <a:spcBef>
                 <a:spcPts val="0"/>
               </a:spcBef>
@@ -10947,18 +11615,15 @@
             </a:endParaRPr>
           </a:p>
           <a:p>
-            <a:pPr indent="0" lvl="0" marL="0" rtl="0" algn="l">
-              <a:spcBef>
-                <a:spcPts val="0"/>
-              </a:spcBef>
-              <a:spcAft>
-                <a:spcPts val="0"/>
-              </a:spcAft>
-              <a:buNone/>
-            </a:pPr>
-            <a:r>
-              <a:t/>
-            </a:r>
+            <a:pPr marL="0" lvl="0" indent="0" algn="l" rtl="0">
+              <a:spcBef>
+                <a:spcPts val="0"/>
+              </a:spcBef>
+              <a:spcAft>
+                <a:spcPts val="0"/>
+              </a:spcAft>
+              <a:buNone/>
+            </a:pPr>
             <a:endParaRPr sz="1800">
               <a:latin typeface="Roboto"/>
               <a:ea typeface="Roboto"/>
@@ -10967,7 +11632,7 @@
             </a:endParaRPr>
           </a:p>
           <a:p>
-            <a:pPr indent="0" lvl="0" marL="0" rtl="0" algn="l">
+            <a:pPr marL="0" lvl="0" indent="0" algn="l" rtl="0">
               <a:spcBef>
                 <a:spcPts val="0"/>
               </a:spcBef>
@@ -10993,18 +11658,15 @@
             </a:endParaRPr>
           </a:p>
           <a:p>
-            <a:pPr indent="0" lvl="0" marL="0" rtl="0" algn="l">
-              <a:spcBef>
-                <a:spcPts val="0"/>
-              </a:spcBef>
-              <a:spcAft>
-                <a:spcPts val="0"/>
-              </a:spcAft>
-              <a:buNone/>
-            </a:pPr>
-            <a:r>
-              <a:t/>
-            </a:r>
+            <a:pPr marL="0" lvl="0" indent="0" algn="l" rtl="0">
+              <a:spcBef>
+                <a:spcPts val="0"/>
+              </a:spcBef>
+              <a:spcAft>
+                <a:spcPts val="0"/>
+              </a:spcAft>
+              <a:buNone/>
+            </a:pPr>
             <a:endParaRPr sz="1800">
               <a:latin typeface="Roboto"/>
               <a:ea typeface="Roboto"/>
@@ -11023,11 +11685,11 @@
 </file>
 
 <file path=ppt/slides/slide16.xml><?xml version="1.0" encoding="utf-8"?>
-<p:sld xmlns:a="http://schemas.openxmlformats.org/drawingml/2006/main" xmlns:r="http://schemas.openxmlformats.org/officeDocument/2006/relationships" xmlns:mc="http://schemas.openxmlformats.org/markup-compatibility/2006" xmlns:mv="urn:schemas-microsoft-com:mac:vml" xmlns:p="http://schemas.openxmlformats.org/presentationml/2006/main" xmlns:c="http://schemas.openxmlformats.org/drawingml/2006/chart" xmlns:dgm="http://schemas.openxmlformats.org/drawingml/2006/diagram" xmlns:o="urn:schemas-microsoft-com:office:office" xmlns:v="urn:schemas-microsoft-com:vml" xmlns:pvml="urn:schemas-microsoft-com:office:powerpoint" xmlns:com="http://schemas.openxmlformats.org/drawingml/2006/compatibility" xmlns:p14="http://schemas.microsoft.com/office/powerpoint/2010/main" xmlns:p15="http://schemas.microsoft.com/office/powerpoint/2012/main">
+<p:sld xmlns:a="http://schemas.openxmlformats.org/drawingml/2006/main" xmlns:r="http://schemas.openxmlformats.org/officeDocument/2006/relationships" xmlns:p="http://schemas.openxmlformats.org/presentationml/2006/main">
   <p:cSld>
     <p:spTree>
       <p:nvGrpSpPr>
-        <p:cNvPr id="156" name="Shape 156"/>
+        <p:cNvPr id="1" name="Shape 156"/>
         <p:cNvGrpSpPr/>
         <p:nvPr/>
       </p:nvGrpSpPr>
@@ -11042,7 +11704,9 @@
       <p:sp>
         <p:nvSpPr>
           <p:cNvPr id="157" name="Google Shape;157;p28"/>
-          <p:cNvSpPr txBox="1"/>
+          <p:cNvSpPr txBox="1">
+            <a:spLocks noGrp="1"/>
+          </p:cNvSpPr>
           <p:nvPr>
             <p:ph type="title"/>
           </p:nvPr>
@@ -11057,12 +11721,12 @@
           </a:prstGeom>
         </p:spPr>
         <p:txBody>
-          <a:bodyPr anchorCtr="0" anchor="b" bIns="91425" lIns="91425" spcFirstLastPara="1" rIns="91425" wrap="square" tIns="91425">
+          <a:bodyPr spcFirstLastPara="1" wrap="square" lIns="91425" tIns="91425" rIns="91425" bIns="91425" anchor="b" anchorCtr="0">
             <a:noAutofit/>
           </a:bodyPr>
           <a:lstStyle/>
           <a:p>
-            <a:pPr indent="0" lvl="0" marL="0" rtl="0" algn="l">
+            <a:pPr marL="0" lvl="0" indent="0" algn="l" rtl="0">
               <a:spcBef>
                 <a:spcPts val="0"/>
               </a:spcBef>
@@ -11082,9 +11746,11 @@
       <p:sp>
         <p:nvSpPr>
           <p:cNvPr id="158" name="Google Shape;158;p28"/>
-          <p:cNvSpPr txBox="1"/>
+          <p:cNvSpPr txBox="1">
+            <a:spLocks noGrp="1"/>
+          </p:cNvSpPr>
           <p:nvPr>
-            <p:ph idx="1" type="body"/>
+            <p:ph type="body" idx="1"/>
           </p:nvPr>
         </p:nvSpPr>
         <p:spPr>
@@ -11097,12 +11763,12 @@
           </a:prstGeom>
         </p:spPr>
         <p:txBody>
-          <a:bodyPr anchorCtr="0" anchor="t" bIns="91425" lIns="91425" spcFirstLastPara="1" rIns="91425" wrap="square" tIns="91425">
+          <a:bodyPr spcFirstLastPara="1" wrap="square" lIns="91425" tIns="91425" rIns="91425" bIns="91425" anchor="t" anchorCtr="0">
             <a:noAutofit/>
           </a:bodyPr>
           <a:lstStyle/>
           <a:p>
-            <a:pPr indent="0" lvl="0" marL="0" rtl="0" algn="l">
+            <a:pPr marL="0" lvl="0" indent="0" algn="l" rtl="0">
               <a:spcBef>
                 <a:spcPts val="0"/>
               </a:spcBef>
@@ -11118,7 +11784,7 @@
             <a:endParaRPr/>
           </a:p>
           <a:p>
-            <a:pPr indent="0" lvl="0" marL="0" rtl="0" algn="l">
+            <a:pPr marL="0" lvl="0" indent="0" algn="l" rtl="0">
               <a:spcBef>
                 <a:spcPts val="1600"/>
               </a:spcBef>
@@ -11134,7 +11800,7 @@
             <a:endParaRPr/>
           </a:p>
           <a:p>
-            <a:pPr indent="0" lvl="0" marL="0" rtl="0" algn="l">
+            <a:pPr marL="0" lvl="0" indent="0" algn="l" rtl="0">
               <a:spcBef>
                 <a:spcPts val="1600"/>
               </a:spcBef>
@@ -11150,7 +11816,7 @@
             <a:endParaRPr/>
           </a:p>
           <a:p>
-            <a:pPr indent="0" lvl="0" marL="0" rtl="0" algn="l">
+            <a:pPr marL="0" lvl="0" indent="0" algn="l" rtl="0">
               <a:spcBef>
                 <a:spcPts val="1600"/>
               </a:spcBef>
@@ -11176,11 +11842,11 @@
 </file>
 
 <file path=ppt/slides/slide17.xml><?xml version="1.0" encoding="utf-8"?>
-<p:sld xmlns:a="http://schemas.openxmlformats.org/drawingml/2006/main" xmlns:r="http://schemas.openxmlformats.org/officeDocument/2006/relationships" xmlns:mc="http://schemas.openxmlformats.org/markup-compatibility/2006" xmlns:mv="urn:schemas-microsoft-com:mac:vml" xmlns:p="http://schemas.openxmlformats.org/presentationml/2006/main" xmlns:c="http://schemas.openxmlformats.org/drawingml/2006/chart" xmlns:dgm="http://schemas.openxmlformats.org/drawingml/2006/diagram" xmlns:o="urn:schemas-microsoft-com:office:office" xmlns:v="urn:schemas-microsoft-com:vml" xmlns:pvml="urn:schemas-microsoft-com:office:powerpoint" xmlns:com="http://schemas.openxmlformats.org/drawingml/2006/compatibility" xmlns:p14="http://schemas.microsoft.com/office/powerpoint/2010/main" xmlns:p15="http://schemas.microsoft.com/office/powerpoint/2012/main">
+<p:sld xmlns:a="http://schemas.openxmlformats.org/drawingml/2006/main" xmlns:r="http://schemas.openxmlformats.org/officeDocument/2006/relationships" xmlns:p="http://schemas.openxmlformats.org/presentationml/2006/main">
   <p:cSld>
     <p:spTree>
       <p:nvGrpSpPr>
-        <p:cNvPr id="162" name="Shape 162"/>
+        <p:cNvPr id="1" name="Shape 162"/>
         <p:cNvGrpSpPr/>
         <p:nvPr/>
       </p:nvGrpSpPr>
@@ -11195,7 +11861,9 @@
       <p:sp>
         <p:nvSpPr>
           <p:cNvPr id="163" name="Google Shape;163;p29"/>
-          <p:cNvSpPr txBox="1"/>
+          <p:cNvSpPr txBox="1">
+            <a:spLocks noGrp="1"/>
+          </p:cNvSpPr>
           <p:nvPr>
             <p:ph type="title"/>
           </p:nvPr>
@@ -11210,12 +11878,12 @@
           </a:prstGeom>
         </p:spPr>
         <p:txBody>
-          <a:bodyPr anchorCtr="0" anchor="b" bIns="91425" lIns="91425" spcFirstLastPara="1" rIns="91425" wrap="square" tIns="91425">
+          <a:bodyPr spcFirstLastPara="1" wrap="square" lIns="91425" tIns="91425" rIns="91425" bIns="91425" anchor="b" anchorCtr="0">
             <a:noAutofit/>
           </a:bodyPr>
           <a:lstStyle/>
           <a:p>
-            <a:pPr indent="0" lvl="0" marL="0" rtl="0" algn="l">
+            <a:pPr marL="0" lvl="0" indent="0" algn="l" rtl="0">
               <a:spcBef>
                 <a:spcPts val="0"/>
               </a:spcBef>
@@ -11235,9 +11903,11 @@
       <p:sp>
         <p:nvSpPr>
           <p:cNvPr id="164" name="Google Shape;164;p29"/>
-          <p:cNvSpPr txBox="1"/>
+          <p:cNvSpPr txBox="1">
+            <a:spLocks noGrp="1"/>
+          </p:cNvSpPr>
           <p:nvPr>
-            <p:ph idx="1" type="body"/>
+            <p:ph type="body" idx="1"/>
           </p:nvPr>
         </p:nvSpPr>
         <p:spPr>
@@ -11250,12 +11920,12 @@
           </a:prstGeom>
         </p:spPr>
         <p:txBody>
-          <a:bodyPr anchorCtr="0" anchor="t" bIns="91425" lIns="91425" spcFirstLastPara="1" rIns="91425" wrap="square" tIns="91425">
+          <a:bodyPr spcFirstLastPara="1" wrap="square" lIns="91425" tIns="91425" rIns="91425" bIns="91425" anchor="t" anchorCtr="0">
             <a:noAutofit/>
           </a:bodyPr>
           <a:lstStyle/>
           <a:p>
-            <a:pPr indent="0" lvl="0" marL="0" rtl="0" algn="l">
+            <a:pPr marL="0" lvl="0" indent="0" algn="l" rtl="0">
               <a:spcBef>
                 <a:spcPts val="0"/>
               </a:spcBef>
@@ -11271,7 +11941,7 @@
             <a:endParaRPr/>
           </a:p>
           <a:p>
-            <a:pPr indent="0" lvl="0" marL="0" rtl="0" algn="l">
+            <a:pPr marL="0" lvl="0" indent="0" algn="l" rtl="0">
               <a:spcBef>
                 <a:spcPts val="1600"/>
               </a:spcBef>
@@ -11287,7 +11957,7 @@
             <a:endParaRPr/>
           </a:p>
           <a:p>
-            <a:pPr indent="0" lvl="0" marL="0" rtl="0" algn="l">
+            <a:pPr marL="0" lvl="0" indent="0" algn="l" rtl="0">
               <a:spcBef>
                 <a:spcPts val="1600"/>
               </a:spcBef>
@@ -11303,7 +11973,7 @@
             <a:endParaRPr/>
           </a:p>
           <a:p>
-            <a:pPr indent="0" lvl="0" marL="0" rtl="0" algn="l">
+            <a:pPr marL="0" lvl="0" indent="0" algn="l" rtl="0">
               <a:spcBef>
                 <a:spcPts val="1600"/>
               </a:spcBef>
@@ -11329,11 +11999,11 @@
 </file>
 
 <file path=ppt/slides/slide18.xml><?xml version="1.0" encoding="utf-8"?>
-<p:sld xmlns:a="http://schemas.openxmlformats.org/drawingml/2006/main" xmlns:r="http://schemas.openxmlformats.org/officeDocument/2006/relationships" xmlns:mc="http://schemas.openxmlformats.org/markup-compatibility/2006" xmlns:mv="urn:schemas-microsoft-com:mac:vml" xmlns:p="http://schemas.openxmlformats.org/presentationml/2006/main" xmlns:c="http://schemas.openxmlformats.org/drawingml/2006/chart" xmlns:dgm="http://schemas.openxmlformats.org/drawingml/2006/diagram" xmlns:o="urn:schemas-microsoft-com:office:office" xmlns:v="urn:schemas-microsoft-com:vml" xmlns:pvml="urn:schemas-microsoft-com:office:powerpoint" xmlns:com="http://schemas.openxmlformats.org/drawingml/2006/compatibility" xmlns:p14="http://schemas.microsoft.com/office/powerpoint/2010/main" xmlns:p15="http://schemas.microsoft.com/office/powerpoint/2012/main">
+<p:sld xmlns:a="http://schemas.openxmlformats.org/drawingml/2006/main" xmlns:r="http://schemas.openxmlformats.org/officeDocument/2006/relationships" xmlns:p="http://schemas.openxmlformats.org/presentationml/2006/main">
   <p:cSld>
     <p:spTree>
       <p:nvGrpSpPr>
-        <p:cNvPr id="168" name="Shape 168"/>
+        <p:cNvPr id="1" name="Shape 168"/>
         <p:cNvGrpSpPr/>
         <p:nvPr/>
       </p:nvGrpSpPr>
@@ -11348,7 +12018,9 @@
       <p:sp>
         <p:nvSpPr>
           <p:cNvPr id="169" name="Google Shape;169;p30"/>
-          <p:cNvSpPr txBox="1"/>
+          <p:cNvSpPr txBox="1">
+            <a:spLocks noGrp="1"/>
+          </p:cNvSpPr>
           <p:nvPr>
             <p:ph type="title"/>
           </p:nvPr>
@@ -11363,12 +12035,12 @@
           </a:prstGeom>
         </p:spPr>
         <p:txBody>
-          <a:bodyPr anchorCtr="0" anchor="b" bIns="91425" lIns="91425" spcFirstLastPara="1" rIns="91425" wrap="square" tIns="91425">
+          <a:bodyPr spcFirstLastPara="1" wrap="square" lIns="91425" tIns="91425" rIns="91425" bIns="91425" anchor="b" anchorCtr="0">
             <a:noAutofit/>
           </a:bodyPr>
           <a:lstStyle/>
           <a:p>
-            <a:pPr indent="0" lvl="0" marL="0" rtl="0" algn="l">
+            <a:pPr marL="0" lvl="0" indent="0" algn="l" rtl="0">
               <a:spcBef>
                 <a:spcPts val="0"/>
               </a:spcBef>
@@ -11388,9 +12060,11 @@
       <p:sp>
         <p:nvSpPr>
           <p:cNvPr id="170" name="Google Shape;170;p30"/>
-          <p:cNvSpPr txBox="1"/>
+          <p:cNvSpPr txBox="1">
+            <a:spLocks noGrp="1"/>
+          </p:cNvSpPr>
           <p:nvPr>
-            <p:ph idx="1" type="body"/>
+            <p:ph type="body" idx="1"/>
           </p:nvPr>
         </p:nvSpPr>
         <p:spPr>
@@ -11403,12 +12077,12 @@
           </a:prstGeom>
         </p:spPr>
         <p:txBody>
-          <a:bodyPr anchorCtr="0" anchor="t" bIns="91425" lIns="91425" spcFirstLastPara="1" rIns="91425" wrap="square" tIns="91425">
+          <a:bodyPr spcFirstLastPara="1" wrap="square" lIns="91425" tIns="91425" rIns="91425" bIns="91425" anchor="t" anchorCtr="0">
             <a:noAutofit/>
           </a:bodyPr>
           <a:lstStyle/>
           <a:p>
-            <a:pPr indent="0" lvl="0" marL="0" rtl="0" algn="l">
+            <a:pPr marL="0" lvl="0" indent="0" algn="l" rtl="0">
               <a:spcBef>
                 <a:spcPts val="0"/>
               </a:spcBef>
@@ -11434,11 +12108,11 @@
 </file>
 
 <file path=ppt/slides/slide19.xml><?xml version="1.0" encoding="utf-8"?>
-<p:sld xmlns:a="http://schemas.openxmlformats.org/drawingml/2006/main" xmlns:r="http://schemas.openxmlformats.org/officeDocument/2006/relationships" xmlns:mc="http://schemas.openxmlformats.org/markup-compatibility/2006" xmlns:mv="urn:schemas-microsoft-com:mac:vml" xmlns:p="http://schemas.openxmlformats.org/presentationml/2006/main" xmlns:c="http://schemas.openxmlformats.org/drawingml/2006/chart" xmlns:dgm="http://schemas.openxmlformats.org/drawingml/2006/diagram" xmlns:o="urn:schemas-microsoft-com:office:office" xmlns:v="urn:schemas-microsoft-com:vml" xmlns:pvml="urn:schemas-microsoft-com:office:powerpoint" xmlns:com="http://schemas.openxmlformats.org/drawingml/2006/compatibility" xmlns:p14="http://schemas.microsoft.com/office/powerpoint/2010/main" xmlns:p15="http://schemas.microsoft.com/office/powerpoint/2012/main">
+<p:sld xmlns:a="http://schemas.openxmlformats.org/drawingml/2006/main" xmlns:r="http://schemas.openxmlformats.org/officeDocument/2006/relationships" xmlns:p="http://schemas.openxmlformats.org/presentationml/2006/main">
   <p:cSld>
     <p:spTree>
       <p:nvGrpSpPr>
-        <p:cNvPr id="174" name="Shape 174"/>
+        <p:cNvPr id="1" name="Shape 174"/>
         <p:cNvGrpSpPr/>
         <p:nvPr/>
       </p:nvGrpSpPr>
@@ -11453,7 +12127,9 @@
       <p:sp>
         <p:nvSpPr>
           <p:cNvPr id="175" name="Google Shape;175;p31"/>
-          <p:cNvSpPr txBox="1"/>
+          <p:cNvSpPr txBox="1">
+            <a:spLocks noGrp="1"/>
+          </p:cNvSpPr>
           <p:nvPr>
             <p:ph type="title"/>
           </p:nvPr>
@@ -11468,12 +12144,12 @@
           </a:prstGeom>
         </p:spPr>
         <p:txBody>
-          <a:bodyPr anchorCtr="0" anchor="b" bIns="91425" lIns="91425" spcFirstLastPara="1" rIns="91425" wrap="square" tIns="91425">
+          <a:bodyPr spcFirstLastPara="1" wrap="square" lIns="91425" tIns="91425" rIns="91425" bIns="91425" anchor="b" anchorCtr="0">
             <a:noAutofit/>
           </a:bodyPr>
           <a:lstStyle/>
           <a:p>
-            <a:pPr indent="0" lvl="0" marL="0" rtl="0" algn="l">
+            <a:pPr marL="0" lvl="0" indent="0" algn="l" rtl="0">
               <a:spcBef>
                 <a:spcPts val="0"/>
               </a:spcBef>
@@ -11493,9 +12169,11 @@
       <p:sp>
         <p:nvSpPr>
           <p:cNvPr id="176" name="Google Shape;176;p31"/>
-          <p:cNvSpPr txBox="1"/>
+          <p:cNvSpPr txBox="1">
+            <a:spLocks noGrp="1"/>
+          </p:cNvSpPr>
           <p:nvPr>
-            <p:ph idx="1" type="body"/>
+            <p:ph type="body" idx="1"/>
           </p:nvPr>
         </p:nvSpPr>
         <p:spPr>
@@ -11508,12 +12186,12 @@
           </a:prstGeom>
         </p:spPr>
         <p:txBody>
-          <a:bodyPr anchorCtr="0" anchor="t" bIns="91425" lIns="91425" spcFirstLastPara="1" rIns="91425" wrap="square" tIns="91425">
+          <a:bodyPr spcFirstLastPara="1" wrap="square" lIns="91425" tIns="91425" rIns="91425" bIns="91425" anchor="t" anchorCtr="0">
             <a:noAutofit/>
           </a:bodyPr>
           <a:lstStyle/>
           <a:p>
-            <a:pPr indent="0" lvl="0" marL="0" rtl="0" algn="l">
+            <a:pPr marL="0" lvl="0" indent="0" algn="l" rtl="0">
               <a:spcBef>
                 <a:spcPts val="0"/>
               </a:spcBef>
@@ -11529,7 +12207,7 @@
             <a:endParaRPr/>
           </a:p>
           <a:p>
-            <a:pPr indent="0" lvl="0" marL="0" rtl="0" algn="l">
+            <a:pPr marL="0" lvl="0" indent="0" algn="l" rtl="0">
               <a:spcBef>
                 <a:spcPts val="0"/>
               </a:spcBef>
@@ -11540,20 +12218,12 @@
             </a:pPr>
             <a:r>
               <a:rPr lang="en"/>
-              <a:t>alert("Value: " + </a:t>
+              <a:t>alert("Value: " + mixedArray [3]);</a:t>
             </a:r>
-            <a:r>
-              <a:rPr lang="en"/>
-              <a:t>mixedArray </a:t>
-            </a:r>
-            <a:r>
-              <a:rPr lang="en"/>
-              <a:t>[3]);</a:t>
-            </a:r>
-            <a:endParaRPr/>
-          </a:p>
-          <a:p>
-            <a:pPr indent="0" lvl="0" marL="0" rtl="0" algn="l">
+            <a:endParaRPr/>
+          </a:p>
+          <a:p>
+            <a:pPr marL="0" lvl="0" indent="0" algn="l" rtl="0">
               <a:lnSpc>
                 <a:spcPct val="100000"/>
               </a:lnSpc>
@@ -11565,13 +12235,10 @@
               </a:spcAft>
               <a:buNone/>
             </a:pPr>
-            <a:r>
-              <a:t/>
-            </a:r>
-            <a:endParaRPr/>
-          </a:p>
-          <a:p>
-            <a:pPr indent="0" lvl="0" marL="0" rtl="0" algn="l">
+            <a:endParaRPr/>
+          </a:p>
+          <a:p>
+            <a:pPr marL="0" lvl="0" indent="0" algn="l" rtl="0">
               <a:lnSpc>
                 <a:spcPct val="100000"/>
               </a:lnSpc>
@@ -11590,7 +12257,7 @@
             <a:endParaRPr/>
           </a:p>
           <a:p>
-            <a:pPr indent="0" lvl="0" marL="0" rtl="0" algn="l">
+            <a:pPr marL="0" lvl="0" indent="0" algn="l" rtl="0">
               <a:spcBef>
                 <a:spcPts val="1600"/>
               </a:spcBef>
@@ -11606,7 +12273,7 @@
             <a:endParaRPr/>
           </a:p>
           <a:p>
-            <a:pPr indent="0" lvl="0" marL="0" rtl="0" algn="l">
+            <a:pPr marL="0" lvl="0" indent="0" algn="l" rtl="0">
               <a:spcBef>
                 <a:spcPts val="0"/>
               </a:spcBef>
@@ -11622,22 +12289,19 @@
             <a:endParaRPr/>
           </a:p>
           <a:p>
-            <a:pPr indent="0" lvl="0" marL="0" rtl="0" algn="l">
-              <a:spcBef>
-                <a:spcPts val="0"/>
-              </a:spcBef>
-              <a:spcAft>
-                <a:spcPts val="0"/>
-              </a:spcAft>
-              <a:buNone/>
-            </a:pPr>
-            <a:r>
-              <a:t/>
-            </a:r>
-            <a:endParaRPr/>
-          </a:p>
-          <a:p>
-            <a:pPr indent="0" lvl="0" marL="0" rtl="0" algn="l">
+            <a:pPr marL="0" lvl="0" indent="0" algn="l" rtl="0">
+              <a:spcBef>
+                <a:spcPts val="0"/>
+              </a:spcBef>
+              <a:spcAft>
+                <a:spcPts val="0"/>
+              </a:spcAft>
+              <a:buNone/>
+            </a:pPr>
+            <a:endParaRPr/>
+          </a:p>
+          <a:p>
+            <a:pPr marL="0" lvl="0" indent="0" algn="l" rtl="0">
               <a:spcBef>
                 <a:spcPts val="1600"/>
               </a:spcBef>
@@ -11653,7 +12317,7 @@
             <a:endParaRPr/>
           </a:p>
           <a:p>
-            <a:pPr indent="0" lvl="0" marL="0" rtl="0" algn="l">
+            <a:pPr marL="0" lvl="0" indent="0" algn="l" rtl="0">
               <a:spcBef>
                 <a:spcPts val="1600"/>
               </a:spcBef>
@@ -11679,11 +12343,11 @@
 </file>
 
 <file path=ppt/slides/slide2.xml><?xml version="1.0" encoding="utf-8"?>
-<p:sld xmlns:a="http://schemas.openxmlformats.org/drawingml/2006/main" xmlns:r="http://schemas.openxmlformats.org/officeDocument/2006/relationships" xmlns:mc="http://schemas.openxmlformats.org/markup-compatibility/2006" xmlns:mv="urn:schemas-microsoft-com:mac:vml" xmlns:p="http://schemas.openxmlformats.org/presentationml/2006/main" xmlns:c="http://schemas.openxmlformats.org/drawingml/2006/chart" xmlns:dgm="http://schemas.openxmlformats.org/drawingml/2006/diagram" xmlns:o="urn:schemas-microsoft-com:office:office" xmlns:v="urn:schemas-microsoft-com:vml" xmlns:pvml="urn:schemas-microsoft-com:office:powerpoint" xmlns:com="http://schemas.openxmlformats.org/drawingml/2006/compatibility" xmlns:p14="http://schemas.microsoft.com/office/powerpoint/2010/main" xmlns:p15="http://schemas.microsoft.com/office/powerpoint/2012/main">
+<p:sld xmlns:a="http://schemas.openxmlformats.org/drawingml/2006/main" xmlns:r="http://schemas.openxmlformats.org/officeDocument/2006/relationships" xmlns:p="http://schemas.openxmlformats.org/presentationml/2006/main">
   <p:cSld>
     <p:spTree>
       <p:nvGrpSpPr>
-        <p:cNvPr id="72" name="Shape 72"/>
+        <p:cNvPr id="1" name="Shape 72"/>
         <p:cNvGrpSpPr/>
         <p:nvPr/>
       </p:nvGrpSpPr>
@@ -11698,7 +12362,9 @@
       <p:sp>
         <p:nvSpPr>
           <p:cNvPr id="73" name="Google Shape;73;p14"/>
-          <p:cNvSpPr txBox="1"/>
+          <p:cNvSpPr txBox="1">
+            <a:spLocks noGrp="1"/>
+          </p:cNvSpPr>
           <p:nvPr>
             <p:ph type="title"/>
           </p:nvPr>
@@ -11713,12 +12379,12 @@
           </a:prstGeom>
         </p:spPr>
         <p:txBody>
-          <a:bodyPr anchorCtr="0" anchor="b" bIns="91425" lIns="91425" spcFirstLastPara="1" rIns="91425" wrap="square" tIns="91425">
+          <a:bodyPr spcFirstLastPara="1" wrap="square" lIns="91425" tIns="91425" rIns="91425" bIns="91425" anchor="b" anchorCtr="0">
             <a:noAutofit/>
           </a:bodyPr>
           <a:lstStyle/>
           <a:p>
-            <a:pPr indent="0" lvl="0" marL="0" rtl="0" algn="l">
+            <a:pPr marL="0" lvl="0" indent="0" algn="l" rtl="0">
               <a:spcBef>
                 <a:spcPts val="0"/>
               </a:spcBef>
@@ -11738,9 +12404,11 @@
       <p:sp>
         <p:nvSpPr>
           <p:cNvPr id="74" name="Google Shape;74;p14"/>
-          <p:cNvSpPr txBox="1"/>
+          <p:cNvSpPr txBox="1">
+            <a:spLocks noGrp="1"/>
+          </p:cNvSpPr>
           <p:nvPr>
-            <p:ph idx="1" type="body"/>
+            <p:ph type="body" idx="1"/>
           </p:nvPr>
         </p:nvSpPr>
         <p:spPr>
@@ -11753,12 +12421,12 @@
           </a:prstGeom>
         </p:spPr>
         <p:txBody>
-          <a:bodyPr anchorCtr="0" anchor="t" bIns="91425" lIns="91425" spcFirstLastPara="1" rIns="91425" wrap="square" tIns="91425">
+          <a:bodyPr spcFirstLastPara="1" wrap="square" lIns="91425" tIns="91425" rIns="91425" bIns="91425" anchor="t" anchorCtr="0">
             <a:noAutofit/>
           </a:bodyPr>
           <a:lstStyle/>
           <a:p>
-            <a:pPr indent="-342900" lvl="0" marL="457200" rtl="0" algn="l">
+            <a:pPr marL="457200" lvl="0" indent="-342900" algn="l" rtl="0">
               <a:spcBef>
                 <a:spcPts val="0"/>
               </a:spcBef>
@@ -11775,7 +12443,7 @@
             <a:endParaRPr/>
           </a:p>
           <a:p>
-            <a:pPr indent="-342900" lvl="0" marL="457200" rtl="0" algn="l">
+            <a:pPr marL="457200" lvl="0" indent="-342900" algn="l" rtl="0">
               <a:spcBef>
                 <a:spcPts val="0"/>
               </a:spcBef>
@@ -11792,7 +12460,7 @@
             <a:endParaRPr/>
           </a:p>
           <a:p>
-            <a:pPr indent="-342900" lvl="0" marL="457200" rtl="0" algn="l">
+            <a:pPr marL="457200" lvl="0" indent="-342900" algn="l" rtl="0">
               <a:spcBef>
                 <a:spcPts val="0"/>
               </a:spcBef>
@@ -11809,7 +12477,7 @@
             <a:endParaRPr/>
           </a:p>
           <a:p>
-            <a:pPr indent="-342900" lvl="0" marL="457200" rtl="0" algn="l">
+            <a:pPr marL="457200" lvl="0" indent="-342900" algn="l" rtl="0">
               <a:spcBef>
                 <a:spcPts val="0"/>
               </a:spcBef>
@@ -11826,7 +12494,7 @@
             <a:endParaRPr/>
           </a:p>
           <a:p>
-            <a:pPr indent="0" lvl="0" marL="457200" rtl="0" algn="l">
+            <a:pPr marL="457200" lvl="0" indent="0" algn="l" rtl="0">
               <a:spcBef>
                 <a:spcPts val="1600"/>
               </a:spcBef>
@@ -11835,9 +12503,6 @@
               </a:spcAft>
               <a:buNone/>
             </a:pPr>
-            <a:r>
-              <a:t/>
-            </a:r>
             <a:endParaRPr/>
           </a:p>
         </p:txBody>
@@ -11851,11 +12516,11 @@
 </file>
 
 <file path=ppt/slides/slide20.xml><?xml version="1.0" encoding="utf-8"?>
-<p:sld xmlns:a="http://schemas.openxmlformats.org/drawingml/2006/main" xmlns:r="http://schemas.openxmlformats.org/officeDocument/2006/relationships" xmlns:mc="http://schemas.openxmlformats.org/markup-compatibility/2006" xmlns:mv="urn:schemas-microsoft-com:mac:vml" xmlns:p="http://schemas.openxmlformats.org/presentationml/2006/main" xmlns:c="http://schemas.openxmlformats.org/drawingml/2006/chart" xmlns:dgm="http://schemas.openxmlformats.org/drawingml/2006/diagram" xmlns:o="urn:schemas-microsoft-com:office:office" xmlns:v="urn:schemas-microsoft-com:vml" xmlns:pvml="urn:schemas-microsoft-com:office:powerpoint" xmlns:com="http://schemas.openxmlformats.org/drawingml/2006/compatibility" xmlns:p14="http://schemas.microsoft.com/office/powerpoint/2010/main" xmlns:p15="http://schemas.microsoft.com/office/powerpoint/2012/main">
+<p:sld xmlns:a="http://schemas.openxmlformats.org/drawingml/2006/main" xmlns:r="http://schemas.openxmlformats.org/officeDocument/2006/relationships" xmlns:p="http://schemas.openxmlformats.org/presentationml/2006/main">
   <p:cSld>
     <p:spTree>
       <p:nvGrpSpPr>
-        <p:cNvPr id="180" name="Shape 180"/>
+        <p:cNvPr id="1" name="Shape 180"/>
         <p:cNvGrpSpPr/>
         <p:nvPr/>
       </p:nvGrpSpPr>
@@ -11870,7 +12535,9 @@
       <p:sp>
         <p:nvSpPr>
           <p:cNvPr id="181" name="Google Shape;181;p32"/>
-          <p:cNvSpPr txBox="1"/>
+          <p:cNvSpPr txBox="1">
+            <a:spLocks noGrp="1"/>
+          </p:cNvSpPr>
           <p:nvPr>
             <p:ph type="title"/>
           </p:nvPr>
@@ -11885,12 +12552,12 @@
           </a:prstGeom>
         </p:spPr>
         <p:txBody>
-          <a:bodyPr anchorCtr="0" anchor="b" bIns="91425" lIns="91425" spcFirstLastPara="1" rIns="91425" wrap="square" tIns="91425">
+          <a:bodyPr spcFirstLastPara="1" wrap="square" lIns="91425" tIns="91425" rIns="91425" bIns="91425" anchor="b" anchorCtr="0">
             <a:noAutofit/>
           </a:bodyPr>
           <a:lstStyle/>
           <a:p>
-            <a:pPr indent="0" lvl="0" marL="0" rtl="0" algn="l">
+            <a:pPr marL="0" lvl="0" indent="0" algn="l" rtl="0">
               <a:spcBef>
                 <a:spcPts val="0"/>
               </a:spcBef>
@@ -11910,9 +12577,11 @@
       <p:sp>
         <p:nvSpPr>
           <p:cNvPr id="182" name="Google Shape;182;p32"/>
-          <p:cNvSpPr txBox="1"/>
+          <p:cNvSpPr txBox="1">
+            <a:spLocks noGrp="1"/>
+          </p:cNvSpPr>
           <p:nvPr>
-            <p:ph idx="1" type="body"/>
+            <p:ph type="body" idx="1"/>
           </p:nvPr>
         </p:nvSpPr>
         <p:spPr>
@@ -11925,12 +12594,12 @@
           </a:prstGeom>
         </p:spPr>
         <p:txBody>
-          <a:bodyPr anchorCtr="0" anchor="t" bIns="91425" lIns="91425" spcFirstLastPara="1" rIns="91425" wrap="square" tIns="91425">
+          <a:bodyPr spcFirstLastPara="1" wrap="square" lIns="91425" tIns="91425" rIns="91425" bIns="91425" anchor="t" anchorCtr="0">
             <a:noAutofit/>
           </a:bodyPr>
           <a:lstStyle/>
           <a:p>
-            <a:pPr indent="0" lvl="0" marL="0" rtl="0" algn="l">
+            <a:pPr marL="0" lvl="0" indent="0" algn="l" rtl="0">
               <a:spcBef>
                 <a:spcPts val="0"/>
               </a:spcBef>
@@ -11946,7 +12615,7 @@
             <a:endParaRPr/>
           </a:p>
           <a:p>
-            <a:pPr indent="0" lvl="0" marL="0" rtl="0" algn="l">
+            <a:pPr marL="0" lvl="0" indent="0" algn="l" rtl="0">
               <a:spcBef>
                 <a:spcPts val="1600"/>
               </a:spcBef>
@@ -11962,7 +12631,7 @@
             <a:endParaRPr/>
           </a:p>
           <a:p>
-            <a:pPr indent="0" lvl="0" marL="0" rtl="0" algn="l">
+            <a:pPr marL="0" lvl="0" indent="0" algn="l" rtl="0">
               <a:spcBef>
                 <a:spcPts val="1600"/>
               </a:spcBef>
@@ -11978,7 +12647,7 @@
             <a:endParaRPr/>
           </a:p>
           <a:p>
-            <a:pPr indent="0" lvl="0" marL="0" rtl="0" algn="l">
+            <a:pPr marL="0" lvl="0" indent="0" algn="l" rtl="0">
               <a:spcBef>
                 <a:spcPts val="1600"/>
               </a:spcBef>
@@ -11994,7 +12663,7 @@
             <a:endParaRPr/>
           </a:p>
           <a:p>
-            <a:pPr indent="0" lvl="0" marL="0" rtl="0" algn="l">
+            <a:pPr marL="0" lvl="0" indent="0" algn="l" rtl="0">
               <a:spcBef>
                 <a:spcPts val="1600"/>
               </a:spcBef>
@@ -12020,11 +12689,11 @@
 </file>
 
 <file path=ppt/slides/slide21.xml><?xml version="1.0" encoding="utf-8"?>
-<p:sld xmlns:a="http://schemas.openxmlformats.org/drawingml/2006/main" xmlns:r="http://schemas.openxmlformats.org/officeDocument/2006/relationships" xmlns:mc="http://schemas.openxmlformats.org/markup-compatibility/2006" xmlns:mv="urn:schemas-microsoft-com:mac:vml" xmlns:p="http://schemas.openxmlformats.org/presentationml/2006/main" xmlns:c="http://schemas.openxmlformats.org/drawingml/2006/chart" xmlns:dgm="http://schemas.openxmlformats.org/drawingml/2006/diagram" xmlns:o="urn:schemas-microsoft-com:office:office" xmlns:v="urn:schemas-microsoft-com:vml" xmlns:pvml="urn:schemas-microsoft-com:office:powerpoint" xmlns:com="http://schemas.openxmlformats.org/drawingml/2006/compatibility" xmlns:p14="http://schemas.microsoft.com/office/powerpoint/2010/main" xmlns:p15="http://schemas.microsoft.com/office/powerpoint/2012/main">
+<p:sld xmlns:a="http://schemas.openxmlformats.org/drawingml/2006/main" xmlns:r="http://schemas.openxmlformats.org/officeDocument/2006/relationships" xmlns:p="http://schemas.openxmlformats.org/presentationml/2006/main">
   <p:cSld>
     <p:spTree>
       <p:nvGrpSpPr>
-        <p:cNvPr id="186" name="Shape 186"/>
+        <p:cNvPr id="1" name="Shape 186"/>
         <p:cNvGrpSpPr/>
         <p:nvPr/>
       </p:nvGrpSpPr>
@@ -12039,7 +12708,9 @@
       <p:sp>
         <p:nvSpPr>
           <p:cNvPr id="187" name="Google Shape;187;p33"/>
-          <p:cNvSpPr txBox="1"/>
+          <p:cNvSpPr txBox="1">
+            <a:spLocks noGrp="1"/>
+          </p:cNvSpPr>
           <p:nvPr>
             <p:ph type="title"/>
           </p:nvPr>
@@ -12054,12 +12725,12 @@
           </a:prstGeom>
         </p:spPr>
         <p:txBody>
-          <a:bodyPr anchorCtr="0" anchor="b" bIns="91425" lIns="91425" spcFirstLastPara="1" rIns="91425" wrap="square" tIns="91425">
+          <a:bodyPr spcFirstLastPara="1" wrap="square" lIns="91425" tIns="91425" rIns="91425" bIns="91425" anchor="b" anchorCtr="0">
             <a:noAutofit/>
           </a:bodyPr>
           <a:lstStyle/>
           <a:p>
-            <a:pPr indent="0" lvl="0" marL="0" rtl="0" algn="l">
+            <a:pPr marL="0" lvl="0" indent="0" algn="l" rtl="0">
               <a:spcBef>
                 <a:spcPts val="0"/>
               </a:spcBef>
@@ -12079,9 +12750,11 @@
       <p:sp>
         <p:nvSpPr>
           <p:cNvPr id="188" name="Google Shape;188;p33"/>
-          <p:cNvSpPr txBox="1"/>
+          <p:cNvSpPr txBox="1">
+            <a:spLocks noGrp="1"/>
+          </p:cNvSpPr>
           <p:nvPr>
-            <p:ph idx="1" type="body"/>
+            <p:ph type="body" idx="1"/>
           </p:nvPr>
         </p:nvSpPr>
         <p:spPr>
@@ -12094,12 +12767,12 @@
           </a:prstGeom>
         </p:spPr>
         <p:txBody>
-          <a:bodyPr anchorCtr="0" anchor="t" bIns="91425" lIns="91425" spcFirstLastPara="1" rIns="91425" wrap="square" tIns="91425">
+          <a:bodyPr spcFirstLastPara="1" wrap="square" lIns="91425" tIns="91425" rIns="91425" bIns="91425" anchor="t" anchorCtr="0">
             <a:noAutofit/>
           </a:bodyPr>
           <a:lstStyle/>
           <a:p>
-            <a:pPr indent="0" lvl="0" marL="0" rtl="0" algn="l">
+            <a:pPr marL="0" lvl="0" indent="0" algn="l" rtl="0">
               <a:spcBef>
                 <a:spcPts val="0"/>
               </a:spcBef>
@@ -12115,7 +12788,7 @@
             <a:endParaRPr/>
           </a:p>
           <a:p>
-            <a:pPr indent="0" lvl="0" marL="0" rtl="0" algn="l">
+            <a:pPr marL="0" lvl="0" indent="0" algn="l" rtl="0">
               <a:spcBef>
                 <a:spcPts val="1600"/>
               </a:spcBef>
@@ -12131,7 +12804,7 @@
             <a:endParaRPr/>
           </a:p>
           <a:p>
-            <a:pPr indent="0" lvl="0" marL="0" rtl="0" algn="l">
+            <a:pPr marL="0" lvl="0" indent="0" algn="l" rtl="0">
               <a:spcBef>
                 <a:spcPts val="1600"/>
               </a:spcBef>
@@ -12157,11 +12830,11 @@
 </file>
 
 <file path=ppt/slides/slide22.xml><?xml version="1.0" encoding="utf-8"?>
-<p:sld xmlns:a="http://schemas.openxmlformats.org/drawingml/2006/main" xmlns:r="http://schemas.openxmlformats.org/officeDocument/2006/relationships" xmlns:mc="http://schemas.openxmlformats.org/markup-compatibility/2006" xmlns:mv="urn:schemas-microsoft-com:mac:vml" xmlns:p="http://schemas.openxmlformats.org/presentationml/2006/main" xmlns:c="http://schemas.openxmlformats.org/drawingml/2006/chart" xmlns:dgm="http://schemas.openxmlformats.org/drawingml/2006/diagram" xmlns:o="urn:schemas-microsoft-com:office:office" xmlns:v="urn:schemas-microsoft-com:vml" xmlns:pvml="urn:schemas-microsoft-com:office:powerpoint" xmlns:com="http://schemas.openxmlformats.org/drawingml/2006/compatibility" xmlns:p14="http://schemas.microsoft.com/office/powerpoint/2010/main" xmlns:p15="http://schemas.microsoft.com/office/powerpoint/2012/main">
+<p:sld xmlns:a="http://schemas.openxmlformats.org/drawingml/2006/main" xmlns:r="http://schemas.openxmlformats.org/officeDocument/2006/relationships" xmlns:p="http://schemas.openxmlformats.org/presentationml/2006/main">
   <p:cSld>
     <p:spTree>
       <p:nvGrpSpPr>
-        <p:cNvPr id="192" name="Shape 192"/>
+        <p:cNvPr id="1" name="Shape 192"/>
         <p:cNvGrpSpPr/>
         <p:nvPr/>
       </p:nvGrpSpPr>
@@ -12176,7 +12849,9 @@
       <p:sp>
         <p:nvSpPr>
           <p:cNvPr id="193" name="Google Shape;193;p34"/>
-          <p:cNvSpPr txBox="1"/>
+          <p:cNvSpPr txBox="1">
+            <a:spLocks noGrp="1"/>
+          </p:cNvSpPr>
           <p:nvPr>
             <p:ph type="title"/>
           </p:nvPr>
@@ -12191,12 +12866,12 @@
           </a:prstGeom>
         </p:spPr>
         <p:txBody>
-          <a:bodyPr anchorCtr="0" anchor="b" bIns="91425" lIns="91425" spcFirstLastPara="1" rIns="91425" wrap="square" tIns="91425">
+          <a:bodyPr spcFirstLastPara="1" wrap="square" lIns="91425" tIns="91425" rIns="91425" bIns="91425" anchor="b" anchorCtr="0">
             <a:noAutofit/>
           </a:bodyPr>
           <a:lstStyle/>
           <a:p>
-            <a:pPr indent="0" lvl="0" marL="0" rtl="0" algn="l">
+            <a:pPr marL="0" lvl="0" indent="0" algn="l" rtl="0">
               <a:spcBef>
                 <a:spcPts val="0"/>
               </a:spcBef>
@@ -12216,9 +12891,11 @@
       <p:sp>
         <p:nvSpPr>
           <p:cNvPr id="194" name="Google Shape;194;p34"/>
-          <p:cNvSpPr txBox="1"/>
+          <p:cNvSpPr txBox="1">
+            <a:spLocks noGrp="1"/>
+          </p:cNvSpPr>
           <p:nvPr>
-            <p:ph idx="1" type="body"/>
+            <p:ph type="body" idx="1"/>
           </p:nvPr>
         </p:nvSpPr>
         <p:spPr>
@@ -12231,12 +12908,12 @@
           </a:prstGeom>
         </p:spPr>
         <p:txBody>
-          <a:bodyPr anchorCtr="0" anchor="t" bIns="91425" lIns="91425" spcFirstLastPara="1" rIns="91425" wrap="square" tIns="91425">
+          <a:bodyPr spcFirstLastPara="1" wrap="square" lIns="91425" tIns="91425" rIns="91425" bIns="91425" anchor="t" anchorCtr="0">
             <a:noAutofit/>
           </a:bodyPr>
           <a:lstStyle/>
           <a:p>
-            <a:pPr indent="0" lvl="0" marL="0" rtl="0" algn="l">
+            <a:pPr marL="0" lvl="0" indent="0" algn="l" rtl="0">
               <a:spcBef>
                 <a:spcPts val="0"/>
               </a:spcBef>
@@ -12252,7 +12929,7 @@
             <a:endParaRPr/>
           </a:p>
           <a:p>
-            <a:pPr indent="0" lvl="0" marL="0" rtl="0" algn="l">
+            <a:pPr marL="0" lvl="0" indent="0" algn="l" rtl="0">
               <a:spcBef>
                 <a:spcPts val="1600"/>
               </a:spcBef>
@@ -12268,7 +12945,7 @@
             <a:endParaRPr/>
           </a:p>
           <a:p>
-            <a:pPr indent="0" lvl="0" marL="0" rtl="0" algn="l">
+            <a:pPr marL="0" lvl="0" indent="0" algn="l" rtl="0">
               <a:spcBef>
                 <a:spcPts val="1600"/>
               </a:spcBef>
@@ -12284,7 +12961,7 @@
             <a:endParaRPr/>
           </a:p>
           <a:p>
-            <a:pPr indent="0" lvl="0" marL="0" rtl="0" algn="l">
+            <a:pPr marL="0" lvl="0" indent="0" algn="l" rtl="0">
               <a:spcBef>
                 <a:spcPts val="0"/>
               </a:spcBef>
@@ -12300,22 +12977,19 @@
             <a:endParaRPr/>
           </a:p>
           <a:p>
-            <a:pPr indent="0" lvl="0" marL="0" rtl="0" algn="l">
-              <a:spcBef>
-                <a:spcPts val="0"/>
-              </a:spcBef>
-              <a:spcAft>
-                <a:spcPts val="0"/>
-              </a:spcAft>
-              <a:buNone/>
-            </a:pPr>
-            <a:r>
-              <a:t/>
-            </a:r>
-            <a:endParaRPr/>
-          </a:p>
-          <a:p>
-            <a:pPr indent="0" lvl="0" marL="0" rtl="0" algn="l">
+            <a:pPr marL="0" lvl="0" indent="0" algn="l" rtl="0">
+              <a:spcBef>
+                <a:spcPts val="0"/>
+              </a:spcBef>
+              <a:spcAft>
+                <a:spcPts val="0"/>
+              </a:spcAft>
+              <a:buNone/>
+            </a:pPr>
+            <a:endParaRPr/>
+          </a:p>
+          <a:p>
+            <a:pPr marL="0" lvl="0" indent="0" algn="l" rtl="0">
               <a:spcBef>
                 <a:spcPts val="0"/>
               </a:spcBef>
@@ -12331,7 +13005,7 @@
             <a:endParaRPr/>
           </a:p>
           <a:p>
-            <a:pPr indent="0" lvl="0" marL="0" rtl="0" algn="l">
+            <a:pPr marL="0" lvl="0" indent="0" algn="l" rtl="0">
               <a:spcBef>
                 <a:spcPts val="0"/>
               </a:spcBef>
@@ -12347,7 +13021,7 @@
             <a:endParaRPr/>
           </a:p>
           <a:p>
-            <a:pPr indent="0" lvl="0" marL="0" rtl="0" algn="l">
+            <a:pPr marL="0" lvl="0" indent="0" algn="l" rtl="0">
               <a:spcBef>
                 <a:spcPts val="0"/>
               </a:spcBef>
@@ -12363,7 +13037,7 @@
             <a:endParaRPr/>
           </a:p>
           <a:p>
-            <a:pPr indent="0" lvl="0" marL="0" rtl="0" algn="l">
+            <a:pPr marL="0" lvl="0" indent="0" algn="l" rtl="0">
               <a:spcBef>
                 <a:spcPts val="0"/>
               </a:spcBef>
@@ -12372,9 +13046,6 @@
               </a:spcAft>
               <a:buNone/>
             </a:pPr>
-            <a:r>
-              <a:t/>
-            </a:r>
             <a:endParaRPr/>
           </a:p>
         </p:txBody>
@@ -12388,11 +13059,11 @@
 </file>
 
 <file path=ppt/slides/slide23.xml><?xml version="1.0" encoding="utf-8"?>
-<p:sld xmlns:a="http://schemas.openxmlformats.org/drawingml/2006/main" xmlns:r="http://schemas.openxmlformats.org/officeDocument/2006/relationships" xmlns:mc="http://schemas.openxmlformats.org/markup-compatibility/2006" xmlns:mv="urn:schemas-microsoft-com:mac:vml" xmlns:p="http://schemas.openxmlformats.org/presentationml/2006/main" xmlns:c="http://schemas.openxmlformats.org/drawingml/2006/chart" xmlns:dgm="http://schemas.openxmlformats.org/drawingml/2006/diagram" xmlns:o="urn:schemas-microsoft-com:office:office" xmlns:v="urn:schemas-microsoft-com:vml" xmlns:pvml="urn:schemas-microsoft-com:office:powerpoint" xmlns:com="http://schemas.openxmlformats.org/drawingml/2006/compatibility" xmlns:p14="http://schemas.microsoft.com/office/powerpoint/2010/main" xmlns:p15="http://schemas.microsoft.com/office/powerpoint/2012/main">
+<p:sld xmlns:a="http://schemas.openxmlformats.org/drawingml/2006/main" xmlns:r="http://schemas.openxmlformats.org/officeDocument/2006/relationships" xmlns:p="http://schemas.openxmlformats.org/presentationml/2006/main">
   <p:cSld>
     <p:spTree>
       <p:nvGrpSpPr>
-        <p:cNvPr id="198" name="Shape 198"/>
+        <p:cNvPr id="1" name="Shape 198"/>
         <p:cNvGrpSpPr/>
         <p:nvPr/>
       </p:nvGrpSpPr>
@@ -12407,7 +13078,9 @@
       <p:sp>
         <p:nvSpPr>
           <p:cNvPr id="199" name="Google Shape;199;p35"/>
-          <p:cNvSpPr txBox="1"/>
+          <p:cNvSpPr txBox="1">
+            <a:spLocks noGrp="1"/>
+          </p:cNvSpPr>
           <p:nvPr>
             <p:ph type="title"/>
           </p:nvPr>
@@ -12422,12 +13095,12 @@
           </a:prstGeom>
         </p:spPr>
         <p:txBody>
-          <a:bodyPr anchorCtr="0" anchor="ctr" bIns="91425" lIns="91425" spcFirstLastPara="1" rIns="91425" wrap="square" tIns="91425">
+          <a:bodyPr spcFirstLastPara="1" wrap="square" lIns="91425" tIns="91425" rIns="91425" bIns="91425" anchor="ctr" anchorCtr="0">
             <a:noAutofit/>
           </a:bodyPr>
           <a:lstStyle/>
           <a:p>
-            <a:pPr indent="0" lvl="0" marL="0" rtl="0" algn="l">
+            <a:pPr marL="0" lvl="0" indent="0" algn="l" rtl="0">
               <a:spcBef>
                 <a:spcPts val="0"/>
               </a:spcBef>
@@ -12464,12 +13137,12 @@
           </a:ln>
         </p:spPr>
         <p:txBody>
-          <a:bodyPr anchorCtr="0" anchor="t" bIns="91425" lIns="91425" spcFirstLastPara="1" rIns="91425" wrap="square" tIns="91425">
+          <a:bodyPr spcFirstLastPara="1" wrap="square" lIns="91425" tIns="91425" rIns="91425" bIns="91425" anchor="t" anchorCtr="0">
             <a:noAutofit/>
           </a:bodyPr>
           <a:lstStyle/>
           <a:p>
-            <a:pPr indent="0" lvl="0" marL="0" rtl="0" algn="l">
+            <a:pPr marL="0" lvl="0" indent="0" algn="l" rtl="0">
               <a:spcBef>
                 <a:spcPts val="0"/>
               </a:spcBef>
@@ -12501,18 +13174,15 @@
             </a:endParaRPr>
           </a:p>
           <a:p>
-            <a:pPr indent="0" lvl="0" marL="0" rtl="0" algn="l">
-              <a:spcBef>
-                <a:spcPts val="0"/>
-              </a:spcBef>
-              <a:spcAft>
-                <a:spcPts val="0"/>
-              </a:spcAft>
-              <a:buNone/>
-            </a:pPr>
-            <a:r>
-              <a:t/>
-            </a:r>
+            <a:pPr marL="0" lvl="0" indent="0" algn="l" rtl="0">
+              <a:spcBef>
+                <a:spcPts val="0"/>
+              </a:spcBef>
+              <a:spcAft>
+                <a:spcPts val="0"/>
+              </a:spcAft>
+              <a:buNone/>
+            </a:pPr>
             <a:endParaRPr sz="1800">
               <a:solidFill>
                 <a:srgbClr val="434343"/>
@@ -12524,7 +13194,7 @@
             </a:endParaRPr>
           </a:p>
           <a:p>
-            <a:pPr indent="0" lvl="0" marL="0" rtl="0" algn="l">
+            <a:pPr marL="0" lvl="0" indent="0" algn="l" rtl="0">
               <a:spcBef>
                 <a:spcPts val="0"/>
               </a:spcBef>
@@ -12556,18 +13226,15 @@
             </a:endParaRPr>
           </a:p>
           <a:p>
-            <a:pPr indent="0" lvl="0" marL="0" rtl="0" algn="l">
-              <a:spcBef>
-                <a:spcPts val="0"/>
-              </a:spcBef>
-              <a:spcAft>
-                <a:spcPts val="0"/>
-              </a:spcAft>
-              <a:buNone/>
-            </a:pPr>
-            <a:r>
-              <a:t/>
-            </a:r>
+            <a:pPr marL="0" lvl="0" indent="0" algn="l" rtl="0">
+              <a:spcBef>
+                <a:spcPts val="0"/>
+              </a:spcBef>
+              <a:spcAft>
+                <a:spcPts val="0"/>
+              </a:spcAft>
+              <a:buNone/>
+            </a:pPr>
             <a:endParaRPr sz="1800">
               <a:solidFill>
                 <a:srgbClr val="434343"/>
@@ -12579,7 +13246,7 @@
             </a:endParaRPr>
           </a:p>
           <a:p>
-            <a:pPr indent="0" lvl="0" marL="0" rtl="0" algn="l">
+            <a:pPr marL="0" lvl="0" indent="0" algn="l" rtl="0">
               <a:spcBef>
                 <a:spcPts val="0"/>
               </a:spcBef>
@@ -12611,18 +13278,15 @@
             </a:endParaRPr>
           </a:p>
           <a:p>
-            <a:pPr indent="0" lvl="0" marL="0" rtl="0" algn="l">
-              <a:spcBef>
-                <a:spcPts val="0"/>
-              </a:spcBef>
-              <a:spcAft>
-                <a:spcPts val="0"/>
-              </a:spcAft>
-              <a:buNone/>
-            </a:pPr>
-            <a:r>
-              <a:t/>
-            </a:r>
+            <a:pPr marL="0" lvl="0" indent="0" algn="l" rtl="0">
+              <a:spcBef>
+                <a:spcPts val="0"/>
+              </a:spcBef>
+              <a:spcAft>
+                <a:spcPts val="0"/>
+              </a:spcAft>
+              <a:buNone/>
+            </a:pPr>
             <a:endParaRPr sz="1800">
               <a:solidFill>
                 <a:srgbClr val="434343"/>
@@ -12634,7 +13298,7 @@
             </a:endParaRPr>
           </a:p>
           <a:p>
-            <a:pPr indent="0" lvl="0" marL="0" rtl="0" algn="l">
+            <a:pPr marL="0" lvl="0" indent="0" algn="l" rtl="0">
               <a:spcBef>
                 <a:spcPts val="0"/>
               </a:spcBef>
@@ -12666,18 +13330,15 @@
             </a:endParaRPr>
           </a:p>
           <a:p>
-            <a:pPr indent="0" lvl="0" marL="0" rtl="0" algn="l">
-              <a:spcBef>
-                <a:spcPts val="0"/>
-              </a:spcBef>
-              <a:spcAft>
-                <a:spcPts val="0"/>
-              </a:spcAft>
-              <a:buNone/>
-            </a:pPr>
-            <a:r>
-              <a:t/>
-            </a:r>
+            <a:pPr marL="0" lvl="0" indent="0" algn="l" rtl="0">
+              <a:spcBef>
+                <a:spcPts val="0"/>
+              </a:spcBef>
+              <a:spcAft>
+                <a:spcPts val="0"/>
+              </a:spcAft>
+              <a:buNone/>
+            </a:pPr>
             <a:endParaRPr sz="1800">
               <a:solidFill>
                 <a:srgbClr val="434343"/>
@@ -12689,7 +13350,7 @@
             </a:endParaRPr>
           </a:p>
           <a:p>
-            <a:pPr indent="0" lvl="0" marL="0" rtl="0" algn="l">
+            <a:pPr marL="0" lvl="0" indent="0" algn="l" rtl="0">
               <a:spcBef>
                 <a:spcPts val="0"/>
               </a:spcBef>
@@ -12721,18 +13382,15 @@
             </a:endParaRPr>
           </a:p>
           <a:p>
-            <a:pPr indent="0" lvl="0" marL="0" rtl="0" algn="l">
-              <a:spcBef>
-                <a:spcPts val="0"/>
-              </a:spcBef>
-              <a:spcAft>
-                <a:spcPts val="0"/>
-              </a:spcAft>
-              <a:buNone/>
-            </a:pPr>
-            <a:r>
-              <a:t/>
-            </a:r>
+            <a:pPr marL="0" lvl="0" indent="0" algn="l" rtl="0">
+              <a:spcBef>
+                <a:spcPts val="0"/>
+              </a:spcBef>
+              <a:spcAft>
+                <a:spcPts val="0"/>
+              </a:spcAft>
+              <a:buNone/>
+            </a:pPr>
             <a:endParaRPr sz="1800">
               <a:solidFill>
                 <a:srgbClr val="434343"/>
@@ -12744,7 +13402,7 @@
             </a:endParaRPr>
           </a:p>
           <a:p>
-            <a:pPr indent="0" lvl="0" marL="0" rtl="0" algn="l">
+            <a:pPr marL="0" lvl="0" indent="0" algn="l" rtl="0">
               <a:spcBef>
                 <a:spcPts val="0"/>
               </a:spcBef>
@@ -12776,18 +13434,15 @@
             </a:endParaRPr>
           </a:p>
           <a:p>
-            <a:pPr indent="0" lvl="0" marL="0" rtl="0" algn="l">
-              <a:spcBef>
-                <a:spcPts val="0"/>
-              </a:spcBef>
-              <a:spcAft>
-                <a:spcPts val="0"/>
-              </a:spcAft>
-              <a:buNone/>
-            </a:pPr>
-            <a:r>
-              <a:t/>
-            </a:r>
+            <a:pPr marL="0" lvl="0" indent="0" algn="l" rtl="0">
+              <a:spcBef>
+                <a:spcPts val="0"/>
+              </a:spcBef>
+              <a:spcAft>
+                <a:spcPts val="0"/>
+              </a:spcAft>
+              <a:buNone/>
+            </a:pPr>
             <a:endParaRPr sz="1800">
               <a:solidFill>
                 <a:srgbClr val="434343"/>
@@ -12799,7 +13454,7 @@
             </a:endParaRPr>
           </a:p>
           <a:p>
-            <a:pPr indent="0" lvl="0" marL="0" rtl="0" algn="l">
+            <a:pPr marL="0" lvl="0" indent="0" algn="l" rtl="0">
               <a:spcBef>
                 <a:spcPts val="0"/>
               </a:spcBef>
@@ -12831,18 +13486,15 @@
             </a:endParaRPr>
           </a:p>
           <a:p>
-            <a:pPr indent="0" lvl="0" marL="0" rtl="0" algn="l">
-              <a:spcBef>
-                <a:spcPts val="0"/>
-              </a:spcBef>
-              <a:spcAft>
-                <a:spcPts val="0"/>
-              </a:spcAft>
-              <a:buNone/>
-            </a:pPr>
-            <a:r>
-              <a:t/>
-            </a:r>
+            <a:pPr marL="0" lvl="0" indent="0" algn="l" rtl="0">
+              <a:spcBef>
+                <a:spcPts val="0"/>
+              </a:spcBef>
+              <a:spcAft>
+                <a:spcPts val="0"/>
+              </a:spcAft>
+              <a:buNone/>
+            </a:pPr>
             <a:endParaRPr sz="1800">
               <a:solidFill>
                 <a:srgbClr val="434343"/>
@@ -12854,7 +13506,7 @@
             </a:endParaRPr>
           </a:p>
           <a:p>
-            <a:pPr indent="0" lvl="0" marL="0" rtl="0" algn="l">
+            <a:pPr marL="0" lvl="0" indent="0" algn="l" rtl="0">
               <a:spcBef>
                 <a:spcPts val="0"/>
               </a:spcBef>
@@ -12886,18 +13538,15 @@
             </a:endParaRPr>
           </a:p>
           <a:p>
-            <a:pPr indent="0" lvl="0" marL="0" rtl="0" algn="l">
-              <a:spcBef>
-                <a:spcPts val="0"/>
-              </a:spcBef>
-              <a:spcAft>
-                <a:spcPts val="0"/>
-              </a:spcAft>
-              <a:buNone/>
-            </a:pPr>
-            <a:r>
-              <a:t/>
-            </a:r>
+            <a:pPr marL="0" lvl="0" indent="0" algn="l" rtl="0">
+              <a:spcBef>
+                <a:spcPts val="0"/>
+              </a:spcBef>
+              <a:spcAft>
+                <a:spcPts val="0"/>
+              </a:spcAft>
+              <a:buNone/>
+            </a:pPr>
             <a:endParaRPr sz="1800">
               <a:solidFill>
                 <a:srgbClr val="434343"/>
@@ -12909,18 +13558,15 @@
             </a:endParaRPr>
           </a:p>
           <a:p>
-            <a:pPr indent="0" lvl="0" marL="0" rtl="0" algn="l">
-              <a:spcBef>
-                <a:spcPts val="0"/>
-              </a:spcBef>
-              <a:spcAft>
-                <a:spcPts val="0"/>
-              </a:spcAft>
-              <a:buNone/>
-            </a:pPr>
-            <a:r>
-              <a:t/>
-            </a:r>
+            <a:pPr marL="0" lvl="0" indent="0" algn="l" rtl="0">
+              <a:spcBef>
+                <a:spcPts val="0"/>
+              </a:spcBef>
+              <a:spcAft>
+                <a:spcPts val="0"/>
+              </a:spcAft>
+              <a:buNone/>
+            </a:pPr>
             <a:endParaRPr sz="1800">
               <a:solidFill>
                 <a:srgbClr val="434343"/>
@@ -12932,7 +13578,7 @@
             </a:endParaRPr>
           </a:p>
           <a:p>
-            <a:pPr indent="0" lvl="0" marL="0" rtl="0" algn="l">
+            <a:pPr marL="0" lvl="0" indent="0" algn="l" rtl="0">
               <a:spcBef>
                 <a:spcPts val="0"/>
               </a:spcBef>
@@ -12964,7 +13610,7 @@
             </a:endParaRPr>
           </a:p>
           <a:p>
-            <a:pPr indent="0" lvl="0" marL="0" rtl="0" algn="l">
+            <a:pPr marL="0" lvl="0" indent="0" algn="l" rtl="0">
               <a:spcBef>
                 <a:spcPts val="0"/>
               </a:spcBef>
@@ -13005,12 +13651,114 @@
 </p:sld>
 </file>
 
-<file path=ppt/slides/slide3.xml><?xml version="1.0" encoding="utf-8"?>
-<p:sld xmlns:a="http://schemas.openxmlformats.org/drawingml/2006/main" xmlns:r="http://schemas.openxmlformats.org/officeDocument/2006/relationships" xmlns:mc="http://schemas.openxmlformats.org/markup-compatibility/2006" xmlns:mv="urn:schemas-microsoft-com:mac:vml" xmlns:p="http://schemas.openxmlformats.org/presentationml/2006/main" xmlns:c="http://schemas.openxmlformats.org/drawingml/2006/chart" xmlns:dgm="http://schemas.openxmlformats.org/drawingml/2006/diagram" xmlns:o="urn:schemas-microsoft-com:office:office" xmlns:v="urn:schemas-microsoft-com:vml" xmlns:pvml="urn:schemas-microsoft-com:office:powerpoint" xmlns:com="http://schemas.openxmlformats.org/drawingml/2006/compatibility" xmlns:p14="http://schemas.microsoft.com/office/powerpoint/2010/main" xmlns:p15="http://schemas.microsoft.com/office/powerpoint/2012/main">
+<file path=ppt/slides/slide24.xml><?xml version="1.0" encoding="utf-8"?>
+<p:sld xmlns:a="http://schemas.openxmlformats.org/drawingml/2006/main" xmlns:r="http://schemas.openxmlformats.org/officeDocument/2006/relationships" xmlns:p="http://schemas.openxmlformats.org/presentationml/2006/main">
   <p:cSld>
     <p:spTree>
       <p:nvGrpSpPr>
-        <p:cNvPr id="78" name="Shape 78"/>
+        <p:cNvPr id="1" name="Shape 192"/>
+        <p:cNvGrpSpPr/>
+        <p:nvPr/>
+      </p:nvGrpSpPr>
+      <p:grpSpPr>
+        <a:xfrm>
+          <a:off x="0" y="0"/>
+          <a:ext cx="0" cy="0"/>
+          <a:chOff x="0" y="0"/>
+          <a:chExt cx="0" cy="0"/>
+        </a:xfrm>
+      </p:grpSpPr>
+      <p:sp>
+        <p:nvSpPr>
+          <p:cNvPr id="193" name="Google Shape;193;p34"/>
+          <p:cNvSpPr txBox="1">
+            <a:spLocks noGrp="1"/>
+          </p:cNvSpPr>
+          <p:nvPr>
+            <p:ph type="title"/>
+          </p:nvPr>
+        </p:nvSpPr>
+        <p:spPr>
+          <a:xfrm>
+            <a:off x="471900" y="738725"/>
+            <a:ext cx="8222100" cy="767700"/>
+          </a:xfrm>
+          <a:prstGeom prst="rect">
+            <a:avLst/>
+          </a:prstGeom>
+        </p:spPr>
+        <p:txBody>
+          <a:bodyPr spcFirstLastPara="1" wrap="square" lIns="91425" tIns="91425" rIns="91425" bIns="91425" anchor="b" anchorCtr="0">
+            <a:noAutofit/>
+          </a:bodyPr>
+          <a:lstStyle/>
+          <a:p>
+            <a:pPr marL="0" lvl="0" indent="0" algn="l" rtl="0">
+              <a:spcBef>
+                <a:spcPts val="0"/>
+              </a:spcBef>
+              <a:spcAft>
+                <a:spcPts val="0"/>
+              </a:spcAft>
+              <a:buNone/>
+            </a:pPr>
+            <a:r>
+              <a:rPr lang="en-US" dirty="0"/>
+              <a:t>Thank you today</a:t>
+            </a:r>
+            <a:endParaRPr dirty="0"/>
+          </a:p>
+        </p:txBody>
+      </p:sp>
+      <p:pic>
+        <p:nvPicPr>
+          <p:cNvPr id="6" name="Picture 5">
+            <a:extLst>
+              <a:ext uri="{FF2B5EF4-FFF2-40B4-BE49-F238E27FC236}">
+                <a16:creationId xmlns:a16="http://schemas.microsoft.com/office/drawing/2014/main" id="{528B9118-759C-4E4C-8199-D56BD29B5103}"/>
+              </a:ext>
+            </a:extLst>
+          </p:cNvPr>
+          <p:cNvPicPr>
+            <a:picLocks noChangeAspect="1"/>
+          </p:cNvPicPr>
+          <p:nvPr/>
+        </p:nvPicPr>
+        <p:blipFill>
+          <a:blip r:embed="rId3"/>
+          <a:stretch>
+            <a:fillRect/>
+          </a:stretch>
+        </p:blipFill>
+        <p:spPr>
+          <a:xfrm>
+            <a:off x="3243366" y="2336406"/>
+            <a:ext cx="2857500" cy="2152650"/>
+          </a:xfrm>
+          <a:prstGeom prst="rect">
+            <a:avLst/>
+          </a:prstGeom>
+        </p:spPr>
+      </p:pic>
+    </p:spTree>
+    <p:extLst>
+      <p:ext uri="{BB962C8B-B14F-4D97-AF65-F5344CB8AC3E}">
+        <p14:creationId xmlns:p14="http://schemas.microsoft.com/office/powerpoint/2010/main" val="3079873799"/>
+      </p:ext>
+    </p:extLst>
+  </p:cSld>
+  <p:clrMapOvr>
+    <a:masterClrMapping/>
+  </p:clrMapOvr>
+</p:sld>
+</file>
+
+<file path=ppt/slides/slide3.xml><?xml version="1.0" encoding="utf-8"?>
+<p:sld xmlns:a="http://schemas.openxmlformats.org/drawingml/2006/main" xmlns:r="http://schemas.openxmlformats.org/officeDocument/2006/relationships" xmlns:p="http://schemas.openxmlformats.org/presentationml/2006/main">
+  <p:cSld>
+    <p:spTree>
+      <p:nvGrpSpPr>
+        <p:cNvPr id="1" name="Shape 78"/>
         <p:cNvGrpSpPr/>
         <p:nvPr/>
       </p:nvGrpSpPr>
@@ -13025,7 +13773,9 @@
       <p:sp>
         <p:nvSpPr>
           <p:cNvPr id="79" name="Google Shape;79;p15"/>
-          <p:cNvSpPr txBox="1"/>
+          <p:cNvSpPr txBox="1">
+            <a:spLocks noGrp="1"/>
+          </p:cNvSpPr>
           <p:nvPr>
             <p:ph type="title"/>
           </p:nvPr>
@@ -13040,12 +13790,12 @@
           </a:prstGeom>
         </p:spPr>
         <p:txBody>
-          <a:bodyPr anchorCtr="0" anchor="b" bIns="91425" lIns="91425" spcFirstLastPara="1" rIns="91425" wrap="square" tIns="91425">
+          <a:bodyPr spcFirstLastPara="1" wrap="square" lIns="91425" tIns="91425" rIns="91425" bIns="91425" anchor="b" anchorCtr="0">
             <a:noAutofit/>
           </a:bodyPr>
           <a:lstStyle/>
           <a:p>
-            <a:pPr indent="0" lvl="0" marL="0" rtl="0" algn="l">
+            <a:pPr marL="0" lvl="0" indent="0" algn="l" rtl="0">
               <a:spcBef>
                 <a:spcPts val="0"/>
               </a:spcBef>
@@ -13065,9 +13815,11 @@
       <p:sp>
         <p:nvSpPr>
           <p:cNvPr id="80" name="Google Shape;80;p15"/>
-          <p:cNvSpPr txBox="1"/>
+          <p:cNvSpPr txBox="1">
+            <a:spLocks noGrp="1"/>
+          </p:cNvSpPr>
           <p:nvPr>
-            <p:ph idx="1" type="body"/>
+            <p:ph type="body" idx="1"/>
           </p:nvPr>
         </p:nvSpPr>
         <p:spPr>
@@ -13080,12 +13832,12 @@
           </a:prstGeom>
         </p:spPr>
         <p:txBody>
-          <a:bodyPr anchorCtr="0" anchor="t" bIns="91425" lIns="91425" spcFirstLastPara="1" rIns="91425" wrap="square" tIns="91425">
+          <a:bodyPr spcFirstLastPara="1" wrap="square" lIns="91425" tIns="91425" rIns="91425" bIns="91425" anchor="t" anchorCtr="0">
             <a:noAutofit/>
           </a:bodyPr>
           <a:lstStyle/>
           <a:p>
-            <a:pPr indent="-342900" lvl="0" marL="457200" rtl="0" algn="l">
+            <a:pPr marL="457200" lvl="0" indent="-342900" algn="l" rtl="0">
               <a:spcBef>
                 <a:spcPts val="0"/>
               </a:spcBef>
@@ -13102,7 +13854,7 @@
             <a:endParaRPr/>
           </a:p>
           <a:p>
-            <a:pPr indent="-342900" lvl="0" marL="457200" rtl="0" algn="l">
+            <a:pPr marL="457200" lvl="0" indent="-342900" algn="l" rtl="0">
               <a:spcBef>
                 <a:spcPts val="0"/>
               </a:spcBef>
@@ -13119,7 +13871,7 @@
             <a:endParaRPr/>
           </a:p>
           <a:p>
-            <a:pPr indent="-342900" lvl="0" marL="457200" rtl="0" algn="l">
+            <a:pPr marL="457200" lvl="0" indent="-342900" algn="l" rtl="0">
               <a:spcBef>
                 <a:spcPts val="0"/>
               </a:spcBef>
@@ -13136,7 +13888,7 @@
             <a:endParaRPr/>
           </a:p>
           <a:p>
-            <a:pPr indent="0" lvl="0" marL="457200" rtl="0" algn="l">
+            <a:pPr marL="457200" lvl="0" indent="0" algn="l" rtl="0">
               <a:spcBef>
                 <a:spcPts val="1600"/>
               </a:spcBef>
@@ -13145,13 +13897,10 @@
               </a:spcAft>
               <a:buNone/>
             </a:pPr>
-            <a:r>
-              <a:t/>
-            </a:r>
-            <a:endParaRPr/>
-          </a:p>
-          <a:p>
-            <a:pPr indent="0" lvl="0" marL="457200" rtl="0" algn="l">
+            <a:endParaRPr/>
+          </a:p>
+          <a:p>
+            <a:pPr marL="457200" lvl="0" indent="0" algn="l" rtl="0">
               <a:spcBef>
                 <a:spcPts val="1600"/>
               </a:spcBef>
@@ -13160,9 +13909,6 @@
               </a:spcAft>
               <a:buNone/>
             </a:pPr>
-            <a:r>
-              <a:t/>
-            </a:r>
             <a:endParaRPr/>
           </a:p>
         </p:txBody>
@@ -13176,11 +13922,11 @@
 </file>
 
 <file path=ppt/slides/slide4.xml><?xml version="1.0" encoding="utf-8"?>
-<p:sld xmlns:a="http://schemas.openxmlformats.org/drawingml/2006/main" xmlns:r="http://schemas.openxmlformats.org/officeDocument/2006/relationships" xmlns:mc="http://schemas.openxmlformats.org/markup-compatibility/2006" xmlns:mv="urn:schemas-microsoft-com:mac:vml" xmlns:p="http://schemas.openxmlformats.org/presentationml/2006/main" xmlns:c="http://schemas.openxmlformats.org/drawingml/2006/chart" xmlns:dgm="http://schemas.openxmlformats.org/drawingml/2006/diagram" xmlns:o="urn:schemas-microsoft-com:office:office" xmlns:v="urn:schemas-microsoft-com:vml" xmlns:pvml="urn:schemas-microsoft-com:office:powerpoint" xmlns:com="http://schemas.openxmlformats.org/drawingml/2006/compatibility" xmlns:p14="http://schemas.microsoft.com/office/powerpoint/2010/main" xmlns:p15="http://schemas.microsoft.com/office/powerpoint/2012/main">
+<p:sld xmlns:a="http://schemas.openxmlformats.org/drawingml/2006/main" xmlns:r="http://schemas.openxmlformats.org/officeDocument/2006/relationships" xmlns:p="http://schemas.openxmlformats.org/presentationml/2006/main">
   <p:cSld>
     <p:spTree>
       <p:nvGrpSpPr>
-        <p:cNvPr id="84" name="Shape 84"/>
+        <p:cNvPr id="1" name="Shape 84"/>
         <p:cNvGrpSpPr/>
         <p:nvPr/>
       </p:nvGrpSpPr>
@@ -13195,7 +13941,9 @@
       <p:sp>
         <p:nvSpPr>
           <p:cNvPr id="85" name="Google Shape;85;p16"/>
-          <p:cNvSpPr txBox="1"/>
+          <p:cNvSpPr txBox="1">
+            <a:spLocks noGrp="1"/>
+          </p:cNvSpPr>
           <p:nvPr>
             <p:ph type="title"/>
           </p:nvPr>
@@ -13210,12 +13958,12 @@
           </a:prstGeom>
         </p:spPr>
         <p:txBody>
-          <a:bodyPr anchorCtr="0" anchor="b" bIns="91425" lIns="91425" spcFirstLastPara="1" rIns="91425" wrap="square" tIns="91425">
+          <a:bodyPr spcFirstLastPara="1" wrap="square" lIns="91425" tIns="91425" rIns="91425" bIns="91425" anchor="b" anchorCtr="0">
             <a:noAutofit/>
           </a:bodyPr>
           <a:lstStyle/>
           <a:p>
-            <a:pPr indent="0" lvl="0" marL="0" rtl="0" algn="l">
+            <a:pPr marL="0" lvl="0" indent="0" algn="l" rtl="0">
               <a:spcBef>
                 <a:spcPts val="0"/>
               </a:spcBef>
@@ -13225,19 +13973,21 @@
               <a:buNone/>
             </a:pPr>
             <a:r>
-              <a:rPr lang="en"/>
+              <a:rPr lang="en" dirty="0"/>
               <a:t>Variables</a:t>
             </a:r>
-            <a:endParaRPr/>
+            <a:endParaRPr dirty="0"/>
           </a:p>
         </p:txBody>
       </p:sp>
       <p:sp>
         <p:nvSpPr>
           <p:cNvPr id="86" name="Google Shape;86;p16"/>
-          <p:cNvSpPr txBox="1"/>
+          <p:cNvSpPr txBox="1">
+            <a:spLocks noGrp="1"/>
+          </p:cNvSpPr>
           <p:nvPr>
-            <p:ph idx="1" type="body"/>
+            <p:ph type="body" idx="1"/>
           </p:nvPr>
         </p:nvSpPr>
         <p:spPr>
@@ -13250,12 +14000,12 @@
           </a:prstGeom>
         </p:spPr>
         <p:txBody>
-          <a:bodyPr anchorCtr="0" anchor="t" bIns="91425" lIns="91425" spcFirstLastPara="1" rIns="91425" wrap="square" tIns="91425">
+          <a:bodyPr spcFirstLastPara="1" wrap="square" lIns="91425" tIns="91425" rIns="91425" bIns="91425" anchor="t" anchorCtr="0">
             <a:noAutofit/>
           </a:bodyPr>
           <a:lstStyle/>
           <a:p>
-            <a:pPr indent="-342900" lvl="0" marL="457200" rtl="0" algn="l">
+            <a:pPr marL="457200" lvl="0" indent="-342900" algn="l" rtl="0">
               <a:spcBef>
                 <a:spcPts val="0"/>
               </a:spcBef>
@@ -13266,13 +14016,13 @@
               <a:buChar char="●"/>
             </a:pPr>
             <a:r>
-              <a:rPr lang="en"/>
+              <a:rPr lang="en" dirty="0"/>
               <a:t>JavaScript variables usually starts with “var” / “let” keyword.</a:t>
             </a:r>
-            <a:endParaRPr/>
-          </a:p>
-          <a:p>
-            <a:pPr indent="-342900" lvl="0" marL="457200" rtl="0" algn="l">
+            <a:endParaRPr dirty="0"/>
+          </a:p>
+          <a:p>
+            <a:pPr marL="457200" lvl="0" indent="-342900" algn="l" rtl="0">
               <a:spcBef>
                 <a:spcPts val="0"/>
               </a:spcBef>
@@ -13283,13 +14033,13 @@
               <a:buChar char="●"/>
             </a:pPr>
             <a:r>
-              <a:rPr lang="en"/>
-              <a:t>For example, var name = “Jalaluddin”;</a:t>
+              <a:rPr lang="en" dirty="0"/>
+              <a:t>For example, var name = “shohelrana”;</a:t>
             </a:r>
-            <a:endParaRPr/>
-          </a:p>
-          <a:p>
-            <a:pPr indent="-342900" lvl="0" marL="457200" rtl="0" algn="l">
+            <a:endParaRPr dirty="0"/>
+          </a:p>
+          <a:p>
+            <a:pPr marL="457200" lvl="0" indent="-342900" algn="l" rtl="0">
               <a:spcBef>
                 <a:spcPts val="0"/>
               </a:spcBef>
@@ -13300,21 +14050,13 @@
               <a:buChar char="●"/>
             </a:pPr>
             <a:r>
-              <a:rPr lang="en"/>
-              <a:t>JavaScript is not strongly typed, thus we do not need to declared variable with exact data type, and you can assign </a:t>
+              <a:rPr lang="en" dirty="0"/>
+              <a:t>JavaScript is not strongly typed, thus we do not need to declared variable with exact data type, and you can assign different types of values in same variable.</a:t>
             </a:r>
-            <a:r>
-              <a:rPr lang="en"/>
-              <a:t>different</a:t>
-            </a:r>
-            <a:r>
-              <a:rPr lang="en"/>
-              <a:t> types of values in same variable.</a:t>
-            </a:r>
-            <a:endParaRPr/>
-          </a:p>
-          <a:p>
-            <a:pPr indent="-342900" lvl="0" marL="457200" rtl="0" algn="l">
+            <a:endParaRPr dirty="0"/>
+          </a:p>
+          <a:p>
+            <a:pPr marL="457200" lvl="0" indent="-342900" algn="l" rtl="0">
               <a:spcBef>
                 <a:spcPts val="0"/>
               </a:spcBef>
@@ -13325,13 +14067,13 @@
               <a:buChar char="●"/>
             </a:pPr>
             <a:r>
-              <a:rPr lang="en"/>
+              <a:rPr lang="en" dirty="0"/>
               <a:t>Variable names cannot contain spaces.</a:t>
             </a:r>
-            <a:endParaRPr/>
-          </a:p>
-          <a:p>
-            <a:pPr indent="-342900" lvl="0" marL="457200" rtl="0" algn="l">
+            <a:endParaRPr dirty="0"/>
+          </a:p>
+          <a:p>
+            <a:pPr marL="457200" lvl="0" indent="-342900" algn="l" rtl="0">
               <a:spcBef>
                 <a:spcPts val="0"/>
               </a:spcBef>
@@ -13342,10 +14084,10 @@
               <a:buChar char="●"/>
             </a:pPr>
             <a:r>
-              <a:rPr lang="en"/>
+              <a:rPr lang="en" dirty="0"/>
               <a:t>Variable names must begin with a letter, an underscore (_) or a dollar sign ($).</a:t>
             </a:r>
-            <a:endParaRPr/>
+            <a:endParaRPr dirty="0"/>
           </a:p>
         </p:txBody>
       </p:sp>
@@ -13358,11 +14100,11 @@
 </file>
 
 <file path=ppt/slides/slide5.xml><?xml version="1.0" encoding="utf-8"?>
-<p:sld xmlns:a="http://schemas.openxmlformats.org/drawingml/2006/main" xmlns:r="http://schemas.openxmlformats.org/officeDocument/2006/relationships" xmlns:mc="http://schemas.openxmlformats.org/markup-compatibility/2006" xmlns:mv="urn:schemas-microsoft-com:mac:vml" xmlns:p="http://schemas.openxmlformats.org/presentationml/2006/main" xmlns:c="http://schemas.openxmlformats.org/drawingml/2006/chart" xmlns:dgm="http://schemas.openxmlformats.org/drawingml/2006/diagram" xmlns:o="urn:schemas-microsoft-com:office:office" xmlns:v="urn:schemas-microsoft-com:vml" xmlns:pvml="urn:schemas-microsoft-com:office:powerpoint" xmlns:com="http://schemas.openxmlformats.org/drawingml/2006/compatibility" xmlns:p14="http://schemas.microsoft.com/office/powerpoint/2010/main" xmlns:p15="http://schemas.microsoft.com/office/powerpoint/2012/main">
+<p:sld xmlns:a="http://schemas.openxmlformats.org/drawingml/2006/main" xmlns:r="http://schemas.openxmlformats.org/officeDocument/2006/relationships" xmlns:p="http://schemas.openxmlformats.org/presentationml/2006/main">
   <p:cSld>
     <p:spTree>
       <p:nvGrpSpPr>
-        <p:cNvPr id="90" name="Shape 90"/>
+        <p:cNvPr id="1" name="Shape 90"/>
         <p:cNvGrpSpPr/>
         <p:nvPr/>
       </p:nvGrpSpPr>
@@ -13377,7 +14119,9 @@
       <p:sp>
         <p:nvSpPr>
           <p:cNvPr id="91" name="Google Shape;91;p17"/>
-          <p:cNvSpPr txBox="1"/>
+          <p:cNvSpPr txBox="1">
+            <a:spLocks noGrp="1"/>
+          </p:cNvSpPr>
           <p:nvPr>
             <p:ph type="title"/>
           </p:nvPr>
@@ -13392,12 +14136,12 @@
           </a:prstGeom>
         </p:spPr>
         <p:txBody>
-          <a:bodyPr anchorCtr="0" anchor="b" bIns="91425" lIns="91425" spcFirstLastPara="1" rIns="91425" wrap="square" tIns="91425">
+          <a:bodyPr spcFirstLastPara="1" wrap="square" lIns="91425" tIns="91425" rIns="91425" bIns="91425" anchor="b" anchorCtr="0">
             <a:noAutofit/>
           </a:bodyPr>
           <a:lstStyle/>
           <a:p>
-            <a:pPr indent="0" lvl="0" marL="0" rtl="0" algn="l">
+            <a:pPr marL="0" lvl="0" indent="0" algn="l" rtl="0">
               <a:spcBef>
                 <a:spcPts val="0"/>
               </a:spcBef>
@@ -13417,9 +14161,11 @@
       <p:sp>
         <p:nvSpPr>
           <p:cNvPr id="92" name="Google Shape;92;p17"/>
-          <p:cNvSpPr txBox="1"/>
+          <p:cNvSpPr txBox="1">
+            <a:spLocks noGrp="1"/>
+          </p:cNvSpPr>
           <p:nvPr>
-            <p:ph idx="1" type="body"/>
+            <p:ph type="body" idx="1"/>
           </p:nvPr>
         </p:nvSpPr>
         <p:spPr>
@@ -13432,12 +14178,12 @@
           </a:prstGeom>
         </p:spPr>
         <p:txBody>
-          <a:bodyPr anchorCtr="0" anchor="t" bIns="91425" lIns="91425" spcFirstLastPara="1" rIns="91425" wrap="square" tIns="91425">
+          <a:bodyPr spcFirstLastPara="1" wrap="square" lIns="91425" tIns="91425" rIns="91425" bIns="91425" anchor="t" anchorCtr="0">
             <a:noAutofit/>
           </a:bodyPr>
           <a:lstStyle/>
           <a:p>
-            <a:pPr indent="-342900" lvl="0" marL="457200" rtl="0" algn="l">
+            <a:pPr marL="457200" lvl="0" indent="-342900" algn="l" rtl="0">
               <a:spcBef>
                 <a:spcPts val="0"/>
               </a:spcBef>
@@ -13454,7 +14200,7 @@
             <a:endParaRPr/>
           </a:p>
           <a:p>
-            <a:pPr indent="-342900" lvl="0" marL="457200" rtl="0" algn="l">
+            <a:pPr marL="457200" lvl="0" indent="-342900" algn="l" rtl="0">
               <a:spcBef>
                 <a:spcPts val="0"/>
               </a:spcBef>
@@ -13471,7 +14217,7 @@
             <a:endParaRPr/>
           </a:p>
           <a:p>
-            <a:pPr indent="-342900" lvl="0" marL="457200" rtl="0" algn="l">
+            <a:pPr marL="457200" lvl="0" indent="-342900" algn="l" rtl="0">
               <a:spcBef>
                 <a:spcPts val="0"/>
               </a:spcBef>
@@ -13488,7 +14234,7 @@
             <a:endParaRPr/>
           </a:p>
           <a:p>
-            <a:pPr indent="-342900" lvl="0" marL="457200" rtl="0" algn="l">
+            <a:pPr marL="457200" lvl="0" indent="-342900" algn="l" rtl="0">
               <a:spcBef>
                 <a:spcPts val="0"/>
               </a:spcBef>
@@ -13515,11 +14261,11 @@
 </file>
 
 <file path=ppt/slides/slide6.xml><?xml version="1.0" encoding="utf-8"?>
-<p:sld xmlns:a="http://schemas.openxmlformats.org/drawingml/2006/main" xmlns:r="http://schemas.openxmlformats.org/officeDocument/2006/relationships" xmlns:mc="http://schemas.openxmlformats.org/markup-compatibility/2006" xmlns:mv="urn:schemas-microsoft-com:mac:vml" xmlns:p="http://schemas.openxmlformats.org/presentationml/2006/main" xmlns:c="http://schemas.openxmlformats.org/drawingml/2006/chart" xmlns:dgm="http://schemas.openxmlformats.org/drawingml/2006/diagram" xmlns:o="urn:schemas-microsoft-com:office:office" xmlns:v="urn:schemas-microsoft-com:vml" xmlns:pvml="urn:schemas-microsoft-com:office:powerpoint" xmlns:com="http://schemas.openxmlformats.org/drawingml/2006/compatibility" xmlns:p14="http://schemas.microsoft.com/office/powerpoint/2010/main" xmlns:p15="http://schemas.microsoft.com/office/powerpoint/2012/main">
+<p:sld xmlns:a="http://schemas.openxmlformats.org/drawingml/2006/main" xmlns:r="http://schemas.openxmlformats.org/officeDocument/2006/relationships" xmlns:p="http://schemas.openxmlformats.org/presentationml/2006/main">
   <p:cSld>
     <p:spTree>
       <p:nvGrpSpPr>
-        <p:cNvPr id="96" name="Shape 96"/>
+        <p:cNvPr id="1" name="Shape 96"/>
         <p:cNvGrpSpPr/>
         <p:nvPr/>
       </p:nvGrpSpPr>
@@ -13534,7 +14280,9 @@
       <p:sp>
         <p:nvSpPr>
           <p:cNvPr id="97" name="Google Shape;97;p18"/>
-          <p:cNvSpPr txBox="1"/>
+          <p:cNvSpPr txBox="1">
+            <a:spLocks noGrp="1"/>
+          </p:cNvSpPr>
           <p:nvPr>
             <p:ph type="title"/>
           </p:nvPr>
@@ -13549,12 +14297,12 @@
           </a:prstGeom>
         </p:spPr>
         <p:txBody>
-          <a:bodyPr anchorCtr="0" anchor="b" bIns="91425" lIns="91425" spcFirstLastPara="1" rIns="91425" wrap="square" tIns="91425">
+          <a:bodyPr spcFirstLastPara="1" wrap="square" lIns="91425" tIns="91425" rIns="91425" bIns="91425" anchor="b" anchorCtr="0">
             <a:noAutofit/>
           </a:bodyPr>
           <a:lstStyle/>
           <a:p>
-            <a:pPr indent="0" lvl="0" marL="0" rtl="0" algn="l">
+            <a:pPr marL="0" lvl="0" indent="0" algn="l" rtl="0">
               <a:spcBef>
                 <a:spcPts val="0"/>
               </a:spcBef>
@@ -13574,9 +14322,11 @@
       <p:sp>
         <p:nvSpPr>
           <p:cNvPr id="98" name="Google Shape;98;p18"/>
-          <p:cNvSpPr txBox="1"/>
+          <p:cNvSpPr txBox="1">
+            <a:spLocks noGrp="1"/>
+          </p:cNvSpPr>
           <p:nvPr>
-            <p:ph idx="1" type="body"/>
+            <p:ph type="body" idx="1"/>
           </p:nvPr>
         </p:nvSpPr>
         <p:spPr>
@@ -13589,12 +14339,12 @@
           </a:prstGeom>
         </p:spPr>
         <p:txBody>
-          <a:bodyPr anchorCtr="0" anchor="t" bIns="91425" lIns="91425" spcFirstLastPara="1" rIns="91425" wrap="square" tIns="91425">
+          <a:bodyPr spcFirstLastPara="1" wrap="square" lIns="91425" tIns="91425" rIns="91425" bIns="91425" anchor="t" anchorCtr="0">
             <a:noAutofit/>
           </a:bodyPr>
           <a:lstStyle/>
           <a:p>
-            <a:pPr indent="0" lvl="0" marL="457200" rtl="0" algn="l">
+            <a:pPr marL="457200" lvl="0" indent="0" algn="l" rtl="0">
               <a:spcBef>
                 <a:spcPts val="0"/>
               </a:spcBef>
@@ -13610,7 +14360,7 @@
             <a:endParaRPr/>
           </a:p>
           <a:p>
-            <a:pPr indent="0" lvl="0" marL="457200" rtl="0" algn="l">
+            <a:pPr marL="457200" lvl="0" indent="0" algn="l" rtl="0">
               <a:spcBef>
                 <a:spcPts val="1600"/>
               </a:spcBef>
@@ -13626,7 +14376,7 @@
             <a:endParaRPr/>
           </a:p>
           <a:p>
-            <a:pPr indent="0" lvl="0" marL="457200" rtl="0" algn="l">
+            <a:pPr marL="457200" lvl="0" indent="0" algn="l" rtl="0">
               <a:spcBef>
                 <a:spcPts val="1600"/>
               </a:spcBef>
@@ -13635,9 +14385,6 @@
               </a:spcAft>
               <a:buNone/>
             </a:pPr>
-            <a:r>
-              <a:t/>
-            </a:r>
             <a:endParaRPr/>
           </a:p>
         </p:txBody>
@@ -13651,11 +14398,11 @@
 </file>
 
 <file path=ppt/slides/slide7.xml><?xml version="1.0" encoding="utf-8"?>
-<p:sld xmlns:a="http://schemas.openxmlformats.org/drawingml/2006/main" xmlns:r="http://schemas.openxmlformats.org/officeDocument/2006/relationships" xmlns:mc="http://schemas.openxmlformats.org/markup-compatibility/2006" xmlns:mv="urn:schemas-microsoft-com:mac:vml" xmlns:p="http://schemas.openxmlformats.org/presentationml/2006/main" xmlns:c="http://schemas.openxmlformats.org/drawingml/2006/chart" xmlns:dgm="http://schemas.openxmlformats.org/drawingml/2006/diagram" xmlns:o="urn:schemas-microsoft-com:office:office" xmlns:v="urn:schemas-microsoft-com:vml" xmlns:pvml="urn:schemas-microsoft-com:office:powerpoint" xmlns:com="http://schemas.openxmlformats.org/drawingml/2006/compatibility" xmlns:p14="http://schemas.microsoft.com/office/powerpoint/2010/main" xmlns:p15="http://schemas.microsoft.com/office/powerpoint/2012/main">
+<p:sld xmlns:a="http://schemas.openxmlformats.org/drawingml/2006/main" xmlns:r="http://schemas.openxmlformats.org/officeDocument/2006/relationships" xmlns:p="http://schemas.openxmlformats.org/presentationml/2006/main">
   <p:cSld>
     <p:spTree>
       <p:nvGrpSpPr>
-        <p:cNvPr id="102" name="Shape 102"/>
+        <p:cNvPr id="1" name="Shape 102"/>
         <p:cNvGrpSpPr/>
         <p:nvPr/>
       </p:nvGrpSpPr>
@@ -13670,7 +14417,9 @@
       <p:sp>
         <p:nvSpPr>
           <p:cNvPr id="103" name="Google Shape;103;p19"/>
-          <p:cNvSpPr txBox="1"/>
+          <p:cNvSpPr txBox="1">
+            <a:spLocks noGrp="1"/>
+          </p:cNvSpPr>
           <p:nvPr>
             <p:ph type="title"/>
           </p:nvPr>
@@ -13685,12 +14434,12 @@
           </a:prstGeom>
         </p:spPr>
         <p:txBody>
-          <a:bodyPr anchorCtr="0" anchor="b" bIns="91425" lIns="91425" spcFirstLastPara="1" rIns="91425" wrap="square" tIns="91425">
+          <a:bodyPr spcFirstLastPara="1" wrap="square" lIns="91425" tIns="91425" rIns="91425" bIns="91425" anchor="b" anchorCtr="0">
             <a:noAutofit/>
           </a:bodyPr>
           <a:lstStyle/>
           <a:p>
-            <a:pPr indent="0" lvl="0" marL="0" rtl="0" algn="l">
+            <a:pPr marL="0" lvl="0" indent="0" algn="l" rtl="0">
               <a:spcBef>
                 <a:spcPts val="0"/>
               </a:spcBef>
@@ -13701,11 +14450,7 @@
             </a:pPr>
             <a:r>
               <a:rPr lang="en"/>
-              <a:t>Number Data</a:t>
-            </a:r>
-            <a:r>
-              <a:rPr lang="en"/>
-              <a:t> Type</a:t>
+              <a:t>Number Data Type</a:t>
             </a:r>
             <a:endParaRPr/>
           </a:p>
@@ -13714,9 +14459,11 @@
       <p:sp>
         <p:nvSpPr>
           <p:cNvPr id="104" name="Google Shape;104;p19"/>
-          <p:cNvSpPr txBox="1"/>
+          <p:cNvSpPr txBox="1">
+            <a:spLocks noGrp="1"/>
+          </p:cNvSpPr>
           <p:nvPr>
-            <p:ph idx="1" type="body"/>
+            <p:ph type="body" idx="1"/>
           </p:nvPr>
         </p:nvSpPr>
         <p:spPr>
@@ -13729,12 +14476,12 @@
           </a:prstGeom>
         </p:spPr>
         <p:txBody>
-          <a:bodyPr anchorCtr="0" anchor="t" bIns="91425" lIns="91425" spcFirstLastPara="1" rIns="91425" wrap="square" tIns="91425">
+          <a:bodyPr spcFirstLastPara="1" wrap="square" lIns="91425" tIns="91425" rIns="91425" bIns="91425" anchor="t" anchorCtr="0">
             <a:noAutofit/>
           </a:bodyPr>
           <a:lstStyle/>
           <a:p>
-            <a:pPr indent="0" lvl="0" marL="0" rtl="0" algn="l">
+            <a:pPr marL="0" lvl="0" indent="0" algn="l" rtl="0">
               <a:spcBef>
                 <a:spcPts val="0"/>
               </a:spcBef>
@@ -13750,7 +14497,7 @@
             <a:endParaRPr/>
           </a:p>
           <a:p>
-            <a:pPr indent="0" lvl="0" marL="0" rtl="0" algn="l">
+            <a:pPr marL="0" lvl="0" indent="0" algn="l" rtl="0">
               <a:spcBef>
                 <a:spcPts val="1600"/>
               </a:spcBef>
@@ -13766,7 +14513,7 @@
             <a:endParaRPr/>
           </a:p>
           <a:p>
-            <a:pPr indent="0" lvl="0" marL="0" rtl="0" algn="l">
+            <a:pPr marL="0" lvl="0" indent="0" algn="l" rtl="0">
               <a:spcBef>
                 <a:spcPts val="1600"/>
               </a:spcBef>
@@ -13782,7 +14529,7 @@
             <a:endParaRPr/>
           </a:p>
           <a:p>
-            <a:pPr indent="0" lvl="0" marL="0" rtl="0" algn="l">
+            <a:pPr marL="0" lvl="0" indent="0" algn="l" rtl="0">
               <a:spcBef>
                 <a:spcPts val="1600"/>
               </a:spcBef>
@@ -13798,7 +14545,7 @@
             <a:endParaRPr/>
           </a:p>
           <a:p>
-            <a:pPr indent="0" lvl="0" marL="0" rtl="0" algn="l">
+            <a:pPr marL="0" lvl="0" indent="0" algn="l" rtl="0">
               <a:spcBef>
                 <a:spcPts val="1600"/>
               </a:spcBef>
@@ -13807,13 +14554,10 @@
               </a:spcAft>
               <a:buNone/>
             </a:pPr>
-            <a:r>
-              <a:t/>
-            </a:r>
-            <a:endParaRPr/>
-          </a:p>
-          <a:p>
-            <a:pPr indent="0" lvl="0" marL="457200" rtl="0" algn="l">
+            <a:endParaRPr/>
+          </a:p>
+          <a:p>
+            <a:pPr marL="457200" lvl="0" indent="0" algn="l" rtl="0">
               <a:spcBef>
                 <a:spcPts val="1600"/>
               </a:spcBef>
@@ -13822,9 +14566,6 @@
               </a:spcAft>
               <a:buNone/>
             </a:pPr>
-            <a:r>
-              <a:t/>
-            </a:r>
             <a:endParaRPr/>
           </a:p>
         </p:txBody>
@@ -13838,11 +14579,11 @@
 </file>
 
 <file path=ppt/slides/slide8.xml><?xml version="1.0" encoding="utf-8"?>
-<p:sld xmlns:a="http://schemas.openxmlformats.org/drawingml/2006/main" xmlns:r="http://schemas.openxmlformats.org/officeDocument/2006/relationships" xmlns:mc="http://schemas.openxmlformats.org/markup-compatibility/2006" xmlns:mv="urn:schemas-microsoft-com:mac:vml" xmlns:p="http://schemas.openxmlformats.org/presentationml/2006/main" xmlns:c="http://schemas.openxmlformats.org/drawingml/2006/chart" xmlns:dgm="http://schemas.openxmlformats.org/drawingml/2006/diagram" xmlns:o="urn:schemas-microsoft-com:office:office" xmlns:v="urn:schemas-microsoft-com:vml" xmlns:pvml="urn:schemas-microsoft-com:office:powerpoint" xmlns:com="http://schemas.openxmlformats.org/drawingml/2006/compatibility" xmlns:p14="http://schemas.microsoft.com/office/powerpoint/2010/main" xmlns:p15="http://schemas.microsoft.com/office/powerpoint/2012/main">
+<p:sld xmlns:a="http://schemas.openxmlformats.org/drawingml/2006/main" xmlns:r="http://schemas.openxmlformats.org/officeDocument/2006/relationships" xmlns:p="http://schemas.openxmlformats.org/presentationml/2006/main">
   <p:cSld>
     <p:spTree>
       <p:nvGrpSpPr>
-        <p:cNvPr id="108" name="Shape 108"/>
+        <p:cNvPr id="1" name="Shape 108"/>
         <p:cNvGrpSpPr/>
         <p:nvPr/>
       </p:nvGrpSpPr>
@@ -13857,7 +14598,9 @@
       <p:sp>
         <p:nvSpPr>
           <p:cNvPr id="109" name="Google Shape;109;p20"/>
-          <p:cNvSpPr txBox="1"/>
+          <p:cNvSpPr txBox="1">
+            <a:spLocks noGrp="1"/>
+          </p:cNvSpPr>
           <p:nvPr>
             <p:ph type="title"/>
           </p:nvPr>
@@ -13872,12 +14615,12 @@
           </a:prstGeom>
         </p:spPr>
         <p:txBody>
-          <a:bodyPr anchorCtr="0" anchor="b" bIns="91425" lIns="91425" spcFirstLastPara="1" rIns="91425" wrap="square" tIns="91425">
+          <a:bodyPr spcFirstLastPara="1" wrap="square" lIns="91425" tIns="91425" rIns="91425" bIns="91425" anchor="b" anchorCtr="0">
             <a:noAutofit/>
           </a:bodyPr>
           <a:lstStyle/>
           <a:p>
-            <a:pPr indent="0" lvl="0" marL="0" rtl="0" algn="l">
+            <a:pPr marL="0" lvl="0" indent="0" algn="l" rtl="0">
               <a:spcBef>
                 <a:spcPts val="0"/>
               </a:spcBef>
@@ -13897,9 +14640,11 @@
       <p:sp>
         <p:nvSpPr>
           <p:cNvPr id="110" name="Google Shape;110;p20"/>
-          <p:cNvSpPr txBox="1"/>
+          <p:cNvSpPr txBox="1">
+            <a:spLocks noGrp="1"/>
+          </p:cNvSpPr>
           <p:nvPr>
-            <p:ph idx="1" type="body"/>
+            <p:ph type="body" idx="1"/>
           </p:nvPr>
         </p:nvSpPr>
         <p:spPr>
@@ -13912,12 +14657,12 @@
           </a:prstGeom>
         </p:spPr>
         <p:txBody>
-          <a:bodyPr anchorCtr="0" anchor="t" bIns="91425" lIns="91425" spcFirstLastPara="1" rIns="91425" wrap="square" tIns="91425">
+          <a:bodyPr spcFirstLastPara="1" wrap="square" lIns="91425" tIns="91425" rIns="91425" bIns="91425" anchor="t" anchorCtr="0">
             <a:noAutofit/>
           </a:bodyPr>
           <a:lstStyle/>
           <a:p>
-            <a:pPr indent="0" lvl="0" marL="457200" rtl="0" algn="l">
+            <a:pPr marL="457200" lvl="0" indent="0" algn="l" rtl="0">
               <a:spcBef>
                 <a:spcPts val="0"/>
               </a:spcBef>
@@ -13933,7 +14678,7 @@
             <a:endParaRPr/>
           </a:p>
           <a:p>
-            <a:pPr indent="0" lvl="0" marL="457200" rtl="0" algn="l">
+            <a:pPr marL="457200" lvl="0" indent="0" algn="l" rtl="0">
               <a:spcBef>
                 <a:spcPts val="1600"/>
               </a:spcBef>
@@ -13949,7 +14694,7 @@
             <a:endParaRPr/>
           </a:p>
           <a:p>
-            <a:pPr indent="0" lvl="0" marL="457200" rtl="0" algn="l">
+            <a:pPr marL="457200" lvl="0" indent="0" algn="l" rtl="0">
               <a:spcBef>
                 <a:spcPts val="1600"/>
               </a:spcBef>
@@ -13958,9 +14703,6 @@
               </a:spcAft>
               <a:buNone/>
             </a:pPr>
-            <a:r>
-              <a:t/>
-            </a:r>
             <a:endParaRPr/>
           </a:p>
         </p:txBody>
@@ -13974,11 +14716,11 @@
 </file>
 
 <file path=ppt/slides/slide9.xml><?xml version="1.0" encoding="utf-8"?>
-<p:sld xmlns:a="http://schemas.openxmlformats.org/drawingml/2006/main" xmlns:r="http://schemas.openxmlformats.org/officeDocument/2006/relationships" xmlns:mc="http://schemas.openxmlformats.org/markup-compatibility/2006" xmlns:mv="urn:schemas-microsoft-com:mac:vml" xmlns:p="http://schemas.openxmlformats.org/presentationml/2006/main" xmlns:c="http://schemas.openxmlformats.org/drawingml/2006/chart" xmlns:dgm="http://schemas.openxmlformats.org/drawingml/2006/diagram" xmlns:o="urn:schemas-microsoft-com:office:office" xmlns:v="urn:schemas-microsoft-com:vml" xmlns:pvml="urn:schemas-microsoft-com:office:powerpoint" xmlns:com="http://schemas.openxmlformats.org/drawingml/2006/compatibility" xmlns:p14="http://schemas.microsoft.com/office/powerpoint/2010/main" xmlns:p15="http://schemas.microsoft.com/office/powerpoint/2012/main">
+<p:sld xmlns:a="http://schemas.openxmlformats.org/drawingml/2006/main" xmlns:r="http://schemas.openxmlformats.org/officeDocument/2006/relationships" xmlns:p="http://schemas.openxmlformats.org/presentationml/2006/main">
   <p:cSld>
     <p:spTree>
       <p:nvGrpSpPr>
-        <p:cNvPr id="114" name="Shape 114"/>
+        <p:cNvPr id="1" name="Shape 114"/>
         <p:cNvGrpSpPr/>
         <p:nvPr/>
       </p:nvGrpSpPr>
@@ -13993,7 +14735,9 @@
       <p:sp>
         <p:nvSpPr>
           <p:cNvPr id="115" name="Google Shape;115;p21"/>
-          <p:cNvSpPr txBox="1"/>
+          <p:cNvSpPr txBox="1">
+            <a:spLocks noGrp="1"/>
+          </p:cNvSpPr>
           <p:nvPr>
             <p:ph type="title"/>
           </p:nvPr>
@@ -14008,12 +14752,12 @@
           </a:prstGeom>
         </p:spPr>
         <p:txBody>
-          <a:bodyPr anchorCtr="0" anchor="b" bIns="91425" lIns="91425" spcFirstLastPara="1" rIns="91425" wrap="square" tIns="91425">
+          <a:bodyPr spcFirstLastPara="1" wrap="square" lIns="91425" tIns="91425" rIns="91425" bIns="91425" anchor="b" anchorCtr="0">
             <a:noAutofit/>
           </a:bodyPr>
           <a:lstStyle/>
           <a:p>
-            <a:pPr indent="0" lvl="0" marL="0" rtl="0" algn="l">
+            <a:pPr marL="0" lvl="0" indent="0" algn="l" rtl="0">
               <a:spcBef>
                 <a:spcPts val="0"/>
               </a:spcBef>
@@ -14033,9 +14777,11 @@
       <p:sp>
         <p:nvSpPr>
           <p:cNvPr id="116" name="Google Shape;116;p21"/>
-          <p:cNvSpPr txBox="1"/>
+          <p:cNvSpPr txBox="1">
+            <a:spLocks noGrp="1"/>
+          </p:cNvSpPr>
           <p:nvPr>
-            <p:ph idx="1" type="body"/>
+            <p:ph type="body" idx="1"/>
           </p:nvPr>
         </p:nvSpPr>
         <p:spPr>
@@ -14048,12 +14794,12 @@
           </a:prstGeom>
         </p:spPr>
         <p:txBody>
-          <a:bodyPr anchorCtr="0" anchor="t" bIns="91425" lIns="91425" spcFirstLastPara="1" rIns="91425" wrap="square" tIns="91425">
+          <a:bodyPr spcFirstLastPara="1" wrap="square" lIns="91425" tIns="91425" rIns="91425" bIns="91425" anchor="t" anchorCtr="0">
             <a:noAutofit/>
           </a:bodyPr>
           <a:lstStyle/>
           <a:p>
-            <a:pPr indent="0" lvl="0" marL="457200" rtl="0" algn="l">
+            <a:pPr marL="457200" lvl="0" indent="0" algn="l" rtl="0">
               <a:spcBef>
                 <a:spcPts val="0"/>
               </a:spcBef>
@@ -14069,7 +14815,7 @@
             <a:endParaRPr/>
           </a:p>
           <a:p>
-            <a:pPr indent="0" lvl="0" marL="457200" rtl="0" algn="l">
+            <a:pPr marL="457200" lvl="0" indent="0" algn="l" rtl="0">
               <a:spcBef>
                 <a:spcPts val="1600"/>
               </a:spcBef>
@@ -14085,7 +14831,7 @@
             <a:endParaRPr/>
           </a:p>
           <a:p>
-            <a:pPr indent="0" lvl="0" marL="457200" rtl="0" algn="l">
+            <a:pPr marL="457200" lvl="0" indent="0" algn="l" rtl="0">
               <a:spcBef>
                 <a:spcPts val="1600"/>
               </a:spcBef>
@@ -14094,13 +14840,10 @@
               </a:spcAft>
               <a:buNone/>
             </a:pPr>
-            <a:r>
-              <a:t/>
-            </a:r>
-            <a:endParaRPr/>
-          </a:p>
-          <a:p>
-            <a:pPr indent="0" lvl="0" marL="457200" rtl="0" algn="l">
+            <a:endParaRPr/>
+          </a:p>
+          <a:p>
+            <a:pPr marL="457200" lvl="0" indent="0" algn="l" rtl="0">
               <a:spcBef>
                 <a:spcPts val="1600"/>
               </a:spcBef>
@@ -14116,7 +14859,7 @@
             <a:endParaRPr/>
           </a:p>
           <a:p>
-            <a:pPr indent="0" lvl="0" marL="457200" rtl="0" algn="l">
+            <a:pPr marL="457200" lvl="0" indent="0" algn="l" rtl="0">
               <a:spcBef>
                 <a:spcPts val="1600"/>
               </a:spcBef>
@@ -14132,7 +14875,7 @@
             <a:endParaRPr/>
           </a:p>
           <a:p>
-            <a:pPr indent="0" lvl="0" marL="457200" rtl="0" algn="l">
+            <a:pPr marL="457200" lvl="0" indent="0" algn="l" rtl="0">
               <a:spcBef>
                 <a:spcPts val="1600"/>
               </a:spcBef>
@@ -14141,13 +14884,10 @@
               </a:spcAft>
               <a:buNone/>
             </a:pPr>
-            <a:r>
-              <a:t/>
-            </a:r>
-            <a:endParaRPr/>
-          </a:p>
-          <a:p>
-            <a:pPr indent="0" lvl="0" marL="457200" rtl="0" algn="l">
+            <a:endParaRPr/>
+          </a:p>
+          <a:p>
+            <a:pPr marL="457200" lvl="0" indent="0" algn="l" rtl="0">
               <a:spcBef>
                 <a:spcPts val="1600"/>
               </a:spcBef>
@@ -14156,9 +14896,6 @@
               </a:spcAft>
               <a:buNone/>
             </a:pPr>
-            <a:r>
-              <a:t/>
-            </a:r>
             <a:endParaRPr/>
           </a:p>
         </p:txBody>
@@ -14172,7 +14909,7 @@
 </file>
 
 <file path=ppt/theme/theme1.xml><?xml version="1.0" encoding="utf-8"?>
-<a:theme xmlns:a="http://schemas.openxmlformats.org/drawingml/2006/main" xmlns:r="http://schemas.openxmlformats.org/officeDocument/2006/relationships" name="Material">
+<a:theme xmlns:a="http://schemas.openxmlformats.org/drawingml/2006/main" name="Material">
   <a:themeElements>
     <a:clrScheme name="Material">
       <a:dk1>
@@ -14447,11 +15184,13 @@
       </a:bgFillStyleLst>
     </a:fmtScheme>
   </a:themeElements>
+  <a:objectDefaults/>
+  <a:extraClrSchemeLst/>
 </a:theme>
 </file>
 
 <file path=ppt/theme/theme2.xml><?xml version="1.0" encoding="utf-8"?>
-<a:theme xmlns:a="http://schemas.openxmlformats.org/drawingml/2006/main" xmlns:r="http://schemas.openxmlformats.org/officeDocument/2006/relationships">
+<a:theme xmlns:a="http://schemas.openxmlformats.org/drawingml/2006/main">
   <a:themeElements>
     <a:clrScheme name="Default">
       <a:dk1>
@@ -14726,5 +15465,7 @@
       </a:bgFillStyleLst>
     </a:fmtScheme>
   </a:themeElements>
+  <a:objectDefaults/>
+  <a:extraClrSchemeLst/>
 </a:theme>
 </file>